--- a/Bilderkennung mit OpenCV.pptx
+++ b/Bilderkennung mit OpenCV.pptx
@@ -32,11 +32,11 @@
     <p:sldId id="299" r:id="rId23"/>
     <p:sldId id="303" r:id="rId24"/>
     <p:sldId id="301" r:id="rId25"/>
-    <p:sldId id="261" r:id="rId26"/>
-    <p:sldId id="268" r:id="rId27"/>
+    <p:sldId id="268" r:id="rId26"/>
+    <p:sldId id="317" r:id="rId27"/>
     <p:sldId id="269" r:id="rId28"/>
-    <p:sldId id="285" r:id="rId29"/>
-    <p:sldId id="290" r:id="rId30"/>
+    <p:sldId id="318" r:id="rId29"/>
+    <p:sldId id="285" r:id="rId30"/>
     <p:sldId id="291" r:id="rId31"/>
     <p:sldId id="292" r:id="rId32"/>
     <p:sldId id="304" r:id="rId33"/>
@@ -244,7 +244,7 @@
           <a:p>
             <a:fld id="{D14866AD-75F6-469A-BC8A-1B6CB962D998}" type="datetimeFigureOut">
               <a:rPr lang="de-DE" smtClean="0"/>
-              <a:t>23.04.2020</a:t>
+              <a:t>24.04.2020</a:t>
             </a:fld>
             <a:endParaRPr lang="de-DE"/>
           </a:p>
@@ -953,241 +953,28 @@
           <a:lstStyle/>
           <a:p>
             <a:r>
-              <a:rPr lang="de-DE" sz="1200" b="1" i="0" kern="1200" dirty="0" smtClean="0">
-                <a:solidFill>
-                  <a:schemeClr val="tx1"/>
-                </a:solidFill>
-                <a:effectLst/>
-                <a:latin typeface="+mn-lt"/>
-                <a:ea typeface="+mn-ea"/>
-                <a:cs typeface="+mn-cs"/>
-              </a:rPr>
-              <a:t>Haar Eigenschaften</a:t>
-            </a:r>
-          </a:p>
-          <a:p>
-            <a:r>
-              <a:rPr lang="de-DE" sz="1200" b="0" i="0" kern="1200" dirty="0" smtClean="0">
-                <a:solidFill>
-                  <a:schemeClr val="tx1"/>
-                </a:solidFill>
-                <a:effectLst/>
-                <a:latin typeface="+mn-lt"/>
-                <a:ea typeface="+mn-ea"/>
-                <a:cs typeface="+mn-cs"/>
-              </a:rPr>
-              <a:t>Alle menschlichen Gesichter teilen einige ähnliche Eigenschaften. Diese Regelmäßigkeiten kann abgestimmt werden unter Verwendung von </a:t>
-            </a:r>
-            <a:r>
-              <a:rPr lang="de-DE" sz="1200" b="1" i="0" kern="1200" dirty="0" smtClean="0">
-                <a:solidFill>
-                  <a:schemeClr val="tx1"/>
-                </a:solidFill>
-                <a:effectLst/>
-                <a:latin typeface="+mn-lt"/>
-                <a:ea typeface="+mn-ea"/>
-                <a:cs typeface="+mn-cs"/>
-              </a:rPr>
-              <a:t>Haar Eigenschaften</a:t>
-            </a:r>
-            <a:r>
-              <a:rPr lang="de-DE" sz="1200" b="0" i="0" kern="1200" dirty="0" smtClean="0">
-                <a:solidFill>
-                  <a:schemeClr val="tx1"/>
-                </a:solidFill>
-                <a:effectLst/>
-                <a:latin typeface="+mn-lt"/>
-                <a:ea typeface="+mn-ea"/>
-                <a:cs typeface="+mn-cs"/>
-              </a:rPr>
-              <a:t> .</a:t>
-            </a:r>
-          </a:p>
-          <a:p>
-            <a:r>
-              <a:rPr lang="de-DE" sz="1200" b="0" i="0" kern="1200" dirty="0" smtClean="0">
-                <a:solidFill>
-                  <a:schemeClr val="tx1"/>
-                </a:solidFill>
-                <a:effectLst/>
-                <a:latin typeface="+mn-lt"/>
-                <a:ea typeface="+mn-ea"/>
-                <a:cs typeface="+mn-cs"/>
-              </a:rPr>
-              <a:t>Einige Eigenschaften gemeinsam menschliche Gesichter:</a:t>
-            </a:r>
-          </a:p>
-          <a:p>
-            <a:r>
-              <a:rPr lang="de-DE" sz="1200" b="0" i="0" kern="1200" dirty="0" smtClean="0">
-                <a:solidFill>
-                  <a:schemeClr val="tx1"/>
-                </a:solidFill>
-                <a:effectLst/>
-                <a:latin typeface="+mn-lt"/>
-                <a:ea typeface="+mn-ea"/>
-                <a:cs typeface="+mn-cs"/>
-              </a:rPr>
-              <a:t>Die Augenpartie ist dunkler als die oberen Wangen.</a:t>
-            </a:r>
-          </a:p>
-          <a:p>
-            <a:r>
-              <a:rPr lang="de-DE" sz="1200" b="0" i="0" kern="1200" dirty="0" smtClean="0">
-                <a:solidFill>
-                  <a:schemeClr val="tx1"/>
-                </a:solidFill>
-                <a:effectLst/>
-                <a:latin typeface="+mn-lt"/>
-                <a:ea typeface="+mn-ea"/>
-                <a:cs typeface="+mn-cs"/>
-              </a:rPr>
-              <a:t>Die Nase Brückenbereich ist heller als die Augen.</a:t>
-            </a:r>
-          </a:p>
-          <a:p>
-            <a:r>
-              <a:rPr lang="de-DE" sz="1200" b="0" i="0" kern="1200" dirty="0" smtClean="0">
-                <a:solidFill>
-                  <a:schemeClr val="tx1"/>
-                </a:solidFill>
-                <a:effectLst/>
-                <a:latin typeface="+mn-lt"/>
-                <a:ea typeface="+mn-ea"/>
-                <a:cs typeface="+mn-cs"/>
-              </a:rPr>
-              <a:t>Zusammensetzung von Eigenschaften bilden abstimmbare Gesichtszüge:</a:t>
-            </a:r>
-          </a:p>
-          <a:p>
-            <a:r>
-              <a:rPr lang="de-DE" sz="1200" b="0" i="0" kern="1200" dirty="0" smtClean="0">
-                <a:solidFill>
-                  <a:schemeClr val="tx1"/>
-                </a:solidFill>
-                <a:effectLst/>
-                <a:latin typeface="+mn-lt"/>
-                <a:ea typeface="+mn-ea"/>
-                <a:cs typeface="+mn-cs"/>
-              </a:rPr>
-              <a:t>Lage und Größe: Augen, Mund, Nasenrücken</a:t>
-            </a:r>
-          </a:p>
-          <a:p>
-            <a:r>
-              <a:rPr lang="de-DE" sz="1200" b="0" i="0" kern="1200" dirty="0" smtClean="0">
-                <a:solidFill>
-                  <a:schemeClr val="tx1"/>
-                </a:solidFill>
-                <a:effectLst/>
-                <a:latin typeface="+mn-lt"/>
-                <a:ea typeface="+mn-ea"/>
-                <a:cs typeface="+mn-cs"/>
-              </a:rPr>
-              <a:t>Wert: orientierte Gradienten von Pixelintensitäten</a:t>
-            </a:r>
-          </a:p>
-          <a:p>
-            <a:r>
-              <a:rPr lang="de-DE" sz="1200" b="0" i="0" kern="1200" dirty="0" smtClean="0">
-                <a:solidFill>
-                  <a:schemeClr val="tx1"/>
-                </a:solidFill>
-                <a:effectLst/>
-                <a:latin typeface="+mn-lt"/>
-                <a:ea typeface="+mn-ea"/>
-                <a:cs typeface="+mn-cs"/>
-              </a:rPr>
-              <a:t>Die vier Funktionen durch diesen Algorithmus angepasst werden dann in dem Bild eines Gesichts gesucht (rechts dargestellt).</a:t>
-            </a:r>
-          </a:p>
-          <a:p>
-            <a:r>
-              <a:rPr lang="de-DE" sz="1200" b="0" i="0" kern="1200" dirty="0" err="1" smtClean="0">
-                <a:solidFill>
-                  <a:schemeClr val="tx1"/>
-                </a:solidFill>
-                <a:effectLst/>
-                <a:latin typeface="+mn-lt"/>
-                <a:ea typeface="+mn-ea"/>
-                <a:cs typeface="+mn-cs"/>
-              </a:rPr>
-              <a:t>Rectangle</a:t>
-            </a:r>
-            <a:r>
-              <a:rPr lang="de-DE" sz="1200" b="0" i="0" kern="1200" dirty="0" smtClean="0">
-                <a:solidFill>
-                  <a:schemeClr val="tx1"/>
-                </a:solidFill>
-                <a:effectLst/>
-                <a:latin typeface="+mn-lt"/>
-                <a:ea typeface="+mn-ea"/>
-                <a:cs typeface="+mn-cs"/>
-              </a:rPr>
-              <a:t> Merkmale:</a:t>
-            </a:r>
-          </a:p>
-          <a:p>
-            <a:r>
-              <a:rPr lang="de-DE" sz="1200" b="0" i="0" kern="1200" dirty="0" smtClean="0">
-                <a:solidFill>
-                  <a:schemeClr val="tx1"/>
-                </a:solidFill>
-                <a:effectLst/>
-                <a:latin typeface="+mn-lt"/>
-                <a:ea typeface="+mn-ea"/>
-                <a:cs typeface="+mn-cs"/>
-              </a:rPr>
-              <a:t>Wert = Σ (Pixel in schwarzem Bereich) - Σ (Pixel in weißen Bereich)</a:t>
-            </a:r>
-          </a:p>
-          <a:p>
-            <a:r>
-              <a:rPr lang="de-DE" sz="1200" b="0" i="0" kern="1200" dirty="0" smtClean="0">
-                <a:solidFill>
-                  <a:schemeClr val="tx1"/>
-                </a:solidFill>
-                <a:effectLst/>
-                <a:latin typeface="+mn-lt"/>
-                <a:ea typeface="+mn-ea"/>
-                <a:cs typeface="+mn-cs"/>
-              </a:rPr>
-              <a:t>Drei Typen: Zwei-, Drei-, Vier-Rechtecke, Viola &amp; Jones verwendet zwei Rechteckmerkmale</a:t>
-            </a:r>
-          </a:p>
-          <a:p>
-            <a:r>
-              <a:rPr lang="de-DE" sz="1200" b="0" i="0" kern="1200" dirty="0" smtClean="0">
-                <a:solidFill>
-                  <a:schemeClr val="tx1"/>
-                </a:solidFill>
-                <a:effectLst/>
-                <a:latin typeface="+mn-lt"/>
-                <a:ea typeface="+mn-ea"/>
-                <a:cs typeface="+mn-cs"/>
-              </a:rPr>
-              <a:t>Zum Beispiel: der Unterschied in der Helligkeit zwischen den weißen und schwarzen Rechtecken über einen bestimmten Bereich</a:t>
-            </a:r>
-          </a:p>
-          <a:p>
-            <a:r>
-              <a:rPr lang="de-DE" sz="1200" b="0" i="0" kern="1200" dirty="0" smtClean="0">
-                <a:solidFill>
-                  <a:schemeClr val="tx1"/>
-                </a:solidFill>
-                <a:effectLst/>
-                <a:latin typeface="+mn-lt"/>
-                <a:ea typeface="+mn-ea"/>
-                <a:cs typeface="+mn-cs"/>
-              </a:rPr>
-              <a:t>Jede Funktion wird im Zusammenhang mit einem besonderen Ort im Unterfenster</a:t>
-            </a:r>
-          </a:p>
-          <a:p>
-            <a:pPr marL="171450" indent="-171450">
-              <a:buFont typeface="Arial" panose="020B0604020202020204" pitchFamily="34" charset="0"/>
-              <a:buChar char="•"/>
-            </a:pPr>
+              <a:rPr lang="de-DE" dirty="0" smtClean="0"/>
+              <a:t>Spezialfall der Objekterkennung</a:t>
+            </a:r>
+          </a:p>
+          <a:p>
+            <a:endParaRPr lang="de-DE" dirty="0" smtClean="0"/>
+          </a:p>
+          <a:p>
+            <a:r>
+              <a:rPr lang="de-DE" dirty="0" smtClean="0"/>
+              <a:t>Befasst sich mit reiner Lokalisation</a:t>
+            </a:r>
+            <a:r>
+              <a:rPr lang="de-DE" baseline="0" dirty="0" smtClean="0"/>
+              <a:t> von Gesichtern in Bildern</a:t>
+            </a:r>
+          </a:p>
+          <a:p>
+            <a:r>
+              <a:rPr lang="de-DE" baseline="0" dirty="0" smtClean="0"/>
+              <a:t>Keine Zuordnung von Namen etc.</a:t>
+            </a:r>
             <a:endParaRPr lang="de-DE" dirty="0"/>
           </a:p>
         </p:txBody>
@@ -1209,7 +996,7 @@
           <a:p>
             <a:fld id="{822DCA9E-6AC6-4AB6-ADE9-9D0DA32568A3}" type="slidenum">
               <a:rPr lang="de-DE" smtClean="0"/>
-              <a:t>28</a:t>
+              <a:t>27</a:t>
             </a:fld>
             <a:endParaRPr lang="de-DE"/>
           </a:p>
@@ -1218,7 +1005,7 @@
     </p:spTree>
     <p:extLst>
       <p:ext uri="{BB962C8B-B14F-4D97-AF65-F5344CB8AC3E}">
-        <p14:creationId xmlns:p14="http://schemas.microsoft.com/office/powerpoint/2010/main" val="1872625074"/>
+        <p14:creationId xmlns:p14="http://schemas.microsoft.com/office/powerpoint/2010/main" val="3349590673"/>
       </p:ext>
     </p:extLst>
   </p:cSld>
@@ -1272,45 +1059,71 @@
           <a:bodyPr/>
           <a:lstStyle/>
           <a:p>
+            <a:r>
+              <a:rPr lang="de-DE" dirty="0" smtClean="0"/>
+              <a:t>Mathematisches Verfahren zur Mustererkennung</a:t>
+            </a:r>
+          </a:p>
+          <a:p>
+            <a:r>
+              <a:rPr lang="de-DE" dirty="0" smtClean="0"/>
+              <a:t>2001 vorgestellt</a:t>
+            </a:r>
+          </a:p>
+          <a:p>
+            <a:r>
+              <a:rPr lang="de-DE" dirty="0" smtClean="0"/>
+              <a:t>Erkennt</a:t>
+            </a:r>
+            <a:r>
+              <a:rPr lang="de-DE" baseline="0" dirty="0" smtClean="0"/>
+              <a:t> in Echtzeit Objekte in Bildern, vor allem beliebt bei Gesichtern</a:t>
+            </a:r>
+          </a:p>
+          <a:p>
+            <a:endParaRPr lang="de-DE" baseline="0" dirty="0" smtClean="0"/>
+          </a:p>
+          <a:p>
+            <a:r>
+              <a:rPr lang="de-DE" baseline="0" dirty="0" smtClean="0"/>
+              <a:t>Bedarf kam durch zwei Aspekte:</a:t>
+            </a:r>
+          </a:p>
+          <a:p>
             <a:pPr marL="171450" indent="-171450">
-              <a:buFont typeface="Arial" panose="020B0604020202020204" pitchFamily="34" charset="0"/>
-              <a:buChar char="•"/>
+              <a:buFontTx/>
+              <a:buChar char="-"/>
             </a:pPr>
             <a:r>
-              <a:rPr lang="de-DE" dirty="0" smtClean="0"/>
-              <a:t>Schwellenwert für Gesicht</a:t>
-            </a:r>
-            <a:r>
               <a:rPr lang="de-DE" baseline="0" dirty="0" smtClean="0"/>
-              <a:t> &lt;-&gt; Kein Gesicht</a:t>
+              <a:t>Gesichtserkennung um bei Kameras den Fokus automatisch einzustellen</a:t>
             </a:r>
           </a:p>
           <a:p>
             <a:pPr marL="171450" indent="-171450">
-              <a:buFont typeface="Arial" panose="020B0604020202020204" pitchFamily="34" charset="0"/>
-              <a:buChar char="•"/>
+              <a:buFontTx/>
+              <a:buChar char="-"/>
             </a:pPr>
             <a:r>
               <a:rPr lang="de-DE" baseline="0" dirty="0" smtClean="0"/>
-              <a:t>Fehlerquote: Alle Fehler mit dieser oder geringeren Fehlerquote werden als gute Merkmale ausgewählt</a:t>
+              <a:t>Gesichter zu Personen zuordnen</a:t>
             </a:r>
           </a:p>
           <a:p>
             <a:pPr marL="171450" indent="-171450">
-              <a:buFont typeface="Arial" panose="020B0604020202020204" pitchFamily="34" charset="0"/>
-              <a:buChar char="•"/>
+              <a:buFontTx/>
+              <a:buChar char="-"/>
             </a:pPr>
+            <a:endParaRPr lang="de-DE" baseline="0" dirty="0" smtClean="0"/>
+          </a:p>
+          <a:p>
+            <a:pPr marL="0" indent="0">
+              <a:buFontTx/>
+              <a:buNone/>
+            </a:pPr>
             <a:r>
               <a:rPr lang="de-DE" baseline="0" dirty="0" smtClean="0"/>
-              <a:t>Ein so gewähltes </a:t>
-            </a:r>
-            <a:r>
-              <a:rPr lang="de-DE" baseline="0" dirty="0" err="1" smtClean="0"/>
-              <a:t>merkmal</a:t>
-            </a:r>
-            <a:r>
-              <a:rPr lang="de-DE" baseline="0" dirty="0" smtClean="0"/>
-              <a:t> reicht alleine nicht aus, aber in Kombination mit anderen Merkmalen schon</a:t>
+              <a:t>Methode basiert auf maschinellem Lernen</a:t>
             </a:r>
             <a:endParaRPr lang="de-DE" dirty="0"/>
           </a:p>
@@ -1333,7 +1146,7 @@
           <a:p>
             <a:fld id="{822DCA9E-6AC6-4AB6-ADE9-9D0DA32568A3}" type="slidenum">
               <a:rPr lang="de-DE" smtClean="0"/>
-              <a:t>30</a:t>
+              <a:t>28</a:t>
             </a:fld>
             <a:endParaRPr lang="de-DE"/>
           </a:p>
@@ -1342,7 +1155,7 @@
     </p:spTree>
     <p:extLst>
       <p:ext uri="{BB962C8B-B14F-4D97-AF65-F5344CB8AC3E}">
-        <p14:creationId xmlns:p14="http://schemas.microsoft.com/office/powerpoint/2010/main" val="4072326722"/>
+        <p14:creationId xmlns:p14="http://schemas.microsoft.com/office/powerpoint/2010/main" val="4161095148"/>
       </p:ext>
     </p:extLst>
   </p:cSld>
@@ -1401,26 +1214,47 @@
               <a:buChar char="•"/>
             </a:pPr>
             <a:r>
-              <a:rPr lang="de-DE" dirty="0" smtClean="0"/>
-              <a:t>Eine </a:t>
-            </a:r>
-            <a:r>
-              <a:rPr lang="de-DE" dirty="0" err="1" smtClean="0"/>
-              <a:t>Cascade</a:t>
-            </a:r>
-            <a:r>
-              <a:rPr lang="de-DE" dirty="0" smtClean="0"/>
-              <a:t> hat</a:t>
-            </a:r>
-            <a:r>
-              <a:rPr lang="de-DE" baseline="0" dirty="0" smtClean="0"/>
-              <a:t> zuerst 1 Feature, dann 5, dann 10, dann 50 </a:t>
-            </a:r>
-            <a:r>
-              <a:rPr lang="de-DE" baseline="0" dirty="0" err="1" smtClean="0"/>
-              <a:t>usw</a:t>
-            </a:r>
-            <a:endParaRPr lang="de-DE" baseline="0" dirty="0" smtClean="0"/>
+              <a:rPr lang="de-DE" sz="1200" b="0" i="0" kern="1200" dirty="0" smtClean="0">
+                <a:solidFill>
+                  <a:schemeClr val="tx1"/>
+                </a:solidFill>
+                <a:effectLst/>
+                <a:latin typeface="+mn-lt"/>
+                <a:ea typeface="+mn-ea"/>
+                <a:cs typeface="+mn-cs"/>
+              </a:rPr>
+              <a:t>Alle</a:t>
+            </a:r>
+            <a:r>
+              <a:rPr lang="de-DE" sz="1200" b="0" i="0" kern="1200" baseline="0" dirty="0" smtClean="0">
+                <a:solidFill>
+                  <a:schemeClr val="tx1"/>
+                </a:solidFill>
+                <a:effectLst/>
+                <a:latin typeface="+mn-lt"/>
+                <a:ea typeface="+mn-ea"/>
+                <a:cs typeface="+mn-cs"/>
+              </a:rPr>
+              <a:t> menschlichen Gesichter teilen Eigenschaften</a:t>
+            </a:r>
+          </a:p>
+          <a:p>
+            <a:pPr marL="628650" lvl="1" indent="-171450">
+              <a:buFont typeface="Arial" panose="020B0604020202020204" pitchFamily="34" charset="0"/>
+              <a:buChar char="•"/>
+            </a:pPr>
+            <a:r>
+              <a:rPr lang="de-DE" sz="1200" b="0" i="0" kern="1200" baseline="0" dirty="0" smtClean="0">
+                <a:solidFill>
+                  <a:schemeClr val="tx1"/>
+                </a:solidFill>
+                <a:effectLst/>
+                <a:latin typeface="+mn-lt"/>
+                <a:ea typeface="+mn-ea"/>
+                <a:cs typeface="+mn-cs"/>
+              </a:rPr>
+              <a:t>Augenpartie, Nase</a:t>
+            </a:r>
           </a:p>
           <a:p>
             <a:pPr marL="171450" indent="-171450">
@@ -1428,8 +1262,166 @@
               <a:buChar char="•"/>
             </a:pPr>
             <a:r>
-              <a:rPr lang="de-DE" baseline="0" dirty="0" smtClean="0"/>
-              <a:t>Wenn beim ersten Feature schon ein negatives Ergebnis zurückkommt muss man die weiteren nicht durchlaufen und kann weiter</a:t>
+              <a:rPr lang="de-DE" sz="1200" b="0" i="0" kern="1200" baseline="0" dirty="0" smtClean="0">
+                <a:solidFill>
+                  <a:schemeClr val="tx1"/>
+                </a:solidFill>
+                <a:effectLst/>
+                <a:latin typeface="+mn-lt"/>
+                <a:ea typeface="+mn-ea"/>
+                <a:cs typeface="+mn-cs"/>
+              </a:rPr>
+              <a:t>Haar Features</a:t>
+            </a:r>
+          </a:p>
+          <a:p>
+            <a:pPr marL="628650" lvl="1" indent="-171450">
+              <a:buFont typeface="Arial" panose="020B0604020202020204" pitchFamily="34" charset="0"/>
+              <a:buChar char="•"/>
+            </a:pPr>
+            <a:r>
+              <a:rPr lang="de-DE" sz="1200" b="0" i="0" kern="1200" baseline="0" dirty="0" smtClean="0">
+                <a:solidFill>
+                  <a:schemeClr val="tx1"/>
+                </a:solidFill>
+                <a:effectLst/>
+                <a:latin typeface="+mn-lt"/>
+                <a:ea typeface="+mn-ea"/>
+                <a:cs typeface="+mn-cs"/>
+              </a:rPr>
+              <a:t>Digitale Bildmerkmale</a:t>
+            </a:r>
+          </a:p>
+          <a:p>
+            <a:pPr marL="628650" lvl="1" indent="-171450">
+              <a:buFont typeface="Arial" panose="020B0604020202020204" pitchFamily="34" charset="0"/>
+              <a:buChar char="•"/>
+            </a:pPr>
+            <a:r>
+              <a:rPr lang="de-DE" sz="1200" b="0" i="0" kern="1200" baseline="0" dirty="0" smtClean="0">
+                <a:solidFill>
+                  <a:schemeClr val="tx1"/>
+                </a:solidFill>
+                <a:effectLst/>
+                <a:latin typeface="+mn-lt"/>
+                <a:ea typeface="+mn-ea"/>
+                <a:cs typeface="+mn-cs"/>
+              </a:rPr>
+              <a:t>Berücksichtigt benachbarte Regionen in einem Detektionsfenster (s.o. Edge Line und </a:t>
+            </a:r>
+            <a:r>
+              <a:rPr lang="de-DE" sz="1200" b="0" i="0" kern="1200" baseline="0" dirty="0" err="1" smtClean="0">
+                <a:solidFill>
+                  <a:schemeClr val="tx1"/>
+                </a:solidFill>
+                <a:effectLst/>
+                <a:latin typeface="+mn-lt"/>
+                <a:ea typeface="+mn-ea"/>
+                <a:cs typeface="+mn-cs"/>
+              </a:rPr>
+              <a:t>Four-rectangle</a:t>
+            </a:r>
+            <a:r>
+              <a:rPr lang="de-DE" sz="1200" b="0" i="0" kern="1200" baseline="0" dirty="0" smtClean="0">
+                <a:solidFill>
+                  <a:schemeClr val="tx1"/>
+                </a:solidFill>
+                <a:effectLst/>
+                <a:latin typeface="+mn-lt"/>
+                <a:ea typeface="+mn-ea"/>
+                <a:cs typeface="+mn-cs"/>
+              </a:rPr>
+              <a:t>)</a:t>
+            </a:r>
+          </a:p>
+          <a:p>
+            <a:pPr marL="628650" lvl="1" indent="-171450">
+              <a:buFont typeface="Arial" panose="020B0604020202020204" pitchFamily="34" charset="0"/>
+              <a:buChar char="•"/>
+            </a:pPr>
+            <a:r>
+              <a:rPr lang="de-DE" sz="1200" b="0" i="0" kern="1200" baseline="0" dirty="0" err="1" smtClean="0">
+                <a:solidFill>
+                  <a:schemeClr val="tx1"/>
+                </a:solidFill>
+                <a:effectLst/>
+                <a:latin typeface="+mn-lt"/>
+                <a:ea typeface="+mn-ea"/>
+                <a:cs typeface="+mn-cs"/>
+              </a:rPr>
+              <a:t>PixelsummeSchwarz</a:t>
+            </a:r>
+            <a:r>
+              <a:rPr lang="de-DE" sz="1200" b="0" i="0" kern="1200" baseline="0" dirty="0" smtClean="0">
+                <a:solidFill>
+                  <a:schemeClr val="tx1"/>
+                </a:solidFill>
+                <a:effectLst/>
+                <a:latin typeface="+mn-lt"/>
+                <a:ea typeface="+mn-ea"/>
+                <a:cs typeface="+mn-cs"/>
+              </a:rPr>
+              <a:t> – </a:t>
+            </a:r>
+            <a:r>
+              <a:rPr lang="de-DE" sz="1200" b="0" i="0" kern="1200" baseline="0" dirty="0" err="1" smtClean="0">
+                <a:solidFill>
+                  <a:schemeClr val="tx1"/>
+                </a:solidFill>
+                <a:effectLst/>
+                <a:latin typeface="+mn-lt"/>
+                <a:ea typeface="+mn-ea"/>
+                <a:cs typeface="+mn-cs"/>
+              </a:rPr>
+              <a:t>PixelsummeWeiß</a:t>
+            </a:r>
+            <a:r>
+              <a:rPr lang="de-DE" sz="1200" b="0" i="0" kern="1200" baseline="0" dirty="0" smtClean="0">
+                <a:solidFill>
+                  <a:schemeClr val="tx1"/>
+                </a:solidFill>
+                <a:effectLst/>
+                <a:latin typeface="+mn-lt"/>
+                <a:ea typeface="+mn-ea"/>
+                <a:cs typeface="+mn-cs"/>
+              </a:rPr>
+              <a:t> = Differenz zur Kategorisierung von Merkmalen</a:t>
+            </a:r>
+          </a:p>
+          <a:p>
+            <a:pPr marL="628650" lvl="1" indent="-171450">
+              <a:buFont typeface="Arial" panose="020B0604020202020204" pitchFamily="34" charset="0"/>
+              <a:buChar char="•"/>
+            </a:pPr>
+            <a:r>
+              <a:rPr lang="de-DE" sz="1200" b="0" i="0" kern="1200" baseline="0" dirty="0" smtClean="0">
+                <a:solidFill>
+                  <a:schemeClr val="tx1"/>
+                </a:solidFill>
+                <a:effectLst/>
+                <a:latin typeface="+mn-lt"/>
+                <a:ea typeface="+mn-ea"/>
+                <a:cs typeface="+mn-cs"/>
+              </a:rPr>
+              <a:t>Beispiel</a:t>
+            </a:r>
+          </a:p>
+          <a:p>
+            <a:pPr marL="1085850" lvl="2" indent="-171450">
+              <a:buFont typeface="Arial" panose="020B0604020202020204" pitchFamily="34" charset="0"/>
+              <a:buChar char="•"/>
+            </a:pPr>
+            <a:r>
+              <a:rPr lang="de-DE" sz="1200" b="0" i="0" kern="1200" baseline="0" dirty="0" smtClean="0">
+                <a:solidFill>
+                  <a:schemeClr val="tx1"/>
+                </a:solidFill>
+                <a:effectLst/>
+                <a:latin typeface="+mn-lt"/>
+                <a:ea typeface="+mn-ea"/>
+                <a:cs typeface="+mn-cs"/>
+              </a:rPr>
+              <a:t>Augenregion dunkler als Wangenregion, also zwei Rechteecke welche einmal über Augen und einmal über Wangen liegen sind ein Haar Feature</a:t>
             </a:r>
           </a:p>
           <a:p>
@@ -1438,10 +1430,207 @@
               <a:buChar char="•"/>
             </a:pPr>
             <a:r>
-              <a:rPr lang="de-DE" baseline="0" dirty="0" smtClean="0"/>
-              <a:t>Erstes Feature ist das wichtigste</a:t>
-            </a:r>
-            <a:endParaRPr lang="de-DE" dirty="0"/>
+              <a:rPr lang="de-DE" sz="1200" b="0" i="0" kern="1200" baseline="0" dirty="0" smtClean="0">
+                <a:solidFill>
+                  <a:schemeClr val="tx1"/>
+                </a:solidFill>
+                <a:effectLst/>
+                <a:latin typeface="+mn-lt"/>
+                <a:ea typeface="+mn-ea"/>
+                <a:cs typeface="+mn-cs"/>
+              </a:rPr>
+              <a:t>Erkennungsphase</a:t>
+            </a:r>
+          </a:p>
+          <a:p>
+            <a:pPr marL="628650" lvl="1" indent="-171450">
+              <a:buFont typeface="Arial" panose="020B0604020202020204" pitchFamily="34" charset="0"/>
+              <a:buChar char="•"/>
+            </a:pPr>
+            <a:r>
+              <a:rPr lang="de-DE" sz="1200" b="0" i="0" kern="1200" baseline="0" dirty="0" smtClean="0">
+                <a:solidFill>
+                  <a:schemeClr val="tx1"/>
+                </a:solidFill>
+                <a:effectLst/>
+                <a:latin typeface="+mn-lt"/>
+                <a:ea typeface="+mn-ea"/>
+                <a:cs typeface="+mn-cs"/>
+              </a:rPr>
+              <a:t>Bild in Graustufen umwandeln</a:t>
+            </a:r>
+          </a:p>
+          <a:p>
+            <a:pPr marL="628650" lvl="1" indent="-171450">
+              <a:buFont typeface="Arial" panose="020B0604020202020204" pitchFamily="34" charset="0"/>
+              <a:buChar char="•"/>
+            </a:pPr>
+            <a:r>
+              <a:rPr lang="de-DE" sz="1200" b="0" i="0" kern="1200" baseline="0" dirty="0" smtClean="0">
+                <a:solidFill>
+                  <a:schemeClr val="tx1"/>
+                </a:solidFill>
+                <a:effectLst/>
+                <a:latin typeface="+mn-lt"/>
+                <a:ea typeface="+mn-ea"/>
+                <a:cs typeface="+mn-cs"/>
+              </a:rPr>
+              <a:t>Detektionsfenster über Bild wandern lassen</a:t>
+            </a:r>
+          </a:p>
+          <a:p>
+            <a:pPr marL="628650" lvl="1" indent="-171450">
+              <a:buFont typeface="Arial" panose="020B0604020202020204" pitchFamily="34" charset="0"/>
+              <a:buChar char="•"/>
+            </a:pPr>
+            <a:r>
+              <a:rPr lang="de-DE" sz="1200" b="0" i="0" kern="1200" baseline="0" dirty="0" smtClean="0">
+                <a:solidFill>
+                  <a:schemeClr val="tx1"/>
+                </a:solidFill>
+                <a:effectLst/>
+                <a:latin typeface="+mn-lt"/>
+                <a:ea typeface="+mn-ea"/>
+                <a:cs typeface="+mn-cs"/>
+              </a:rPr>
+              <a:t>Für jeden Unterabschnitt des Bildes Haar Feature berechnen</a:t>
+            </a:r>
+          </a:p>
+          <a:p>
+            <a:pPr marL="628650" lvl="1" indent="-171450">
+              <a:buFont typeface="Arial" panose="020B0604020202020204" pitchFamily="34" charset="0"/>
+              <a:buChar char="•"/>
+            </a:pPr>
+            <a:r>
+              <a:rPr lang="de-DE" sz="1200" b="0" i="0" kern="1200" baseline="0" dirty="0" smtClean="0">
+                <a:solidFill>
+                  <a:schemeClr val="tx1"/>
+                </a:solidFill>
+                <a:effectLst/>
+                <a:latin typeface="+mn-lt"/>
+                <a:ea typeface="+mn-ea"/>
+                <a:cs typeface="+mn-cs"/>
+              </a:rPr>
+              <a:t>Gelernter Schwellenwert, welcher Gesichter und Nicht-Gesichter trennt</a:t>
+            </a:r>
+          </a:p>
+          <a:p>
+            <a:pPr marL="171450" lvl="0" indent="-171450">
+              <a:buFont typeface="Arial" panose="020B0604020202020204" pitchFamily="34" charset="0"/>
+              <a:buChar char="•"/>
+            </a:pPr>
+            <a:r>
+              <a:rPr lang="de-DE" sz="1200" b="0" i="0" kern="1200" baseline="0" dirty="0" err="1" smtClean="0">
+                <a:solidFill>
+                  <a:schemeClr val="tx1"/>
+                </a:solidFill>
+                <a:effectLst/>
+                <a:latin typeface="+mn-lt"/>
+                <a:ea typeface="+mn-ea"/>
+                <a:cs typeface="+mn-cs"/>
+              </a:rPr>
+              <a:t>Klassifikator</a:t>
+            </a:r>
+            <a:endParaRPr lang="de-DE" sz="1200" b="0" i="0" kern="1200" baseline="0" dirty="0" smtClean="0">
+              <a:solidFill>
+                <a:schemeClr val="tx1"/>
+              </a:solidFill>
+              <a:effectLst/>
+              <a:latin typeface="+mn-lt"/>
+              <a:ea typeface="+mn-ea"/>
+              <a:cs typeface="+mn-cs"/>
+            </a:endParaRPr>
+          </a:p>
+          <a:p>
+            <a:pPr marL="628650" lvl="1" indent="-171450">
+              <a:buFont typeface="Arial" panose="020B0604020202020204" pitchFamily="34" charset="0"/>
+              <a:buChar char="•"/>
+            </a:pPr>
+            <a:r>
+              <a:rPr lang="de-DE" sz="1200" b="0" i="0" kern="1200" baseline="0" dirty="0" smtClean="0">
+                <a:solidFill>
+                  <a:schemeClr val="tx1"/>
+                </a:solidFill>
+                <a:effectLst/>
+                <a:latin typeface="+mn-lt"/>
+                <a:ea typeface="+mn-ea"/>
+                <a:cs typeface="+mn-cs"/>
+              </a:rPr>
+              <a:t>Alleine schwach, aber Viola-Jones-Methode kombiniert viele Haar Features um einen starken </a:t>
+            </a:r>
+            <a:r>
+              <a:rPr lang="de-DE" sz="1200" b="0" i="0" kern="1200" baseline="0" dirty="0" err="1" smtClean="0">
+                <a:solidFill>
+                  <a:schemeClr val="tx1"/>
+                </a:solidFill>
+                <a:effectLst/>
+                <a:latin typeface="+mn-lt"/>
+                <a:ea typeface="+mn-ea"/>
+                <a:cs typeface="+mn-cs"/>
+              </a:rPr>
+              <a:t>Klassifikator</a:t>
+            </a:r>
+            <a:r>
+              <a:rPr lang="de-DE" sz="1200" b="0" i="0" kern="1200" baseline="0" dirty="0" smtClean="0">
+                <a:solidFill>
+                  <a:schemeClr val="tx1"/>
+                </a:solidFill>
+                <a:effectLst/>
+                <a:latin typeface="+mn-lt"/>
+                <a:ea typeface="+mn-ea"/>
+                <a:cs typeface="+mn-cs"/>
+              </a:rPr>
+              <a:t> zu erstellen mittels Cascading (später)</a:t>
+            </a:r>
+          </a:p>
+          <a:p>
+            <a:pPr marL="171450" lvl="0" indent="-171450">
+              <a:buFont typeface="Arial" panose="020B0604020202020204" pitchFamily="34" charset="0"/>
+              <a:buChar char="•"/>
+            </a:pPr>
+            <a:r>
+              <a:rPr lang="de-DE" sz="1200" b="0" i="0" kern="1200" baseline="0" dirty="0" smtClean="0">
+                <a:solidFill>
+                  <a:schemeClr val="tx1"/>
+                </a:solidFill>
+                <a:effectLst/>
+                <a:latin typeface="+mn-lt"/>
+                <a:ea typeface="+mn-ea"/>
+                <a:cs typeface="+mn-cs"/>
+              </a:rPr>
+              <a:t>d</a:t>
+            </a:r>
+            <a:endParaRPr lang="de-DE" sz="1200" b="0" i="0" kern="1200" dirty="0" smtClean="0">
+              <a:solidFill>
+                <a:schemeClr val="tx1"/>
+              </a:solidFill>
+              <a:effectLst/>
+              <a:latin typeface="+mn-lt"/>
+              <a:ea typeface="+mn-ea"/>
+              <a:cs typeface="+mn-cs"/>
+            </a:endParaRPr>
+          </a:p>
+          <a:p>
+            <a:endParaRPr lang="de-DE" sz="1200" b="1" i="0" kern="1200" dirty="0" smtClean="0">
+              <a:solidFill>
+                <a:schemeClr val="tx1"/>
+              </a:solidFill>
+              <a:effectLst/>
+              <a:latin typeface="+mn-lt"/>
+              <a:ea typeface="+mn-ea"/>
+              <a:cs typeface="+mn-cs"/>
+            </a:endParaRPr>
+          </a:p>
+          <a:p>
+            <a:endParaRPr lang="de-DE" sz="1200" b="1" i="0" kern="1200" dirty="0" smtClean="0">
+              <a:solidFill>
+                <a:schemeClr val="tx1"/>
+              </a:solidFill>
+              <a:effectLst/>
+              <a:latin typeface="+mn-lt"/>
+              <a:ea typeface="+mn-ea"/>
+              <a:cs typeface="+mn-cs"/>
+            </a:endParaRPr>
           </a:p>
         </p:txBody>
       </p:sp>
@@ -1462,7 +1651,7 @@
           <a:p>
             <a:fld id="{822DCA9E-6AC6-4AB6-ADE9-9D0DA32568A3}" type="slidenum">
               <a:rPr lang="de-DE" smtClean="0"/>
-              <a:t>31</a:t>
+              <a:t>29</a:t>
             </a:fld>
             <a:endParaRPr lang="de-DE"/>
           </a:p>
@@ -1471,7 +1660,7 @@
     </p:spTree>
     <p:extLst>
       <p:ext uri="{BB962C8B-B14F-4D97-AF65-F5344CB8AC3E}">
-        <p14:creationId xmlns:p14="http://schemas.microsoft.com/office/powerpoint/2010/main" val="3763435510"/>
+        <p14:creationId xmlns:p14="http://schemas.microsoft.com/office/powerpoint/2010/main" val="1872625074"/>
       </p:ext>
     </p:extLst>
   </p:cSld>
@@ -1531,6 +1720,307 @@
             </a:pPr>
             <a:r>
               <a:rPr lang="de-DE" dirty="0" smtClean="0"/>
+              <a:t>Kombination</a:t>
+            </a:r>
+            <a:r>
+              <a:rPr lang="de-DE" baseline="0" dirty="0" smtClean="0"/>
+              <a:t> von </a:t>
+            </a:r>
+            <a:r>
+              <a:rPr lang="de-DE" baseline="0" dirty="0" err="1" smtClean="0"/>
+              <a:t>Klassifikatoren</a:t>
+            </a:r>
+            <a:r>
+              <a:rPr lang="de-DE" baseline="0" smtClean="0"/>
+              <a:t> TODO!!!!!!!!!!!!!!</a:t>
+            </a:r>
+            <a:endParaRPr lang="de-DE" dirty="0" smtClean="0"/>
+          </a:p>
+          <a:p>
+            <a:pPr marL="171450" indent="-171450">
+              <a:buFont typeface="Arial" panose="020B0604020202020204" pitchFamily="34" charset="0"/>
+              <a:buChar char="•"/>
+            </a:pPr>
+            <a:endParaRPr lang="de-DE" dirty="0" smtClean="0"/>
+          </a:p>
+          <a:p>
+            <a:pPr marL="171450" indent="-171450">
+              <a:buFont typeface="Arial" panose="020B0604020202020204" pitchFamily="34" charset="0"/>
+              <a:buChar char="•"/>
+            </a:pPr>
+            <a:endParaRPr lang="de-DE" dirty="0" smtClean="0"/>
+          </a:p>
+          <a:p>
+            <a:pPr marL="171450" indent="-171450">
+              <a:buFont typeface="Arial" panose="020B0604020202020204" pitchFamily="34" charset="0"/>
+              <a:buChar char="•"/>
+            </a:pPr>
+            <a:endParaRPr lang="de-DE" dirty="0" smtClean="0"/>
+          </a:p>
+          <a:p>
+            <a:pPr marL="171450" indent="-171450">
+              <a:buFont typeface="Arial" panose="020B0604020202020204" pitchFamily="34" charset="0"/>
+              <a:buChar char="•"/>
+            </a:pPr>
+            <a:r>
+              <a:rPr lang="de-DE" dirty="0" smtClean="0"/>
+              <a:t>Schwellenwert </a:t>
+            </a:r>
+            <a:r>
+              <a:rPr lang="de-DE" dirty="0" smtClean="0"/>
+              <a:t>für Gesicht</a:t>
+            </a:r>
+            <a:r>
+              <a:rPr lang="de-DE" baseline="0" dirty="0" smtClean="0"/>
+              <a:t> &lt;-&gt; Kein Gesicht</a:t>
+            </a:r>
+          </a:p>
+          <a:p>
+            <a:pPr marL="171450" indent="-171450">
+              <a:buFont typeface="Arial" panose="020B0604020202020204" pitchFamily="34" charset="0"/>
+              <a:buChar char="•"/>
+            </a:pPr>
+            <a:r>
+              <a:rPr lang="de-DE" baseline="0" dirty="0" smtClean="0"/>
+              <a:t>Fehlerquote: Alle Fehler mit dieser oder geringeren Fehlerquote werden als gute Merkmale ausgewählt</a:t>
+            </a:r>
+          </a:p>
+          <a:p>
+            <a:pPr marL="171450" indent="-171450">
+              <a:buFont typeface="Arial" panose="020B0604020202020204" pitchFamily="34" charset="0"/>
+              <a:buChar char="•"/>
+            </a:pPr>
+            <a:r>
+              <a:rPr lang="de-DE" baseline="0" dirty="0" smtClean="0"/>
+              <a:t>Ein so gewähltes </a:t>
+            </a:r>
+            <a:r>
+              <a:rPr lang="de-DE" baseline="0" dirty="0" err="1" smtClean="0"/>
+              <a:t>merkmal</a:t>
+            </a:r>
+            <a:r>
+              <a:rPr lang="de-DE" baseline="0" dirty="0" smtClean="0"/>
+              <a:t> reicht alleine nicht aus, aber in Kombination mit anderen Merkmalen schon</a:t>
+            </a:r>
+            <a:endParaRPr lang="de-DE" dirty="0"/>
+          </a:p>
+        </p:txBody>
+      </p:sp>
+      <p:sp>
+        <p:nvSpPr>
+          <p:cNvPr id="4" name="Foliennummernplatzhalter 3"/>
+          <p:cNvSpPr>
+            <a:spLocks noGrp="1"/>
+          </p:cNvSpPr>
+          <p:nvPr>
+            <p:ph type="sldNum" sz="quarter" idx="10"/>
+          </p:nvPr>
+        </p:nvSpPr>
+        <p:spPr/>
+        <p:txBody>
+          <a:bodyPr/>
+          <a:lstStyle/>
+          <a:p>
+            <a:fld id="{822DCA9E-6AC6-4AB6-ADE9-9D0DA32568A3}" type="slidenum">
+              <a:rPr lang="de-DE" smtClean="0"/>
+              <a:t>30</a:t>
+            </a:fld>
+            <a:endParaRPr lang="de-DE"/>
+          </a:p>
+        </p:txBody>
+      </p:sp>
+    </p:spTree>
+    <p:extLst>
+      <p:ext uri="{BB962C8B-B14F-4D97-AF65-F5344CB8AC3E}">
+        <p14:creationId xmlns:p14="http://schemas.microsoft.com/office/powerpoint/2010/main" val="4072326722"/>
+      </p:ext>
+    </p:extLst>
+  </p:cSld>
+  <p:clrMapOvr>
+    <a:masterClrMapping/>
+  </p:clrMapOvr>
+</p:notes>
+</file>
+
+<file path=ppt/notesSlides/notesSlide6.xml><?xml version="1.0" encoding="utf-8"?>
+<p:notes xmlns:a="http://schemas.openxmlformats.org/drawingml/2006/main" xmlns:r="http://schemas.openxmlformats.org/officeDocument/2006/relationships" xmlns:p="http://schemas.openxmlformats.org/presentationml/2006/main">
+  <p:cSld>
+    <p:spTree>
+      <p:nvGrpSpPr>
+        <p:cNvPr id="1" name=""/>
+        <p:cNvGrpSpPr/>
+        <p:nvPr/>
+      </p:nvGrpSpPr>
+      <p:grpSpPr>
+        <a:xfrm>
+          <a:off x="0" y="0"/>
+          <a:ext cx="0" cy="0"/>
+          <a:chOff x="0" y="0"/>
+          <a:chExt cx="0" cy="0"/>
+        </a:xfrm>
+      </p:grpSpPr>
+      <p:sp>
+        <p:nvSpPr>
+          <p:cNvPr id="2" name="Folienbildplatzhalter 1"/>
+          <p:cNvSpPr>
+            <a:spLocks noGrp="1" noRot="1" noChangeAspect="1"/>
+          </p:cNvSpPr>
+          <p:nvPr>
+            <p:ph type="sldImg"/>
+          </p:nvPr>
+        </p:nvSpPr>
+        <p:spPr/>
+      </p:sp>
+      <p:sp>
+        <p:nvSpPr>
+          <p:cNvPr id="3" name="Notizenplatzhalter 2"/>
+          <p:cNvSpPr>
+            <a:spLocks noGrp="1"/>
+          </p:cNvSpPr>
+          <p:nvPr>
+            <p:ph type="body" idx="1"/>
+          </p:nvPr>
+        </p:nvSpPr>
+        <p:spPr/>
+        <p:txBody>
+          <a:bodyPr/>
+          <a:lstStyle/>
+          <a:p>
+            <a:pPr marL="171450" indent="-171450">
+              <a:buFont typeface="Arial" panose="020B0604020202020204" pitchFamily="34" charset="0"/>
+              <a:buChar char="•"/>
+            </a:pPr>
+            <a:r>
+              <a:rPr lang="de-DE" dirty="0" smtClean="0"/>
+              <a:t>Eine </a:t>
+            </a:r>
+            <a:r>
+              <a:rPr lang="de-DE" dirty="0" err="1" smtClean="0"/>
+              <a:t>Cascade</a:t>
+            </a:r>
+            <a:r>
+              <a:rPr lang="de-DE" dirty="0" smtClean="0"/>
+              <a:t> hat</a:t>
+            </a:r>
+            <a:r>
+              <a:rPr lang="de-DE" baseline="0" dirty="0" smtClean="0"/>
+              <a:t> zuerst 1 Feature, dann 5, dann 10, dann 50 </a:t>
+            </a:r>
+            <a:r>
+              <a:rPr lang="de-DE" baseline="0" dirty="0" err="1" smtClean="0"/>
+              <a:t>usw</a:t>
+            </a:r>
+            <a:endParaRPr lang="de-DE" baseline="0" dirty="0" smtClean="0"/>
+          </a:p>
+          <a:p>
+            <a:pPr marL="171450" indent="-171450">
+              <a:buFont typeface="Arial" panose="020B0604020202020204" pitchFamily="34" charset="0"/>
+              <a:buChar char="•"/>
+            </a:pPr>
+            <a:r>
+              <a:rPr lang="de-DE" baseline="0" dirty="0" smtClean="0"/>
+              <a:t>Wenn beim ersten Feature schon ein negatives Ergebnis zurückkommt muss man die weiteren nicht durchlaufen und kann weiter</a:t>
+            </a:r>
+          </a:p>
+          <a:p>
+            <a:pPr marL="171450" indent="-171450">
+              <a:buFont typeface="Arial" panose="020B0604020202020204" pitchFamily="34" charset="0"/>
+              <a:buChar char="•"/>
+            </a:pPr>
+            <a:r>
+              <a:rPr lang="de-DE" baseline="0" dirty="0" smtClean="0"/>
+              <a:t>Erstes Feature ist das wichtigste</a:t>
+            </a:r>
+            <a:endParaRPr lang="de-DE" dirty="0"/>
+          </a:p>
+        </p:txBody>
+      </p:sp>
+      <p:sp>
+        <p:nvSpPr>
+          <p:cNvPr id="4" name="Foliennummernplatzhalter 3"/>
+          <p:cNvSpPr>
+            <a:spLocks noGrp="1"/>
+          </p:cNvSpPr>
+          <p:nvPr>
+            <p:ph type="sldNum" sz="quarter" idx="10"/>
+          </p:nvPr>
+        </p:nvSpPr>
+        <p:spPr/>
+        <p:txBody>
+          <a:bodyPr/>
+          <a:lstStyle/>
+          <a:p>
+            <a:fld id="{822DCA9E-6AC6-4AB6-ADE9-9D0DA32568A3}" type="slidenum">
+              <a:rPr lang="de-DE" smtClean="0"/>
+              <a:t>31</a:t>
+            </a:fld>
+            <a:endParaRPr lang="de-DE"/>
+          </a:p>
+        </p:txBody>
+      </p:sp>
+    </p:spTree>
+    <p:extLst>
+      <p:ext uri="{BB962C8B-B14F-4D97-AF65-F5344CB8AC3E}">
+        <p14:creationId xmlns:p14="http://schemas.microsoft.com/office/powerpoint/2010/main" val="3763435510"/>
+      </p:ext>
+    </p:extLst>
+  </p:cSld>
+  <p:clrMapOvr>
+    <a:masterClrMapping/>
+  </p:clrMapOvr>
+</p:notes>
+</file>
+
+<file path=ppt/notesSlides/notesSlide7.xml><?xml version="1.0" encoding="utf-8"?>
+<p:notes xmlns:a="http://schemas.openxmlformats.org/drawingml/2006/main" xmlns:r="http://schemas.openxmlformats.org/officeDocument/2006/relationships" xmlns:p="http://schemas.openxmlformats.org/presentationml/2006/main">
+  <p:cSld>
+    <p:spTree>
+      <p:nvGrpSpPr>
+        <p:cNvPr id="1" name=""/>
+        <p:cNvGrpSpPr/>
+        <p:nvPr/>
+      </p:nvGrpSpPr>
+      <p:grpSpPr>
+        <a:xfrm>
+          <a:off x="0" y="0"/>
+          <a:ext cx="0" cy="0"/>
+          <a:chOff x="0" y="0"/>
+          <a:chExt cx="0" cy="0"/>
+        </a:xfrm>
+      </p:grpSpPr>
+      <p:sp>
+        <p:nvSpPr>
+          <p:cNvPr id="2" name="Folienbildplatzhalter 1"/>
+          <p:cNvSpPr>
+            <a:spLocks noGrp="1" noRot="1" noChangeAspect="1"/>
+          </p:cNvSpPr>
+          <p:nvPr>
+            <p:ph type="sldImg"/>
+          </p:nvPr>
+        </p:nvSpPr>
+        <p:spPr/>
+      </p:sp>
+      <p:sp>
+        <p:nvSpPr>
+          <p:cNvPr id="3" name="Notizenplatzhalter 2"/>
+          <p:cNvSpPr>
+            <a:spLocks noGrp="1"/>
+          </p:cNvSpPr>
+          <p:nvPr>
+            <p:ph type="body" idx="1"/>
+          </p:nvPr>
+        </p:nvSpPr>
+        <p:spPr/>
+        <p:txBody>
+          <a:bodyPr/>
+          <a:lstStyle/>
+          <a:p>
+            <a:pPr marL="171450" indent="-171450">
+              <a:buFont typeface="Arial" panose="020B0604020202020204" pitchFamily="34" charset="0"/>
+              <a:buChar char="•"/>
+            </a:pPr>
+            <a:r>
+              <a:rPr lang="de-DE" dirty="0" smtClean="0"/>
               <a:t>Eine </a:t>
             </a:r>
             <a:r>
@@ -1610,7 +2100,7 @@
 </p:notes>
 </file>
 
-<file path=ppt/notesSlides/notesSlide6.xml><?xml version="1.0" encoding="utf-8"?>
+<file path=ppt/notesSlides/notesSlide8.xml><?xml version="1.0" encoding="utf-8"?>
 <p:notes xmlns:a="http://schemas.openxmlformats.org/drawingml/2006/main" xmlns:r="http://schemas.openxmlformats.org/officeDocument/2006/relationships" xmlns:p="http://schemas.openxmlformats.org/presentationml/2006/main">
   <p:cSld>
     <p:spTree>
@@ -1888,7 +2378,7 @@
           <a:p>
             <a:fld id="{02F70808-E3CD-4AA7-B1A3-CAEC432DFA49}" type="datetime1">
               <a:rPr lang="LID4096" smtClean="0"/>
-              <a:t>04/23/2020</a:t>
+              <a:t>04/24/2020</a:t>
             </a:fld>
             <a:endParaRPr lang="en-DE"/>
           </a:p>
@@ -2092,7 +2582,7 @@
           <a:p>
             <a:fld id="{C62C7F1B-14AB-4095-A95D-5B4AEE244616}" type="datetime1">
               <a:rPr lang="LID4096" smtClean="0"/>
-              <a:t>04/23/2020</a:t>
+              <a:t>04/24/2020</a:t>
             </a:fld>
             <a:endParaRPr lang="en-DE"/>
           </a:p>
@@ -2306,7 +2796,7 @@
           <a:p>
             <a:fld id="{72996713-1C83-45C7-94F9-BC832AE5B1CF}" type="datetime1">
               <a:rPr lang="LID4096" smtClean="0"/>
-              <a:t>04/23/2020</a:t>
+              <a:t>04/24/2020</a:t>
             </a:fld>
             <a:endParaRPr lang="en-DE"/>
           </a:p>
@@ -2510,7 +3000,7 @@
           <a:p>
             <a:fld id="{18C8AB18-199E-4DA5-9A7C-AC3F0DF1F84A}" type="datetime1">
               <a:rPr lang="LID4096" smtClean="0"/>
-              <a:t>04/23/2020</a:t>
+              <a:t>04/24/2020</a:t>
             </a:fld>
             <a:endParaRPr lang="en-DE"/>
           </a:p>
@@ -2790,7 +3280,7 @@
           <a:p>
             <a:fld id="{DDB5E9F7-ACBA-4F06-A50C-902B940C41BF}" type="datetime1">
               <a:rPr lang="LID4096" smtClean="0"/>
-              <a:t>04/23/2020</a:t>
+              <a:t>04/24/2020</a:t>
             </a:fld>
             <a:endParaRPr lang="en-DE"/>
           </a:p>
@@ -3062,7 +3552,7 @@
           <a:p>
             <a:fld id="{47E285F1-E6E2-4C61-9969-ECE249C10029}" type="datetime1">
               <a:rPr lang="LID4096" smtClean="0"/>
-              <a:t>04/23/2020</a:t>
+              <a:t>04/24/2020</a:t>
             </a:fld>
             <a:endParaRPr lang="en-DE"/>
           </a:p>
@@ -3481,7 +3971,7 @@
           <a:p>
             <a:fld id="{3AF922FA-E6CF-4267-8B78-CD4C5BE36EC4}" type="datetime1">
               <a:rPr lang="LID4096" smtClean="0"/>
-              <a:t>04/23/2020</a:t>
+              <a:t>04/24/2020</a:t>
             </a:fld>
             <a:endParaRPr lang="en-DE"/>
           </a:p>
@@ -3627,7 +4117,7 @@
           <a:p>
             <a:fld id="{5874279C-FCEC-4637-937E-6BB416A37805}" type="datetime1">
               <a:rPr lang="LID4096" smtClean="0"/>
-              <a:t>04/23/2020</a:t>
+              <a:t>04/24/2020</a:t>
             </a:fld>
             <a:endParaRPr lang="en-DE"/>
           </a:p>
@@ -3744,7 +4234,7 @@
           <a:p>
             <a:fld id="{CC10DAB0-BB31-43A0-B9BB-988A4079834E}" type="datetime1">
               <a:rPr lang="LID4096" smtClean="0"/>
-              <a:t>04/23/2020</a:t>
+              <a:t>04/24/2020</a:t>
             </a:fld>
             <a:endParaRPr lang="en-DE"/>
           </a:p>
@@ -4061,7 +4551,7 @@
           <a:p>
             <a:fld id="{A05F5496-B28F-48F0-A0BF-7861A192E2A7}" type="datetime1">
               <a:rPr lang="LID4096" smtClean="0"/>
-              <a:t>04/23/2020</a:t>
+              <a:t>04/24/2020</a:t>
             </a:fld>
             <a:endParaRPr lang="en-DE"/>
           </a:p>
@@ -4354,7 +4844,7 @@
           <a:p>
             <a:fld id="{19407F8D-7F15-4995-A39F-D79D134198CE}" type="datetime1">
               <a:rPr lang="LID4096" smtClean="0"/>
-              <a:t>04/23/2020</a:t>
+              <a:t>04/24/2020</a:t>
             </a:fld>
             <a:endParaRPr lang="en-DE"/>
           </a:p>
@@ -4601,7 +5091,7 @@
           <a:p>
             <a:fld id="{B161653D-E32A-42B0-9D34-39EE3A6ADB32}" type="datetime1">
               <a:rPr lang="LID4096" smtClean="0"/>
-              <a:t>04/23/2020</a:t>
+              <a:t>04/24/2020</a:t>
             </a:fld>
             <a:endParaRPr lang="en-DE"/>
           </a:p>
@@ -5114,7 +5604,7 @@
           <a:p>
             <a:fld id="{FDCE565A-66B4-411B-B7BF-350DA9D48C3F}" type="datetime1">
               <a:rPr lang="LID4096" smtClean="0"/>
-              <a:t>04/23/2020</a:t>
+              <a:t>04/24/2020</a:t>
             </a:fld>
             <a:endParaRPr lang="en-DE"/>
           </a:p>
@@ -5301,7 +5791,7 @@
           <a:p>
             <a:fld id="{18C8AB18-199E-4DA5-9A7C-AC3F0DF1F84A}" type="datetime1">
               <a:rPr lang="LID4096" smtClean="0"/>
-              <a:t>04/23/2020</a:t>
+              <a:t>04/24/2020</a:t>
             </a:fld>
             <a:endParaRPr lang="en-DE"/>
           </a:p>
@@ -5503,7 +5993,7 @@
           <a:p>
             <a:fld id="{3C5210D8-C34F-40B6-8466-7F4D4C210910}" type="datetime1">
               <a:rPr lang="LID4096" smtClean="0"/>
-              <a:t>04/23/2020</a:t>
+              <a:t>04/24/2020</a:t>
             </a:fld>
             <a:endParaRPr lang="en-DE"/>
           </a:p>
@@ -5684,7 +6174,7 @@
           <a:p>
             <a:fld id="{5D6055CC-7B8E-49B1-AEC7-97BB8388B221}" type="datetime1">
               <a:rPr lang="LID4096" smtClean="0"/>
-              <a:t>04/23/2020</a:t>
+              <a:t>04/24/2020</a:t>
             </a:fld>
             <a:endParaRPr lang="en-DE"/>
           </a:p>
@@ -5871,7 +6361,7 @@
           <a:p>
             <a:fld id="{E72DC239-85DA-4D7F-A658-069E86544DEE}" type="datetime1">
               <a:rPr lang="LID4096" smtClean="0"/>
-              <a:t>04/23/2020</a:t>
+              <a:t>04/24/2020</a:t>
             </a:fld>
             <a:endParaRPr lang="en-DE"/>
           </a:p>
@@ -6016,7 +6506,7 @@
                 <a14:useLocalDpi xmlns:a14="http://schemas.microsoft.com/office/drawing/2010/main" val="0"/>
               </a:ext>
               <a:ext uri="{96DAC541-7B7A-43D3-8B79-37D633B846F1}">
-                <asvg:svgBlip xmlns:asvg="http://schemas.microsoft.com/office/drawing/2016/SVG/main" xmlns="" r:embed="rId3"/>
+                <asvg:svgBlip xmlns="" xmlns:asvg="http://schemas.microsoft.com/office/drawing/2016/SVG/main" r:embed="rId3"/>
               </a:ext>
             </a:extLst>
           </a:blip>
@@ -6054,7 +6544,7 @@
           <a:p>
             <a:fld id="{545121B7-4D1F-463F-808D-0FB845E3DE3C}" type="datetime1">
               <a:rPr lang="LID4096" smtClean="0"/>
-              <a:t>04/23/2020</a:t>
+              <a:t>04/24/2020</a:t>
             </a:fld>
             <a:endParaRPr lang="en-DE"/>
           </a:p>
@@ -6231,7 +6721,7 @@
           <a:p>
             <a:fld id="{E72DC239-85DA-4D7F-A658-069E86544DEE}" type="datetime1">
               <a:rPr lang="LID4096" smtClean="0"/>
-              <a:t>04/23/2020</a:t>
+              <a:t>04/24/2020</a:t>
             </a:fld>
             <a:endParaRPr lang="en-DE"/>
           </a:p>
@@ -6376,7 +6866,7 @@
                 <a14:useLocalDpi xmlns:a14="http://schemas.microsoft.com/office/drawing/2010/main" val="0"/>
               </a:ext>
               <a:ext uri="{96DAC541-7B7A-43D3-8B79-37D633B846F1}">
-                <asvg:svgBlip xmlns:asvg="http://schemas.microsoft.com/office/drawing/2016/SVG/main" xmlns="" r:embed="rId3"/>
+                <asvg:svgBlip xmlns="" xmlns:asvg="http://schemas.microsoft.com/office/drawing/2016/SVG/main" r:embed="rId3"/>
               </a:ext>
             </a:extLst>
           </a:blip>
@@ -6414,7 +6904,7 @@
           <a:p>
             <a:fld id="{B87336EA-93EB-4E0E-A48E-1E84CC9A69C5}" type="datetime1">
               <a:rPr lang="LID4096" smtClean="0"/>
-              <a:t>04/23/2020</a:t>
+              <a:t>04/24/2020</a:t>
             </a:fld>
             <a:endParaRPr lang="en-DE"/>
           </a:p>
@@ -6559,7 +7049,7 @@
                 <a14:useLocalDpi xmlns:a14="http://schemas.microsoft.com/office/drawing/2010/main" val="0"/>
               </a:ext>
               <a:ext uri="{96DAC541-7B7A-43D3-8B79-37D633B846F1}">
-                <asvg:svgBlip xmlns:asvg="http://schemas.microsoft.com/office/drawing/2016/SVG/main" xmlns="" r:embed="rId3"/>
+                <asvg:svgBlip xmlns="" xmlns:asvg="http://schemas.microsoft.com/office/drawing/2016/SVG/main" r:embed="rId3"/>
               </a:ext>
             </a:extLst>
           </a:blip>
@@ -6597,7 +7087,7 @@
           <a:p>
             <a:fld id="{E66FF822-6110-47E8-B738-21D15873B8DE}" type="datetime1">
               <a:rPr lang="LID4096" smtClean="0"/>
-              <a:t>04/23/2020</a:t>
+              <a:t>04/24/2020</a:t>
             </a:fld>
             <a:endParaRPr lang="en-DE"/>
           </a:p>
@@ -6754,7 +7244,7 @@
           <a:p>
             <a:fld id="{18C8AB18-199E-4DA5-9A7C-AC3F0DF1F84A}" type="datetime1">
               <a:rPr lang="LID4096" smtClean="0"/>
-              <a:t>04/23/2020</a:t>
+              <a:t>04/24/2020</a:t>
             </a:fld>
             <a:endParaRPr lang="en-DE"/>
           </a:p>
@@ -6907,7 +7397,7 @@
           <a:p>
             <a:fld id="{18C8AB18-199E-4DA5-9A7C-AC3F0DF1F84A}" type="datetime1">
               <a:rPr lang="LID4096" smtClean="0"/>
-              <a:t>04/23/2020</a:t>
+              <a:t>04/24/2020</a:t>
             </a:fld>
             <a:endParaRPr lang="en-DE"/>
           </a:p>
@@ -7134,7 +7624,7 @@
           <a:p>
             <a:fld id="{9298F3A6-09EA-4093-9186-BCBA42B5BD0B}" type="datetime1">
               <a:rPr lang="LID4096" smtClean="0"/>
-              <a:t>04/23/2020</a:t>
+              <a:t>04/24/2020</a:t>
             </a:fld>
             <a:endParaRPr lang="en-DE"/>
           </a:p>
@@ -7307,7 +7797,7 @@
           <a:p>
             <a:fld id="{18C8AB18-199E-4DA5-9A7C-AC3F0DF1F84A}" type="datetime1">
               <a:rPr lang="LID4096" smtClean="0"/>
-              <a:t>04/23/2020</a:t>
+              <a:t>04/24/2020</a:t>
             </a:fld>
             <a:endParaRPr lang="en-DE"/>
           </a:p>
@@ -7435,7 +7925,7 @@
           <a:p>
             <a:fld id="{18C8AB18-199E-4DA5-9A7C-AC3F0DF1F84A}" type="datetime1">
               <a:rPr lang="LID4096" smtClean="0"/>
-              <a:t>04/23/2020</a:t>
+              <a:t>04/24/2020</a:t>
             </a:fld>
             <a:endParaRPr lang="en-DE"/>
           </a:p>
@@ -7592,7 +8082,7 @@
           <a:p>
             <a:fld id="{18C8AB18-199E-4DA5-9A7C-AC3F0DF1F84A}" type="datetime1">
               <a:rPr lang="LID4096" smtClean="0"/>
-              <a:t>04/23/2020</a:t>
+              <a:t>04/24/2020</a:t>
             </a:fld>
             <a:endParaRPr lang="en-DE"/>
           </a:p>
@@ -7761,7 +8251,7 @@
           <a:p>
             <a:fld id="{18C8AB18-199E-4DA5-9A7C-AC3F0DF1F84A}" type="datetime1">
               <a:rPr lang="LID4096" smtClean="0"/>
-              <a:t>04/23/2020</a:t>
+              <a:t>04/24/2020</a:t>
             </a:fld>
             <a:endParaRPr lang="en-DE"/>
           </a:p>
@@ -7889,7 +8379,7 @@
           <a:p>
             <a:fld id="{18C8AB18-199E-4DA5-9A7C-AC3F0DF1F84A}" type="datetime1">
               <a:rPr lang="LID4096" smtClean="0"/>
-              <a:t>04/23/2020</a:t>
+              <a:t>04/24/2020</a:t>
             </a:fld>
             <a:endParaRPr lang="en-DE"/>
           </a:p>
@@ -7976,7 +8466,7 @@
           <p:cNvPr id="4" name="Titel 3">
             <a:extLst>
               <a:ext uri="{FF2B5EF4-FFF2-40B4-BE49-F238E27FC236}">
-                <a16:creationId xmlns:a16="http://schemas.microsoft.com/office/drawing/2014/main" id="{BAFEB9B6-68B7-493C-8627-50397D1A6789}"/>
+                <a16:creationId xmlns:a16="http://schemas.microsoft.com/office/drawing/2014/main" id="{74DFDC50-BF48-4306-B792-3DD696397D09}"/>
               </a:ext>
             </a:extLst>
           </p:cNvPr>
@@ -7994,7 +8484,7 @@
           <a:p>
             <a:r>
               <a:rPr lang="de-DE" dirty="0"/>
-              <a:t>Gesichtserkennung</a:t>
+              <a:t>Unterscheidung</a:t>
             </a:r>
             <a:endParaRPr lang="en-DE" dirty="0"/>
           </a:p>
@@ -8002,10 +8492,10 @@
       </p:sp>
       <p:sp>
         <p:nvSpPr>
-          <p:cNvPr id="5" name="Textplatzhalter 4">
-            <a:extLst>
-              <a:ext uri="{FF2B5EF4-FFF2-40B4-BE49-F238E27FC236}">
-                <a16:creationId xmlns:a16="http://schemas.microsoft.com/office/drawing/2014/main" id="{731A542A-75E4-4029-991E-B47BD4E89059}"/>
+          <p:cNvPr id="6" name="Textplatzhalter 5">
+            <a:extLst>
+              <a:ext uri="{FF2B5EF4-FFF2-40B4-BE49-F238E27FC236}">
+                <a16:creationId xmlns:a16="http://schemas.microsoft.com/office/drawing/2014/main" id="{189A04F5-5B25-40FD-B2F8-80B653EFA120}"/>
               </a:ext>
             </a:extLst>
           </p:cNvPr>
@@ -8021,7 +8511,123 @@
           <a:bodyPr/>
           <a:lstStyle/>
           <a:p>
-            <a:endParaRPr lang="en-DE"/>
+            <a:r>
+              <a:rPr lang="de-DE" sz="2800" dirty="0"/>
+              <a:t>Face </a:t>
+            </a:r>
+            <a:r>
+              <a:rPr lang="de-DE" sz="2800" dirty="0" err="1"/>
+              <a:t>detection</a:t>
+            </a:r>
+            <a:endParaRPr lang="de-DE" sz="2800" dirty="0"/>
+          </a:p>
+        </p:txBody>
+      </p:sp>
+      <p:sp>
+        <p:nvSpPr>
+          <p:cNvPr id="5" name="Inhaltsplatzhalter 4">
+            <a:extLst>
+              <a:ext uri="{FF2B5EF4-FFF2-40B4-BE49-F238E27FC236}">
+                <a16:creationId xmlns:a16="http://schemas.microsoft.com/office/drawing/2014/main" id="{A3C2BB9C-2448-49F4-B4E1-B2E4FD53B1B4}"/>
+              </a:ext>
+            </a:extLst>
+          </p:cNvPr>
+          <p:cNvSpPr>
+            <a:spLocks noGrp="1"/>
+          </p:cNvSpPr>
+          <p:nvPr>
+            <p:ph sz="half" idx="2"/>
+          </p:nvPr>
+        </p:nvSpPr>
+        <p:spPr/>
+        <p:txBody>
+          <a:bodyPr/>
+          <a:lstStyle/>
+          <a:p>
+            <a:r>
+              <a:rPr lang="de-DE" dirty="0"/>
+              <a:t>Gesichter in einem Bild erkennen</a:t>
+            </a:r>
+          </a:p>
+          <a:p>
+            <a:r>
+              <a:rPr lang="de-DE" dirty="0"/>
+              <a:t>Keine weitere Zuordnungen</a:t>
+            </a:r>
+            <a:endParaRPr lang="en-DE" dirty="0"/>
+          </a:p>
+        </p:txBody>
+      </p:sp>
+      <p:sp>
+        <p:nvSpPr>
+          <p:cNvPr id="7" name="Textplatzhalter 6">
+            <a:extLst>
+              <a:ext uri="{FF2B5EF4-FFF2-40B4-BE49-F238E27FC236}">
+                <a16:creationId xmlns:a16="http://schemas.microsoft.com/office/drawing/2014/main" id="{A2F3E6EB-8A35-49E8-BF60-D6EEE72F9577}"/>
+              </a:ext>
+            </a:extLst>
+          </p:cNvPr>
+          <p:cNvSpPr>
+            <a:spLocks noGrp="1"/>
+          </p:cNvSpPr>
+          <p:nvPr>
+            <p:ph type="body" sz="quarter" idx="3"/>
+          </p:nvPr>
+        </p:nvSpPr>
+        <p:spPr/>
+        <p:txBody>
+          <a:bodyPr/>
+          <a:lstStyle/>
+          <a:p>
+            <a:r>
+              <a:rPr lang="de-DE" sz="2800" dirty="0"/>
+              <a:t>Face </a:t>
+            </a:r>
+            <a:r>
+              <a:rPr lang="de-DE" sz="2800" dirty="0" err="1"/>
+              <a:t>recognition</a:t>
+            </a:r>
+            <a:endParaRPr lang="en-DE" sz="2800" dirty="0"/>
+          </a:p>
+        </p:txBody>
+      </p:sp>
+      <p:sp>
+        <p:nvSpPr>
+          <p:cNvPr id="8" name="Inhaltsplatzhalter 7">
+            <a:extLst>
+              <a:ext uri="{FF2B5EF4-FFF2-40B4-BE49-F238E27FC236}">
+                <a16:creationId xmlns:a16="http://schemas.microsoft.com/office/drawing/2014/main" id="{ACDF1F6C-4067-42D9-A619-6E3B54F49D18}"/>
+              </a:ext>
+            </a:extLst>
+          </p:cNvPr>
+          <p:cNvSpPr>
+            <a:spLocks noGrp="1"/>
+          </p:cNvSpPr>
+          <p:nvPr>
+            <p:ph sz="quarter" idx="4"/>
+          </p:nvPr>
+        </p:nvSpPr>
+        <p:spPr/>
+        <p:txBody>
+          <a:bodyPr/>
+          <a:lstStyle/>
+          <a:p>
+            <a:r>
+              <a:rPr lang="de-DE" dirty="0"/>
+              <a:t>Basis bildet Face </a:t>
+            </a:r>
+            <a:r>
+              <a:rPr lang="de-DE" dirty="0" err="1"/>
+              <a:t>detection</a:t>
+            </a:r>
+            <a:endParaRPr lang="de-DE" dirty="0"/>
+          </a:p>
+          <a:p>
+            <a:r>
+              <a:rPr lang="de-DE" dirty="0"/>
+              <a:t>Zuordnung der Gesichter zu Personen</a:t>
+            </a:r>
+            <a:endParaRPr lang="en-DE" dirty="0"/>
           </a:p>
         </p:txBody>
       </p:sp>
@@ -8030,7 +8636,7 @@
           <p:cNvPr id="2" name="Datumsplatzhalter 1">
             <a:extLst>
               <a:ext uri="{FF2B5EF4-FFF2-40B4-BE49-F238E27FC236}">
-                <a16:creationId xmlns:a16="http://schemas.microsoft.com/office/drawing/2014/main" id="{B9961B72-0E64-4546-86DE-7A9213AEF0BF}"/>
+                <a16:creationId xmlns:a16="http://schemas.microsoft.com/office/drawing/2014/main" id="{3DD8FB0B-9896-4467-A519-9D2E92C1DD52}"/>
               </a:ext>
             </a:extLst>
           </p:cNvPr>
@@ -8046,9 +8652,9 @@
           <a:bodyPr/>
           <a:lstStyle/>
           <a:p>
-            <a:fld id="{9F79514C-9DB9-4FFA-BE8F-D89F9E36933A}" type="datetime1">
+            <a:fld id="{F2FB0A1B-B84C-4468-87FB-A47D8696D8D0}" type="datetime1">
               <a:rPr lang="LID4096" smtClean="0"/>
-              <a:t>04/23/2020</a:t>
+              <a:t>04/24/2020</a:t>
             </a:fld>
             <a:endParaRPr lang="en-DE"/>
           </a:p>
@@ -8059,7 +8665,7 @@
           <p:cNvPr id="3" name="Foliennummernplatzhalter 2">
             <a:extLst>
               <a:ext uri="{FF2B5EF4-FFF2-40B4-BE49-F238E27FC236}">
-                <a16:creationId xmlns:a16="http://schemas.microsoft.com/office/drawing/2014/main" id="{59922F05-46B0-46B5-AD1C-A3D20B11B3DD}"/>
+                <a16:creationId xmlns:a16="http://schemas.microsoft.com/office/drawing/2014/main" id="{F8A4956D-BC3D-404A-86AC-071873C85631}"/>
               </a:ext>
             </a:extLst>
           </p:cNvPr>
@@ -8085,10 +8691,10 @@
       </p:sp>
       <p:sp>
         <p:nvSpPr>
-          <p:cNvPr id="6" name="Fußzeilenplatzhalter 5">
-            <a:extLst>
-              <a:ext uri="{FF2B5EF4-FFF2-40B4-BE49-F238E27FC236}">
-                <a16:creationId xmlns:a16="http://schemas.microsoft.com/office/drawing/2014/main" id="{1E3CF692-6BEB-4EE8-8A69-7C2A04FFF05B}"/>
+          <p:cNvPr id="9" name="Fußzeilenplatzhalter 8">
+            <a:extLst>
+              <a:ext uri="{FF2B5EF4-FFF2-40B4-BE49-F238E27FC236}">
+                <a16:creationId xmlns:a16="http://schemas.microsoft.com/office/drawing/2014/main" id="{B1BE3BB3-733E-4D3E-95D6-C1B784E20738}"/>
               </a:ext>
             </a:extLst>
           </p:cNvPr>
@@ -8115,7 +8721,7 @@
     </p:spTree>
     <p:extLst>
       <p:ext uri="{BB962C8B-B14F-4D97-AF65-F5344CB8AC3E}">
-        <p14:creationId xmlns:p14="http://schemas.microsoft.com/office/powerpoint/2010/main" val="227052283"/>
+        <p14:creationId xmlns:p14="http://schemas.microsoft.com/office/powerpoint/2010/main" val="1030595959"/>
       </p:ext>
     </p:extLst>
   </p:cSld>
@@ -8147,7 +8753,7 @@
           <p:cNvPr id="4" name="Titel 3">
             <a:extLst>
               <a:ext uri="{FF2B5EF4-FFF2-40B4-BE49-F238E27FC236}">
-                <a16:creationId xmlns:a16="http://schemas.microsoft.com/office/drawing/2014/main" id="{74DFDC50-BF48-4306-B792-3DD696397D09}"/>
+                <a16:creationId xmlns:a16="http://schemas.microsoft.com/office/drawing/2014/main" id="{BAFEB9B6-68B7-493C-8627-50397D1A6789}"/>
               </a:ext>
             </a:extLst>
           </p:cNvPr>
@@ -8164,8 +8770,12 @@
           <a:lstStyle/>
           <a:p>
             <a:r>
-              <a:rPr lang="de-DE" dirty="0"/>
-              <a:t>Unterscheidung</a:t>
+              <a:rPr lang="de-DE" dirty="0" smtClean="0"/>
+              <a:t>Face </a:t>
+            </a:r>
+            <a:r>
+              <a:rPr lang="de-DE" dirty="0" err="1" smtClean="0"/>
+              <a:t>Detection</a:t>
             </a:r>
             <a:endParaRPr lang="en-DE" dirty="0"/>
           </a:p>
@@ -8173,10 +8783,10 @@
       </p:sp>
       <p:sp>
         <p:nvSpPr>
-          <p:cNvPr id="6" name="Textplatzhalter 5">
-            <a:extLst>
-              <a:ext uri="{FF2B5EF4-FFF2-40B4-BE49-F238E27FC236}">
-                <a16:creationId xmlns:a16="http://schemas.microsoft.com/office/drawing/2014/main" id="{189A04F5-5B25-40FD-B2F8-80B653EFA120}"/>
+          <p:cNvPr id="5" name="Textplatzhalter 4">
+            <a:extLst>
+              <a:ext uri="{FF2B5EF4-FFF2-40B4-BE49-F238E27FC236}">
+                <a16:creationId xmlns:a16="http://schemas.microsoft.com/office/drawing/2014/main" id="{731A542A-75E4-4029-991E-B47BD4E89059}"/>
               </a:ext>
             </a:extLst>
           </p:cNvPr>
@@ -8192,123 +8802,7 @@
           <a:bodyPr/>
           <a:lstStyle/>
           <a:p>
-            <a:r>
-              <a:rPr lang="de-DE" sz="2800" dirty="0"/>
-              <a:t>Face </a:t>
-            </a:r>
-            <a:r>
-              <a:rPr lang="de-DE" sz="2800" dirty="0" err="1"/>
-              <a:t>detection</a:t>
-            </a:r>
-            <a:endParaRPr lang="de-DE" sz="2800" dirty="0"/>
-          </a:p>
-        </p:txBody>
-      </p:sp>
-      <p:sp>
-        <p:nvSpPr>
-          <p:cNvPr id="5" name="Inhaltsplatzhalter 4">
-            <a:extLst>
-              <a:ext uri="{FF2B5EF4-FFF2-40B4-BE49-F238E27FC236}">
-                <a16:creationId xmlns:a16="http://schemas.microsoft.com/office/drawing/2014/main" id="{A3C2BB9C-2448-49F4-B4E1-B2E4FD53B1B4}"/>
-              </a:ext>
-            </a:extLst>
-          </p:cNvPr>
-          <p:cNvSpPr>
-            <a:spLocks noGrp="1"/>
-          </p:cNvSpPr>
-          <p:nvPr>
-            <p:ph sz="half" idx="2"/>
-          </p:nvPr>
-        </p:nvSpPr>
-        <p:spPr/>
-        <p:txBody>
-          <a:bodyPr/>
-          <a:lstStyle/>
-          <a:p>
-            <a:r>
-              <a:rPr lang="de-DE" dirty="0"/>
-              <a:t>Gesichter in einem Bild erkennen</a:t>
-            </a:r>
-          </a:p>
-          <a:p>
-            <a:r>
-              <a:rPr lang="de-DE" dirty="0"/>
-              <a:t>Keine weitere Zuordnungen</a:t>
-            </a:r>
-            <a:endParaRPr lang="en-DE" dirty="0"/>
-          </a:p>
-        </p:txBody>
-      </p:sp>
-      <p:sp>
-        <p:nvSpPr>
-          <p:cNvPr id="7" name="Textplatzhalter 6">
-            <a:extLst>
-              <a:ext uri="{FF2B5EF4-FFF2-40B4-BE49-F238E27FC236}">
-                <a16:creationId xmlns:a16="http://schemas.microsoft.com/office/drawing/2014/main" id="{A2F3E6EB-8A35-49E8-BF60-D6EEE72F9577}"/>
-              </a:ext>
-            </a:extLst>
-          </p:cNvPr>
-          <p:cNvSpPr>
-            <a:spLocks noGrp="1"/>
-          </p:cNvSpPr>
-          <p:nvPr>
-            <p:ph type="body" sz="quarter" idx="3"/>
-          </p:nvPr>
-        </p:nvSpPr>
-        <p:spPr/>
-        <p:txBody>
-          <a:bodyPr/>
-          <a:lstStyle/>
-          <a:p>
-            <a:r>
-              <a:rPr lang="de-DE" sz="2800" dirty="0"/>
-              <a:t>Face </a:t>
-            </a:r>
-            <a:r>
-              <a:rPr lang="de-DE" sz="2800" dirty="0" err="1"/>
-              <a:t>recognition</a:t>
-            </a:r>
-            <a:endParaRPr lang="en-DE" sz="2800" dirty="0"/>
-          </a:p>
-        </p:txBody>
-      </p:sp>
-      <p:sp>
-        <p:nvSpPr>
-          <p:cNvPr id="8" name="Inhaltsplatzhalter 7">
-            <a:extLst>
-              <a:ext uri="{FF2B5EF4-FFF2-40B4-BE49-F238E27FC236}">
-                <a16:creationId xmlns:a16="http://schemas.microsoft.com/office/drawing/2014/main" id="{ACDF1F6C-4067-42D9-A619-6E3B54F49D18}"/>
-              </a:ext>
-            </a:extLst>
-          </p:cNvPr>
-          <p:cNvSpPr>
-            <a:spLocks noGrp="1"/>
-          </p:cNvSpPr>
-          <p:nvPr>
-            <p:ph sz="quarter" idx="4"/>
-          </p:nvPr>
-        </p:nvSpPr>
-        <p:spPr/>
-        <p:txBody>
-          <a:bodyPr/>
-          <a:lstStyle/>
-          <a:p>
-            <a:r>
-              <a:rPr lang="de-DE" dirty="0"/>
-              <a:t>Basis bildet Face </a:t>
-            </a:r>
-            <a:r>
-              <a:rPr lang="de-DE" dirty="0" err="1"/>
-              <a:t>detection</a:t>
-            </a:r>
-            <a:endParaRPr lang="de-DE" dirty="0"/>
-          </a:p>
-          <a:p>
-            <a:r>
-              <a:rPr lang="de-DE" dirty="0"/>
-              <a:t>Zuordnung der Gesichter zu Personen</a:t>
-            </a:r>
-            <a:endParaRPr lang="en-DE" dirty="0"/>
+            <a:endParaRPr lang="en-DE"/>
           </a:p>
         </p:txBody>
       </p:sp>
@@ -8317,7 +8811,7 @@
           <p:cNvPr id="2" name="Datumsplatzhalter 1">
             <a:extLst>
               <a:ext uri="{FF2B5EF4-FFF2-40B4-BE49-F238E27FC236}">
-                <a16:creationId xmlns:a16="http://schemas.microsoft.com/office/drawing/2014/main" id="{3DD8FB0B-9896-4467-A519-9D2E92C1DD52}"/>
+                <a16:creationId xmlns:a16="http://schemas.microsoft.com/office/drawing/2014/main" id="{B9961B72-0E64-4546-86DE-7A9213AEF0BF}"/>
               </a:ext>
             </a:extLst>
           </p:cNvPr>
@@ -8333,9 +8827,9 @@
           <a:bodyPr/>
           <a:lstStyle/>
           <a:p>
-            <a:fld id="{F2FB0A1B-B84C-4468-87FB-A47D8696D8D0}" type="datetime1">
+            <a:fld id="{9F79514C-9DB9-4FFA-BE8F-D89F9E36933A}" type="datetime1">
               <a:rPr lang="LID4096" smtClean="0"/>
-              <a:t>04/23/2020</a:t>
+              <a:t>04/24/2020</a:t>
             </a:fld>
             <a:endParaRPr lang="en-DE"/>
           </a:p>
@@ -8346,7 +8840,7 @@
           <p:cNvPr id="3" name="Foliennummernplatzhalter 2">
             <a:extLst>
               <a:ext uri="{FF2B5EF4-FFF2-40B4-BE49-F238E27FC236}">
-                <a16:creationId xmlns:a16="http://schemas.microsoft.com/office/drawing/2014/main" id="{F8A4956D-BC3D-404A-86AC-071873C85631}"/>
+                <a16:creationId xmlns:a16="http://schemas.microsoft.com/office/drawing/2014/main" id="{59922F05-46B0-46B5-AD1C-A3D20B11B3DD}"/>
               </a:ext>
             </a:extLst>
           </p:cNvPr>
@@ -8372,10 +8866,10 @@
       </p:sp>
       <p:sp>
         <p:nvSpPr>
-          <p:cNvPr id="9" name="Fußzeilenplatzhalter 8">
-            <a:extLst>
-              <a:ext uri="{FF2B5EF4-FFF2-40B4-BE49-F238E27FC236}">
-                <a16:creationId xmlns:a16="http://schemas.microsoft.com/office/drawing/2014/main" id="{B1BE3BB3-733E-4D3E-95D6-C1B784E20738}"/>
+          <p:cNvPr id="6" name="Fußzeilenplatzhalter 5">
+            <a:extLst>
+              <a:ext uri="{FF2B5EF4-FFF2-40B4-BE49-F238E27FC236}">
+                <a16:creationId xmlns:a16="http://schemas.microsoft.com/office/drawing/2014/main" id="{1E3CF692-6BEB-4EE8-8A69-7C2A04FFF05B}"/>
               </a:ext>
             </a:extLst>
           </p:cNvPr>
@@ -8402,7 +8896,7 @@
     </p:spTree>
     <p:extLst>
       <p:ext uri="{BB962C8B-B14F-4D97-AF65-F5344CB8AC3E}">
-        <p14:creationId xmlns:p14="http://schemas.microsoft.com/office/powerpoint/2010/main" val="1030595959"/>
+        <p14:creationId xmlns:p14="http://schemas.microsoft.com/office/powerpoint/2010/main" val="4289776068"/>
       </p:ext>
     </p:extLst>
   </p:cSld>
@@ -8451,70 +8945,18 @@
           <a:lstStyle/>
           <a:p>
             <a:r>
-              <a:rPr lang="de-DE" dirty="0"/>
+              <a:rPr lang="de-DE" dirty="0" smtClean="0"/>
               <a:t>Face </a:t>
             </a:r>
             <a:r>
-              <a:rPr lang="de-DE" dirty="0" err="1"/>
-              <a:t>detection</a:t>
+              <a:rPr lang="de-DE" dirty="0" err="1" smtClean="0"/>
+              <a:t>Detection</a:t>
+            </a:r>
+            <a:r>
+              <a:rPr lang="de-DE" dirty="0" smtClean="0"/>
+              <a:t> - Allgemein</a:t>
             </a:r>
             <a:endParaRPr lang="en-DE" dirty="0"/>
-          </a:p>
-        </p:txBody>
-      </p:sp>
-      <p:sp>
-        <p:nvSpPr>
-          <p:cNvPr id="5" name="Inhaltsplatzhalter 4">
-            <a:extLst>
-              <a:ext uri="{FF2B5EF4-FFF2-40B4-BE49-F238E27FC236}">
-                <a16:creationId xmlns:a16="http://schemas.microsoft.com/office/drawing/2014/main" id="{D96C7B3B-8027-4287-996E-4AA0FFC422C8}"/>
-              </a:ext>
-            </a:extLst>
-          </p:cNvPr>
-          <p:cNvSpPr>
-            <a:spLocks noGrp="1"/>
-          </p:cNvSpPr>
-          <p:nvPr>
-            <p:ph idx="1"/>
-          </p:nvPr>
-        </p:nvSpPr>
-        <p:spPr/>
-        <p:txBody>
-          <a:bodyPr/>
-          <a:lstStyle/>
-          <a:p>
-            <a:r>
-              <a:rPr lang="de-DE" dirty="0" smtClean="0"/>
-              <a:t>Viola-Jones-Methode (2001)</a:t>
-            </a:r>
-          </a:p>
-          <a:p>
-            <a:pPr lvl="1"/>
-            <a:r>
-              <a:rPr lang="de-DE" dirty="0" smtClean="0"/>
-              <a:t>Haar Feature </a:t>
-            </a:r>
-            <a:r>
-              <a:rPr lang="de-DE" dirty="0" err="1" smtClean="0"/>
-              <a:t>Selection</a:t>
-            </a:r>
-            <a:endParaRPr lang="de-DE" dirty="0" smtClean="0"/>
-          </a:p>
-          <a:p>
-            <a:pPr lvl="1"/>
-            <a:r>
-              <a:rPr lang="de-DE" dirty="0" err="1" smtClean="0"/>
-              <a:t>AdaBoost</a:t>
-            </a:r>
-            <a:endParaRPr lang="de-DE" dirty="0" smtClean="0"/>
-          </a:p>
-          <a:p>
-            <a:pPr lvl="1"/>
-            <a:r>
-              <a:rPr lang="de-DE" dirty="0" smtClean="0"/>
-              <a:t>Cascading</a:t>
-            </a:r>
-            <a:endParaRPr lang="de-DE" dirty="0"/>
           </a:p>
         </p:txBody>
       </p:sp>
@@ -8541,7 +8983,7 @@
           <a:p>
             <a:fld id="{F80EC265-6E54-4455-AA32-FFA0B62CD849}" type="datetime1">
               <a:rPr lang="LID4096" smtClean="0"/>
-              <a:t>04/23/2020</a:t>
+              <a:t>04/24/2020</a:t>
             </a:fld>
             <a:endParaRPr lang="en-DE"/>
           </a:p>
@@ -8602,6 +9044,80 @@
               <a:t>MSI - Bilderkennung mit OpenCV</a:t>
             </a:r>
             <a:endParaRPr lang="en-DE"/>
+          </a:p>
+        </p:txBody>
+      </p:sp>
+      <p:pic>
+        <p:nvPicPr>
+          <p:cNvPr id="1026" name="Picture 2" descr="Datei:Face detection example openCV.jpg – Wikipedia"/>
+          <p:cNvPicPr>
+            <a:picLocks noGrp="1" noChangeAspect="1" noChangeArrowheads="1"/>
+          </p:cNvPicPr>
+          <p:nvPr>
+            <p:ph idx="1"/>
+          </p:nvPr>
+        </p:nvPicPr>
+        <p:blipFill>
+          <a:blip r:embed="rId3">
+            <a:extLst>
+              <a:ext uri="{28A0092B-C50C-407E-A947-70E740481C1C}">
+                <a14:useLocalDpi xmlns:a14="http://schemas.microsoft.com/office/drawing/2010/main" val="0"/>
+              </a:ext>
+            </a:extLst>
+          </a:blip>
+          <a:srcRect/>
+          <a:stretch>
+            <a:fillRect/>
+          </a:stretch>
+        </p:blipFill>
+        <p:spPr bwMode="auto">
+          <a:xfrm>
+            <a:off x="2621732" y="1253331"/>
+            <a:ext cx="6948531" cy="4733687"/>
+          </a:xfrm>
+          <a:prstGeom prst="rect">
+            <a:avLst/>
+          </a:prstGeom>
+          <a:noFill/>
+          <a:extLst>
+            <a:ext uri="{909E8E84-426E-40DD-AFC4-6F175D3DCCD1}">
+              <a14:hiddenFill xmlns:a14="http://schemas.microsoft.com/office/drawing/2010/main">
+                <a:solidFill>
+                  <a:srgbClr val="FFFFFF"/>
+                </a:solidFill>
+              </a14:hiddenFill>
+            </a:ext>
+          </a:extLst>
+        </p:spPr>
+      </p:pic>
+      <p:sp>
+        <p:nvSpPr>
+          <p:cNvPr id="3" name="Rechteck 2"/>
+          <p:cNvSpPr/>
+          <p:nvPr/>
+        </p:nvSpPr>
+        <p:spPr>
+          <a:xfrm>
+            <a:off x="2472749" y="5987018"/>
+            <a:ext cx="7246495" cy="369332"/>
+          </a:xfrm>
+          <a:prstGeom prst="rect">
+            <a:avLst/>
+          </a:prstGeom>
+        </p:spPr>
+        <p:txBody>
+          <a:bodyPr wrap="square">
+            <a:spAutoFit/>
+          </a:bodyPr>
+          <a:lstStyle/>
+          <a:p>
+            <a:r>
+              <a:rPr lang="de-DE" dirty="0">
+                <a:hlinkClick r:id="rId4"/>
+              </a:rPr>
+              <a:t>https://de.wikipedia.org/wiki/Datei:Face_detection_example_openCV.jpg</a:t>
+            </a:r>
+            <a:endParaRPr lang="de-DE" dirty="0"/>
           </a:p>
         </p:txBody>
       </p:sp>
@@ -8637,10 +9153,10 @@
       </p:grpSpPr>
       <p:sp>
         <p:nvSpPr>
-          <p:cNvPr id="2" name="Titel 1">
-            <a:extLst>
-              <a:ext uri="{FF2B5EF4-FFF2-40B4-BE49-F238E27FC236}">
-                <a16:creationId xmlns:a16="http://schemas.microsoft.com/office/drawing/2014/main" id="{327BC407-0557-4ACF-806A-6D1ABDC0676A}"/>
+          <p:cNvPr id="7" name="Titel 6">
+            <a:extLst>
+              <a:ext uri="{FF2B5EF4-FFF2-40B4-BE49-F238E27FC236}">
+                <a16:creationId xmlns:a16="http://schemas.microsoft.com/office/drawing/2014/main" id="{FCBF07AF-63C0-486A-A777-5AF786F03BD3}"/>
               </a:ext>
             </a:extLst>
           </p:cNvPr>
@@ -8657,26 +9173,111 @@
           <a:lstStyle/>
           <a:p>
             <a:r>
+              <a:rPr lang="de-DE" dirty="0"/>
+              <a:t>Face </a:t>
+            </a:r>
+            <a:r>
+              <a:rPr lang="de-DE" dirty="0" err="1" smtClean="0"/>
+              <a:t>Detection</a:t>
+            </a:r>
+            <a:r>
               <a:rPr lang="de-DE" dirty="0" smtClean="0"/>
-              <a:t>Haar Feature </a:t>
-            </a:r>
-            <a:r>
-              <a:rPr lang="de-DE" dirty="0" err="1" smtClean="0"/>
-              <a:t>Selection</a:t>
-            </a:r>
-            <a:endParaRPr lang="de-DE" dirty="0"/>
+              <a:t> – Viola-Jones-Methode</a:t>
+            </a:r>
+            <a:endParaRPr lang="en-DE" dirty="0"/>
+          </a:p>
+        </p:txBody>
+      </p:sp>
+      <p:sp>
+        <p:nvSpPr>
+          <p:cNvPr id="18" name="Datumsplatzhalter 17">
+            <a:extLst>
+              <a:ext uri="{FF2B5EF4-FFF2-40B4-BE49-F238E27FC236}">
+                <a16:creationId xmlns:a16="http://schemas.microsoft.com/office/drawing/2014/main" id="{C1A900D8-45B5-4FDC-989E-048A9CEF3F00}"/>
+              </a:ext>
+            </a:extLst>
+          </p:cNvPr>
+          <p:cNvSpPr>
+            <a:spLocks noGrp="1"/>
+          </p:cNvSpPr>
+          <p:nvPr>
+            <p:ph type="dt" sz="half" idx="10"/>
+          </p:nvPr>
+        </p:nvSpPr>
+        <p:spPr/>
+        <p:txBody>
+          <a:bodyPr/>
+          <a:lstStyle/>
+          <a:p>
+            <a:fld id="{F80EC265-6E54-4455-AA32-FFA0B62CD849}" type="datetime1">
+              <a:rPr lang="LID4096" smtClean="0"/>
+              <a:t>04/24/2020</a:t>
+            </a:fld>
+            <a:endParaRPr lang="en-DE"/>
+          </a:p>
+        </p:txBody>
+      </p:sp>
+      <p:sp>
+        <p:nvSpPr>
+          <p:cNvPr id="19" name="Foliennummernplatzhalter 18">
+            <a:extLst>
+              <a:ext uri="{FF2B5EF4-FFF2-40B4-BE49-F238E27FC236}">
+                <a16:creationId xmlns:a16="http://schemas.microsoft.com/office/drawing/2014/main" id="{27BBAEC3-E26E-4ED9-B055-82E141C887B8}"/>
+              </a:ext>
+            </a:extLst>
+          </p:cNvPr>
+          <p:cNvSpPr>
+            <a:spLocks noGrp="1"/>
+          </p:cNvSpPr>
+          <p:nvPr>
+            <p:ph type="sldNum" sz="quarter" idx="12"/>
+          </p:nvPr>
+        </p:nvSpPr>
+        <p:spPr/>
+        <p:txBody>
+          <a:bodyPr/>
+          <a:lstStyle/>
+          <a:p>
+            <a:fld id="{2919E40B-AC7D-4A7F-9508-598983C40C41}" type="slidenum">
+              <a:rPr lang="en-DE" smtClean="0"/>
+              <a:t>28</a:t>
+            </a:fld>
+            <a:endParaRPr lang="en-DE"/>
+          </a:p>
+        </p:txBody>
+      </p:sp>
+      <p:sp>
+        <p:nvSpPr>
+          <p:cNvPr id="20" name="Fußzeilenplatzhalter 19">
+            <a:extLst>
+              <a:ext uri="{FF2B5EF4-FFF2-40B4-BE49-F238E27FC236}">
+                <a16:creationId xmlns:a16="http://schemas.microsoft.com/office/drawing/2014/main" id="{22686015-84BD-43E6-BD44-EA88D2A4449D}"/>
+              </a:ext>
+            </a:extLst>
+          </p:cNvPr>
+          <p:cNvSpPr>
+            <a:spLocks noGrp="1"/>
+          </p:cNvSpPr>
+          <p:nvPr>
+            <p:ph type="ftr" sz="quarter" idx="11"/>
+          </p:nvPr>
+        </p:nvSpPr>
+        <p:spPr/>
+        <p:txBody>
+          <a:bodyPr/>
+          <a:lstStyle/>
+          <a:p>
+            <a:r>
+              <a:rPr lang="de-DE"/>
+              <a:t>MSI - Bilderkennung mit OpenCV</a:t>
+            </a:r>
+            <a:endParaRPr lang="en-DE"/>
           </a:p>
         </p:txBody>
       </p:sp>
       <p:pic>
         <p:nvPicPr>
-          <p:cNvPr id="4" name="Grafik 3">
-            <a:extLst>
-              <a:ext uri="{FF2B5EF4-FFF2-40B4-BE49-F238E27FC236}">
-                <a16:creationId xmlns:a16="http://schemas.microsoft.com/office/drawing/2014/main" id="{A038D308-9391-4224-BB7B-92B930C5BBB6}"/>
-              </a:ext>
-            </a:extLst>
-          </p:cNvPr>
+          <p:cNvPr id="2" name="Grafik 1"/>
           <p:cNvPicPr>
             <a:picLocks noChangeAspect="1"/>
           </p:cNvPicPr>
@@ -8696,8 +9297,142 @@
         </p:blipFill>
         <p:spPr>
           <a:xfrm>
-            <a:off x="1001789" y="2184217"/>
-            <a:ext cx="3742188" cy="3430339"/>
+            <a:off x="1994556" y="1286203"/>
+            <a:ext cx="8194015" cy="4509885"/>
+          </a:xfrm>
+          <a:prstGeom prst="rect">
+            <a:avLst/>
+          </a:prstGeom>
+        </p:spPr>
+      </p:pic>
+      <p:sp>
+        <p:nvSpPr>
+          <p:cNvPr id="3" name="Rechteck 2"/>
+          <p:cNvSpPr/>
+          <p:nvPr/>
+        </p:nvSpPr>
+        <p:spPr>
+          <a:xfrm>
+            <a:off x="2290995" y="5975475"/>
+            <a:ext cx="7610007" cy="369332"/>
+          </a:xfrm>
+          <a:prstGeom prst="rect">
+            <a:avLst/>
+          </a:prstGeom>
+        </p:spPr>
+        <p:txBody>
+          <a:bodyPr wrap="square">
+            <a:spAutoFit/>
+          </a:bodyPr>
+          <a:lstStyle/>
+          <a:p>
+            <a:r>
+              <a:rPr lang="de-DE" dirty="0">
+                <a:hlinkClick r:id="rId4"/>
+              </a:rPr>
+              <a:t>https://www.slideshare.net/ABHISHEKCHBA/image-processing-67649577</a:t>
+            </a:r>
+            <a:endParaRPr lang="de-DE" dirty="0"/>
+          </a:p>
+        </p:txBody>
+      </p:sp>
+    </p:spTree>
+    <p:extLst>
+      <p:ext uri="{BB962C8B-B14F-4D97-AF65-F5344CB8AC3E}">
+        <p14:creationId xmlns:p14="http://schemas.microsoft.com/office/powerpoint/2010/main" val="3749171377"/>
+      </p:ext>
+    </p:extLst>
+  </p:cSld>
+  <p:clrMapOvr>
+    <a:masterClrMapping/>
+  </p:clrMapOvr>
+</p:sld>
+</file>
+
+<file path=ppt/slides/slide29.xml><?xml version="1.0" encoding="utf-8"?>
+<p:sld xmlns:a="http://schemas.openxmlformats.org/drawingml/2006/main" xmlns:r="http://schemas.openxmlformats.org/officeDocument/2006/relationships" xmlns:p="http://schemas.openxmlformats.org/presentationml/2006/main">
+  <p:cSld>
+    <p:spTree>
+      <p:nvGrpSpPr>
+        <p:cNvPr id="1" name=""/>
+        <p:cNvGrpSpPr/>
+        <p:nvPr/>
+      </p:nvGrpSpPr>
+      <p:grpSpPr>
+        <a:xfrm>
+          <a:off x="0" y="0"/>
+          <a:ext cx="0" cy="0"/>
+          <a:chOff x="0" y="0"/>
+          <a:chExt cx="0" cy="0"/>
+        </a:xfrm>
+      </p:grpSpPr>
+      <p:sp>
+        <p:nvSpPr>
+          <p:cNvPr id="2" name="Titel 1">
+            <a:extLst>
+              <a:ext uri="{FF2B5EF4-FFF2-40B4-BE49-F238E27FC236}">
+                <a16:creationId xmlns:a16="http://schemas.microsoft.com/office/drawing/2014/main" id="{327BC407-0557-4ACF-806A-6D1ABDC0676A}"/>
+              </a:ext>
+            </a:extLst>
+          </p:cNvPr>
+          <p:cNvSpPr>
+            <a:spLocks noGrp="1"/>
+          </p:cNvSpPr>
+          <p:nvPr>
+            <p:ph type="title"/>
+          </p:nvPr>
+        </p:nvSpPr>
+        <p:spPr/>
+        <p:txBody>
+          <a:bodyPr/>
+          <a:lstStyle/>
+          <a:p>
+            <a:r>
+              <a:rPr lang="de-DE" dirty="0" smtClean="0"/>
+              <a:t>Face </a:t>
+            </a:r>
+            <a:r>
+              <a:rPr lang="de-DE" dirty="0" err="1" smtClean="0"/>
+              <a:t>Detection</a:t>
+            </a:r>
+            <a:r>
+              <a:rPr lang="de-DE" dirty="0" smtClean="0"/>
+              <a:t> – Haar Features</a:t>
+            </a:r>
+            <a:endParaRPr lang="de-DE" dirty="0"/>
+          </a:p>
+        </p:txBody>
+      </p:sp>
+      <p:pic>
+        <p:nvPicPr>
+          <p:cNvPr id="4" name="Grafik 3">
+            <a:extLst>
+              <a:ext uri="{FF2B5EF4-FFF2-40B4-BE49-F238E27FC236}">
+                <a16:creationId xmlns:a16="http://schemas.microsoft.com/office/drawing/2014/main" id="{A038D308-9391-4224-BB7B-92B930C5BBB6}"/>
+              </a:ext>
+            </a:extLst>
+          </p:cNvPr>
+          <p:cNvPicPr>
+            <a:picLocks noChangeAspect="1"/>
+          </p:cNvPicPr>
+          <p:nvPr/>
+        </p:nvPicPr>
+        <p:blipFill>
+          <a:blip r:embed="rId3">
+            <a:extLst>
+              <a:ext uri="{28A0092B-C50C-407E-A947-70E740481C1C}">
+                <a14:useLocalDpi xmlns:a14="http://schemas.microsoft.com/office/drawing/2010/main" val="0"/>
+              </a:ext>
+            </a:extLst>
+          </a:blip>
+          <a:stretch>
+            <a:fillRect/>
+          </a:stretch>
+        </p:blipFill>
+        <p:spPr>
+          <a:xfrm>
+            <a:off x="509665" y="1573209"/>
+            <a:ext cx="4294272" cy="3936416"/>
           </a:xfrm>
           <a:prstGeom prst="rect">
             <a:avLst/>
@@ -8732,8 +9467,8 @@
         </p:blipFill>
         <p:spPr>
           <a:xfrm>
-            <a:off x="7264867" y="1973500"/>
-            <a:ext cx="4088933" cy="3851775"/>
+            <a:off x="6964492" y="1424630"/>
+            <a:ext cx="4494240" cy="4233574"/>
           </a:xfrm>
           <a:prstGeom prst="rect">
             <a:avLst/>
@@ -8754,7 +9489,7 @@
         </p:nvSpPr>
         <p:spPr>
           <a:xfrm>
-            <a:off x="5089323" y="3376552"/>
+            <a:off x="5141789" y="3074779"/>
             <a:ext cx="1484851" cy="933275"/>
           </a:xfrm>
           <a:prstGeom prst="rightArrow">
@@ -8821,7 +9556,7 @@
           <a:p>
             <a:fld id="{FE55C4B8-CC59-4227-9F5B-3006CCCB166A}" type="datetime1">
               <a:rPr lang="LID4096" smtClean="0"/>
-              <a:t>04/23/2020</a:t>
+              <a:t>04/24/2020</a:t>
             </a:fld>
             <a:endParaRPr lang="en-DE"/>
           </a:p>
@@ -8850,7 +9585,7 @@
           <a:p>
             <a:fld id="{2919E40B-AC7D-4A7F-9508-598983C40C41}" type="slidenum">
               <a:rPr lang="en-DE" smtClean="0"/>
-              <a:t>28</a:t>
+              <a:t>29</a:t>
             </a:fld>
             <a:endParaRPr lang="en-DE"/>
           </a:p>
@@ -8885,261 +9620,41 @@
           </a:p>
         </p:txBody>
       </p:sp>
-    </p:spTree>
-    <p:extLst>
-      <p:ext uri="{BB962C8B-B14F-4D97-AF65-F5344CB8AC3E}">
-        <p14:creationId xmlns:p14="http://schemas.microsoft.com/office/powerpoint/2010/main" val="4179025002"/>
-      </p:ext>
-    </p:extLst>
-  </p:cSld>
-  <p:clrMapOvr>
-    <a:masterClrMapping/>
-  </p:clrMapOvr>
-</p:sld>
-</file>
-
-<file path=ppt/slides/slide29.xml><?xml version="1.0" encoding="utf-8"?>
-<p:sld xmlns:a="http://schemas.openxmlformats.org/drawingml/2006/main" xmlns:r="http://schemas.openxmlformats.org/officeDocument/2006/relationships" xmlns:p="http://schemas.openxmlformats.org/presentationml/2006/main">
-  <p:cSld>
-    <p:spTree>
-      <p:nvGrpSpPr>
-        <p:cNvPr id="1" name=""/>
-        <p:cNvGrpSpPr/>
-        <p:nvPr/>
-      </p:nvGrpSpPr>
-      <p:grpSpPr>
-        <a:xfrm>
-          <a:off x="0" y="0"/>
-          <a:ext cx="0" cy="0"/>
-          <a:chOff x="0" y="0"/>
-          <a:chExt cx="0" cy="0"/>
-        </a:xfrm>
-      </p:grpSpPr>
-      <p:sp>
-        <p:nvSpPr>
-          <p:cNvPr id="7" name="Titel 6">
-            <a:extLst>
-              <a:ext uri="{FF2B5EF4-FFF2-40B4-BE49-F238E27FC236}">
-                <a16:creationId xmlns:a16="http://schemas.microsoft.com/office/drawing/2014/main" id="{FCBF07AF-63C0-486A-A777-5AF786F03BD3}"/>
-              </a:ext>
-            </a:extLst>
-          </p:cNvPr>
-          <p:cNvSpPr>
-            <a:spLocks noGrp="1"/>
-          </p:cNvSpPr>
-          <p:nvPr>
-            <p:ph type="title"/>
-          </p:nvPr>
-        </p:nvSpPr>
-        <p:spPr/>
-        <p:txBody>
-          <a:bodyPr/>
-          <a:lstStyle/>
-          <a:p>
-            <a:r>
-              <a:rPr lang="de-DE" dirty="0" smtClean="0"/>
-              <a:t>Haar Feature </a:t>
-            </a:r>
-            <a:r>
-              <a:rPr lang="de-DE" dirty="0" err="1" smtClean="0"/>
-              <a:t>Selection</a:t>
-            </a:r>
-            <a:endParaRPr lang="en-DE" dirty="0"/>
-          </a:p>
-        </p:txBody>
-      </p:sp>
-      <p:sp>
-        <p:nvSpPr>
-          <p:cNvPr id="5" name="Inhaltsplatzhalter 4">
-            <a:extLst>
-              <a:ext uri="{FF2B5EF4-FFF2-40B4-BE49-F238E27FC236}">
-                <a16:creationId xmlns:a16="http://schemas.microsoft.com/office/drawing/2014/main" id="{D96C7B3B-8027-4287-996E-4AA0FFC422C8}"/>
-              </a:ext>
-            </a:extLst>
-          </p:cNvPr>
-          <p:cNvSpPr>
-            <a:spLocks noGrp="1"/>
-          </p:cNvSpPr>
-          <p:nvPr>
-            <p:ph idx="1"/>
-          </p:nvPr>
-        </p:nvSpPr>
-        <p:spPr/>
-        <p:txBody>
-          <a:bodyPr/>
-          <a:lstStyle/>
-          <a:p>
-            <a:r>
-              <a:rPr lang="de-DE" dirty="0"/>
-              <a:t>Bild in Graustufen umwandeln</a:t>
-            </a:r>
-          </a:p>
-          <a:p>
-            <a:r>
-              <a:rPr lang="de-DE" dirty="0"/>
-              <a:t>„Box“ über das Bild bewegen und darin nach einem Gesicht suchen</a:t>
-            </a:r>
-          </a:p>
-          <a:p>
-            <a:r>
-              <a:rPr lang="de-DE" dirty="0"/>
-              <a:t>Merkmale werden extrahiert</a:t>
-            </a:r>
-          </a:p>
-          <a:p>
-            <a:r>
-              <a:rPr lang="de-DE" dirty="0"/>
-              <a:t>Merkmale = </a:t>
-            </a:r>
-            <a:r>
-              <a:rPr lang="de-DE" dirty="0" smtClean="0"/>
-              <a:t>b - a</a:t>
-            </a:r>
-            <a:endParaRPr lang="de-DE" dirty="0"/>
-          </a:p>
-          <a:p>
-            <a:pPr lvl="1"/>
-            <a:r>
-              <a:rPr lang="de-DE" dirty="0"/>
-              <a:t>a = Summe der Pixel unter dem weißen Bereich</a:t>
-            </a:r>
-          </a:p>
-          <a:p>
-            <a:pPr lvl="1"/>
-            <a:r>
-              <a:rPr lang="de-DE" dirty="0"/>
-              <a:t>b = Summe der Pixel unter dem grauen Bereich</a:t>
-            </a:r>
-          </a:p>
-        </p:txBody>
-      </p:sp>
-      <p:pic>
-        <p:nvPicPr>
-          <p:cNvPr id="17" name="Grafik 16">
-            <a:extLst>
-              <a:ext uri="{FF2B5EF4-FFF2-40B4-BE49-F238E27FC236}">
-                <a16:creationId xmlns:a16="http://schemas.microsoft.com/office/drawing/2014/main" id="{9170D831-EEC1-4BDE-B8FE-1923B4F2EAE0}"/>
-              </a:ext>
-            </a:extLst>
-          </p:cNvPr>
-          <p:cNvPicPr>
-            <a:picLocks noChangeAspect="1"/>
-          </p:cNvPicPr>
+      <p:sp>
+        <p:nvSpPr>
+          <p:cNvPr id="3" name="Rechteck 2"/>
+          <p:cNvSpPr/>
           <p:nvPr/>
-        </p:nvPicPr>
-        <p:blipFill>
-          <a:blip r:embed="rId2">
-            <a:extLst>
-              <a:ext uri="{28A0092B-C50C-407E-A947-70E740481C1C}">
-                <a14:useLocalDpi xmlns:a14="http://schemas.microsoft.com/office/drawing/2010/main" val="0"/>
-              </a:ext>
-            </a:extLst>
-          </a:blip>
-          <a:stretch>
-            <a:fillRect/>
-          </a:stretch>
-        </p:blipFill>
+        </p:nvSpPr>
         <p:spPr>
           <a:xfrm>
-            <a:off x="7921200" y="3103926"/>
-            <a:ext cx="3362794" cy="2962688"/>
+            <a:off x="838200" y="5906146"/>
+            <a:ext cx="12744191" cy="369332"/>
           </a:xfrm>
           <a:prstGeom prst="rect">
             <a:avLst/>
           </a:prstGeom>
         </p:spPr>
-      </p:pic>
-      <p:sp>
-        <p:nvSpPr>
-          <p:cNvPr id="18" name="Datumsplatzhalter 17">
-            <a:extLst>
-              <a:ext uri="{FF2B5EF4-FFF2-40B4-BE49-F238E27FC236}">
-                <a16:creationId xmlns:a16="http://schemas.microsoft.com/office/drawing/2014/main" id="{C1A900D8-45B5-4FDC-989E-048A9CEF3F00}"/>
-              </a:ext>
-            </a:extLst>
-          </p:cNvPr>
-          <p:cNvSpPr>
-            <a:spLocks noGrp="1"/>
-          </p:cNvSpPr>
-          <p:nvPr>
-            <p:ph type="dt" sz="half" idx="10"/>
-          </p:nvPr>
-        </p:nvSpPr>
-        <p:spPr/>
-        <p:txBody>
-          <a:bodyPr/>
-          <a:lstStyle/>
-          <a:p>
-            <a:fld id="{F80EC265-6E54-4455-AA32-FFA0B62CD849}" type="datetime1">
-              <a:rPr lang="LID4096" smtClean="0"/>
-              <a:t>04/23/2020</a:t>
-            </a:fld>
-            <a:endParaRPr lang="en-DE"/>
-          </a:p>
-        </p:txBody>
-      </p:sp>
-      <p:sp>
-        <p:nvSpPr>
-          <p:cNvPr id="19" name="Foliennummernplatzhalter 18">
-            <a:extLst>
-              <a:ext uri="{FF2B5EF4-FFF2-40B4-BE49-F238E27FC236}">
-                <a16:creationId xmlns:a16="http://schemas.microsoft.com/office/drawing/2014/main" id="{27BBAEC3-E26E-4ED9-B055-82E141C887B8}"/>
-              </a:ext>
-            </a:extLst>
-          </p:cNvPr>
-          <p:cNvSpPr>
-            <a:spLocks noGrp="1"/>
-          </p:cNvSpPr>
-          <p:nvPr>
-            <p:ph type="sldNum" sz="quarter" idx="12"/>
-          </p:nvPr>
-        </p:nvSpPr>
-        <p:spPr/>
-        <p:txBody>
-          <a:bodyPr/>
-          <a:lstStyle/>
-          <a:p>
-            <a:fld id="{2919E40B-AC7D-4A7F-9508-598983C40C41}" type="slidenum">
-              <a:rPr lang="en-DE" smtClean="0"/>
-              <a:t>29</a:t>
-            </a:fld>
-            <a:endParaRPr lang="en-DE"/>
-          </a:p>
-        </p:txBody>
-      </p:sp>
-      <p:sp>
-        <p:nvSpPr>
-          <p:cNvPr id="20" name="Fußzeilenplatzhalter 19">
-            <a:extLst>
-              <a:ext uri="{FF2B5EF4-FFF2-40B4-BE49-F238E27FC236}">
-                <a16:creationId xmlns:a16="http://schemas.microsoft.com/office/drawing/2014/main" id="{22686015-84BD-43E6-BD44-EA88D2A4449D}"/>
-              </a:ext>
-            </a:extLst>
-          </p:cNvPr>
-          <p:cNvSpPr>
-            <a:spLocks noGrp="1"/>
-          </p:cNvSpPr>
-          <p:nvPr>
-            <p:ph type="ftr" sz="quarter" idx="11"/>
-          </p:nvPr>
-        </p:nvSpPr>
-        <p:spPr/>
-        <p:txBody>
-          <a:bodyPr/>
-          <a:lstStyle/>
-          <a:p>
-            <a:r>
-              <a:rPr lang="de-DE"/>
-              <a:t>MSI - Bilderkennung mit OpenCV</a:t>
-            </a:r>
-            <a:endParaRPr lang="en-DE"/>
+        <p:txBody>
+          <a:bodyPr wrap="square">
+            <a:spAutoFit/>
+          </a:bodyPr>
+          <a:lstStyle/>
+          <a:p>
+            <a:r>
+              <a:rPr lang="de-DE" dirty="0">
+                <a:hlinkClick r:id="rId5"/>
+              </a:rPr>
+              <a:t>https://towardsdatascience.com/the-intuition-behind-facial-detection-the-viola-jones-algorithm-29d9106b6999</a:t>
+            </a:r>
+            <a:endParaRPr lang="de-DE" dirty="0"/>
           </a:p>
         </p:txBody>
       </p:sp>
     </p:spTree>
     <p:extLst>
       <p:ext uri="{BB962C8B-B14F-4D97-AF65-F5344CB8AC3E}">
-        <p14:creationId xmlns:p14="http://schemas.microsoft.com/office/powerpoint/2010/main" val="4128320778"/>
+        <p14:creationId xmlns:p14="http://schemas.microsoft.com/office/powerpoint/2010/main" val="4179025002"/>
       </p:ext>
     </p:extLst>
   </p:cSld>
@@ -9272,7 +9787,7 @@
           <a:p>
             <a:fld id="{E14F7BB6-82B4-4782-945E-2E82DA8911D1}" type="datetime1">
               <a:rPr lang="LID4096" smtClean="0"/>
-              <a:t>04/23/2020</a:t>
+              <a:t>04/24/2020</a:t>
             </a:fld>
             <a:endParaRPr lang="en-DE"/>
           </a:p>
@@ -9388,6 +9903,18 @@
           <a:lstStyle/>
           <a:p>
             <a:r>
+              <a:rPr lang="de-DE" dirty="0" smtClean="0"/>
+              <a:t>Face </a:t>
+            </a:r>
+            <a:r>
+              <a:rPr lang="de-DE" dirty="0" err="1" smtClean="0"/>
+              <a:t>Detection</a:t>
+            </a:r>
+            <a:r>
+              <a:rPr lang="de-DE" dirty="0" smtClean="0"/>
+              <a:t> - </a:t>
+            </a:r>
+            <a:r>
               <a:rPr lang="de-DE" dirty="0" err="1" smtClean="0"/>
               <a:t>AdaBoost</a:t>
             </a:r>
@@ -9484,7 +10011,7 @@
           <a:p>
             <a:fld id="{F80EC265-6E54-4455-AA32-FFA0B62CD849}" type="datetime1">
               <a:rPr lang="LID4096" smtClean="0"/>
-              <a:t>04/23/2020</a:t>
+              <a:t>04/24/2020</a:t>
             </a:fld>
             <a:endParaRPr lang="en-DE"/>
           </a:p>
@@ -9673,7 +10200,7 @@
           <a:p>
             <a:fld id="{F80EC265-6E54-4455-AA32-FFA0B62CD849}" type="datetime1">
               <a:rPr lang="LID4096" smtClean="0"/>
-              <a:t>04/23/2020</a:t>
+              <a:t>04/24/2020</a:t>
             </a:fld>
             <a:endParaRPr lang="en-DE"/>
           </a:p>
@@ -9792,11 +10319,7 @@
             </a:r>
             <a:r>
               <a:rPr lang="de-DE" dirty="0" smtClean="0"/>
-              <a:t> </a:t>
-            </a:r>
-            <a:r>
-              <a:rPr lang="de-DE" dirty="0" smtClean="0"/>
-              <a:t>– Demo</a:t>
+              <a:t> – Demo</a:t>
             </a:r>
             <a:endParaRPr lang="de-DE" dirty="0"/>
           </a:p>
@@ -9842,7 +10365,7 @@
           <a:p>
             <a:fld id="{18C8AB18-199E-4DA5-9A7C-AC3F0DF1F84A}" type="datetime1">
               <a:rPr lang="LID4096" smtClean="0"/>
-              <a:t>04/23/2020</a:t>
+              <a:t>04/24/2020</a:t>
             </a:fld>
             <a:endParaRPr lang="en-DE"/>
           </a:p>
@@ -9970,7 +10493,7 @@
           <a:p>
             <a:fld id="{18C8AB18-199E-4DA5-9A7C-AC3F0DF1F84A}" type="datetime1">
               <a:rPr lang="LID4096" smtClean="0"/>
-              <a:t>04/23/2020</a:t>
+              <a:t>04/24/2020</a:t>
             </a:fld>
             <a:endParaRPr lang="en-DE"/>
           </a:p>
@@ -10077,11 +10600,7 @@
             </a:r>
             <a:r>
               <a:rPr lang="de-DE" dirty="0" smtClean="0"/>
-              <a:t> </a:t>
-            </a:r>
-            <a:r>
-              <a:rPr lang="de-DE" dirty="0" smtClean="0"/>
-              <a:t>– Demo Age &amp; Gender</a:t>
+              <a:t> – Demo Age &amp; Gender</a:t>
             </a:r>
             <a:endParaRPr lang="de-DE" dirty="0"/>
           </a:p>
@@ -10127,7 +10646,7 @@
           <a:p>
             <a:fld id="{18C8AB18-199E-4DA5-9A7C-AC3F0DF1F84A}" type="datetime1">
               <a:rPr lang="LID4096" smtClean="0"/>
-              <a:t>04/23/2020</a:t>
+              <a:t>04/24/2020</a:t>
             </a:fld>
             <a:endParaRPr lang="en-DE"/>
           </a:p>
@@ -10255,7 +10774,7 @@
           <a:p>
             <a:fld id="{18C8AB18-199E-4DA5-9A7C-AC3F0DF1F84A}" type="datetime1">
               <a:rPr lang="LID4096" smtClean="0"/>
-              <a:t>04/23/2020</a:t>
+              <a:t>04/24/2020</a:t>
             </a:fld>
             <a:endParaRPr lang="en-DE"/>
           </a:p>
@@ -10455,7 +10974,7 @@
           <a:p>
             <a:fld id="{9C586423-4D12-4C23-AD56-60226F456501}" type="datetime1">
               <a:rPr lang="LID4096" smtClean="0"/>
-              <a:t>04/23/2020</a:t>
+              <a:t>04/24/2020</a:t>
             </a:fld>
             <a:endParaRPr lang="en-DE"/>
           </a:p>
@@ -10733,7 +11252,7 @@
           <a:p>
             <a:fld id="{B678636F-32DC-4415-BF62-6869F8D6224C}" type="datetime1">
               <a:rPr lang="LID4096" smtClean="0"/>
-              <a:t>04/23/2020</a:t>
+              <a:t>04/24/2020</a:t>
             </a:fld>
             <a:endParaRPr lang="en-DE"/>
           </a:p>
@@ -10894,7 +11413,7 @@
           <a:p>
             <a:fld id="{18C8AB18-199E-4DA5-9A7C-AC3F0DF1F84A}" type="datetime1">
               <a:rPr lang="LID4096" smtClean="0"/>
-              <a:t>04/23/2020</a:t>
+              <a:t>04/24/2020</a:t>
             </a:fld>
             <a:endParaRPr lang="en-DE"/>
           </a:p>
@@ -11022,7 +11541,7 @@
           <a:p>
             <a:fld id="{18C8AB18-199E-4DA5-9A7C-AC3F0DF1F84A}" type="datetime1">
               <a:rPr lang="LID4096" smtClean="0"/>
-              <a:t>04/23/2020</a:t>
+              <a:t>04/24/2020</a:t>
             </a:fld>
             <a:endParaRPr lang="en-DE"/>
           </a:p>
@@ -11181,7 +11700,7 @@
           <a:p>
             <a:fld id="{684BA66A-D17F-4888-884C-A5445A4B7AA9}" type="datetime1">
               <a:rPr lang="LID4096" smtClean="0"/>
-              <a:t>04/23/2020</a:t>
+              <a:t>04/24/2020</a:t>
             </a:fld>
             <a:endParaRPr lang="en-DE"/>
           </a:p>
@@ -11352,7 +11871,7 @@
           <a:p>
             <a:fld id="{F80EC265-6E54-4455-AA32-FFA0B62CD849}" type="datetime1">
               <a:rPr lang="LID4096" smtClean="0"/>
-              <a:t>04/23/2020</a:t>
+              <a:t>04/24/2020</a:t>
             </a:fld>
             <a:endParaRPr lang="en-DE"/>
           </a:p>
@@ -11513,7 +12032,7 @@
           <a:p>
             <a:fld id="{18C8AB18-199E-4DA5-9A7C-AC3F0DF1F84A}" type="datetime1">
               <a:rPr lang="LID4096" smtClean="0"/>
-              <a:t>04/23/2020</a:t>
+              <a:t>04/24/2020</a:t>
             </a:fld>
             <a:endParaRPr lang="en-DE"/>
           </a:p>
@@ -11641,7 +12160,7 @@
           <a:p>
             <a:fld id="{18C8AB18-199E-4DA5-9A7C-AC3F0DF1F84A}" type="datetime1">
               <a:rPr lang="LID4096" smtClean="0"/>
-              <a:t>04/23/2020</a:t>
+              <a:t>04/24/2020</a:t>
             </a:fld>
             <a:endParaRPr lang="en-DE"/>
           </a:p>
@@ -11800,7 +12319,7 @@
           <a:p>
             <a:fld id="{F80EC265-6E54-4455-AA32-FFA0B62CD849}" type="datetime1">
               <a:rPr lang="LID4096" smtClean="0"/>
-              <a:t>04/23/2020</a:t>
+              <a:t>04/24/2020</a:t>
             </a:fld>
             <a:endParaRPr lang="en-DE"/>
           </a:p>
@@ -11957,7 +12476,7 @@
           <a:p>
             <a:fld id="{18C8AB18-199E-4DA5-9A7C-AC3F0DF1F84A}" type="datetime1">
               <a:rPr lang="LID4096" smtClean="0"/>
-              <a:t>04/23/2020</a:t>
+              <a:t>04/24/2020</a:t>
             </a:fld>
             <a:endParaRPr lang="en-DE"/>
           </a:p>
@@ -12085,7 +12604,7 @@
           <a:p>
             <a:fld id="{18C8AB18-199E-4DA5-9A7C-AC3F0DF1F84A}" type="datetime1">
               <a:rPr lang="LID4096" smtClean="0"/>
-              <a:t>04/23/2020</a:t>
+              <a:t>04/24/2020</a:t>
             </a:fld>
             <a:endParaRPr lang="en-DE"/>
           </a:p>
@@ -12230,7 +12749,7 @@
           <a:p>
             <a:fld id="{18C8AB18-199E-4DA5-9A7C-AC3F0DF1F84A}" type="datetime1">
               <a:rPr lang="LID4096" smtClean="0"/>
-              <a:t>04/23/2020</a:t>
+              <a:t>04/24/2020</a:t>
             </a:fld>
             <a:endParaRPr lang="en-DE"/>
           </a:p>
@@ -12389,7 +12908,7 @@
           <a:p>
             <a:fld id="{E7BDD6CB-327D-40C1-8A72-21719130F6DF}" type="datetime1">
               <a:rPr lang="LID4096" smtClean="0"/>
-              <a:t>04/23/2020</a:t>
+              <a:t>04/24/2020</a:t>
             </a:fld>
             <a:endParaRPr lang="en-DE"/>
           </a:p>
@@ -12600,7 +13119,7 @@
           <a:p>
             <a:fld id="{C31EEA3F-593A-4FF4-8D60-39985E94F7ED}" type="datetime1">
               <a:rPr lang="LID4096" smtClean="0"/>
-              <a:t>04/23/2020</a:t>
+              <a:t>04/24/2020</a:t>
             </a:fld>
             <a:endParaRPr lang="en-DE"/>
           </a:p>
@@ -12873,7 +13392,7 @@
           <a:p>
             <a:fld id="{67CF5A85-3E7C-4C58-BDB5-0DE0F47C0987}" type="datetime1">
               <a:rPr lang="LID4096" smtClean="0"/>
-              <a:t>04/23/2020</a:t>
+              <a:t>04/24/2020</a:t>
             </a:fld>
             <a:endParaRPr lang="en-DE"/>
           </a:p>
@@ -13044,7 +13563,7 @@
           <a:p>
             <a:fld id="{6719710C-B7F8-4B52-B15A-8D841B21357A}" type="datetime1">
               <a:rPr lang="LID4096" smtClean="0"/>
-              <a:t>04/23/2020</a:t>
+              <a:t>04/24/2020</a:t>
             </a:fld>
             <a:endParaRPr lang="en-DE"/>
           </a:p>
@@ -13282,7 +13801,7 @@
           <a:p>
             <a:fld id="{FDFE1347-494D-42E8-9A65-645B45E55224}" type="datetime1">
               <a:rPr lang="LID4096" smtClean="0"/>
-              <a:t>04/23/2020</a:t>
+              <a:t>04/24/2020</a:t>
             </a:fld>
             <a:endParaRPr lang="en-DE"/>
           </a:p>
@@ -13519,7 +14038,7 @@
           <a:p>
             <a:fld id="{18C8AB18-199E-4DA5-9A7C-AC3F0DF1F84A}" type="datetime1">
               <a:rPr lang="LID4096" smtClean="0"/>
-              <a:t>04/23/2020</a:t>
+              <a:t>04/24/2020</a:t>
             </a:fld>
             <a:endParaRPr lang="en-DE"/>
           </a:p>
@@ -13712,7 +14231,7 @@
           <a:p>
             <a:fld id="{18C8AB18-199E-4DA5-9A7C-AC3F0DF1F84A}" type="datetime1">
               <a:rPr lang="LID4096" smtClean="0"/>
-              <a:t>04/23/2020</a:t>
+              <a:t>04/24/2020</a:t>
             </a:fld>
             <a:endParaRPr lang="en-DE"/>
           </a:p>

--- a/Bilderkennung mit OpenCV.pptx
+++ b/Bilderkennung mit OpenCV.pptx
@@ -5,7 +5,7 @@
     <p:sldMasterId id="2147483648" r:id="rId1"/>
   </p:sldMasterIdLst>
   <p:notesMasterIdLst>
-    <p:notesMasterId r:id="rId50"/>
+    <p:notesMasterId r:id="rId49"/>
   </p:notesMasterIdLst>
   <p:sldIdLst>
     <p:sldId id="256" r:id="rId2"/>
@@ -53,9 +53,8 @@
     <p:sldId id="315" r:id="rId44"/>
     <p:sldId id="313" r:id="rId45"/>
     <p:sldId id="314" r:id="rId46"/>
-    <p:sldId id="316" r:id="rId47"/>
-    <p:sldId id="262" r:id="rId48"/>
-    <p:sldId id="275" r:id="rId49"/>
+    <p:sldId id="262" r:id="rId47"/>
+    <p:sldId id="275" r:id="rId48"/>
   </p:sldIdLst>
   <p:sldSz cx="12192000" cy="6858000"/>
   <p:notesSz cx="6858000" cy="9144000"/>
@@ -244,7 +243,7 @@
           <a:p>
             <a:fld id="{D14866AD-75F6-469A-BC8A-1B6CB962D998}" type="datetimeFigureOut">
               <a:rPr lang="de-DE" smtClean="0"/>
-              <a:t>24.04.2020</a:t>
+              <a:t>25.04.2020</a:t>
             </a:fld>
             <a:endParaRPr lang="de-DE"/>
           </a:p>
@@ -1714,27 +1713,27 @@
           <a:bodyPr/>
           <a:lstStyle/>
           <a:p>
-            <a:pPr marL="171450" indent="-171450">
+            <a:pPr marL="171450" marR="0" indent="-171450" algn="l" defTabSz="914400" rtl="0" eaLnBrk="1" fontAlgn="auto" latinLnBrk="0" hangingPunct="1">
+              <a:lnSpc>
+                <a:spcPct val="100000"/>
+              </a:lnSpc>
+              <a:spcBef>
+                <a:spcPts val="0"/>
+              </a:spcBef>
+              <a:spcAft>
+                <a:spcPts val="0"/>
+              </a:spcAft>
+              <a:buClrTx/>
+              <a:buSzTx/>
               <a:buFont typeface="Arial" panose="020B0604020202020204" pitchFamily="34" charset="0"/>
               <a:buChar char="•"/>
+              <a:tabLst/>
+              <a:defRPr/>
             </a:pPr>
             <a:r>
               <a:rPr lang="de-DE" dirty="0" smtClean="0"/>
-              <a:t>Kombination</a:t>
-            </a:r>
-            <a:r>
-              <a:rPr lang="de-DE" baseline="0" dirty="0" smtClean="0"/>
-              <a:t> von </a:t>
-            </a:r>
-            <a:r>
-              <a:rPr lang="de-DE" baseline="0" dirty="0" err="1" smtClean="0"/>
-              <a:t>Klassifikatoren</a:t>
-            </a:r>
-            <a:r>
-              <a:rPr lang="de-DE" baseline="0" smtClean="0"/>
-              <a:t> TODO!!!!!!!!!!!!!!</a:t>
-            </a:r>
-            <a:endParaRPr lang="de-DE" dirty="0" smtClean="0"/>
+              <a:t>Die meisten Merkmale werden irrelevant sein</a:t>
+            </a:r>
           </a:p>
           <a:p>
             <a:pPr marL="171450" indent="-171450">
@@ -1748,6 +1747,113 @@
               <a:buFont typeface="Arial" panose="020B0604020202020204" pitchFamily="34" charset="0"/>
               <a:buChar char="•"/>
             </a:pPr>
+            <a:r>
+              <a:rPr lang="de-DE" dirty="0" smtClean="0"/>
+              <a:t>Kombination</a:t>
+            </a:r>
+            <a:r>
+              <a:rPr lang="de-DE" baseline="0" dirty="0" smtClean="0"/>
+              <a:t> </a:t>
+            </a:r>
+            <a:r>
+              <a:rPr lang="de-DE" baseline="0" dirty="0" smtClean="0"/>
+              <a:t>von </a:t>
+            </a:r>
+            <a:r>
+              <a:rPr lang="de-DE" baseline="0" dirty="0" err="1" smtClean="0"/>
+              <a:t>Klassifikatoren</a:t>
+            </a:r>
+            <a:endParaRPr lang="de-DE" baseline="0" dirty="0" smtClean="0"/>
+          </a:p>
+          <a:p>
+            <a:pPr marL="628650" lvl="1" indent="-171450">
+              <a:buFont typeface="Arial" panose="020B0604020202020204" pitchFamily="34" charset="0"/>
+              <a:buChar char="•"/>
+            </a:pPr>
+            <a:r>
+              <a:rPr lang="de-DE" baseline="0" dirty="0" smtClean="0"/>
+              <a:t>F1,f2,f3 sind Features; a1,a2,a3 Gewichte</a:t>
+            </a:r>
+          </a:p>
+          <a:p>
+            <a:pPr marL="628650" lvl="1" indent="-171450">
+              <a:buFont typeface="Arial" panose="020B0604020202020204" pitchFamily="34" charset="0"/>
+              <a:buChar char="•"/>
+            </a:pPr>
+            <a:r>
+              <a:rPr lang="de-DE" baseline="0" dirty="0" smtClean="0"/>
+              <a:t>F(x) ist ein starker </a:t>
+            </a:r>
+            <a:r>
+              <a:rPr lang="de-DE" baseline="0" dirty="0" err="1" smtClean="0"/>
+              <a:t>Klassifikator</a:t>
+            </a:r>
+            <a:r>
+              <a:rPr lang="de-DE" baseline="0" dirty="0" smtClean="0"/>
+              <a:t>; Jedes Feature ist ein schwacher </a:t>
+            </a:r>
+          </a:p>
+          <a:p>
+            <a:pPr marL="628650" lvl="1" indent="-171450">
+              <a:buFont typeface="Arial" panose="020B0604020202020204" pitchFamily="34" charset="0"/>
+              <a:buChar char="•"/>
+            </a:pPr>
+            <a:r>
+              <a:rPr lang="de-DE" baseline="0" dirty="0" smtClean="0"/>
+              <a:t>Laut Gleichung werden schwache </a:t>
+            </a:r>
+            <a:r>
+              <a:rPr lang="de-DE" baseline="0" dirty="0" err="1" smtClean="0"/>
+              <a:t>Klassifikatoren</a:t>
+            </a:r>
+            <a:r>
+              <a:rPr lang="de-DE" baseline="0" dirty="0" smtClean="0"/>
+              <a:t> kombiniert und ein starker entsteht</a:t>
+            </a:r>
+          </a:p>
+          <a:p>
+            <a:pPr marL="171450" lvl="0" indent="-171450">
+              <a:buFont typeface="Arial" panose="020B0604020202020204" pitchFamily="34" charset="0"/>
+              <a:buChar char="•"/>
+            </a:pPr>
+            <a:r>
+              <a:rPr lang="de-DE" dirty="0" smtClean="0"/>
+              <a:t>Wie findet man die wichtigsten</a:t>
+            </a:r>
+            <a:r>
+              <a:rPr lang="de-DE" baseline="0" dirty="0" smtClean="0"/>
+              <a:t> Features?</a:t>
+            </a:r>
+          </a:p>
+          <a:p>
+            <a:pPr marL="628650" lvl="1" indent="-171450">
+              <a:buFont typeface="Arial" panose="020B0604020202020204" pitchFamily="34" charset="0"/>
+              <a:buChar char="•"/>
+            </a:pPr>
+            <a:r>
+              <a:rPr lang="de-DE" baseline="0" dirty="0" smtClean="0"/>
+              <a:t>Schwellenwert lernen, welcher in „Gesicht“ und „Kein-Gesicht“ unterscheidet</a:t>
+            </a:r>
+          </a:p>
+          <a:p>
+            <a:pPr marL="628650" lvl="1" indent="-171450">
+              <a:buFont typeface="Arial" panose="020B0604020202020204" pitchFamily="34" charset="0"/>
+              <a:buChar char="•"/>
+            </a:pPr>
+            <a:r>
+              <a:rPr lang="de-DE" baseline="0" dirty="0" smtClean="0"/>
+              <a:t>Jedes Merkmal auf jedes Trainingsbild anwenden</a:t>
+            </a:r>
+          </a:p>
+          <a:p>
+            <a:pPr marL="628650" lvl="1" indent="-171450">
+              <a:buFont typeface="Arial" panose="020B0604020202020204" pitchFamily="34" charset="0"/>
+              <a:buChar char="•"/>
+            </a:pPr>
+            <a:r>
+              <a:rPr lang="de-DE" baseline="0" dirty="0" smtClean="0"/>
+              <a:t>Fehlerquote definieren und wenn das Merkmal diese Fehlerquote hat oder eine geringere, dann ist es ein gutes Merkmal/Feature</a:t>
+            </a:r>
             <a:endParaRPr lang="de-DE" dirty="0" smtClean="0"/>
           </a:p>
           <a:p>
@@ -1755,53 +1861,6 @@
               <a:buFont typeface="Arial" panose="020B0604020202020204" pitchFamily="34" charset="0"/>
               <a:buChar char="•"/>
             </a:pPr>
-            <a:endParaRPr lang="de-DE" dirty="0" smtClean="0"/>
-          </a:p>
-          <a:p>
-            <a:pPr marL="171450" indent="-171450">
-              <a:buFont typeface="Arial" panose="020B0604020202020204" pitchFamily="34" charset="0"/>
-              <a:buChar char="•"/>
-            </a:pPr>
-            <a:r>
-              <a:rPr lang="de-DE" dirty="0" smtClean="0"/>
-              <a:t>Schwellenwert </a:t>
-            </a:r>
-            <a:r>
-              <a:rPr lang="de-DE" dirty="0" smtClean="0"/>
-              <a:t>für Gesicht</a:t>
-            </a:r>
-            <a:r>
-              <a:rPr lang="de-DE" baseline="0" dirty="0" smtClean="0"/>
-              <a:t> &lt;-&gt; Kein Gesicht</a:t>
-            </a:r>
-          </a:p>
-          <a:p>
-            <a:pPr marL="171450" indent="-171450">
-              <a:buFont typeface="Arial" panose="020B0604020202020204" pitchFamily="34" charset="0"/>
-              <a:buChar char="•"/>
-            </a:pPr>
-            <a:r>
-              <a:rPr lang="de-DE" baseline="0" dirty="0" smtClean="0"/>
-              <a:t>Fehlerquote: Alle Fehler mit dieser oder geringeren Fehlerquote werden als gute Merkmale ausgewählt</a:t>
-            </a:r>
-          </a:p>
-          <a:p>
-            <a:pPr marL="171450" indent="-171450">
-              <a:buFont typeface="Arial" panose="020B0604020202020204" pitchFamily="34" charset="0"/>
-              <a:buChar char="•"/>
-            </a:pPr>
-            <a:r>
-              <a:rPr lang="de-DE" baseline="0" dirty="0" smtClean="0"/>
-              <a:t>Ein so gewähltes </a:t>
-            </a:r>
-            <a:r>
-              <a:rPr lang="de-DE" baseline="0" dirty="0" err="1" smtClean="0"/>
-              <a:t>merkmal</a:t>
-            </a:r>
-            <a:r>
-              <a:rPr lang="de-DE" baseline="0" dirty="0" smtClean="0"/>
-              <a:t> reicht alleine nicht aus, aber in Kombination mit anderen Merkmalen schon</a:t>
-            </a:r>
             <a:endParaRPr lang="de-DE" dirty="0"/>
           </a:p>
         </p:txBody>
@@ -2378,7 +2437,7 @@
           <a:p>
             <a:fld id="{02F70808-E3CD-4AA7-B1A3-CAEC432DFA49}" type="datetime1">
               <a:rPr lang="LID4096" smtClean="0"/>
-              <a:t>04/24/2020</a:t>
+              <a:t>04/25/2020</a:t>
             </a:fld>
             <a:endParaRPr lang="en-DE"/>
           </a:p>
@@ -2582,7 +2641,7 @@
           <a:p>
             <a:fld id="{C62C7F1B-14AB-4095-A95D-5B4AEE244616}" type="datetime1">
               <a:rPr lang="LID4096" smtClean="0"/>
-              <a:t>04/24/2020</a:t>
+              <a:t>04/25/2020</a:t>
             </a:fld>
             <a:endParaRPr lang="en-DE"/>
           </a:p>
@@ -2796,7 +2855,7 @@
           <a:p>
             <a:fld id="{72996713-1C83-45C7-94F9-BC832AE5B1CF}" type="datetime1">
               <a:rPr lang="LID4096" smtClean="0"/>
-              <a:t>04/24/2020</a:t>
+              <a:t>04/25/2020</a:t>
             </a:fld>
             <a:endParaRPr lang="en-DE"/>
           </a:p>
@@ -3000,7 +3059,7 @@
           <a:p>
             <a:fld id="{18C8AB18-199E-4DA5-9A7C-AC3F0DF1F84A}" type="datetime1">
               <a:rPr lang="LID4096" smtClean="0"/>
-              <a:t>04/24/2020</a:t>
+              <a:t>04/25/2020</a:t>
             </a:fld>
             <a:endParaRPr lang="en-DE"/>
           </a:p>
@@ -3280,7 +3339,7 @@
           <a:p>
             <a:fld id="{DDB5E9F7-ACBA-4F06-A50C-902B940C41BF}" type="datetime1">
               <a:rPr lang="LID4096" smtClean="0"/>
-              <a:t>04/24/2020</a:t>
+              <a:t>04/25/2020</a:t>
             </a:fld>
             <a:endParaRPr lang="en-DE"/>
           </a:p>
@@ -3552,7 +3611,7 @@
           <a:p>
             <a:fld id="{47E285F1-E6E2-4C61-9969-ECE249C10029}" type="datetime1">
               <a:rPr lang="LID4096" smtClean="0"/>
-              <a:t>04/24/2020</a:t>
+              <a:t>04/25/2020</a:t>
             </a:fld>
             <a:endParaRPr lang="en-DE"/>
           </a:p>
@@ -3971,7 +4030,7 @@
           <a:p>
             <a:fld id="{3AF922FA-E6CF-4267-8B78-CD4C5BE36EC4}" type="datetime1">
               <a:rPr lang="LID4096" smtClean="0"/>
-              <a:t>04/24/2020</a:t>
+              <a:t>04/25/2020</a:t>
             </a:fld>
             <a:endParaRPr lang="en-DE"/>
           </a:p>
@@ -4117,7 +4176,7 @@
           <a:p>
             <a:fld id="{5874279C-FCEC-4637-937E-6BB416A37805}" type="datetime1">
               <a:rPr lang="LID4096" smtClean="0"/>
-              <a:t>04/24/2020</a:t>
+              <a:t>04/25/2020</a:t>
             </a:fld>
             <a:endParaRPr lang="en-DE"/>
           </a:p>
@@ -4234,7 +4293,7 @@
           <a:p>
             <a:fld id="{CC10DAB0-BB31-43A0-B9BB-988A4079834E}" type="datetime1">
               <a:rPr lang="LID4096" smtClean="0"/>
-              <a:t>04/24/2020</a:t>
+              <a:t>04/25/2020</a:t>
             </a:fld>
             <a:endParaRPr lang="en-DE"/>
           </a:p>
@@ -4551,7 +4610,7 @@
           <a:p>
             <a:fld id="{A05F5496-B28F-48F0-A0BF-7861A192E2A7}" type="datetime1">
               <a:rPr lang="LID4096" smtClean="0"/>
-              <a:t>04/24/2020</a:t>
+              <a:t>04/25/2020</a:t>
             </a:fld>
             <a:endParaRPr lang="en-DE"/>
           </a:p>
@@ -4844,7 +4903,7 @@
           <a:p>
             <a:fld id="{19407F8D-7F15-4995-A39F-D79D134198CE}" type="datetime1">
               <a:rPr lang="LID4096" smtClean="0"/>
-              <a:t>04/24/2020</a:t>
+              <a:t>04/25/2020</a:t>
             </a:fld>
             <a:endParaRPr lang="en-DE"/>
           </a:p>
@@ -5091,7 +5150,7 @@
           <a:p>
             <a:fld id="{B161653D-E32A-42B0-9D34-39EE3A6ADB32}" type="datetime1">
               <a:rPr lang="LID4096" smtClean="0"/>
-              <a:t>04/24/2020</a:t>
+              <a:t>04/25/2020</a:t>
             </a:fld>
             <a:endParaRPr lang="en-DE"/>
           </a:p>
@@ -5604,7 +5663,7 @@
           <a:p>
             <a:fld id="{FDCE565A-66B4-411B-B7BF-350DA9D48C3F}" type="datetime1">
               <a:rPr lang="LID4096" smtClean="0"/>
-              <a:t>04/24/2020</a:t>
+              <a:t>04/25/2020</a:t>
             </a:fld>
             <a:endParaRPr lang="en-DE"/>
           </a:p>
@@ -5791,7 +5850,7 @@
           <a:p>
             <a:fld id="{18C8AB18-199E-4DA5-9A7C-AC3F0DF1F84A}" type="datetime1">
               <a:rPr lang="LID4096" smtClean="0"/>
-              <a:t>04/24/2020</a:t>
+              <a:t>04/25/2020</a:t>
             </a:fld>
             <a:endParaRPr lang="en-DE"/>
           </a:p>
@@ -5993,7 +6052,7 @@
           <a:p>
             <a:fld id="{3C5210D8-C34F-40B6-8466-7F4D4C210910}" type="datetime1">
               <a:rPr lang="LID4096" smtClean="0"/>
-              <a:t>04/24/2020</a:t>
+              <a:t>04/25/2020</a:t>
             </a:fld>
             <a:endParaRPr lang="en-DE"/>
           </a:p>
@@ -6174,7 +6233,7 @@
           <a:p>
             <a:fld id="{5D6055CC-7B8E-49B1-AEC7-97BB8388B221}" type="datetime1">
               <a:rPr lang="LID4096" smtClean="0"/>
-              <a:t>04/24/2020</a:t>
+              <a:t>04/25/2020</a:t>
             </a:fld>
             <a:endParaRPr lang="en-DE"/>
           </a:p>
@@ -6361,7 +6420,7 @@
           <a:p>
             <a:fld id="{E72DC239-85DA-4D7F-A658-069E86544DEE}" type="datetime1">
               <a:rPr lang="LID4096" smtClean="0"/>
-              <a:t>04/24/2020</a:t>
+              <a:t>04/25/2020</a:t>
             </a:fld>
             <a:endParaRPr lang="en-DE"/>
           </a:p>
@@ -6506,7 +6565,7 @@
                 <a14:useLocalDpi xmlns:a14="http://schemas.microsoft.com/office/drawing/2010/main" val="0"/>
               </a:ext>
               <a:ext uri="{96DAC541-7B7A-43D3-8B79-37D633B846F1}">
-                <asvg:svgBlip xmlns="" xmlns:asvg="http://schemas.microsoft.com/office/drawing/2016/SVG/main" r:embed="rId3"/>
+                <asvg:svgBlip xmlns:asvg="http://schemas.microsoft.com/office/drawing/2016/SVG/main" xmlns="" r:embed="rId3"/>
               </a:ext>
             </a:extLst>
           </a:blip>
@@ -6544,7 +6603,7 @@
           <a:p>
             <a:fld id="{545121B7-4D1F-463F-808D-0FB845E3DE3C}" type="datetime1">
               <a:rPr lang="LID4096" smtClean="0"/>
-              <a:t>04/24/2020</a:t>
+              <a:t>04/25/2020</a:t>
             </a:fld>
             <a:endParaRPr lang="en-DE"/>
           </a:p>
@@ -6721,7 +6780,7 @@
           <a:p>
             <a:fld id="{E72DC239-85DA-4D7F-A658-069E86544DEE}" type="datetime1">
               <a:rPr lang="LID4096" smtClean="0"/>
-              <a:t>04/24/2020</a:t>
+              <a:t>04/25/2020</a:t>
             </a:fld>
             <a:endParaRPr lang="en-DE"/>
           </a:p>
@@ -6866,7 +6925,7 @@
                 <a14:useLocalDpi xmlns:a14="http://schemas.microsoft.com/office/drawing/2010/main" val="0"/>
               </a:ext>
               <a:ext uri="{96DAC541-7B7A-43D3-8B79-37D633B846F1}">
-                <asvg:svgBlip xmlns="" xmlns:asvg="http://schemas.microsoft.com/office/drawing/2016/SVG/main" r:embed="rId3"/>
+                <asvg:svgBlip xmlns:asvg="http://schemas.microsoft.com/office/drawing/2016/SVG/main" xmlns="" r:embed="rId3"/>
               </a:ext>
             </a:extLst>
           </a:blip>
@@ -6904,7 +6963,7 @@
           <a:p>
             <a:fld id="{B87336EA-93EB-4E0E-A48E-1E84CC9A69C5}" type="datetime1">
               <a:rPr lang="LID4096" smtClean="0"/>
-              <a:t>04/24/2020</a:t>
+              <a:t>04/25/2020</a:t>
             </a:fld>
             <a:endParaRPr lang="en-DE"/>
           </a:p>
@@ -7049,7 +7108,7 @@
                 <a14:useLocalDpi xmlns:a14="http://schemas.microsoft.com/office/drawing/2010/main" val="0"/>
               </a:ext>
               <a:ext uri="{96DAC541-7B7A-43D3-8B79-37D633B846F1}">
-                <asvg:svgBlip xmlns="" xmlns:asvg="http://schemas.microsoft.com/office/drawing/2016/SVG/main" r:embed="rId3"/>
+                <asvg:svgBlip xmlns:asvg="http://schemas.microsoft.com/office/drawing/2016/SVG/main" xmlns="" r:embed="rId3"/>
               </a:ext>
             </a:extLst>
           </a:blip>
@@ -7087,7 +7146,7 @@
           <a:p>
             <a:fld id="{E66FF822-6110-47E8-B738-21D15873B8DE}" type="datetime1">
               <a:rPr lang="LID4096" smtClean="0"/>
-              <a:t>04/24/2020</a:t>
+              <a:t>04/25/2020</a:t>
             </a:fld>
             <a:endParaRPr lang="en-DE"/>
           </a:p>
@@ -7244,7 +7303,7 @@
           <a:p>
             <a:fld id="{18C8AB18-199E-4DA5-9A7C-AC3F0DF1F84A}" type="datetime1">
               <a:rPr lang="LID4096" smtClean="0"/>
-              <a:t>04/24/2020</a:t>
+              <a:t>04/25/2020</a:t>
             </a:fld>
             <a:endParaRPr lang="en-DE"/>
           </a:p>
@@ -7397,7 +7456,7 @@
           <a:p>
             <a:fld id="{18C8AB18-199E-4DA5-9A7C-AC3F0DF1F84A}" type="datetime1">
               <a:rPr lang="LID4096" smtClean="0"/>
-              <a:t>04/24/2020</a:t>
+              <a:t>04/25/2020</a:t>
             </a:fld>
             <a:endParaRPr lang="en-DE"/>
           </a:p>
@@ -7624,7 +7683,7 @@
           <a:p>
             <a:fld id="{9298F3A6-09EA-4093-9186-BCBA42B5BD0B}" type="datetime1">
               <a:rPr lang="LID4096" smtClean="0"/>
-              <a:t>04/24/2020</a:t>
+              <a:t>04/25/2020</a:t>
             </a:fld>
             <a:endParaRPr lang="en-DE"/>
           </a:p>
@@ -7797,7 +7856,7 @@
           <a:p>
             <a:fld id="{18C8AB18-199E-4DA5-9A7C-AC3F0DF1F84A}" type="datetime1">
               <a:rPr lang="LID4096" smtClean="0"/>
-              <a:t>04/24/2020</a:t>
+              <a:t>04/25/2020</a:t>
             </a:fld>
             <a:endParaRPr lang="en-DE"/>
           </a:p>
@@ -7925,7 +7984,7 @@
           <a:p>
             <a:fld id="{18C8AB18-199E-4DA5-9A7C-AC3F0DF1F84A}" type="datetime1">
               <a:rPr lang="LID4096" smtClean="0"/>
-              <a:t>04/24/2020</a:t>
+              <a:t>04/25/2020</a:t>
             </a:fld>
             <a:endParaRPr lang="en-DE"/>
           </a:p>
@@ -8082,7 +8141,7 @@
           <a:p>
             <a:fld id="{18C8AB18-199E-4DA5-9A7C-AC3F0DF1F84A}" type="datetime1">
               <a:rPr lang="LID4096" smtClean="0"/>
-              <a:t>04/24/2020</a:t>
+              <a:t>04/25/2020</a:t>
             </a:fld>
             <a:endParaRPr lang="en-DE"/>
           </a:p>
@@ -8251,7 +8310,7 @@
           <a:p>
             <a:fld id="{18C8AB18-199E-4DA5-9A7C-AC3F0DF1F84A}" type="datetime1">
               <a:rPr lang="LID4096" smtClean="0"/>
-              <a:t>04/24/2020</a:t>
+              <a:t>04/25/2020</a:t>
             </a:fld>
             <a:endParaRPr lang="en-DE"/>
           </a:p>
@@ -8379,7 +8438,7 @@
           <a:p>
             <a:fld id="{18C8AB18-199E-4DA5-9A7C-AC3F0DF1F84A}" type="datetime1">
               <a:rPr lang="LID4096" smtClean="0"/>
-              <a:t>04/24/2020</a:t>
+              <a:t>04/25/2020</a:t>
             </a:fld>
             <a:endParaRPr lang="en-DE"/>
           </a:p>
@@ -8654,7 +8713,7 @@
           <a:p>
             <a:fld id="{F2FB0A1B-B84C-4468-87FB-A47D8696D8D0}" type="datetime1">
               <a:rPr lang="LID4096" smtClean="0"/>
-              <a:t>04/24/2020</a:t>
+              <a:t>04/25/2020</a:t>
             </a:fld>
             <a:endParaRPr lang="en-DE"/>
           </a:p>
@@ -8802,7 +8861,11 @@
           <a:bodyPr/>
           <a:lstStyle/>
           <a:p>
-            <a:endParaRPr lang="en-DE"/>
+            <a:r>
+              <a:rPr lang="de-DE" dirty="0" smtClean="0"/>
+              <a:t>###Start Jens###</a:t>
+            </a:r>
+            <a:endParaRPr lang="en-DE" dirty="0"/>
           </a:p>
         </p:txBody>
       </p:sp>
@@ -8829,7 +8892,7 @@
           <a:p>
             <a:fld id="{9F79514C-9DB9-4FFA-BE8F-D89F9E36933A}" type="datetime1">
               <a:rPr lang="LID4096" smtClean="0"/>
-              <a:t>04/24/2020</a:t>
+              <a:t>04/25/2020</a:t>
             </a:fld>
             <a:endParaRPr lang="en-DE"/>
           </a:p>
@@ -8983,7 +9046,7 @@
           <a:p>
             <a:fld id="{F80EC265-6E54-4455-AA32-FFA0B62CD849}" type="datetime1">
               <a:rPr lang="LID4096" smtClean="0"/>
-              <a:t>04/24/2020</a:t>
+              <a:t>04/25/2020</a:t>
             </a:fld>
             <a:endParaRPr lang="en-DE"/>
           </a:p>
@@ -9211,7 +9274,7 @@
           <a:p>
             <a:fld id="{F80EC265-6E54-4455-AA32-FFA0B62CD849}" type="datetime1">
               <a:rPr lang="LID4096" smtClean="0"/>
-              <a:t>04/24/2020</a:t>
+              <a:t>04/25/2020</a:t>
             </a:fld>
             <a:endParaRPr lang="en-DE"/>
           </a:p>
@@ -9433,42 +9496,6 @@
           <a:xfrm>
             <a:off x="509665" y="1573209"/>
             <a:ext cx="4294272" cy="3936416"/>
-          </a:xfrm>
-          <a:prstGeom prst="rect">
-            <a:avLst/>
-          </a:prstGeom>
-        </p:spPr>
-      </p:pic>
-      <p:pic>
-        <p:nvPicPr>
-          <p:cNvPr id="5" name="Grafik 4">
-            <a:extLst>
-              <a:ext uri="{FF2B5EF4-FFF2-40B4-BE49-F238E27FC236}">
-                <a16:creationId xmlns:a16="http://schemas.microsoft.com/office/drawing/2014/main" id="{5F6581C6-4708-4663-A0F1-C40B92569973}"/>
-              </a:ext>
-            </a:extLst>
-          </p:cNvPr>
-          <p:cNvPicPr>
-            <a:picLocks noChangeAspect="1"/>
-          </p:cNvPicPr>
-          <p:nvPr/>
-        </p:nvPicPr>
-        <p:blipFill>
-          <a:blip r:embed="rId4">
-            <a:extLst>
-              <a:ext uri="{28A0092B-C50C-407E-A947-70E740481C1C}">
-                <a14:useLocalDpi xmlns:a14="http://schemas.microsoft.com/office/drawing/2010/main" val="0"/>
-              </a:ext>
-            </a:extLst>
-          </a:blip>
-          <a:stretch>
-            <a:fillRect/>
-          </a:stretch>
-        </p:blipFill>
-        <p:spPr>
-          <a:xfrm>
-            <a:off x="6964492" y="1424630"/>
-            <a:ext cx="4494240" cy="4233574"/>
           </a:xfrm>
           <a:prstGeom prst="rect">
             <a:avLst/>
@@ -9556,7 +9583,7 @@
           <a:p>
             <a:fld id="{FE55C4B8-CC59-4227-9F5B-3006CCCB166A}" type="datetime1">
               <a:rPr lang="LID4096" smtClean="0"/>
-              <a:t>04/24/2020</a:t>
+              <a:t>04/25/2020</a:t>
             </a:fld>
             <a:endParaRPr lang="en-DE"/>
           </a:p>
@@ -9628,8 +9655,8 @@
         </p:nvSpPr>
         <p:spPr>
           <a:xfrm>
-            <a:off x="838200" y="5906146"/>
-            <a:ext cx="12744191" cy="369332"/>
+            <a:off x="509665" y="5433020"/>
+            <a:ext cx="4303589" cy="923330"/>
           </a:xfrm>
           <a:prstGeom prst="rect">
             <a:avLst/>
@@ -9643,9 +9670,81 @@
           <a:p>
             <a:r>
               <a:rPr lang="de-DE" dirty="0">
-                <a:hlinkClick r:id="rId5"/>
+                <a:hlinkClick r:id="rId4"/>
               </a:rPr>
               <a:t>https://towardsdatascience.com/the-intuition-behind-facial-detection-the-viola-jones-algorithm-29d9106b6999</a:t>
+            </a:r>
+            <a:endParaRPr lang="de-DE" dirty="0"/>
+          </a:p>
+        </p:txBody>
+      </p:sp>
+      <p:pic>
+        <p:nvPicPr>
+          <p:cNvPr id="1026" name="Picture 2" descr="https://cdn-images-1.medium.com/freeze/max/1000/1*qtkwTaE4PXf9sdTzqTZX1A.png?q=20"/>
+          <p:cNvPicPr>
+            <a:picLocks noChangeAspect="1" noChangeArrowheads="1"/>
+          </p:cNvPicPr>
+          <p:nvPr/>
+        </p:nvPicPr>
+        <p:blipFill>
+          <a:blip r:embed="rId5">
+            <a:extLst>
+              <a:ext uri="{28A0092B-C50C-407E-A947-70E740481C1C}">
+                <a14:useLocalDpi xmlns:a14="http://schemas.microsoft.com/office/drawing/2010/main" val="0"/>
+              </a:ext>
+            </a:extLst>
+          </a:blip>
+          <a:srcRect/>
+          <a:stretch>
+            <a:fillRect/>
+          </a:stretch>
+        </p:blipFill>
+        <p:spPr bwMode="auto">
+          <a:xfrm>
+            <a:off x="6964492" y="1690688"/>
+            <a:ext cx="4510554" cy="3615700"/>
+          </a:xfrm>
+          <a:prstGeom prst="rect">
+            <a:avLst/>
+          </a:prstGeom>
+          <a:noFill/>
+          <a:extLst>
+            <a:ext uri="{909E8E84-426E-40DD-AFC4-6F175D3DCCD1}">
+              <a14:hiddenFill xmlns:a14="http://schemas.microsoft.com/office/drawing/2010/main">
+                <a:solidFill>
+                  <a:srgbClr val="FFFFFF"/>
+                </a:solidFill>
+              </a14:hiddenFill>
+            </a:ext>
+          </a:extLst>
+        </p:spPr>
+      </p:pic>
+      <p:sp>
+        <p:nvSpPr>
+          <p:cNvPr id="10" name="Rechteck 9"/>
+          <p:cNvSpPr/>
+          <p:nvPr/>
+        </p:nvSpPr>
+        <p:spPr>
+          <a:xfrm>
+            <a:off x="6921800" y="5248354"/>
+            <a:ext cx="4595938" cy="369332"/>
+          </a:xfrm>
+          <a:prstGeom prst="rect">
+            <a:avLst/>
+          </a:prstGeom>
+        </p:spPr>
+        <p:txBody>
+          <a:bodyPr wrap="none">
+            <a:spAutoFit/>
+          </a:bodyPr>
+          <a:lstStyle/>
+          <a:p>
+            <a:r>
+              <a:rPr lang="de-DE" dirty="0">
+                <a:hlinkClick r:id="rId6"/>
+              </a:rPr>
+              <a:t>https://mc.ai/haar-cascade-face-identification/</a:t>
             </a:r>
             <a:endParaRPr lang="de-DE" dirty="0"/>
           </a:p>
@@ -9787,7 +9886,7 @@
           <a:p>
             <a:fld id="{E14F7BB6-82B4-4782-945E-2E82DA8911D1}" type="datetime1">
               <a:rPr lang="LID4096" smtClean="0"/>
-              <a:t>04/24/2020</a:t>
+              <a:t>04/25/2020</a:t>
             </a:fld>
             <a:endParaRPr lang="en-DE"/>
           </a:p>
@@ -9922,72 +10021,35 @@
           </a:p>
         </p:txBody>
       </p:sp>
-      <p:sp>
-        <p:nvSpPr>
-          <p:cNvPr id="5" name="Inhaltsplatzhalter 4">
-            <a:extLst>
-              <a:ext uri="{FF2B5EF4-FFF2-40B4-BE49-F238E27FC236}">
-                <a16:creationId xmlns:a16="http://schemas.microsoft.com/office/drawing/2014/main" id="{D96C7B3B-8027-4287-996E-4AA0FFC422C8}"/>
-              </a:ext>
-            </a:extLst>
-          </p:cNvPr>
-          <p:cNvSpPr>
-            <a:spLocks noGrp="1"/>
-          </p:cNvSpPr>
+      <p:pic>
+        <p:nvPicPr>
+          <p:cNvPr id="2" name="Inhaltsplatzhalter 1"/>
+          <p:cNvPicPr>
+            <a:picLocks noGrp="1" noChangeAspect="1"/>
+          </p:cNvPicPr>
           <p:nvPr>
             <p:ph idx="1"/>
           </p:nvPr>
-        </p:nvSpPr>
-        <p:spPr/>
-        <p:txBody>
-          <a:bodyPr/>
-          <a:lstStyle/>
-          <a:p>
-            <a:r>
-              <a:rPr lang="de-DE" dirty="0" smtClean="0"/>
-              <a:t>Die meisten Merkmale werden irrelevant sein</a:t>
-            </a:r>
-          </a:p>
-          <a:p>
-            <a:r>
-              <a:rPr lang="de-DE" dirty="0" err="1" smtClean="0"/>
-              <a:t>AdaBoost</a:t>
-            </a:r>
-            <a:r>
-              <a:rPr lang="de-DE" dirty="0" smtClean="0"/>
-              <a:t> kombiniert schlechte </a:t>
-            </a:r>
-            <a:r>
-              <a:rPr lang="de-DE" dirty="0" err="1" smtClean="0"/>
-              <a:t>Klassifikatoren</a:t>
-            </a:r>
-            <a:r>
-              <a:rPr lang="de-DE" dirty="0" smtClean="0"/>
-              <a:t> zu einem starken </a:t>
-            </a:r>
-            <a:r>
-              <a:rPr lang="de-DE" dirty="0" err="1" smtClean="0"/>
-              <a:t>Klassifikator</a:t>
-            </a:r>
-            <a:endParaRPr lang="de-DE" dirty="0" smtClean="0"/>
-          </a:p>
-          <a:p>
-            <a:pPr lvl="1"/>
-            <a:r>
-              <a:rPr lang="de-DE" dirty="0" smtClean="0"/>
-              <a:t>Jedes Merkmal wird auf jedes Trainingsbild angewandt und ein Schwellenwert definiert</a:t>
-            </a:r>
-          </a:p>
-          <a:p>
-            <a:pPr lvl="1"/>
-            <a:r>
-              <a:rPr lang="de-DE" dirty="0" smtClean="0"/>
-              <a:t>Festlegung einer Fehlerquote</a:t>
-            </a:r>
-            <a:endParaRPr lang="de-DE" dirty="0"/>
-          </a:p>
-        </p:txBody>
-      </p:sp>
+        </p:nvPicPr>
+        <p:blipFill>
+          <a:blip r:embed="rId3">
+            <a:extLst>
+              <a:ext uri="{28A0092B-C50C-407E-A947-70E740481C1C}">
+                <a14:useLocalDpi xmlns:a14="http://schemas.microsoft.com/office/drawing/2010/main" val="0"/>
+              </a:ext>
+            </a:extLst>
+          </a:blip>
+          <a:stretch>
+            <a:fillRect/>
+          </a:stretch>
+        </p:blipFill>
+        <p:spPr>
+          <a:xfrm>
+            <a:off x="3409721" y="2686193"/>
+            <a:ext cx="5372558" cy="1337325"/>
+          </a:xfrm>
+        </p:spPr>
+      </p:pic>
       <p:sp>
         <p:nvSpPr>
           <p:cNvPr id="18" name="Datumsplatzhalter 17">
@@ -10011,7 +10073,7 @@
           <a:p>
             <a:fld id="{F80EC265-6E54-4455-AA32-FFA0B62CD849}" type="datetime1">
               <a:rPr lang="LID4096" smtClean="0"/>
-              <a:t>04/24/2020</a:t>
+              <a:t>04/25/2020</a:t>
             </a:fld>
             <a:endParaRPr lang="en-DE"/>
           </a:p>
@@ -10072,6 +10134,37 @@
               <a:t>MSI - Bilderkennung mit OpenCV</a:t>
             </a:r>
             <a:endParaRPr lang="en-DE"/>
+          </a:p>
+        </p:txBody>
+      </p:sp>
+      <p:sp>
+        <p:nvSpPr>
+          <p:cNvPr id="3" name="Rechteck 2"/>
+          <p:cNvSpPr/>
+          <p:nvPr/>
+        </p:nvSpPr>
+        <p:spPr>
+          <a:xfrm>
+            <a:off x="3048000" y="4023518"/>
+            <a:ext cx="6096000" cy="646331"/>
+          </a:xfrm>
+          <a:prstGeom prst="rect">
+            <a:avLst/>
+          </a:prstGeom>
+        </p:spPr>
+        <p:txBody>
+          <a:bodyPr>
+            <a:spAutoFit/>
+          </a:bodyPr>
+          <a:lstStyle/>
+          <a:p>
+            <a:r>
+              <a:rPr lang="de-DE" dirty="0">
+                <a:hlinkClick r:id="rId4"/>
+              </a:rPr>
+              <a:t>https://towardsdatascience.com/the-intuition-behind-facial-detection-the-viola-jones-algorithm-29d9106b6999</a:t>
+            </a:r>
+            <a:endParaRPr lang="de-DE" dirty="0"/>
           </a:p>
         </p:txBody>
       </p:sp>
@@ -10200,7 +10293,7 @@
           <a:p>
             <a:fld id="{F80EC265-6E54-4455-AA32-FFA0B62CD849}" type="datetime1">
               <a:rPr lang="LID4096" smtClean="0"/>
-              <a:t>04/24/2020</a:t>
+              <a:t>04/25/2020</a:t>
             </a:fld>
             <a:endParaRPr lang="en-DE"/>
           </a:p>
@@ -10365,7 +10458,7 @@
           <a:p>
             <a:fld id="{18C8AB18-199E-4DA5-9A7C-AC3F0DF1F84A}" type="datetime1">
               <a:rPr lang="LID4096" smtClean="0"/>
-              <a:t>04/24/2020</a:t>
+              <a:t>04/25/2020</a:t>
             </a:fld>
             <a:endParaRPr lang="en-DE"/>
           </a:p>
@@ -10493,7 +10586,7 @@
           <a:p>
             <a:fld id="{18C8AB18-199E-4DA5-9A7C-AC3F0DF1F84A}" type="datetime1">
               <a:rPr lang="LID4096" smtClean="0"/>
-              <a:t>04/24/2020</a:t>
+              <a:t>04/25/2020</a:t>
             </a:fld>
             <a:endParaRPr lang="en-DE"/>
           </a:p>
@@ -10646,7 +10739,7 @@
           <a:p>
             <a:fld id="{18C8AB18-199E-4DA5-9A7C-AC3F0DF1F84A}" type="datetime1">
               <a:rPr lang="LID4096" smtClean="0"/>
-              <a:t>04/24/2020</a:t>
+              <a:t>04/25/2020</a:t>
             </a:fld>
             <a:endParaRPr lang="en-DE"/>
           </a:p>
@@ -10774,7 +10867,7 @@
           <a:p>
             <a:fld id="{18C8AB18-199E-4DA5-9A7C-AC3F0DF1F84A}" type="datetime1">
               <a:rPr lang="LID4096" smtClean="0"/>
-              <a:t>04/24/2020</a:t>
+              <a:t>04/25/2020</a:t>
             </a:fld>
             <a:endParaRPr lang="en-DE"/>
           </a:p>
@@ -10974,7 +11067,7 @@
           <a:p>
             <a:fld id="{9C586423-4D12-4C23-AD56-60226F456501}" type="datetime1">
               <a:rPr lang="LID4096" smtClean="0"/>
-              <a:t>04/24/2020</a:t>
+              <a:t>04/25/2020</a:t>
             </a:fld>
             <a:endParaRPr lang="en-DE"/>
           </a:p>
@@ -11252,7 +11345,7 @@
           <a:p>
             <a:fld id="{B678636F-32DC-4415-BF62-6869F8D6224C}" type="datetime1">
               <a:rPr lang="LID4096" smtClean="0"/>
-              <a:t>04/24/2020</a:t>
+              <a:t>04/25/2020</a:t>
             </a:fld>
             <a:endParaRPr lang="en-DE"/>
           </a:p>
@@ -11413,7 +11506,7 @@
           <a:p>
             <a:fld id="{18C8AB18-199E-4DA5-9A7C-AC3F0DF1F84A}" type="datetime1">
               <a:rPr lang="LID4096" smtClean="0"/>
-              <a:t>04/24/2020</a:t>
+              <a:t>04/25/2020</a:t>
             </a:fld>
             <a:endParaRPr lang="en-DE"/>
           </a:p>
@@ -11541,7 +11634,7 @@
           <a:p>
             <a:fld id="{18C8AB18-199E-4DA5-9A7C-AC3F0DF1F84A}" type="datetime1">
               <a:rPr lang="LID4096" smtClean="0"/>
-              <a:t>04/24/2020</a:t>
+              <a:t>04/25/2020</a:t>
             </a:fld>
             <a:endParaRPr lang="en-DE"/>
           </a:p>
@@ -11700,7 +11793,7 @@
           <a:p>
             <a:fld id="{684BA66A-D17F-4888-884C-A5445A4B7AA9}" type="datetime1">
               <a:rPr lang="LID4096" smtClean="0"/>
-              <a:t>04/24/2020</a:t>
+              <a:t>04/25/2020</a:t>
             </a:fld>
             <a:endParaRPr lang="en-DE"/>
           </a:p>
@@ -11871,7 +11964,7 @@
           <a:p>
             <a:fld id="{F80EC265-6E54-4455-AA32-FFA0B62CD849}" type="datetime1">
               <a:rPr lang="LID4096" smtClean="0"/>
-              <a:t>04/24/2020</a:t>
+              <a:t>04/25/2020</a:t>
             </a:fld>
             <a:endParaRPr lang="en-DE"/>
           </a:p>
@@ -12032,7 +12125,7 @@
           <a:p>
             <a:fld id="{18C8AB18-199E-4DA5-9A7C-AC3F0DF1F84A}" type="datetime1">
               <a:rPr lang="LID4096" smtClean="0"/>
-              <a:t>04/24/2020</a:t>
+              <a:t>04/25/2020</a:t>
             </a:fld>
             <a:endParaRPr lang="en-DE"/>
           </a:p>
@@ -12160,7 +12253,7 @@
           <a:p>
             <a:fld id="{18C8AB18-199E-4DA5-9A7C-AC3F0DF1F84A}" type="datetime1">
               <a:rPr lang="LID4096" smtClean="0"/>
-              <a:t>04/24/2020</a:t>
+              <a:t>04/25/2020</a:t>
             </a:fld>
             <a:endParaRPr lang="en-DE"/>
           </a:p>
@@ -12319,7 +12412,7 @@
           <a:p>
             <a:fld id="{F80EC265-6E54-4455-AA32-FFA0B62CD849}" type="datetime1">
               <a:rPr lang="LID4096" smtClean="0"/>
-              <a:t>04/24/2020</a:t>
+              <a:t>04/25/2020</a:t>
             </a:fld>
             <a:endParaRPr lang="en-DE"/>
           </a:p>
@@ -12476,7 +12569,7 @@
           <a:p>
             <a:fld id="{18C8AB18-199E-4DA5-9A7C-AC3F0DF1F84A}" type="datetime1">
               <a:rPr lang="LID4096" smtClean="0"/>
-              <a:t>04/24/2020</a:t>
+              <a:t>04/25/2020</a:t>
             </a:fld>
             <a:endParaRPr lang="en-DE"/>
           </a:p>
@@ -12604,7 +12697,7 @@
           <a:p>
             <a:fld id="{18C8AB18-199E-4DA5-9A7C-AC3F0DF1F84A}" type="datetime1">
               <a:rPr lang="LID4096" smtClean="0"/>
-              <a:t>04/24/2020</a:t>
+              <a:t>04/25/2020</a:t>
             </a:fld>
             <a:endParaRPr lang="en-DE"/>
           </a:p>
@@ -12688,7 +12781,13 @@
       </p:grpSpPr>
       <p:sp>
         <p:nvSpPr>
-          <p:cNvPr id="2" name="Titel 1"/>
+          <p:cNvPr id="4" name="Titel 3">
+            <a:extLst>
+              <a:ext uri="{FF2B5EF4-FFF2-40B4-BE49-F238E27FC236}">
+                <a16:creationId xmlns:a16="http://schemas.microsoft.com/office/drawing/2014/main" id="{BAFEB9B6-68B7-493C-8627-50397D1A6789}"/>
+              </a:ext>
+            </a:extLst>
+          </p:cNvPr>
           <p:cNvSpPr>
             <a:spLocks noGrp="1"/>
           </p:cNvSpPr>
@@ -12702,39 +12801,47 @@
           <a:lstStyle/>
           <a:p>
             <a:r>
-              <a:rPr lang="de-DE" dirty="0" smtClean="0"/>
-              <a:t>Aktuelles Beispiel mit </a:t>
-            </a:r>
-            <a:r>
-              <a:rPr lang="de-DE" dirty="0" err="1" smtClean="0"/>
-              <a:t>Coronamorona</a:t>
-            </a:r>
-            <a:endParaRPr lang="de-DE" dirty="0"/>
-          </a:p>
-        </p:txBody>
-      </p:sp>
-      <p:sp>
-        <p:nvSpPr>
-          <p:cNvPr id="3" name="Inhaltsplatzhalter 2"/>
-          <p:cNvSpPr>
-            <a:spLocks noGrp="1"/>
-          </p:cNvSpPr>
-          <p:nvPr>
-            <p:ph idx="1"/>
-          </p:nvPr>
-        </p:nvSpPr>
-        <p:spPr/>
-        <p:txBody>
-          <a:bodyPr/>
-          <a:lstStyle/>
-          <a:p>
-            <a:endParaRPr lang="de-DE" dirty="0"/>
-          </a:p>
-        </p:txBody>
-      </p:sp>
-      <p:sp>
-        <p:nvSpPr>
-          <p:cNvPr id="4" name="Datumsplatzhalter 3"/>
+              <a:rPr lang="de-DE" dirty="0"/>
+              <a:t>Fazit</a:t>
+            </a:r>
+            <a:endParaRPr lang="en-DE" dirty="0"/>
+          </a:p>
+        </p:txBody>
+      </p:sp>
+      <p:sp>
+        <p:nvSpPr>
+          <p:cNvPr id="5" name="Textplatzhalter 4">
+            <a:extLst>
+              <a:ext uri="{FF2B5EF4-FFF2-40B4-BE49-F238E27FC236}">
+                <a16:creationId xmlns:a16="http://schemas.microsoft.com/office/drawing/2014/main" id="{731A542A-75E4-4029-991E-B47BD4E89059}"/>
+              </a:ext>
+            </a:extLst>
+          </p:cNvPr>
+          <p:cNvSpPr>
+            <a:spLocks noGrp="1"/>
+          </p:cNvSpPr>
+          <p:nvPr>
+            <p:ph type="body" idx="1"/>
+          </p:nvPr>
+        </p:nvSpPr>
+        <p:spPr/>
+        <p:txBody>
+          <a:bodyPr/>
+          <a:lstStyle/>
+          <a:p>
+            <a:endParaRPr lang="en-DE"/>
+          </a:p>
+        </p:txBody>
+      </p:sp>
+      <p:sp>
+        <p:nvSpPr>
+          <p:cNvPr id="2" name="Datumsplatzhalter 1">
+            <a:extLst>
+              <a:ext uri="{FF2B5EF4-FFF2-40B4-BE49-F238E27FC236}">
+                <a16:creationId xmlns:a16="http://schemas.microsoft.com/office/drawing/2014/main" id="{49457F69-AE03-4D16-9C06-26057A418395}"/>
+              </a:ext>
+            </a:extLst>
+          </p:cNvPr>
           <p:cNvSpPr>
             <a:spLocks noGrp="1"/>
           </p:cNvSpPr>
@@ -12747,9 +12854,9 @@
           <a:bodyPr/>
           <a:lstStyle/>
           <a:p>
-            <a:fld id="{18C8AB18-199E-4DA5-9A7C-AC3F0DF1F84A}" type="datetime1">
+            <a:fld id="{E7BDD6CB-327D-40C1-8A72-21719130F6DF}" type="datetime1">
               <a:rPr lang="LID4096" smtClean="0"/>
-              <a:t>04/24/2020</a:t>
+              <a:t>04/25/2020</a:t>
             </a:fld>
             <a:endParaRPr lang="en-DE"/>
           </a:p>
@@ -12757,30 +12864,13 @@
       </p:sp>
       <p:sp>
         <p:nvSpPr>
-          <p:cNvPr id="5" name="Fußzeilenplatzhalter 4"/>
-          <p:cNvSpPr>
-            <a:spLocks noGrp="1"/>
-          </p:cNvSpPr>
-          <p:nvPr>
-            <p:ph type="ftr" sz="quarter" idx="11"/>
-          </p:nvPr>
-        </p:nvSpPr>
-        <p:spPr/>
-        <p:txBody>
-          <a:bodyPr/>
-          <a:lstStyle/>
-          <a:p>
-            <a:r>
-              <a:rPr lang="de-DE" smtClean="0"/>
-              <a:t>MSI - Bilderkennung mit OpenCV</a:t>
-            </a:r>
-            <a:endParaRPr lang="en-DE"/>
-          </a:p>
-        </p:txBody>
-      </p:sp>
-      <p:sp>
-        <p:nvSpPr>
-          <p:cNvPr id="6" name="Foliennummernplatzhalter 5"/>
+          <p:cNvPr id="3" name="Foliennummernplatzhalter 2">
+            <a:extLst>
+              <a:ext uri="{FF2B5EF4-FFF2-40B4-BE49-F238E27FC236}">
+                <a16:creationId xmlns:a16="http://schemas.microsoft.com/office/drawing/2014/main" id="{9057D8EE-0F50-4ABF-B7D3-1D2A5F3784BB}"/>
+              </a:ext>
+            </a:extLst>
+          </p:cNvPr>
           <p:cNvSpPr>
             <a:spLocks noGrp="1"/>
           </p:cNvSpPr>
@@ -12801,10 +12891,39 @@
           </a:p>
         </p:txBody>
       </p:sp>
+      <p:sp>
+        <p:nvSpPr>
+          <p:cNvPr id="6" name="Fußzeilenplatzhalter 5">
+            <a:extLst>
+              <a:ext uri="{FF2B5EF4-FFF2-40B4-BE49-F238E27FC236}">
+                <a16:creationId xmlns:a16="http://schemas.microsoft.com/office/drawing/2014/main" id="{5F37D782-8EC2-4B31-A4FB-79C2FD0FD8B2}"/>
+              </a:ext>
+            </a:extLst>
+          </p:cNvPr>
+          <p:cNvSpPr>
+            <a:spLocks noGrp="1"/>
+          </p:cNvSpPr>
+          <p:nvPr>
+            <p:ph type="ftr" sz="quarter" idx="11"/>
+          </p:nvPr>
+        </p:nvSpPr>
+        <p:spPr/>
+        <p:txBody>
+          <a:bodyPr/>
+          <a:lstStyle/>
+          <a:p>
+            <a:r>
+              <a:rPr lang="de-DE"/>
+              <a:t>MSI - Bilderkennung mit OpenCV</a:t>
+            </a:r>
+            <a:endParaRPr lang="en-DE"/>
+          </a:p>
+        </p:txBody>
+      </p:sp>
     </p:spTree>
     <p:extLst>
       <p:ext uri="{BB962C8B-B14F-4D97-AF65-F5344CB8AC3E}">
-        <p14:creationId xmlns:p14="http://schemas.microsoft.com/office/powerpoint/2010/main" val="3241206059"/>
+        <p14:creationId xmlns:p14="http://schemas.microsoft.com/office/powerpoint/2010/main" val="2488292896"/>
       </p:ext>
     </p:extLst>
   </p:cSld>
@@ -12836,177 +12955,6 @@
           <p:cNvPr id="4" name="Titel 3">
             <a:extLst>
               <a:ext uri="{FF2B5EF4-FFF2-40B4-BE49-F238E27FC236}">
-                <a16:creationId xmlns:a16="http://schemas.microsoft.com/office/drawing/2014/main" id="{BAFEB9B6-68B7-493C-8627-50397D1A6789}"/>
-              </a:ext>
-            </a:extLst>
-          </p:cNvPr>
-          <p:cNvSpPr>
-            <a:spLocks noGrp="1"/>
-          </p:cNvSpPr>
-          <p:nvPr>
-            <p:ph type="title"/>
-          </p:nvPr>
-        </p:nvSpPr>
-        <p:spPr/>
-        <p:txBody>
-          <a:bodyPr/>
-          <a:lstStyle/>
-          <a:p>
-            <a:r>
-              <a:rPr lang="de-DE" dirty="0"/>
-              <a:t>Fazit</a:t>
-            </a:r>
-            <a:endParaRPr lang="en-DE" dirty="0"/>
-          </a:p>
-        </p:txBody>
-      </p:sp>
-      <p:sp>
-        <p:nvSpPr>
-          <p:cNvPr id="5" name="Textplatzhalter 4">
-            <a:extLst>
-              <a:ext uri="{FF2B5EF4-FFF2-40B4-BE49-F238E27FC236}">
-                <a16:creationId xmlns:a16="http://schemas.microsoft.com/office/drawing/2014/main" id="{731A542A-75E4-4029-991E-B47BD4E89059}"/>
-              </a:ext>
-            </a:extLst>
-          </p:cNvPr>
-          <p:cNvSpPr>
-            <a:spLocks noGrp="1"/>
-          </p:cNvSpPr>
-          <p:nvPr>
-            <p:ph type="body" idx="1"/>
-          </p:nvPr>
-        </p:nvSpPr>
-        <p:spPr/>
-        <p:txBody>
-          <a:bodyPr/>
-          <a:lstStyle/>
-          <a:p>
-            <a:endParaRPr lang="en-DE"/>
-          </a:p>
-        </p:txBody>
-      </p:sp>
-      <p:sp>
-        <p:nvSpPr>
-          <p:cNvPr id="2" name="Datumsplatzhalter 1">
-            <a:extLst>
-              <a:ext uri="{FF2B5EF4-FFF2-40B4-BE49-F238E27FC236}">
-                <a16:creationId xmlns:a16="http://schemas.microsoft.com/office/drawing/2014/main" id="{49457F69-AE03-4D16-9C06-26057A418395}"/>
-              </a:ext>
-            </a:extLst>
-          </p:cNvPr>
-          <p:cNvSpPr>
-            <a:spLocks noGrp="1"/>
-          </p:cNvSpPr>
-          <p:nvPr>
-            <p:ph type="dt" sz="half" idx="10"/>
-          </p:nvPr>
-        </p:nvSpPr>
-        <p:spPr/>
-        <p:txBody>
-          <a:bodyPr/>
-          <a:lstStyle/>
-          <a:p>
-            <a:fld id="{E7BDD6CB-327D-40C1-8A72-21719130F6DF}" type="datetime1">
-              <a:rPr lang="LID4096" smtClean="0"/>
-              <a:t>04/24/2020</a:t>
-            </a:fld>
-            <a:endParaRPr lang="en-DE"/>
-          </a:p>
-        </p:txBody>
-      </p:sp>
-      <p:sp>
-        <p:nvSpPr>
-          <p:cNvPr id="3" name="Foliennummernplatzhalter 2">
-            <a:extLst>
-              <a:ext uri="{FF2B5EF4-FFF2-40B4-BE49-F238E27FC236}">
-                <a16:creationId xmlns:a16="http://schemas.microsoft.com/office/drawing/2014/main" id="{9057D8EE-0F50-4ABF-B7D3-1D2A5F3784BB}"/>
-              </a:ext>
-            </a:extLst>
-          </p:cNvPr>
-          <p:cNvSpPr>
-            <a:spLocks noGrp="1"/>
-          </p:cNvSpPr>
-          <p:nvPr>
-            <p:ph type="sldNum" sz="quarter" idx="12"/>
-          </p:nvPr>
-        </p:nvSpPr>
-        <p:spPr/>
-        <p:txBody>
-          <a:bodyPr/>
-          <a:lstStyle/>
-          <a:p>
-            <a:fld id="{2919E40B-AC7D-4A7F-9508-598983C40C41}" type="slidenum">
-              <a:rPr lang="en-DE" smtClean="0"/>
-              <a:t>47</a:t>
-            </a:fld>
-            <a:endParaRPr lang="en-DE"/>
-          </a:p>
-        </p:txBody>
-      </p:sp>
-      <p:sp>
-        <p:nvSpPr>
-          <p:cNvPr id="6" name="Fußzeilenplatzhalter 5">
-            <a:extLst>
-              <a:ext uri="{FF2B5EF4-FFF2-40B4-BE49-F238E27FC236}">
-                <a16:creationId xmlns:a16="http://schemas.microsoft.com/office/drawing/2014/main" id="{5F37D782-8EC2-4B31-A4FB-79C2FD0FD8B2}"/>
-              </a:ext>
-            </a:extLst>
-          </p:cNvPr>
-          <p:cNvSpPr>
-            <a:spLocks noGrp="1"/>
-          </p:cNvSpPr>
-          <p:nvPr>
-            <p:ph type="ftr" sz="quarter" idx="11"/>
-          </p:nvPr>
-        </p:nvSpPr>
-        <p:spPr/>
-        <p:txBody>
-          <a:bodyPr/>
-          <a:lstStyle/>
-          <a:p>
-            <a:r>
-              <a:rPr lang="de-DE"/>
-              <a:t>MSI - Bilderkennung mit OpenCV</a:t>
-            </a:r>
-            <a:endParaRPr lang="en-DE"/>
-          </a:p>
-        </p:txBody>
-      </p:sp>
-    </p:spTree>
-    <p:extLst>
-      <p:ext uri="{BB962C8B-B14F-4D97-AF65-F5344CB8AC3E}">
-        <p14:creationId xmlns:p14="http://schemas.microsoft.com/office/powerpoint/2010/main" val="2488292896"/>
-      </p:ext>
-    </p:extLst>
-  </p:cSld>
-  <p:clrMapOvr>
-    <a:masterClrMapping/>
-  </p:clrMapOvr>
-</p:sld>
-</file>
-
-<file path=ppt/slides/slide48.xml><?xml version="1.0" encoding="utf-8"?>
-<p:sld xmlns:a="http://schemas.openxmlformats.org/drawingml/2006/main" xmlns:r="http://schemas.openxmlformats.org/officeDocument/2006/relationships" xmlns:p="http://schemas.openxmlformats.org/presentationml/2006/main">
-  <p:cSld>
-    <p:spTree>
-      <p:nvGrpSpPr>
-        <p:cNvPr id="1" name=""/>
-        <p:cNvGrpSpPr/>
-        <p:nvPr/>
-      </p:nvGrpSpPr>
-      <p:grpSpPr>
-        <a:xfrm>
-          <a:off x="0" y="0"/>
-          <a:ext cx="0" cy="0"/>
-          <a:chOff x="0" y="0"/>
-          <a:chExt cx="0" cy="0"/>
-        </a:xfrm>
-      </p:grpSpPr>
-      <p:sp>
-        <p:nvSpPr>
-          <p:cNvPr id="4" name="Titel 3">
-            <a:extLst>
-              <a:ext uri="{FF2B5EF4-FFF2-40B4-BE49-F238E27FC236}">
                 <a16:creationId xmlns:a16="http://schemas.microsoft.com/office/drawing/2014/main" id="{A8A55A97-58D3-453E-B442-CCA410A1463A}"/>
               </a:ext>
             </a:extLst>
@@ -13119,7 +13067,7 @@
           <a:p>
             <a:fld id="{C31EEA3F-593A-4FF4-8D60-39985E94F7ED}" type="datetime1">
               <a:rPr lang="LID4096" smtClean="0"/>
-              <a:t>04/24/2020</a:t>
+              <a:t>04/25/2020</a:t>
             </a:fld>
             <a:endParaRPr lang="en-DE"/>
           </a:p>
@@ -13148,7 +13096,7 @@
           <a:p>
             <a:fld id="{2919E40B-AC7D-4A7F-9508-598983C40C41}" type="slidenum">
               <a:rPr lang="en-DE" smtClean="0"/>
-              <a:t>48</a:t>
+              <a:t>47</a:t>
             </a:fld>
             <a:endParaRPr lang="en-DE"/>
           </a:p>
@@ -13392,7 +13340,7 @@
           <a:p>
             <a:fld id="{67CF5A85-3E7C-4C58-BDB5-0DE0F47C0987}" type="datetime1">
               <a:rPr lang="LID4096" smtClean="0"/>
-              <a:t>04/24/2020</a:t>
+              <a:t>04/25/2020</a:t>
             </a:fld>
             <a:endParaRPr lang="en-DE"/>
           </a:p>
@@ -13563,7 +13511,7 @@
           <a:p>
             <a:fld id="{6719710C-B7F8-4B52-B15A-8D841B21357A}" type="datetime1">
               <a:rPr lang="LID4096" smtClean="0"/>
-              <a:t>04/24/2020</a:t>
+              <a:t>04/25/2020</a:t>
             </a:fld>
             <a:endParaRPr lang="en-DE"/>
           </a:p>
@@ -13801,7 +13749,7 @@
           <a:p>
             <a:fld id="{FDFE1347-494D-42E8-9A65-645B45E55224}" type="datetime1">
               <a:rPr lang="LID4096" smtClean="0"/>
-              <a:t>04/24/2020</a:t>
+              <a:t>04/25/2020</a:t>
             </a:fld>
             <a:endParaRPr lang="en-DE"/>
           </a:p>
@@ -14038,7 +13986,7 @@
           <a:p>
             <a:fld id="{18C8AB18-199E-4DA5-9A7C-AC3F0DF1F84A}" type="datetime1">
               <a:rPr lang="LID4096" smtClean="0"/>
-              <a:t>04/24/2020</a:t>
+              <a:t>04/25/2020</a:t>
             </a:fld>
             <a:endParaRPr lang="en-DE"/>
           </a:p>
@@ -14231,7 +14179,7 @@
           <a:p>
             <a:fld id="{18C8AB18-199E-4DA5-9A7C-AC3F0DF1F84A}" type="datetime1">
               <a:rPr lang="LID4096" smtClean="0"/>
-              <a:t>04/24/2020</a:t>
+              <a:t>04/25/2020</a:t>
             </a:fld>
             <a:endParaRPr lang="en-DE"/>
           </a:p>

--- a/Bilderkennung mit OpenCV.pptx
+++ b/Bilderkennung mit OpenCV.pptx
@@ -5,8 +5,11 @@
     <p:sldMasterId id="2147483648" r:id="rId1"/>
   </p:sldMasterIdLst>
   <p:notesMasterIdLst>
-    <p:notesMasterId r:id="rId49"/>
+    <p:notesMasterId r:id="rId53"/>
   </p:notesMasterIdLst>
+  <p:handoutMasterIdLst>
+    <p:handoutMasterId r:id="rId54"/>
+  </p:handoutMasterIdLst>
   <p:sldIdLst>
     <p:sldId id="256" r:id="rId2"/>
     <p:sldId id="264" r:id="rId3"/>
@@ -32,29 +35,33 @@
     <p:sldId id="299" r:id="rId23"/>
     <p:sldId id="303" r:id="rId24"/>
     <p:sldId id="301" r:id="rId25"/>
-    <p:sldId id="268" r:id="rId26"/>
-    <p:sldId id="317" r:id="rId27"/>
-    <p:sldId id="269" r:id="rId28"/>
-    <p:sldId id="318" r:id="rId29"/>
-    <p:sldId id="285" r:id="rId30"/>
-    <p:sldId id="291" r:id="rId31"/>
-    <p:sldId id="292" r:id="rId32"/>
-    <p:sldId id="304" r:id="rId33"/>
-    <p:sldId id="305" r:id="rId34"/>
-    <p:sldId id="306" r:id="rId35"/>
-    <p:sldId id="307" r:id="rId36"/>
+    <p:sldId id="317" r:id="rId26"/>
+    <p:sldId id="269" r:id="rId27"/>
+    <p:sldId id="318" r:id="rId28"/>
+    <p:sldId id="285" r:id="rId29"/>
+    <p:sldId id="291" r:id="rId30"/>
+    <p:sldId id="292" r:id="rId31"/>
+    <p:sldId id="304" r:id="rId32"/>
+    <p:sldId id="305" r:id="rId33"/>
+    <p:sldId id="306" r:id="rId34"/>
+    <p:sldId id="307" r:id="rId35"/>
+    <p:sldId id="319" r:id="rId36"/>
     <p:sldId id="286" r:id="rId37"/>
     <p:sldId id="270" r:id="rId38"/>
-    <p:sldId id="308" r:id="rId39"/>
-    <p:sldId id="309" r:id="rId40"/>
-    <p:sldId id="310" r:id="rId41"/>
-    <p:sldId id="311" r:id="rId42"/>
-    <p:sldId id="312" r:id="rId43"/>
-    <p:sldId id="315" r:id="rId44"/>
-    <p:sldId id="313" r:id="rId45"/>
-    <p:sldId id="314" r:id="rId46"/>
-    <p:sldId id="262" r:id="rId47"/>
-    <p:sldId id="275" r:id="rId48"/>
+    <p:sldId id="320" r:id="rId39"/>
+    <p:sldId id="321" r:id="rId40"/>
+    <p:sldId id="308" r:id="rId41"/>
+    <p:sldId id="309" r:id="rId42"/>
+    <p:sldId id="322" r:id="rId43"/>
+    <p:sldId id="310" r:id="rId44"/>
+    <p:sldId id="323" r:id="rId45"/>
+    <p:sldId id="311" r:id="rId46"/>
+    <p:sldId id="312" r:id="rId47"/>
+    <p:sldId id="315" r:id="rId48"/>
+    <p:sldId id="313" r:id="rId49"/>
+    <p:sldId id="314" r:id="rId50"/>
+    <p:sldId id="262" r:id="rId51"/>
+    <p:sldId id="275" r:id="rId52"/>
   </p:sldIdLst>
   <p:sldSz cx="12192000" cy="6858000"/>
   <p:notesSz cx="6858000" cy="9144000"/>
@@ -161,6 +168,172 @@
 </p:presentation>
 </file>
 
+<file path=ppt/handoutMasters/handoutMaster1.xml><?xml version="1.0" encoding="utf-8"?>
+<p:handoutMaster xmlns:a="http://schemas.openxmlformats.org/drawingml/2006/main" xmlns:r="http://schemas.openxmlformats.org/officeDocument/2006/relationships" xmlns:p="http://schemas.openxmlformats.org/presentationml/2006/main">
+  <p:cSld>
+    <p:bg>
+      <p:bgRef idx="1001">
+        <a:schemeClr val="bg1"/>
+      </p:bgRef>
+    </p:bg>
+    <p:spTree>
+      <p:nvGrpSpPr>
+        <p:cNvPr id="1" name=""/>
+        <p:cNvGrpSpPr/>
+        <p:nvPr/>
+      </p:nvGrpSpPr>
+      <p:grpSpPr>
+        <a:xfrm>
+          <a:off x="0" y="0"/>
+          <a:ext cx="0" cy="0"/>
+          <a:chOff x="0" y="0"/>
+          <a:chExt cx="0" cy="0"/>
+        </a:xfrm>
+      </p:grpSpPr>
+      <p:sp>
+        <p:nvSpPr>
+          <p:cNvPr id="2" name="Kopfzeilenplatzhalter 1"/>
+          <p:cNvSpPr>
+            <a:spLocks noGrp="1"/>
+          </p:cNvSpPr>
+          <p:nvPr>
+            <p:ph type="hdr" sz="quarter"/>
+          </p:nvPr>
+        </p:nvSpPr>
+        <p:spPr>
+          <a:xfrm>
+            <a:off x="0" y="0"/>
+            <a:ext cx="2971800" cy="458788"/>
+          </a:xfrm>
+          <a:prstGeom prst="rect">
+            <a:avLst/>
+          </a:prstGeom>
+        </p:spPr>
+        <p:txBody>
+          <a:bodyPr vert="horz" lIns="91440" tIns="45720" rIns="91440" bIns="45720" rtlCol="0"/>
+          <a:lstStyle>
+            <a:lvl1pPr algn="l">
+              <a:defRPr sz="1200"/>
+            </a:lvl1pPr>
+          </a:lstStyle>
+          <a:p>
+            <a:endParaRPr lang="de-DE"/>
+          </a:p>
+        </p:txBody>
+      </p:sp>
+      <p:sp>
+        <p:nvSpPr>
+          <p:cNvPr id="3" name="Datumsplatzhalter 2"/>
+          <p:cNvSpPr>
+            <a:spLocks noGrp="1"/>
+          </p:cNvSpPr>
+          <p:nvPr>
+            <p:ph type="dt" sz="quarter" idx="1"/>
+          </p:nvPr>
+        </p:nvSpPr>
+        <p:spPr>
+          <a:xfrm>
+            <a:off x="3884613" y="0"/>
+            <a:ext cx="2971800" cy="458788"/>
+          </a:xfrm>
+          <a:prstGeom prst="rect">
+            <a:avLst/>
+          </a:prstGeom>
+        </p:spPr>
+        <p:txBody>
+          <a:bodyPr vert="horz" lIns="91440" tIns="45720" rIns="91440" bIns="45720" rtlCol="0"/>
+          <a:lstStyle>
+            <a:lvl1pPr algn="r">
+              <a:defRPr sz="1200"/>
+            </a:lvl1pPr>
+          </a:lstStyle>
+          <a:p>
+            <a:fld id="{61D4836A-5875-42DB-9C56-4FC7862C6738}" type="datetimeFigureOut">
+              <a:rPr lang="de-DE" smtClean="0"/>
+              <a:t>25.04.2020</a:t>
+            </a:fld>
+            <a:endParaRPr lang="de-DE"/>
+          </a:p>
+        </p:txBody>
+      </p:sp>
+      <p:sp>
+        <p:nvSpPr>
+          <p:cNvPr id="4" name="Fußzeilenplatzhalter 3"/>
+          <p:cNvSpPr>
+            <a:spLocks noGrp="1"/>
+          </p:cNvSpPr>
+          <p:nvPr>
+            <p:ph type="ftr" sz="quarter" idx="2"/>
+          </p:nvPr>
+        </p:nvSpPr>
+        <p:spPr>
+          <a:xfrm>
+            <a:off x="0" y="8685213"/>
+            <a:ext cx="2971800" cy="458787"/>
+          </a:xfrm>
+          <a:prstGeom prst="rect">
+            <a:avLst/>
+          </a:prstGeom>
+        </p:spPr>
+        <p:txBody>
+          <a:bodyPr vert="horz" lIns="91440" tIns="45720" rIns="91440" bIns="45720" rtlCol="0" anchor="b"/>
+          <a:lstStyle>
+            <a:lvl1pPr algn="l">
+              <a:defRPr sz="1200"/>
+            </a:lvl1pPr>
+          </a:lstStyle>
+          <a:p>
+            <a:endParaRPr lang="de-DE"/>
+          </a:p>
+        </p:txBody>
+      </p:sp>
+      <p:sp>
+        <p:nvSpPr>
+          <p:cNvPr id="5" name="Foliennummernplatzhalter 4"/>
+          <p:cNvSpPr>
+            <a:spLocks noGrp="1"/>
+          </p:cNvSpPr>
+          <p:nvPr>
+            <p:ph type="sldNum" sz="quarter" idx="3"/>
+          </p:nvPr>
+        </p:nvSpPr>
+        <p:spPr>
+          <a:xfrm>
+            <a:off x="3884613" y="8685213"/>
+            <a:ext cx="2971800" cy="458787"/>
+          </a:xfrm>
+          <a:prstGeom prst="rect">
+            <a:avLst/>
+          </a:prstGeom>
+        </p:spPr>
+        <p:txBody>
+          <a:bodyPr vert="horz" lIns="91440" tIns="45720" rIns="91440" bIns="45720" rtlCol="0" anchor="b"/>
+          <a:lstStyle>
+            <a:lvl1pPr algn="r">
+              <a:defRPr sz="1200"/>
+            </a:lvl1pPr>
+          </a:lstStyle>
+          <a:p>
+            <a:fld id="{47E74653-33AF-421E-8BA6-FB7A09FDBB44}" type="slidenum">
+              <a:rPr lang="de-DE" smtClean="0"/>
+              <a:t>‹Nr.›</a:t>
+            </a:fld>
+            <a:endParaRPr lang="de-DE"/>
+          </a:p>
+        </p:txBody>
+      </p:sp>
+    </p:spTree>
+    <p:extLst>
+      <p:ext uri="{BB962C8B-B14F-4D97-AF65-F5344CB8AC3E}">
+        <p14:creationId xmlns:p14="http://schemas.microsoft.com/office/powerpoint/2010/main" val="1169279903"/>
+      </p:ext>
+    </p:extLst>
+  </p:cSld>
+  <p:clrMap bg1="lt1" tx1="dk1" bg2="lt2" tx2="dk2" accent1="accent1" accent2="accent2" accent3="accent3" accent4="accent4" accent5="accent5" accent6="accent6" hlink="hlink" folHlink="folHlink"/>
+  <p:hf hdr="0" ftr="0" dt="0"/>
+</p:handoutMaster>
+</file>
+
 <file path=ppt/notesMasters/notesMaster1.xml><?xml version="1.0" encoding="utf-8"?>
 <p:notesMaster xmlns:a="http://schemas.openxmlformats.org/drawingml/2006/main" xmlns:r="http://schemas.openxmlformats.org/officeDocument/2006/relationships" xmlns:p="http://schemas.openxmlformats.org/presentationml/2006/main">
   <p:cSld>
@@ -415,6 +588,7 @@
     </p:extLst>
   </p:cSld>
   <p:clrMap bg1="lt1" tx1="dk1" bg2="lt2" tx2="dk2" accent1="accent1" accent2="accent2" accent3="accent3" accent4="accent4" accent5="accent5" accent6="accent6" hlink="hlink" folHlink="folHlink"/>
+  <p:hf hdr="0" ftr="0" dt="0"/>
   <p:notesStyle>
     <a:lvl1pPr marL="0" algn="l" defTabSz="914400" rtl="0" eaLnBrk="1" latinLnBrk="0" hangingPunct="1">
       <a:defRPr sz="1200" kern="1200">
@@ -907,6 +1081,720 @@
 </p:notes>
 </file>
 
+<file path=ppt/notesSlides/notesSlide10.xml><?xml version="1.0" encoding="utf-8"?>
+<p:notes xmlns:a="http://schemas.openxmlformats.org/drawingml/2006/main" xmlns:r="http://schemas.openxmlformats.org/officeDocument/2006/relationships" xmlns:p="http://schemas.openxmlformats.org/presentationml/2006/main">
+  <p:cSld>
+    <p:spTree>
+      <p:nvGrpSpPr>
+        <p:cNvPr id="1" name=""/>
+        <p:cNvGrpSpPr/>
+        <p:nvPr/>
+      </p:nvGrpSpPr>
+      <p:grpSpPr>
+        <a:xfrm>
+          <a:off x="0" y="0"/>
+          <a:ext cx="0" cy="0"/>
+          <a:chOff x="0" y="0"/>
+          <a:chExt cx="0" cy="0"/>
+        </a:xfrm>
+      </p:grpSpPr>
+      <p:sp>
+        <p:nvSpPr>
+          <p:cNvPr id="2" name="Folienbildplatzhalter 1"/>
+          <p:cNvSpPr>
+            <a:spLocks noGrp="1" noRot="1" noChangeAspect="1"/>
+          </p:cNvSpPr>
+          <p:nvPr>
+            <p:ph type="sldImg"/>
+          </p:nvPr>
+        </p:nvSpPr>
+        <p:spPr/>
+      </p:sp>
+      <p:sp>
+        <p:nvSpPr>
+          <p:cNvPr id="3" name="Notizenplatzhalter 2"/>
+          <p:cNvSpPr>
+            <a:spLocks noGrp="1"/>
+          </p:cNvSpPr>
+          <p:nvPr>
+            <p:ph type="body" idx="1"/>
+          </p:nvPr>
+        </p:nvSpPr>
+        <p:spPr/>
+        <p:txBody>
+          <a:bodyPr/>
+          <a:lstStyle/>
+          <a:p>
+            <a:r>
+              <a:rPr lang="de-DE" dirty="0" smtClean="0"/>
+              <a:t>Ergebnis was zeigt, dass die Maske auch auf rechtem Bild vollständig angelegt wurde</a:t>
+            </a:r>
+            <a:endParaRPr lang="de-DE" baseline="0" dirty="0" smtClean="0"/>
+          </a:p>
+          <a:p>
+            <a:endParaRPr lang="de-DE" dirty="0"/>
+          </a:p>
+        </p:txBody>
+      </p:sp>
+      <p:sp>
+        <p:nvSpPr>
+          <p:cNvPr id="4" name="Foliennummernplatzhalter 3"/>
+          <p:cNvSpPr>
+            <a:spLocks noGrp="1"/>
+          </p:cNvSpPr>
+          <p:nvPr>
+            <p:ph type="sldNum" sz="quarter" idx="10"/>
+          </p:nvPr>
+        </p:nvSpPr>
+        <p:spPr/>
+        <p:txBody>
+          <a:bodyPr/>
+          <a:lstStyle/>
+          <a:p>
+            <a:fld id="{822DCA9E-6AC6-4AB6-ADE9-9D0DA32568A3}" type="slidenum">
+              <a:rPr lang="de-DE" smtClean="0"/>
+              <a:t>39</a:t>
+            </a:fld>
+            <a:endParaRPr lang="de-DE"/>
+          </a:p>
+        </p:txBody>
+      </p:sp>
+    </p:spTree>
+    <p:extLst>
+      <p:ext uri="{BB962C8B-B14F-4D97-AF65-F5344CB8AC3E}">
+        <p14:creationId xmlns:p14="http://schemas.microsoft.com/office/powerpoint/2010/main" val="2014290038"/>
+      </p:ext>
+    </p:extLst>
+  </p:cSld>
+  <p:clrMapOvr>
+    <a:masterClrMapping/>
+  </p:clrMapOvr>
+</p:notes>
+</file>
+
+<file path=ppt/notesSlides/notesSlide11.xml><?xml version="1.0" encoding="utf-8"?>
+<p:notes xmlns:a="http://schemas.openxmlformats.org/drawingml/2006/main" xmlns:r="http://schemas.openxmlformats.org/officeDocument/2006/relationships" xmlns:p="http://schemas.openxmlformats.org/presentationml/2006/main">
+  <p:cSld>
+    <p:spTree>
+      <p:nvGrpSpPr>
+        <p:cNvPr id="1" name=""/>
+        <p:cNvGrpSpPr/>
+        <p:nvPr/>
+      </p:nvGrpSpPr>
+      <p:grpSpPr>
+        <a:xfrm>
+          <a:off x="0" y="0"/>
+          <a:ext cx="0" cy="0"/>
+          <a:chOff x="0" y="0"/>
+          <a:chExt cx="0" cy="0"/>
+        </a:xfrm>
+      </p:grpSpPr>
+      <p:sp>
+        <p:nvSpPr>
+          <p:cNvPr id="2" name="Folienbildplatzhalter 1"/>
+          <p:cNvSpPr>
+            <a:spLocks noGrp="1" noRot="1" noChangeAspect="1"/>
+          </p:cNvSpPr>
+          <p:nvPr>
+            <p:ph type="sldImg"/>
+          </p:nvPr>
+        </p:nvSpPr>
+        <p:spPr/>
+      </p:sp>
+      <p:sp>
+        <p:nvSpPr>
+          <p:cNvPr id="3" name="Notizenplatzhalter 2"/>
+          <p:cNvSpPr>
+            <a:spLocks noGrp="1"/>
+          </p:cNvSpPr>
+          <p:nvPr>
+            <p:ph type="body" idx="1"/>
+          </p:nvPr>
+        </p:nvSpPr>
+        <p:spPr/>
+        <p:txBody>
+          <a:bodyPr/>
+          <a:lstStyle/>
+          <a:p>
+            <a:pPr marL="171450" indent="-171450">
+              <a:buFont typeface="Arial" panose="020B0604020202020204" pitchFamily="34" charset="0"/>
+              <a:buChar char="•"/>
+            </a:pPr>
+            <a:r>
+              <a:rPr lang="de-DE" dirty="0" smtClean="0"/>
+              <a:t>Man versucht Messungen zu erstellen von einem Gesicht</a:t>
+            </a:r>
+          </a:p>
+          <a:p>
+            <a:pPr marL="628650" lvl="1" indent="-171450">
+              <a:buFont typeface="Arial" panose="020B0604020202020204" pitchFamily="34" charset="0"/>
+              <a:buChar char="•"/>
+            </a:pPr>
+            <a:r>
+              <a:rPr lang="de-DE" dirty="0" smtClean="0"/>
+              <a:t>Ohrengröße, Abstand zwischen den Augen, Länge des Nasenrückens</a:t>
+            </a:r>
+            <a:r>
+              <a:rPr lang="de-DE" baseline="0" dirty="0" smtClean="0"/>
+              <a:t> </a:t>
+            </a:r>
+            <a:r>
+              <a:rPr lang="de-DE" baseline="0" dirty="0" err="1" smtClean="0"/>
+              <a:t>etc</a:t>
+            </a:r>
+            <a:endParaRPr lang="de-DE" dirty="0" smtClean="0"/>
+          </a:p>
+          <a:p>
+            <a:pPr marL="171450" indent="-171450">
+              <a:buFont typeface="Arial" panose="020B0604020202020204" pitchFamily="34" charset="0"/>
+              <a:buChar char="•"/>
+            </a:pPr>
+            <a:r>
+              <a:rPr lang="de-DE" dirty="0" smtClean="0"/>
+              <a:t>Computer</a:t>
+            </a:r>
+            <a:r>
+              <a:rPr lang="de-DE" baseline="0" dirty="0" smtClean="0"/>
+              <a:t> arbeitet Pixelbasiert, also sind für uns Menschen offensichtliche Merkmale für ihn oft ungeeignet (</a:t>
+            </a:r>
+            <a:r>
+              <a:rPr lang="de-DE" baseline="0" dirty="0" err="1" smtClean="0"/>
+              <a:t>bsp.</a:t>
+            </a:r>
+            <a:r>
+              <a:rPr lang="de-DE" baseline="0" dirty="0" smtClean="0"/>
+              <a:t> Augenfarbe)</a:t>
+            </a:r>
+          </a:p>
+          <a:p>
+            <a:pPr marL="171450" indent="-171450">
+              <a:buFont typeface="Arial" panose="020B0604020202020204" pitchFamily="34" charset="0"/>
+              <a:buChar char="•"/>
+            </a:pPr>
+            <a:r>
+              <a:rPr lang="de-DE" baseline="0" dirty="0" err="1" smtClean="0"/>
+              <a:t>Deep</a:t>
+            </a:r>
+            <a:r>
+              <a:rPr lang="de-DE" baseline="0" dirty="0" smtClean="0"/>
+              <a:t> Learning soll helfen, dass der Computer selbst entscheidet was gute Messungen sind (CNN)</a:t>
+            </a:r>
+          </a:p>
+          <a:p>
+            <a:pPr marL="628650" lvl="1" indent="-171450">
+              <a:buFont typeface="Arial" panose="020B0604020202020204" pitchFamily="34" charset="0"/>
+              <a:buChar char="•"/>
+            </a:pPr>
+            <a:r>
+              <a:rPr lang="de-DE" baseline="0" dirty="0" smtClean="0"/>
+              <a:t>Das Netz wird darauf trainiert 128 Messungen von jedem Gesicht zu erstellen</a:t>
+            </a:r>
+          </a:p>
+          <a:p>
+            <a:pPr marL="1085850" lvl="2" indent="-171450">
+              <a:buFont typeface="Arial" panose="020B0604020202020204" pitchFamily="34" charset="0"/>
+              <a:buChar char="•"/>
+            </a:pPr>
+            <a:r>
+              <a:rPr lang="de-DE" baseline="0" dirty="0" smtClean="0"/>
+              <a:t>Bestes Training: Bild1 von </a:t>
+            </a:r>
+            <a:r>
+              <a:rPr lang="de-DE" baseline="0" dirty="0" err="1" smtClean="0"/>
+              <a:t>PersonA</a:t>
+            </a:r>
+            <a:r>
+              <a:rPr lang="de-DE" baseline="0" dirty="0" smtClean="0"/>
+              <a:t>, Bild2 von </a:t>
+            </a:r>
+            <a:r>
+              <a:rPr lang="de-DE" baseline="0" dirty="0" err="1" smtClean="0"/>
+              <a:t>PersonA</a:t>
+            </a:r>
+            <a:r>
+              <a:rPr lang="de-DE" baseline="0" dirty="0" smtClean="0"/>
+              <a:t> und Bild3 von </a:t>
+            </a:r>
+            <a:r>
+              <a:rPr lang="de-DE" baseline="0" dirty="0" err="1" smtClean="0"/>
+              <a:t>PersonB</a:t>
+            </a:r>
+            <a:r>
+              <a:rPr lang="de-DE" baseline="0" dirty="0" smtClean="0"/>
+              <a:t> werden zur gleichen Zeit betrachtet</a:t>
+            </a:r>
+          </a:p>
+          <a:p>
+            <a:pPr marL="1085850" lvl="2" indent="-171450">
+              <a:buFont typeface="Arial" panose="020B0604020202020204" pitchFamily="34" charset="0"/>
+              <a:buChar char="•"/>
+            </a:pPr>
+            <a:r>
+              <a:rPr lang="de-DE" baseline="0" dirty="0" smtClean="0"/>
+              <a:t>Algorithmus betrachtet die jeweilige Messung für jedes Bild</a:t>
+            </a:r>
+          </a:p>
+          <a:p>
+            <a:pPr marL="1085850" lvl="2" indent="-171450">
+              <a:buFont typeface="Arial" panose="020B0604020202020204" pitchFamily="34" charset="0"/>
+              <a:buChar char="•"/>
+            </a:pPr>
+            <a:r>
+              <a:rPr lang="de-DE" baseline="0" dirty="0" smtClean="0"/>
+              <a:t>Das Netz wird so angepasst, dass die Messungen zu Bild1 und Bild2 sich annähern und Bild2 und Bild3 sich entfernen</a:t>
+            </a:r>
+          </a:p>
+          <a:p>
+            <a:pPr marL="628650" lvl="1" indent="-171450">
+              <a:buFont typeface="Arial" panose="020B0604020202020204" pitchFamily="34" charset="0"/>
+              <a:buChar char="•"/>
+            </a:pPr>
+            <a:r>
+              <a:rPr lang="de-DE" baseline="0" dirty="0" smtClean="0"/>
+              <a:t>Das wird mehrere Millionen Male wiederholt, bis das Netz für jedes Gesicht diese 128 Messungen erstellen kann (Es gibt glücklicherweise sehr gute trainierte Netze, welche zur Verfügung gestellt werden)</a:t>
+            </a:r>
+            <a:endParaRPr lang="de-DE" dirty="0" smtClean="0"/>
+          </a:p>
+          <a:p>
+            <a:pPr marL="171450" indent="-171450">
+              <a:buFont typeface="Arial" panose="020B0604020202020204" pitchFamily="34" charset="0"/>
+              <a:buChar char="•"/>
+            </a:pPr>
+            <a:r>
+              <a:rPr lang="de-DE" dirty="0" smtClean="0"/>
+              <a:t>Was</a:t>
+            </a:r>
+            <a:r>
+              <a:rPr lang="de-DE" baseline="0" dirty="0" smtClean="0"/>
+              <a:t> diese 128 Messungen exakt aussagen weiß nur das Netz selbst, wichtig ist es dass die Zahlen bei zwei Bildern einer Person nahezu identisch sein sollten</a:t>
+            </a:r>
+            <a:endParaRPr lang="de-DE" dirty="0"/>
+          </a:p>
+        </p:txBody>
+      </p:sp>
+      <p:sp>
+        <p:nvSpPr>
+          <p:cNvPr id="4" name="Foliennummernplatzhalter 3"/>
+          <p:cNvSpPr>
+            <a:spLocks noGrp="1"/>
+          </p:cNvSpPr>
+          <p:nvPr>
+            <p:ph type="sldNum" sz="quarter" idx="10"/>
+          </p:nvPr>
+        </p:nvSpPr>
+        <p:spPr/>
+        <p:txBody>
+          <a:bodyPr/>
+          <a:lstStyle/>
+          <a:p>
+            <a:fld id="{822DCA9E-6AC6-4AB6-ADE9-9D0DA32568A3}" type="slidenum">
+              <a:rPr lang="de-DE" smtClean="0"/>
+              <a:t>42</a:t>
+            </a:fld>
+            <a:endParaRPr lang="de-DE"/>
+          </a:p>
+        </p:txBody>
+      </p:sp>
+    </p:spTree>
+    <p:extLst>
+      <p:ext uri="{BB962C8B-B14F-4D97-AF65-F5344CB8AC3E}">
+        <p14:creationId xmlns:p14="http://schemas.microsoft.com/office/powerpoint/2010/main" val="3530587230"/>
+      </p:ext>
+    </p:extLst>
+  </p:cSld>
+  <p:clrMapOvr>
+    <a:masterClrMapping/>
+  </p:clrMapOvr>
+</p:notes>
+</file>
+
+<file path=ppt/notesSlides/notesSlide12.xml><?xml version="1.0" encoding="utf-8"?>
+<p:notes xmlns:a="http://schemas.openxmlformats.org/drawingml/2006/main" xmlns:r="http://schemas.openxmlformats.org/officeDocument/2006/relationships" xmlns:p="http://schemas.openxmlformats.org/presentationml/2006/main">
+  <p:cSld>
+    <p:spTree>
+      <p:nvGrpSpPr>
+        <p:cNvPr id="1" name=""/>
+        <p:cNvGrpSpPr/>
+        <p:nvPr/>
+      </p:nvGrpSpPr>
+      <p:grpSpPr>
+        <a:xfrm>
+          <a:off x="0" y="0"/>
+          <a:ext cx="0" cy="0"/>
+          <a:chOff x="0" y="0"/>
+          <a:chExt cx="0" cy="0"/>
+        </a:xfrm>
+      </p:grpSpPr>
+      <p:sp>
+        <p:nvSpPr>
+          <p:cNvPr id="2" name="Folienbildplatzhalter 1"/>
+          <p:cNvSpPr>
+            <a:spLocks noGrp="1" noRot="1" noChangeAspect="1"/>
+          </p:cNvSpPr>
+          <p:nvPr>
+            <p:ph type="sldImg"/>
+          </p:nvPr>
+        </p:nvSpPr>
+        <p:spPr/>
+      </p:sp>
+      <p:sp>
+        <p:nvSpPr>
+          <p:cNvPr id="3" name="Notizenplatzhalter 2"/>
+          <p:cNvSpPr>
+            <a:spLocks noGrp="1"/>
+          </p:cNvSpPr>
+          <p:nvPr>
+            <p:ph type="body" idx="1"/>
+          </p:nvPr>
+        </p:nvSpPr>
+        <p:spPr/>
+        <p:txBody>
+          <a:bodyPr/>
+          <a:lstStyle/>
+          <a:p>
+            <a:pPr marL="171450" indent="-171450">
+              <a:buFont typeface="Arial" panose="020B0604020202020204" pitchFamily="34" charset="0"/>
+              <a:buChar char="•"/>
+            </a:pPr>
+            <a:r>
+              <a:rPr lang="de-DE" dirty="0" smtClean="0"/>
+              <a:t>Eine </a:t>
+            </a:r>
+            <a:r>
+              <a:rPr lang="de-DE" dirty="0" err="1" smtClean="0"/>
+              <a:t>Cascade</a:t>
+            </a:r>
+            <a:r>
+              <a:rPr lang="de-DE" dirty="0" smtClean="0"/>
+              <a:t> hat</a:t>
+            </a:r>
+            <a:r>
+              <a:rPr lang="de-DE" baseline="0" dirty="0" smtClean="0"/>
+              <a:t> zuerst 1 Feature, dann 5, dann 10, dann 50 </a:t>
+            </a:r>
+            <a:r>
+              <a:rPr lang="de-DE" baseline="0" dirty="0" err="1" smtClean="0"/>
+              <a:t>usw</a:t>
+            </a:r>
+            <a:endParaRPr lang="de-DE" baseline="0" dirty="0" smtClean="0"/>
+          </a:p>
+          <a:p>
+            <a:pPr marL="171450" indent="-171450">
+              <a:buFont typeface="Arial" panose="020B0604020202020204" pitchFamily="34" charset="0"/>
+              <a:buChar char="•"/>
+            </a:pPr>
+            <a:r>
+              <a:rPr lang="de-DE" baseline="0" dirty="0" smtClean="0"/>
+              <a:t>Wenn beim ersten Feature schon ein negatives Ergebnis zurückkommt muss man die weiteren nicht durchlaufen und kann weiter</a:t>
+            </a:r>
+          </a:p>
+          <a:p>
+            <a:pPr marL="171450" indent="-171450">
+              <a:buFont typeface="Arial" panose="020B0604020202020204" pitchFamily="34" charset="0"/>
+              <a:buChar char="•"/>
+            </a:pPr>
+            <a:r>
+              <a:rPr lang="de-DE" baseline="0" dirty="0" smtClean="0"/>
+              <a:t>Erstes Feature ist das wichtigste</a:t>
+            </a:r>
+            <a:endParaRPr lang="de-DE" dirty="0"/>
+          </a:p>
+        </p:txBody>
+      </p:sp>
+      <p:sp>
+        <p:nvSpPr>
+          <p:cNvPr id="4" name="Foliennummernplatzhalter 3"/>
+          <p:cNvSpPr>
+            <a:spLocks noGrp="1"/>
+          </p:cNvSpPr>
+          <p:nvPr>
+            <p:ph type="sldNum" sz="quarter" idx="10"/>
+          </p:nvPr>
+        </p:nvSpPr>
+        <p:spPr/>
+        <p:txBody>
+          <a:bodyPr/>
+          <a:lstStyle/>
+          <a:p>
+            <a:fld id="{822DCA9E-6AC6-4AB6-ADE9-9D0DA32568A3}" type="slidenum">
+              <a:rPr lang="de-DE" smtClean="0"/>
+              <a:t>43</a:t>
+            </a:fld>
+            <a:endParaRPr lang="de-DE"/>
+          </a:p>
+        </p:txBody>
+      </p:sp>
+    </p:spTree>
+    <p:extLst>
+      <p:ext uri="{BB962C8B-B14F-4D97-AF65-F5344CB8AC3E}">
+        <p14:creationId xmlns:p14="http://schemas.microsoft.com/office/powerpoint/2010/main" val="448086733"/>
+      </p:ext>
+    </p:extLst>
+  </p:cSld>
+  <p:clrMapOvr>
+    <a:masterClrMapping/>
+  </p:clrMapOvr>
+</p:notes>
+</file>
+
+<file path=ppt/notesSlides/notesSlide13.xml><?xml version="1.0" encoding="utf-8"?>
+<p:notes xmlns:a="http://schemas.openxmlformats.org/drawingml/2006/main" xmlns:r="http://schemas.openxmlformats.org/officeDocument/2006/relationships" xmlns:p="http://schemas.openxmlformats.org/presentationml/2006/main">
+  <p:cSld>
+    <p:spTree>
+      <p:nvGrpSpPr>
+        <p:cNvPr id="1" name=""/>
+        <p:cNvGrpSpPr/>
+        <p:nvPr/>
+      </p:nvGrpSpPr>
+      <p:grpSpPr>
+        <a:xfrm>
+          <a:off x="0" y="0"/>
+          <a:ext cx="0" cy="0"/>
+          <a:chOff x="0" y="0"/>
+          <a:chExt cx="0" cy="0"/>
+        </a:xfrm>
+      </p:grpSpPr>
+      <p:sp>
+        <p:nvSpPr>
+          <p:cNvPr id="2" name="Folienbildplatzhalter 1"/>
+          <p:cNvSpPr>
+            <a:spLocks noGrp="1" noRot="1" noChangeAspect="1"/>
+          </p:cNvSpPr>
+          <p:nvPr>
+            <p:ph type="sldImg"/>
+          </p:nvPr>
+        </p:nvSpPr>
+        <p:spPr/>
+      </p:sp>
+      <p:sp>
+        <p:nvSpPr>
+          <p:cNvPr id="3" name="Notizenplatzhalter 2"/>
+          <p:cNvSpPr>
+            <a:spLocks noGrp="1"/>
+          </p:cNvSpPr>
+          <p:nvPr>
+            <p:ph type="body" idx="1"/>
+          </p:nvPr>
+        </p:nvSpPr>
+        <p:spPr/>
+        <p:txBody>
+          <a:bodyPr/>
+          <a:lstStyle/>
+          <a:p>
+            <a:pPr marL="171450" indent="-171450">
+              <a:buFont typeface="Arial" panose="020B0604020202020204" pitchFamily="34" charset="0"/>
+              <a:buChar char="•"/>
+            </a:pPr>
+            <a:r>
+              <a:rPr lang="de-DE" dirty="0" smtClean="0"/>
+              <a:t>Eine </a:t>
+            </a:r>
+            <a:r>
+              <a:rPr lang="de-DE" dirty="0" err="1" smtClean="0"/>
+              <a:t>Cascade</a:t>
+            </a:r>
+            <a:r>
+              <a:rPr lang="de-DE" dirty="0" smtClean="0"/>
+              <a:t> hat</a:t>
+            </a:r>
+            <a:r>
+              <a:rPr lang="de-DE" baseline="0" dirty="0" smtClean="0"/>
+              <a:t> zuerst 1 Feature, dann 5, dann 10, dann 50 </a:t>
+            </a:r>
+            <a:r>
+              <a:rPr lang="de-DE" baseline="0" dirty="0" err="1" smtClean="0"/>
+              <a:t>usw</a:t>
+            </a:r>
+            <a:endParaRPr lang="de-DE" baseline="0" dirty="0" smtClean="0"/>
+          </a:p>
+          <a:p>
+            <a:pPr marL="171450" indent="-171450">
+              <a:buFont typeface="Arial" panose="020B0604020202020204" pitchFamily="34" charset="0"/>
+              <a:buChar char="•"/>
+            </a:pPr>
+            <a:r>
+              <a:rPr lang="de-DE" baseline="0" dirty="0" smtClean="0"/>
+              <a:t>Wenn beim ersten Feature schon ein negatives Ergebnis zurückkommt muss man die weiteren nicht durchlaufen und kann weiter</a:t>
+            </a:r>
+          </a:p>
+          <a:p>
+            <a:pPr marL="171450" indent="-171450">
+              <a:buFont typeface="Arial" panose="020B0604020202020204" pitchFamily="34" charset="0"/>
+              <a:buChar char="•"/>
+            </a:pPr>
+            <a:r>
+              <a:rPr lang="de-DE" baseline="0" dirty="0" smtClean="0"/>
+              <a:t>Erstes Feature ist das wichtigste</a:t>
+            </a:r>
+            <a:endParaRPr lang="de-DE" dirty="0"/>
+          </a:p>
+        </p:txBody>
+      </p:sp>
+      <p:sp>
+        <p:nvSpPr>
+          <p:cNvPr id="4" name="Foliennummernplatzhalter 3"/>
+          <p:cNvSpPr>
+            <a:spLocks noGrp="1"/>
+          </p:cNvSpPr>
+          <p:nvPr>
+            <p:ph type="sldNum" sz="quarter" idx="10"/>
+          </p:nvPr>
+        </p:nvSpPr>
+        <p:spPr/>
+        <p:txBody>
+          <a:bodyPr/>
+          <a:lstStyle/>
+          <a:p>
+            <a:fld id="{822DCA9E-6AC6-4AB6-ADE9-9D0DA32568A3}" type="slidenum">
+              <a:rPr lang="de-DE" smtClean="0"/>
+              <a:t>44</a:t>
+            </a:fld>
+            <a:endParaRPr lang="de-DE"/>
+          </a:p>
+        </p:txBody>
+      </p:sp>
+    </p:spTree>
+    <p:extLst>
+      <p:ext uri="{BB962C8B-B14F-4D97-AF65-F5344CB8AC3E}">
+        <p14:creationId xmlns:p14="http://schemas.microsoft.com/office/powerpoint/2010/main" val="3104061401"/>
+      </p:ext>
+    </p:extLst>
+  </p:cSld>
+  <p:clrMapOvr>
+    <a:masterClrMapping/>
+  </p:clrMapOvr>
+</p:notes>
+</file>
+
+<file path=ppt/notesSlides/notesSlide14.xml><?xml version="1.0" encoding="utf-8"?>
+<p:notes xmlns:a="http://schemas.openxmlformats.org/drawingml/2006/main" xmlns:r="http://schemas.openxmlformats.org/officeDocument/2006/relationships" xmlns:p="http://schemas.openxmlformats.org/presentationml/2006/main">
+  <p:cSld>
+    <p:spTree>
+      <p:nvGrpSpPr>
+        <p:cNvPr id="1" name=""/>
+        <p:cNvGrpSpPr/>
+        <p:nvPr/>
+      </p:nvGrpSpPr>
+      <p:grpSpPr>
+        <a:xfrm>
+          <a:off x="0" y="0"/>
+          <a:ext cx="0" cy="0"/>
+          <a:chOff x="0" y="0"/>
+          <a:chExt cx="0" cy="0"/>
+        </a:xfrm>
+      </p:grpSpPr>
+      <p:sp>
+        <p:nvSpPr>
+          <p:cNvPr id="2" name="Folienbildplatzhalter 1"/>
+          <p:cNvSpPr>
+            <a:spLocks noGrp="1" noRot="1" noChangeAspect="1"/>
+          </p:cNvSpPr>
+          <p:nvPr>
+            <p:ph type="sldImg"/>
+          </p:nvPr>
+        </p:nvSpPr>
+        <p:spPr/>
+      </p:sp>
+      <p:sp>
+        <p:nvSpPr>
+          <p:cNvPr id="3" name="Notizenplatzhalter 2"/>
+          <p:cNvSpPr>
+            <a:spLocks noGrp="1"/>
+          </p:cNvSpPr>
+          <p:nvPr>
+            <p:ph type="body" idx="1"/>
+          </p:nvPr>
+        </p:nvSpPr>
+        <p:spPr/>
+        <p:txBody>
+          <a:bodyPr/>
+          <a:lstStyle/>
+          <a:p>
+            <a:pPr marL="171450" indent="-171450">
+              <a:buFont typeface="Arial" panose="020B0604020202020204" pitchFamily="34" charset="0"/>
+              <a:buChar char="•"/>
+            </a:pPr>
+            <a:r>
+              <a:rPr lang="de-DE" dirty="0" smtClean="0"/>
+              <a:t>Eine </a:t>
+            </a:r>
+            <a:r>
+              <a:rPr lang="de-DE" dirty="0" err="1" smtClean="0"/>
+              <a:t>Cascade</a:t>
+            </a:r>
+            <a:r>
+              <a:rPr lang="de-DE" dirty="0" smtClean="0"/>
+              <a:t> hat</a:t>
+            </a:r>
+            <a:r>
+              <a:rPr lang="de-DE" baseline="0" dirty="0" smtClean="0"/>
+              <a:t> zuerst 1 Feature, dann 5, dann 10, dann 50 </a:t>
+            </a:r>
+            <a:r>
+              <a:rPr lang="de-DE" baseline="0" dirty="0" err="1" smtClean="0"/>
+              <a:t>usw</a:t>
+            </a:r>
+            <a:endParaRPr lang="de-DE" baseline="0" dirty="0" smtClean="0"/>
+          </a:p>
+          <a:p>
+            <a:pPr marL="171450" indent="-171450">
+              <a:buFont typeface="Arial" panose="020B0604020202020204" pitchFamily="34" charset="0"/>
+              <a:buChar char="•"/>
+            </a:pPr>
+            <a:r>
+              <a:rPr lang="de-DE" baseline="0" dirty="0" smtClean="0"/>
+              <a:t>Wenn beim ersten Feature schon ein negatives Ergebnis zurückkommt muss man die weiteren nicht durchlaufen und kann weiter</a:t>
+            </a:r>
+          </a:p>
+          <a:p>
+            <a:pPr marL="171450" indent="-171450">
+              <a:buFont typeface="Arial" panose="020B0604020202020204" pitchFamily="34" charset="0"/>
+              <a:buChar char="•"/>
+            </a:pPr>
+            <a:r>
+              <a:rPr lang="de-DE" baseline="0" dirty="0" smtClean="0"/>
+              <a:t>Erstes Feature ist das wichtigste</a:t>
+            </a:r>
+            <a:endParaRPr lang="de-DE" dirty="0"/>
+          </a:p>
+        </p:txBody>
+      </p:sp>
+      <p:sp>
+        <p:nvSpPr>
+          <p:cNvPr id="4" name="Foliennummernplatzhalter 3"/>
+          <p:cNvSpPr>
+            <a:spLocks noGrp="1"/>
+          </p:cNvSpPr>
+          <p:nvPr>
+            <p:ph type="sldNum" sz="quarter" idx="10"/>
+          </p:nvPr>
+        </p:nvSpPr>
+        <p:spPr/>
+        <p:txBody>
+          <a:bodyPr/>
+          <a:lstStyle/>
+          <a:p>
+            <a:fld id="{822DCA9E-6AC6-4AB6-ADE9-9D0DA32568A3}" type="slidenum">
+              <a:rPr lang="de-DE" smtClean="0"/>
+              <a:t>47</a:t>
+            </a:fld>
+            <a:endParaRPr lang="de-DE"/>
+          </a:p>
+        </p:txBody>
+      </p:sp>
+    </p:spTree>
+    <p:extLst>
+      <p:ext uri="{BB962C8B-B14F-4D97-AF65-F5344CB8AC3E}">
+        <p14:creationId xmlns:p14="http://schemas.microsoft.com/office/powerpoint/2010/main" val="1482631530"/>
+      </p:ext>
+    </p:extLst>
+  </p:cSld>
+  <p:clrMapOvr>
+    <a:masterClrMapping/>
+  </p:clrMapOvr>
+</p:notes>
+</file>
+
 <file path=ppt/notesSlides/notesSlide2.xml><?xml version="1.0" encoding="utf-8"?>
 <p:notes xmlns:a="http://schemas.openxmlformats.org/drawingml/2006/main" xmlns:r="http://schemas.openxmlformats.org/officeDocument/2006/relationships" xmlns:p="http://schemas.openxmlformats.org/presentationml/2006/main">
   <p:cSld>
@@ -995,7 +1883,7 @@
           <a:p>
             <a:fld id="{822DCA9E-6AC6-4AB6-ADE9-9D0DA32568A3}" type="slidenum">
               <a:rPr lang="de-DE" smtClean="0"/>
-              <a:t>27</a:t>
+              <a:t>26</a:t>
             </a:fld>
             <a:endParaRPr lang="de-DE"/>
           </a:p>
@@ -1145,7 +2033,7 @@
           <a:p>
             <a:fld id="{822DCA9E-6AC6-4AB6-ADE9-9D0DA32568A3}" type="slidenum">
               <a:rPr lang="de-DE" smtClean="0"/>
-              <a:t>28</a:t>
+              <a:t>27</a:t>
             </a:fld>
             <a:endParaRPr lang="de-DE"/>
           </a:p>
@@ -1650,7 +2538,7 @@
           <a:p>
             <a:fld id="{822DCA9E-6AC6-4AB6-ADE9-9D0DA32568A3}" type="slidenum">
               <a:rPr lang="de-DE" smtClean="0"/>
-              <a:t>29</a:t>
+              <a:t>28</a:t>
             </a:fld>
             <a:endParaRPr lang="de-DE"/>
           </a:p>
@@ -1753,11 +2641,7 @@
             </a:r>
             <a:r>
               <a:rPr lang="de-DE" baseline="0" dirty="0" smtClean="0"/>
-              <a:t> </a:t>
-            </a:r>
-            <a:r>
-              <a:rPr lang="de-DE" baseline="0" dirty="0" smtClean="0"/>
-              <a:t>von </a:t>
+              <a:t> von </a:t>
             </a:r>
             <a:r>
               <a:rPr lang="de-DE" baseline="0" dirty="0" err="1" smtClean="0"/>
@@ -1882,7 +2766,7 @@
           <a:p>
             <a:fld id="{822DCA9E-6AC6-4AB6-ADE9-9D0DA32568A3}" type="slidenum">
               <a:rPr lang="de-DE" smtClean="0"/>
-              <a:t>30</a:t>
+              <a:t>29</a:t>
             </a:fld>
             <a:endParaRPr lang="de-DE"/>
           </a:p>
@@ -1951,25 +2835,8 @@
             </a:pPr>
             <a:r>
               <a:rPr lang="de-DE" dirty="0" smtClean="0"/>
-              <a:t>Eine </a:t>
-            </a:r>
-            <a:r>
-              <a:rPr lang="de-DE" dirty="0" err="1" smtClean="0"/>
-              <a:t>Cascade</a:t>
-            </a:r>
-            <a:r>
-              <a:rPr lang="de-DE" dirty="0" smtClean="0"/>
-              <a:t> hat</a:t>
-            </a:r>
-            <a:r>
-              <a:rPr lang="de-DE" baseline="0" dirty="0" smtClean="0"/>
-              <a:t> zuerst 1 Feature, dann 5, dann 10, dann 50 </a:t>
-            </a:r>
-            <a:r>
-              <a:rPr lang="de-DE" baseline="0" dirty="0" err="1" smtClean="0"/>
-              <a:t>usw</a:t>
-            </a:r>
-            <a:endParaRPr lang="de-DE" baseline="0" dirty="0" smtClean="0"/>
+              <a:t>Gesicht nimmt meistens nur kleinen Teil des Bildes ein</a:t>
+            </a:r>
           </a:p>
           <a:p>
             <a:pPr marL="171450" indent="-171450">
@@ -1977,20 +2844,81 @@
               <a:buChar char="•"/>
             </a:pPr>
             <a:r>
+              <a:rPr lang="de-DE" dirty="0" smtClean="0"/>
+              <a:t>Idee des Cascading ist es zuerst die</a:t>
+            </a:r>
+            <a:r>
               <a:rPr lang="de-DE" baseline="0" dirty="0" smtClean="0"/>
-              <a:t>Wenn beim ersten Feature schon ein negatives Ergebnis zurückkommt muss man die weiteren nicht durchlaufen und kann weiter</a:t>
-            </a:r>
-          </a:p>
-          <a:p>
-            <a:pPr marL="171450" indent="-171450">
+              <a:t> wichtigsten Features zu suchen: Zuerst nur ein Feature, dann 5, dann 10, dann 50 usw.</a:t>
+            </a:r>
+          </a:p>
+          <a:p>
+            <a:pPr marL="628650" lvl="1" indent="-171450">
               <a:buFont typeface="Arial" panose="020B0604020202020204" pitchFamily="34" charset="0"/>
               <a:buChar char="•"/>
             </a:pPr>
             <a:r>
               <a:rPr lang="de-DE" baseline="0" dirty="0" smtClean="0"/>
-              <a:t>Erstes Feature ist das wichtigste</a:t>
-            </a:r>
-            <a:endParaRPr lang="de-DE" dirty="0"/>
+              <a:t>Grund, wenn man an jeder Stelle des Bildes ALLE Haar Features anwendet, dauert es sehr lange</a:t>
+            </a:r>
+          </a:p>
+          <a:p>
+            <a:pPr marL="628650" lvl="1" indent="-171450">
+              <a:buFont typeface="Arial" panose="020B0604020202020204" pitchFamily="34" charset="0"/>
+              <a:buChar char="•"/>
+            </a:pPr>
+            <a:r>
+              <a:rPr lang="de-DE" baseline="0" dirty="0" smtClean="0"/>
+              <a:t>Kommt bei den ersten Feature schon ein negatives Ergebnis, braucht man nicht weiter zu suchen</a:t>
+            </a:r>
+          </a:p>
+          <a:p>
+            <a:pPr marL="171450" lvl="0" indent="-171450">
+              <a:buFont typeface="Arial" panose="020B0604020202020204" pitchFamily="34" charset="0"/>
+              <a:buChar char="•"/>
+            </a:pPr>
+            <a:endParaRPr lang="de-DE" baseline="0" dirty="0" smtClean="0"/>
+          </a:p>
+          <a:p>
+            <a:pPr marL="171450" lvl="0" indent="-171450">
+              <a:buFont typeface="Arial" panose="020B0604020202020204" pitchFamily="34" charset="0"/>
+              <a:buChar char="•"/>
+            </a:pPr>
+            <a:r>
+              <a:rPr lang="de-DE" baseline="0" dirty="0" smtClean="0"/>
+              <a:t>Video</a:t>
+            </a:r>
+          </a:p>
+          <a:p>
+            <a:pPr marL="628650" lvl="1" indent="-171450">
+              <a:buFont typeface="Arial" panose="020B0604020202020204" pitchFamily="34" charset="0"/>
+              <a:buChar char="•"/>
+            </a:pPr>
+            <a:r>
+              <a:rPr lang="de-DE" baseline="0" dirty="0" smtClean="0"/>
+              <a:t>Am Anfang sieht man deutlich, dass das Fenster sehr schnell weitergeschoben wird, weil die wichtigsten Features nicht erkannt wurden</a:t>
+            </a:r>
+          </a:p>
+          <a:p>
+            <a:pPr marL="628650" lvl="1" indent="-171450">
+              <a:buFont typeface="Arial" panose="020B0604020202020204" pitchFamily="34" charset="0"/>
+              <a:buChar char="•"/>
+            </a:pPr>
+            <a:r>
+              <a:rPr lang="de-DE" baseline="0" dirty="0" smtClean="0"/>
+              <a:t>Nähern wir uns nun dem Gesicht sieht man, dass es langsamer wird und mehr Feature überprüft.</a:t>
+            </a:r>
+          </a:p>
+          <a:p>
+            <a:pPr marL="628650" lvl="1" indent="-171450">
+              <a:buFont typeface="Arial" panose="020B0604020202020204" pitchFamily="34" charset="0"/>
+              <a:buChar char="•"/>
+            </a:pPr>
+            <a:r>
+              <a:rPr lang="de-DE" baseline="0" dirty="0" smtClean="0"/>
+              <a:t>Sobald etwas gefunden wird was ein Gesicht sein könnte, wird es umrandet</a:t>
+            </a:r>
+            <a:endParaRPr lang="de-DE" dirty="0" smtClean="0"/>
           </a:p>
         </p:txBody>
       </p:sp>
@@ -2011,7 +2939,7 @@
           <a:p>
             <a:fld id="{822DCA9E-6AC6-4AB6-ADE9-9D0DA32568A3}" type="slidenum">
               <a:rPr lang="de-DE" smtClean="0"/>
-              <a:t>31</a:t>
+              <a:t>30</a:t>
             </a:fld>
             <a:endParaRPr lang="de-DE"/>
           </a:p>
@@ -2074,52 +3002,36 @@
           <a:bodyPr/>
           <a:lstStyle/>
           <a:p>
-            <a:pPr marL="171450" indent="-171450">
-              <a:buFont typeface="Arial" panose="020B0604020202020204" pitchFamily="34" charset="0"/>
-              <a:buChar char="•"/>
-            </a:pPr>
             <a:r>
               <a:rPr lang="de-DE" dirty="0" smtClean="0"/>
-              <a:t>Eine </a:t>
+              <a:t>Erweiterung der Face </a:t>
             </a:r>
             <a:r>
               <a:rPr lang="de-DE" dirty="0" err="1" smtClean="0"/>
-              <a:t>Cascade</a:t>
-            </a:r>
+              <a:t>Detection</a:t>
+            </a:r>
+            <a:endParaRPr lang="de-DE" dirty="0" smtClean="0"/>
+          </a:p>
+          <a:p>
             <a:r>
               <a:rPr lang="de-DE" dirty="0" smtClean="0"/>
-              <a:t> hat</a:t>
+              <a:t>Aus Basis von </a:t>
+            </a:r>
+            <a:r>
+              <a:rPr lang="de-DE" dirty="0" err="1" smtClean="0"/>
+              <a:t>Deep</a:t>
+            </a:r>
+            <a:r>
+              <a:rPr lang="de-DE" dirty="0" smtClean="0"/>
+              <a:t> Learning Algorithmen</a:t>
             </a:r>
             <a:r>
               <a:rPr lang="de-DE" baseline="0" dirty="0" smtClean="0"/>
-              <a:t> zuerst 1 Feature, dann 5, dann 10, dann 50 </a:t>
-            </a:r>
-            <a:r>
-              <a:rPr lang="de-DE" baseline="0" dirty="0" err="1" smtClean="0"/>
-              <a:t>usw</a:t>
-            </a:r>
+              <a:t> werden detektierte Gesichter gelernten Namen zugeordnet</a:t>
+            </a:r>
+          </a:p>
+          <a:p>
             <a:endParaRPr lang="de-DE" baseline="0" dirty="0" smtClean="0"/>
-          </a:p>
-          <a:p>
-            <a:pPr marL="171450" indent="-171450">
-              <a:buFont typeface="Arial" panose="020B0604020202020204" pitchFamily="34" charset="0"/>
-              <a:buChar char="•"/>
-            </a:pPr>
-            <a:r>
-              <a:rPr lang="de-DE" baseline="0" dirty="0" smtClean="0"/>
-              <a:t>Wenn beim ersten Feature schon ein negatives Ergebnis zurückkommt muss man die weiteren nicht durchlaufen und kann weiter</a:t>
-            </a:r>
-          </a:p>
-          <a:p>
-            <a:pPr marL="171450" indent="-171450">
-              <a:buFont typeface="Arial" panose="020B0604020202020204" pitchFamily="34" charset="0"/>
-              <a:buChar char="•"/>
-            </a:pPr>
-            <a:r>
-              <a:rPr lang="de-DE" baseline="0" dirty="0" smtClean="0"/>
-              <a:t>Erstes Feature ist das wichtigste</a:t>
-            </a:r>
-            <a:endParaRPr lang="de-DE" dirty="0"/>
           </a:p>
         </p:txBody>
       </p:sp>
@@ -2140,7 +3052,7 @@
           <a:p>
             <a:fld id="{822DCA9E-6AC6-4AB6-ADE9-9D0DA32568A3}" type="slidenum">
               <a:rPr lang="de-DE" smtClean="0"/>
-              <a:t>40</a:t>
+              <a:t>36</a:t>
             </a:fld>
             <a:endParaRPr lang="de-DE"/>
           </a:p>
@@ -2149,7 +3061,7 @@
     </p:spTree>
     <p:extLst>
       <p:ext uri="{BB962C8B-B14F-4D97-AF65-F5344CB8AC3E}">
-        <p14:creationId xmlns:p14="http://schemas.microsoft.com/office/powerpoint/2010/main" val="448086733"/>
+        <p14:creationId xmlns:p14="http://schemas.microsoft.com/office/powerpoint/2010/main" val="564991413"/>
       </p:ext>
     </p:extLst>
   </p:cSld>
@@ -2203,31 +3115,20 @@
           <a:bodyPr/>
           <a:lstStyle/>
           <a:p>
+            <a:r>
+              <a:rPr lang="de-DE" baseline="0" dirty="0" smtClean="0"/>
+              <a:t>Problem: Wie lernt man das Gesicht?</a:t>
+            </a:r>
+          </a:p>
+          <a:p>
             <a:pPr marL="171450" indent="-171450">
               <a:buFont typeface="Arial" panose="020B0604020202020204" pitchFamily="34" charset="0"/>
               <a:buChar char="•"/>
             </a:pPr>
             <a:r>
-              <a:rPr lang="de-DE" dirty="0" smtClean="0"/>
-              <a:t>Eine </a:t>
-            </a:r>
-            <a:r>
-              <a:rPr lang="de-DE" dirty="0" err="1" smtClean="0"/>
-              <a:t>Cascade</a:t>
-            </a:r>
-            <a:r>
-              <a:rPr lang="de-DE" dirty="0" smtClean="0"/>
-              <a:t> hat</a:t>
-            </a:r>
-            <a:r>
               <a:rPr lang="de-DE" baseline="0" dirty="0" smtClean="0"/>
-              <a:t> zuerst 1 Feature, dann 5, dann 10, dann 50 </a:t>
-            </a:r>
-            <a:r>
-              <a:rPr lang="de-DE" baseline="0" dirty="0" err="1" smtClean="0"/>
-              <a:t>usw</a:t>
-            </a:r>
-            <a:endParaRPr lang="de-DE" baseline="0" dirty="0" smtClean="0"/>
+              <a:t>Person schaut frontal in die Kamera =&gt; Computer kann das Gesicht nahezu problemlos erkennen</a:t>
+            </a:r>
           </a:p>
           <a:p>
             <a:pPr marL="171450" indent="-171450">
@@ -2236,7 +3137,7 @@
             </a:pPr>
             <a:r>
               <a:rPr lang="de-DE" baseline="0" dirty="0" smtClean="0"/>
-              <a:t>Wenn beim ersten Feature schon ein negatives Ergebnis zurückkommt muss man die weiteren nicht durchlaufen und kann weiter</a:t>
+              <a:t>Person schaut leicht zur Seite oder ungünstiger Winkel =&gt; Computer kann das Gesicht oft nicht mehr erkennen</a:t>
             </a:r>
           </a:p>
           <a:p>
@@ -2244,10 +3145,59 @@
               <a:buFont typeface="Arial" panose="020B0604020202020204" pitchFamily="34" charset="0"/>
               <a:buChar char="•"/>
             </a:pPr>
+            <a:endParaRPr lang="de-DE" baseline="0" dirty="0" smtClean="0"/>
+          </a:p>
+          <a:p>
+            <a:pPr marL="0" indent="0">
+              <a:buFont typeface="Arial" panose="020B0604020202020204" pitchFamily="34" charset="0"/>
+              <a:buNone/>
+            </a:pPr>
             <a:r>
               <a:rPr lang="de-DE" baseline="0" dirty="0" smtClean="0"/>
-              <a:t>Erstes Feature ist das wichtigste</a:t>
-            </a:r>
+              <a:t>Zu sehen: </a:t>
+            </a:r>
+            <a:r>
+              <a:rPr lang="de-DE" sz="1200" b="0" i="0" u="none" strike="noStrike" kern="1200" dirty="0" smtClean="0">
+                <a:solidFill>
+                  <a:schemeClr val="tx1"/>
+                </a:solidFill>
+                <a:effectLst/>
+                <a:latin typeface="+mn-lt"/>
+                <a:ea typeface="+mn-ea"/>
+                <a:cs typeface="+mn-cs"/>
+              </a:rPr>
+              <a:t>Chris Pratt in </a:t>
+            </a:r>
+            <a:r>
+              <a:rPr lang="de-DE" sz="1200" b="0" i="0" u="none" strike="noStrike" kern="1200" dirty="0" err="1" smtClean="0">
+                <a:solidFill>
+                  <a:schemeClr val="tx1"/>
+                </a:solidFill>
+                <a:effectLst/>
+                <a:latin typeface="+mn-lt"/>
+                <a:ea typeface="+mn-ea"/>
+                <a:cs typeface="+mn-cs"/>
+              </a:rPr>
+              <a:t>Jurassic</a:t>
+            </a:r>
+            <a:r>
+              <a:rPr lang="de-DE" sz="1200" b="0" i="0" u="none" strike="noStrike" kern="1200" baseline="0" dirty="0" smtClean="0">
+                <a:solidFill>
+                  <a:schemeClr val="tx1"/>
+                </a:solidFill>
+                <a:effectLst/>
+                <a:latin typeface="+mn-lt"/>
+                <a:ea typeface="+mn-ea"/>
+                <a:cs typeface="+mn-cs"/>
+              </a:rPr>
+              <a:t> World</a:t>
+            </a:r>
+            <a:endParaRPr lang="de-DE" dirty="0" smtClean="0"/>
+          </a:p>
+          <a:p>
+            <a:endParaRPr lang="de-DE" baseline="0" dirty="0" smtClean="0"/>
+          </a:p>
+          <a:p>
             <a:endParaRPr lang="de-DE" dirty="0"/>
           </a:p>
         </p:txBody>
@@ -2269,7 +3219,7 @@
           <a:p>
             <a:fld id="{822DCA9E-6AC6-4AB6-ADE9-9D0DA32568A3}" type="slidenum">
               <a:rPr lang="de-DE" smtClean="0"/>
-              <a:t>43</a:t>
+              <a:t>37</a:t>
             </a:fld>
             <a:endParaRPr lang="de-DE"/>
           </a:p>
@@ -2278,7 +3228,192 @@
     </p:spTree>
     <p:extLst>
       <p:ext uri="{BB962C8B-B14F-4D97-AF65-F5344CB8AC3E}">
-        <p14:creationId xmlns:p14="http://schemas.microsoft.com/office/powerpoint/2010/main" val="1482631530"/>
+        <p14:creationId xmlns:p14="http://schemas.microsoft.com/office/powerpoint/2010/main" val="4184497455"/>
+      </p:ext>
+    </p:extLst>
+  </p:cSld>
+  <p:clrMapOvr>
+    <a:masterClrMapping/>
+  </p:clrMapOvr>
+</p:notes>
+</file>
+
+<file path=ppt/notesSlides/notesSlide9.xml><?xml version="1.0" encoding="utf-8"?>
+<p:notes xmlns:a="http://schemas.openxmlformats.org/drawingml/2006/main" xmlns:r="http://schemas.openxmlformats.org/officeDocument/2006/relationships" xmlns:p="http://schemas.openxmlformats.org/presentationml/2006/main">
+  <p:cSld>
+    <p:spTree>
+      <p:nvGrpSpPr>
+        <p:cNvPr id="1" name=""/>
+        <p:cNvGrpSpPr/>
+        <p:nvPr/>
+      </p:nvGrpSpPr>
+      <p:grpSpPr>
+        <a:xfrm>
+          <a:off x="0" y="0"/>
+          <a:ext cx="0" cy="0"/>
+          <a:chOff x="0" y="0"/>
+          <a:chExt cx="0" cy="0"/>
+        </a:xfrm>
+      </p:grpSpPr>
+      <p:sp>
+        <p:nvSpPr>
+          <p:cNvPr id="2" name="Folienbildplatzhalter 1"/>
+          <p:cNvSpPr>
+            <a:spLocks noGrp="1" noRot="1" noChangeAspect="1"/>
+          </p:cNvSpPr>
+          <p:nvPr>
+            <p:ph type="sldImg"/>
+          </p:nvPr>
+        </p:nvSpPr>
+        <p:spPr/>
+      </p:sp>
+      <p:sp>
+        <p:nvSpPr>
+          <p:cNvPr id="3" name="Notizenplatzhalter 2"/>
+          <p:cNvSpPr>
+            <a:spLocks noGrp="1"/>
+          </p:cNvSpPr>
+          <p:nvPr>
+            <p:ph type="body" idx="1"/>
+          </p:nvPr>
+        </p:nvSpPr>
+        <p:spPr/>
+        <p:txBody>
+          <a:bodyPr/>
+          <a:lstStyle/>
+          <a:p>
+            <a:r>
+              <a:rPr lang="de-DE" dirty="0" smtClean="0"/>
+              <a:t>Vahid </a:t>
+            </a:r>
+            <a:r>
+              <a:rPr lang="de-DE" dirty="0" err="1" smtClean="0"/>
+              <a:t>Kezami</a:t>
+            </a:r>
+            <a:r>
+              <a:rPr lang="de-DE" dirty="0" smtClean="0"/>
+              <a:t> und Josephine</a:t>
+            </a:r>
+            <a:r>
+              <a:rPr lang="de-DE" baseline="0" dirty="0" smtClean="0"/>
+              <a:t> Sullivan: Face Landmark </a:t>
+            </a:r>
+            <a:r>
+              <a:rPr lang="de-DE" baseline="0" dirty="0" err="1" smtClean="0"/>
+              <a:t>Estimation</a:t>
+            </a:r>
+            <a:r>
+              <a:rPr lang="de-DE" baseline="0" dirty="0" smtClean="0"/>
+              <a:t> Algorithmus</a:t>
+            </a:r>
+          </a:p>
+          <a:p>
+            <a:pPr marL="171450" indent="-171450">
+              <a:buFont typeface="Arial" panose="020B0604020202020204" pitchFamily="34" charset="0"/>
+              <a:buChar char="•"/>
+            </a:pPr>
+            <a:r>
+              <a:rPr lang="de-DE" baseline="0" dirty="0" smtClean="0"/>
+              <a:t>68 Landmarks definiert, welche die meisten Gesichter haben</a:t>
+            </a:r>
+          </a:p>
+          <a:p>
+            <a:pPr marL="628650" lvl="1" indent="-171450">
+              <a:buFont typeface="Arial" panose="020B0604020202020204" pitchFamily="34" charset="0"/>
+              <a:buChar char="•"/>
+            </a:pPr>
+            <a:r>
+              <a:rPr lang="de-DE" baseline="0" dirty="0" smtClean="0"/>
+              <a:t>Augen, Nase und Mund deutlich markiert</a:t>
+            </a:r>
+          </a:p>
+          <a:p>
+            <a:pPr marL="628650" lvl="1" indent="-171450">
+              <a:buFont typeface="Arial" panose="020B0604020202020204" pitchFamily="34" charset="0"/>
+              <a:buChar char="•"/>
+            </a:pPr>
+            <a:r>
+              <a:rPr lang="de-DE" baseline="0" dirty="0" smtClean="0"/>
+              <a:t>Kinn und Augenbrauen als Grenzen festgelegt</a:t>
+            </a:r>
+          </a:p>
+          <a:p>
+            <a:pPr marL="171450" indent="-171450">
+              <a:buFont typeface="Arial" panose="020B0604020202020204" pitchFamily="34" charset="0"/>
+              <a:buChar char="•"/>
+            </a:pPr>
+            <a:r>
+              <a:rPr lang="de-DE" baseline="0" dirty="0" smtClean="0"/>
+              <a:t>Die erstellte Maske wird auf das Eingabebild angewandt. </a:t>
+            </a:r>
+          </a:p>
+          <a:p>
+            <a:pPr marL="171450" indent="-171450">
+              <a:buFont typeface="Arial" panose="020B0604020202020204" pitchFamily="34" charset="0"/>
+              <a:buChar char="•"/>
+            </a:pPr>
+            <a:r>
+              <a:rPr lang="de-DE" baseline="0" dirty="0" smtClean="0"/>
+              <a:t>Frontal kein Problem, anderer Winkel wird das Bild mit simplen Transformationen angepasst (Rotation, Skalierung…)</a:t>
+            </a:r>
+          </a:p>
+          <a:p>
+            <a:pPr marL="171450" indent="-171450">
+              <a:buFont typeface="Arial" panose="020B0604020202020204" pitchFamily="34" charset="0"/>
+              <a:buChar char="•"/>
+            </a:pPr>
+            <a:endParaRPr lang="de-DE" baseline="0" dirty="0" smtClean="0"/>
+          </a:p>
+          <a:p>
+            <a:pPr marL="171450" indent="-171450">
+              <a:buFont typeface="Arial" panose="020B0604020202020204" pitchFamily="34" charset="0"/>
+              <a:buChar char="•"/>
+            </a:pPr>
+            <a:r>
+              <a:rPr lang="de-DE" baseline="0" dirty="0" smtClean="0"/>
+              <a:t>Ziel ist es die relevanten Merkmale wie Augen </a:t>
+            </a:r>
+            <a:r>
+              <a:rPr lang="de-DE" baseline="0" dirty="0" err="1" smtClean="0"/>
+              <a:t>etc</a:t>
+            </a:r>
+            <a:r>
+              <a:rPr lang="de-DE" baseline="0" dirty="0" smtClean="0"/>
+              <a:t> zu zentrieren, damit der nächste Schritt einfacher wird</a:t>
+            </a:r>
+          </a:p>
+          <a:p>
+            <a:endParaRPr lang="de-DE" dirty="0"/>
+          </a:p>
+        </p:txBody>
+      </p:sp>
+      <p:sp>
+        <p:nvSpPr>
+          <p:cNvPr id="4" name="Foliennummernplatzhalter 3"/>
+          <p:cNvSpPr>
+            <a:spLocks noGrp="1"/>
+          </p:cNvSpPr>
+          <p:nvPr>
+            <p:ph type="sldNum" sz="quarter" idx="10"/>
+          </p:nvPr>
+        </p:nvSpPr>
+        <p:spPr/>
+        <p:txBody>
+          <a:bodyPr/>
+          <a:lstStyle/>
+          <a:p>
+            <a:fld id="{822DCA9E-6AC6-4AB6-ADE9-9D0DA32568A3}" type="slidenum">
+              <a:rPr lang="de-DE" smtClean="0"/>
+              <a:t>38</a:t>
+            </a:fld>
+            <a:endParaRPr lang="de-DE"/>
+          </a:p>
+        </p:txBody>
+      </p:sp>
+    </p:spTree>
+    <p:extLst>
+      <p:ext uri="{BB962C8B-B14F-4D97-AF65-F5344CB8AC3E}">
+        <p14:creationId xmlns:p14="http://schemas.microsoft.com/office/powerpoint/2010/main" val="4275210931"/>
       </p:ext>
     </p:extLst>
   </p:cSld>
@@ -2433,13 +3568,18 @@
         <p:spPr/>
         <p:txBody>
           <a:bodyPr/>
-          <a:lstStyle/>
-          <a:p>
-            <a:fld id="{02F70808-E3CD-4AA7-B1A3-CAEC432DFA49}" type="datetime1">
-              <a:rPr lang="LID4096" smtClean="0"/>
-              <a:t>04/25/2020</a:t>
+          <a:lstStyle>
+            <a:lvl1pPr>
+              <a:defRPr sz="1400"/>
+            </a:lvl1pPr>
+          </a:lstStyle>
+          <a:p>
+            <a:fld id="{A68B213F-206F-4F42-949D-2DF2C49E280D}" type="datetime1">
+              <a:rPr lang="de-DE" smtClean="0"/>
+              <a:pPr/>
+              <a:t>25.04.2020</a:t>
             </a:fld>
-            <a:endParaRPr lang="en-DE"/>
+            <a:endParaRPr lang="en-DE" dirty="0"/>
           </a:p>
         </p:txBody>
       </p:sp>
@@ -2462,13 +3602,21 @@
         <p:spPr/>
         <p:txBody>
           <a:bodyPr/>
-          <a:lstStyle/>
-          <a:p>
-            <a:r>
-              <a:rPr lang="de-DE"/>
-              <a:t>MSI - Bilderkennung mit OpenCV</a:t>
-            </a:r>
-            <a:endParaRPr lang="en-DE"/>
+          <a:lstStyle>
+            <a:lvl1pPr>
+              <a:defRPr sz="1400"/>
+            </a:lvl1pPr>
+          </a:lstStyle>
+          <a:p>
+            <a:r>
+              <a:rPr lang="de-DE" dirty="0" smtClean="0"/>
+              <a:t>MSI - Bilderkennung mit </a:t>
+            </a:r>
+            <a:r>
+              <a:rPr lang="de-DE" dirty="0" err="1" smtClean="0"/>
+              <a:t>OpenCV</a:t>
+            </a:r>
+            <a:endParaRPr lang="en-DE" dirty="0"/>
           </a:p>
         </p:txBody>
       </p:sp>
@@ -2491,13 +3639,18 @@
         <p:spPr/>
         <p:txBody>
           <a:bodyPr/>
-          <a:lstStyle/>
+          <a:lstStyle>
+            <a:lvl1pPr>
+              <a:defRPr sz="1400"/>
+            </a:lvl1pPr>
+          </a:lstStyle>
           <a:p>
             <a:fld id="{2919E40B-AC7D-4A7F-9508-598983C40C41}" type="slidenum">
               <a:rPr lang="en-DE" smtClean="0"/>
+              <a:pPr/>
               <a:t>‹Nr.›</a:t>
             </a:fld>
-            <a:endParaRPr lang="en-DE"/>
+            <a:endParaRPr lang="en-DE" dirty="0"/>
           </a:p>
         </p:txBody>
       </p:sp>
@@ -2511,6 +3664,13 @@
   <p:clrMapOvr>
     <a:masterClrMapping/>
   </p:clrMapOvr>
+  <p:timing>
+    <p:tnLst>
+      <p:par>
+        <p:cTn id="1" dur="indefinite" restart="never" nodeType="tmRoot"/>
+      </p:par>
+    </p:tnLst>
+  </p:timing>
 </p:sldLayout>
 </file>
 
@@ -2639,9 +3799,9 @@
           <a:bodyPr/>
           <a:lstStyle/>
           <a:p>
-            <a:fld id="{C62C7F1B-14AB-4095-A95D-5B4AEE244616}" type="datetime1">
-              <a:rPr lang="LID4096" smtClean="0"/>
-              <a:t>04/25/2020</a:t>
+            <a:fld id="{F37EC88A-10A7-44A7-AE77-382F972E89F4}" type="datetime1">
+              <a:rPr lang="de-DE" smtClean="0"/>
+              <a:t>25.04.2020</a:t>
             </a:fld>
             <a:endParaRPr lang="en-DE"/>
           </a:p>
@@ -2715,6 +3875,13 @@
   <p:clrMapOvr>
     <a:masterClrMapping/>
   </p:clrMapOvr>
+  <p:timing>
+    <p:tnLst>
+      <p:par>
+        <p:cTn id="1" dur="indefinite" restart="never" nodeType="tmRoot"/>
+      </p:par>
+    </p:tnLst>
+  </p:timing>
 </p:sldLayout>
 </file>
 
@@ -2853,9 +4020,9 @@
           <a:bodyPr/>
           <a:lstStyle/>
           <a:p>
-            <a:fld id="{72996713-1C83-45C7-94F9-BC832AE5B1CF}" type="datetime1">
-              <a:rPr lang="LID4096" smtClean="0"/>
-              <a:t>04/25/2020</a:t>
+            <a:fld id="{34F37228-5A87-48EC-84A9-FA66316C17D7}" type="datetime1">
+              <a:rPr lang="de-DE" smtClean="0"/>
+              <a:t>25.04.2020</a:t>
             </a:fld>
             <a:endParaRPr lang="en-DE"/>
           </a:p>
@@ -2929,6 +4096,13 @@
   <p:clrMapOvr>
     <a:masterClrMapping/>
   </p:clrMapOvr>
+  <p:timing>
+    <p:tnLst>
+      <p:par>
+        <p:cTn id="1" dur="indefinite" restart="never" nodeType="tmRoot"/>
+      </p:par>
+    </p:tnLst>
+  </p:timing>
 </p:sldLayout>
 </file>
 
@@ -3055,13 +4229,18 @@
         <p:spPr/>
         <p:txBody>
           <a:bodyPr/>
-          <a:lstStyle/>
-          <a:p>
-            <a:fld id="{18C8AB18-199E-4DA5-9A7C-AC3F0DF1F84A}" type="datetime1">
-              <a:rPr lang="LID4096" smtClean="0"/>
-              <a:t>04/25/2020</a:t>
+          <a:lstStyle>
+            <a:lvl1pPr>
+              <a:defRPr sz="1400"/>
+            </a:lvl1pPr>
+          </a:lstStyle>
+          <a:p>
+            <a:fld id="{2EBD22A6-828B-41B9-9AB0-DD2D0B9EA305}" type="datetime1">
+              <a:rPr lang="de-DE" smtClean="0"/>
+              <a:pPr/>
+              <a:t>25.04.2020</a:t>
             </a:fld>
-            <a:endParaRPr lang="en-DE"/>
+            <a:endParaRPr lang="en-DE" dirty="0"/>
           </a:p>
         </p:txBody>
       </p:sp>
@@ -3084,13 +4263,21 @@
         <p:spPr/>
         <p:txBody>
           <a:bodyPr/>
-          <a:lstStyle/>
-          <a:p>
-            <a:r>
-              <a:rPr lang="de-DE"/>
-              <a:t>MSI - Bilderkennung mit OpenCV</a:t>
-            </a:r>
-            <a:endParaRPr lang="en-DE"/>
+          <a:lstStyle>
+            <a:lvl1pPr>
+              <a:defRPr sz="1400"/>
+            </a:lvl1pPr>
+          </a:lstStyle>
+          <a:p>
+            <a:r>
+              <a:rPr lang="de-DE" dirty="0" smtClean="0"/>
+              <a:t>MSI - Bilderkennung mit </a:t>
+            </a:r>
+            <a:r>
+              <a:rPr lang="de-DE" dirty="0" err="1" smtClean="0"/>
+              <a:t>OpenCV</a:t>
+            </a:r>
+            <a:endParaRPr lang="en-DE" dirty="0"/>
           </a:p>
         </p:txBody>
       </p:sp>
@@ -3113,13 +4300,18 @@
         <p:spPr/>
         <p:txBody>
           <a:bodyPr/>
-          <a:lstStyle/>
+          <a:lstStyle>
+            <a:lvl1pPr>
+              <a:defRPr sz="1400"/>
+            </a:lvl1pPr>
+          </a:lstStyle>
           <a:p>
             <a:fld id="{2919E40B-AC7D-4A7F-9508-598983C40C41}" type="slidenum">
               <a:rPr lang="en-DE" smtClean="0"/>
+              <a:pPr/>
               <a:t>‹Nr.›</a:t>
             </a:fld>
-            <a:endParaRPr lang="en-DE"/>
+            <a:endParaRPr lang="en-DE" dirty="0"/>
           </a:p>
         </p:txBody>
       </p:sp>
@@ -3133,6 +4325,13 @@
   <p:clrMapOvr>
     <a:masterClrMapping/>
   </p:clrMapOvr>
+  <p:timing>
+    <p:tnLst>
+      <p:par>
+        <p:cTn id="1" dur="indefinite" restart="never" nodeType="tmRoot"/>
+      </p:par>
+    </p:tnLst>
+  </p:timing>
 </p:sldLayout>
 </file>
 
@@ -3337,9 +4536,9 @@
           <a:bodyPr/>
           <a:lstStyle/>
           <a:p>
-            <a:fld id="{DDB5E9F7-ACBA-4F06-A50C-902B940C41BF}" type="datetime1">
-              <a:rPr lang="LID4096" smtClean="0"/>
-              <a:t>04/25/2020</a:t>
+            <a:fld id="{51CB5C03-E921-4F4D-BF33-9E86EBD9B4F3}" type="datetime1">
+              <a:rPr lang="de-DE" smtClean="0"/>
+              <a:t>25.04.2020</a:t>
             </a:fld>
             <a:endParaRPr lang="en-DE"/>
           </a:p>
@@ -3413,6 +4612,13 @@
   <p:clrMapOvr>
     <a:masterClrMapping/>
   </p:clrMapOvr>
+  <p:timing>
+    <p:tnLst>
+      <p:par>
+        <p:cTn id="1" dur="indefinite" restart="never" nodeType="tmRoot"/>
+      </p:par>
+    </p:tnLst>
+  </p:timing>
 </p:sldLayout>
 </file>
 
@@ -3609,9 +4815,9 @@
           <a:bodyPr/>
           <a:lstStyle/>
           <a:p>
-            <a:fld id="{47E285F1-E6E2-4C61-9969-ECE249C10029}" type="datetime1">
-              <a:rPr lang="LID4096" smtClean="0"/>
-              <a:t>04/25/2020</a:t>
+            <a:fld id="{53AA0A02-780B-49FA-BDAD-6FCB39A45481}" type="datetime1">
+              <a:rPr lang="de-DE" smtClean="0"/>
+              <a:t>25.04.2020</a:t>
             </a:fld>
             <a:endParaRPr lang="en-DE"/>
           </a:p>
@@ -3685,6 +4891,13 @@
   <p:clrMapOvr>
     <a:masterClrMapping/>
   </p:clrMapOvr>
+  <p:timing>
+    <p:tnLst>
+      <p:par>
+        <p:cTn id="1" dur="indefinite" restart="never" nodeType="tmRoot"/>
+      </p:par>
+    </p:tnLst>
+  </p:timing>
 </p:sldLayout>
 </file>
 
@@ -4028,9 +5241,9 @@
           <a:bodyPr/>
           <a:lstStyle/>
           <a:p>
-            <a:fld id="{3AF922FA-E6CF-4267-8B78-CD4C5BE36EC4}" type="datetime1">
-              <a:rPr lang="LID4096" smtClean="0"/>
-              <a:t>04/25/2020</a:t>
+            <a:fld id="{121B001C-E238-40B9-8C0F-8AC3CBC24623}" type="datetime1">
+              <a:rPr lang="de-DE" smtClean="0"/>
+              <a:t>25.04.2020</a:t>
             </a:fld>
             <a:endParaRPr lang="en-DE"/>
           </a:p>
@@ -4104,6 +5317,13 @@
   <p:clrMapOvr>
     <a:masterClrMapping/>
   </p:clrMapOvr>
+  <p:timing>
+    <p:tnLst>
+      <p:par>
+        <p:cTn id="1" dur="indefinite" restart="never" nodeType="tmRoot"/>
+      </p:par>
+    </p:tnLst>
+  </p:timing>
 </p:sldLayout>
 </file>
 
@@ -4174,9 +5394,9 @@
           <a:bodyPr/>
           <a:lstStyle/>
           <a:p>
-            <a:fld id="{5874279C-FCEC-4637-937E-6BB416A37805}" type="datetime1">
-              <a:rPr lang="LID4096" smtClean="0"/>
-              <a:t>04/25/2020</a:t>
+            <a:fld id="{40182A49-BC5D-4775-B3A9-705C47387146}" type="datetime1">
+              <a:rPr lang="de-DE" smtClean="0"/>
+              <a:t>25.04.2020</a:t>
             </a:fld>
             <a:endParaRPr lang="en-DE"/>
           </a:p>
@@ -4250,6 +5470,13 @@
   <p:clrMapOvr>
     <a:masterClrMapping/>
   </p:clrMapOvr>
+  <p:timing>
+    <p:tnLst>
+      <p:par>
+        <p:cTn id="1" dur="indefinite" restart="never" nodeType="tmRoot"/>
+      </p:par>
+    </p:tnLst>
+  </p:timing>
 </p:sldLayout>
 </file>
 
@@ -4291,9 +5518,9 @@
           <a:bodyPr/>
           <a:lstStyle/>
           <a:p>
-            <a:fld id="{CC10DAB0-BB31-43A0-B9BB-988A4079834E}" type="datetime1">
-              <a:rPr lang="LID4096" smtClean="0"/>
-              <a:t>04/25/2020</a:t>
+            <a:fld id="{0C9FBF4B-D46C-4DB8-B0FE-443580BB193D}" type="datetime1">
+              <a:rPr lang="de-DE" smtClean="0"/>
+              <a:t>25.04.2020</a:t>
             </a:fld>
             <a:endParaRPr lang="en-DE"/>
           </a:p>
@@ -4367,6 +5594,13 @@
   <p:clrMapOvr>
     <a:masterClrMapping/>
   </p:clrMapOvr>
+  <p:timing>
+    <p:tnLst>
+      <p:par>
+        <p:cTn id="1" dur="indefinite" restart="never" nodeType="tmRoot"/>
+      </p:par>
+    </p:tnLst>
+  </p:timing>
 </p:sldLayout>
 </file>
 
@@ -4608,9 +5842,9 @@
           <a:bodyPr/>
           <a:lstStyle/>
           <a:p>
-            <a:fld id="{A05F5496-B28F-48F0-A0BF-7861A192E2A7}" type="datetime1">
-              <a:rPr lang="LID4096" smtClean="0"/>
-              <a:t>04/25/2020</a:t>
+            <a:fld id="{9348C226-E74C-471B-91D3-498F71966195}" type="datetime1">
+              <a:rPr lang="de-DE" smtClean="0"/>
+              <a:t>25.04.2020</a:t>
             </a:fld>
             <a:endParaRPr lang="en-DE"/>
           </a:p>
@@ -4684,6 +5918,13 @@
   <p:clrMapOvr>
     <a:masterClrMapping/>
   </p:clrMapOvr>
+  <p:timing>
+    <p:tnLst>
+      <p:par>
+        <p:cTn id="1" dur="indefinite" restart="never" nodeType="tmRoot"/>
+      </p:par>
+    </p:tnLst>
+  </p:timing>
 </p:sldLayout>
 </file>
 
@@ -4901,9 +6142,9 @@
           <a:bodyPr/>
           <a:lstStyle/>
           <a:p>
-            <a:fld id="{19407F8D-7F15-4995-A39F-D79D134198CE}" type="datetime1">
-              <a:rPr lang="LID4096" smtClean="0"/>
-              <a:t>04/25/2020</a:t>
+            <a:fld id="{29845FD6-EDF9-4D83-A66D-50A69D0953EF}" type="datetime1">
+              <a:rPr lang="de-DE" smtClean="0"/>
+              <a:t>25.04.2020</a:t>
             </a:fld>
             <a:endParaRPr lang="en-DE"/>
           </a:p>
@@ -4977,6 +6218,13 @@
   <p:clrMapOvr>
     <a:masterClrMapping/>
   </p:clrMapOvr>
+  <p:timing>
+    <p:tnLst>
+      <p:par>
+        <p:cTn id="1" dur="indefinite" restart="never" nodeType="tmRoot"/>
+      </p:par>
+    </p:tnLst>
+  </p:timing>
 </p:sldLayout>
 </file>
 
@@ -5138,7 +6386,7 @@
           <a:bodyPr vert="horz" lIns="91440" tIns="45720" rIns="91440" bIns="45720" rtlCol="0" anchor="ctr"/>
           <a:lstStyle>
             <a:lvl1pPr algn="l">
-              <a:defRPr sz="1200">
+              <a:defRPr sz="1400">
                 <a:solidFill>
                   <a:schemeClr val="tx1">
                     <a:tint val="75000"/>
@@ -5148,11 +6396,12 @@
             </a:lvl1pPr>
           </a:lstStyle>
           <a:p>
-            <a:fld id="{B161653D-E32A-42B0-9D34-39EE3A6ADB32}" type="datetime1">
-              <a:rPr lang="LID4096" smtClean="0"/>
-              <a:t>04/25/2020</a:t>
+            <a:fld id="{86723171-A68B-4FB8-A7F7-4A73D016F96F}" type="datetime1">
+              <a:rPr lang="de-DE" smtClean="0"/>
+              <a:pPr/>
+              <a:t>25.04.2020</a:t>
             </a:fld>
-            <a:endParaRPr lang="en-DE"/>
+            <a:endParaRPr lang="en-DE" dirty="0"/>
           </a:p>
         </p:txBody>
       </p:sp>
@@ -5185,7 +6434,7 @@
           <a:bodyPr vert="horz" lIns="91440" tIns="45720" rIns="91440" bIns="45720" rtlCol="0" anchor="ctr"/>
           <a:lstStyle>
             <a:lvl1pPr algn="ctr">
-              <a:defRPr sz="1200">
+              <a:defRPr sz="1400">
                 <a:solidFill>
                   <a:schemeClr val="tx1">
                     <a:tint val="75000"/>
@@ -5196,10 +6445,14 @@
           </a:lstStyle>
           <a:p>
             <a:r>
-              <a:rPr lang="de-DE"/>
-              <a:t>MSI - Bilderkennung mit OpenCV</a:t>
-            </a:r>
-            <a:endParaRPr lang="en-DE"/>
+              <a:rPr lang="de-DE" dirty="0" smtClean="0"/>
+              <a:t>MSI - Bilderkennung mit </a:t>
+            </a:r>
+            <a:r>
+              <a:rPr lang="de-DE" dirty="0" err="1" smtClean="0"/>
+              <a:t>OpenCV</a:t>
+            </a:r>
+            <a:endParaRPr lang="en-DE" dirty="0"/>
           </a:p>
         </p:txBody>
       </p:sp>
@@ -5232,7 +6485,7 @@
           <a:bodyPr vert="horz" lIns="91440" tIns="45720" rIns="91440" bIns="45720" rtlCol="0" anchor="ctr"/>
           <a:lstStyle>
             <a:lvl1pPr algn="r">
-              <a:defRPr sz="1200">
+              <a:defRPr sz="1400">
                 <a:solidFill>
                   <a:schemeClr val="tx1">
                     <a:tint val="75000"/>
@@ -5244,9 +6497,10 @@
           <a:p>
             <a:fld id="{2919E40B-AC7D-4A7F-9508-598983C40C41}" type="slidenum">
               <a:rPr lang="en-DE" smtClean="0"/>
+              <a:pPr/>
               <a:t>‹Nr.›</a:t>
             </a:fld>
-            <a:endParaRPr lang="en-DE"/>
+            <a:endParaRPr lang="en-DE" dirty="0"/>
           </a:p>
         </p:txBody>
       </p:sp>
@@ -5271,6 +6525,13 @@
     <p:sldLayoutId id="2147483658" r:id="rId10"/>
     <p:sldLayoutId id="2147483659" r:id="rId11"/>
   </p:sldLayoutIdLst>
+  <p:timing>
+    <p:tnLst>
+      <p:par>
+        <p:cTn id="1" dur="indefinite" restart="never" nodeType="tmRoot"/>
+      </p:par>
+    </p:tnLst>
+  </p:timing>
   <p:hf hdr="0"/>
   <p:txStyles>
     <p:titleStyle>
@@ -5661,11 +6922,11 @@
           <a:bodyPr/>
           <a:lstStyle/>
           <a:p>
-            <a:fld id="{FDCE565A-66B4-411B-B7BF-350DA9D48C3F}" type="datetime1">
-              <a:rPr lang="LID4096" smtClean="0"/>
-              <a:t>04/25/2020</a:t>
+            <a:fld id="{D9659816-08D1-4710-B31A-BBEFCAF10A94}" type="datetime1">
+              <a:rPr lang="de-DE" smtClean="0"/>
+              <a:t>25.04.2020</a:t>
             </a:fld>
-            <a:endParaRPr lang="en-DE"/>
+            <a:endParaRPr lang="en-DE" dirty="0"/>
           </a:p>
         </p:txBody>
       </p:sp>
@@ -5720,10 +6981,14 @@
           <a:lstStyle/>
           <a:p>
             <a:r>
-              <a:rPr lang="de-DE"/>
-              <a:t>MSI - Bilderkennung mit OpenCV</a:t>
-            </a:r>
-            <a:endParaRPr lang="en-DE"/>
+              <a:rPr lang="de-DE" dirty="0"/>
+              <a:t>MSI - Bilderkennung mit </a:t>
+            </a:r>
+            <a:r>
+              <a:rPr lang="de-DE" dirty="0" err="1"/>
+              <a:t>OpenCV</a:t>
+            </a:r>
+            <a:endParaRPr lang="en-DE" dirty="0"/>
           </a:p>
         </p:txBody>
       </p:sp>
@@ -5737,6 +7002,13 @@
   <p:clrMapOvr>
     <a:masterClrMapping/>
   </p:clrMapOvr>
+  <p:timing>
+    <p:tnLst>
+      <p:par>
+        <p:cTn id="1" dur="indefinite" restart="never" nodeType="tmRoot"/>
+      </p:par>
+    </p:tnLst>
+  </p:timing>
 </p:sld>
 </file>
 
@@ -5848,9 +7120,9 @@
           <a:bodyPr/>
           <a:lstStyle/>
           <a:p>
-            <a:fld id="{18C8AB18-199E-4DA5-9A7C-AC3F0DF1F84A}" type="datetime1">
-              <a:rPr lang="LID4096" smtClean="0"/>
-              <a:t>04/25/2020</a:t>
+            <a:fld id="{3E7266AE-F1BE-49F6-8BA3-7470FDFBCBBA}" type="datetime1">
+              <a:rPr lang="de-DE" smtClean="0"/>
+              <a:t>25.04.2020</a:t>
             </a:fld>
             <a:endParaRPr lang="en-DE"/>
           </a:p>
@@ -6050,9 +7322,9 @@
           <a:bodyPr/>
           <a:lstStyle/>
           <a:p>
-            <a:fld id="{3C5210D8-C34F-40B6-8466-7F4D4C210910}" type="datetime1">
-              <a:rPr lang="LID4096" smtClean="0"/>
-              <a:t>04/25/2020</a:t>
+            <a:fld id="{77F04B59-12C4-490C-B3A9-8C138721388E}" type="datetime1">
+              <a:rPr lang="de-DE" smtClean="0"/>
+              <a:t>25.04.2020</a:t>
             </a:fld>
             <a:endParaRPr lang="en-DE"/>
           </a:p>
@@ -6231,9 +7503,9 @@
           <a:bodyPr/>
           <a:lstStyle/>
           <a:p>
-            <a:fld id="{5D6055CC-7B8E-49B1-AEC7-97BB8388B221}" type="datetime1">
-              <a:rPr lang="LID4096" smtClean="0"/>
-              <a:t>04/25/2020</a:t>
+            <a:fld id="{EE4021FF-42BB-49F9-B366-B01B041A4B55}" type="datetime1">
+              <a:rPr lang="de-DE" smtClean="0"/>
+              <a:t>25.04.2020</a:t>
             </a:fld>
             <a:endParaRPr lang="en-DE"/>
           </a:p>
@@ -6418,9 +7690,9 @@
           <a:bodyPr/>
           <a:lstStyle/>
           <a:p>
-            <a:fld id="{E72DC239-85DA-4D7F-A658-069E86544DEE}" type="datetime1">
-              <a:rPr lang="LID4096" smtClean="0"/>
-              <a:t>04/25/2020</a:t>
+            <a:fld id="{4E1C9BC8-4D5E-4BC5-AE05-0D1046C7CAA4}" type="datetime1">
+              <a:rPr lang="de-DE" smtClean="0"/>
+              <a:t>25.04.2020</a:t>
             </a:fld>
             <a:endParaRPr lang="en-DE"/>
           </a:p>
@@ -6565,7 +7837,7 @@
                 <a14:useLocalDpi xmlns:a14="http://schemas.microsoft.com/office/drawing/2010/main" val="0"/>
               </a:ext>
               <a:ext uri="{96DAC541-7B7A-43D3-8B79-37D633B846F1}">
-                <asvg:svgBlip xmlns:asvg="http://schemas.microsoft.com/office/drawing/2016/SVG/main" xmlns="" r:embed="rId3"/>
+                <asvg:svgBlip xmlns="" xmlns:asvg="http://schemas.microsoft.com/office/drawing/2016/SVG/main" r:embed="rId3"/>
               </a:ext>
             </a:extLst>
           </a:blip>
@@ -6601,9 +7873,9 @@
           <a:bodyPr/>
           <a:lstStyle/>
           <a:p>
-            <a:fld id="{545121B7-4D1F-463F-808D-0FB845E3DE3C}" type="datetime1">
-              <a:rPr lang="LID4096" smtClean="0"/>
-              <a:t>04/25/2020</a:t>
+            <a:fld id="{DA4C4B2A-F54C-4F8D-924E-E16D476877D7}" type="datetime1">
+              <a:rPr lang="de-DE" smtClean="0"/>
+              <a:t>25.04.2020</a:t>
             </a:fld>
             <a:endParaRPr lang="en-DE"/>
           </a:p>
@@ -6778,9 +8050,9 @@
           <a:bodyPr/>
           <a:lstStyle/>
           <a:p>
-            <a:fld id="{E72DC239-85DA-4D7F-A658-069E86544DEE}" type="datetime1">
-              <a:rPr lang="LID4096" smtClean="0"/>
-              <a:t>04/25/2020</a:t>
+            <a:fld id="{CC82C62B-6DB1-445D-823F-5895C1283666}" type="datetime1">
+              <a:rPr lang="de-DE" smtClean="0"/>
+              <a:t>25.04.2020</a:t>
             </a:fld>
             <a:endParaRPr lang="en-DE"/>
           </a:p>
@@ -6925,7 +8197,7 @@
                 <a14:useLocalDpi xmlns:a14="http://schemas.microsoft.com/office/drawing/2010/main" val="0"/>
               </a:ext>
               <a:ext uri="{96DAC541-7B7A-43D3-8B79-37D633B846F1}">
-                <asvg:svgBlip xmlns:asvg="http://schemas.microsoft.com/office/drawing/2016/SVG/main" xmlns="" r:embed="rId3"/>
+                <asvg:svgBlip xmlns="" xmlns:asvg="http://schemas.microsoft.com/office/drawing/2016/SVG/main" r:embed="rId3"/>
               </a:ext>
             </a:extLst>
           </a:blip>
@@ -6961,9 +8233,9 @@
           <a:bodyPr/>
           <a:lstStyle/>
           <a:p>
-            <a:fld id="{B87336EA-93EB-4E0E-A48E-1E84CC9A69C5}" type="datetime1">
-              <a:rPr lang="LID4096" smtClean="0"/>
-              <a:t>04/25/2020</a:t>
+            <a:fld id="{9F1B5288-4851-47E2-86FF-AE7F0F27E6A5}" type="datetime1">
+              <a:rPr lang="de-DE" smtClean="0"/>
+              <a:t>25.04.2020</a:t>
             </a:fld>
             <a:endParaRPr lang="en-DE"/>
           </a:p>
@@ -7108,7 +8380,7 @@
                 <a14:useLocalDpi xmlns:a14="http://schemas.microsoft.com/office/drawing/2010/main" val="0"/>
               </a:ext>
               <a:ext uri="{96DAC541-7B7A-43D3-8B79-37D633B846F1}">
-                <asvg:svgBlip xmlns:asvg="http://schemas.microsoft.com/office/drawing/2016/SVG/main" xmlns="" r:embed="rId3"/>
+                <asvg:svgBlip xmlns="" xmlns:asvg="http://schemas.microsoft.com/office/drawing/2016/SVG/main" r:embed="rId3"/>
               </a:ext>
             </a:extLst>
           </a:blip>
@@ -7144,9 +8416,9 @@
           <a:bodyPr/>
           <a:lstStyle/>
           <a:p>
-            <a:fld id="{E66FF822-6110-47E8-B738-21D15873B8DE}" type="datetime1">
-              <a:rPr lang="LID4096" smtClean="0"/>
-              <a:t>04/25/2020</a:t>
+            <a:fld id="{66542A81-9D85-4964-AE42-3BEC078F5EF7}" type="datetime1">
+              <a:rPr lang="de-DE" smtClean="0"/>
+              <a:t>25.04.2020</a:t>
             </a:fld>
             <a:endParaRPr lang="en-DE"/>
           </a:p>
@@ -7301,9 +8573,9 @@
           <a:bodyPr/>
           <a:lstStyle/>
           <a:p>
-            <a:fld id="{18C8AB18-199E-4DA5-9A7C-AC3F0DF1F84A}" type="datetime1">
-              <a:rPr lang="LID4096" smtClean="0"/>
-              <a:t>04/25/2020</a:t>
+            <a:fld id="{2D3E4526-251C-4362-BF7C-C1EC3D4E8BE3}" type="datetime1">
+              <a:rPr lang="de-DE" smtClean="0"/>
+              <a:t>25.04.2020</a:t>
             </a:fld>
             <a:endParaRPr lang="en-DE"/>
           </a:p>
@@ -7454,9 +8726,9 @@
           <a:bodyPr/>
           <a:lstStyle/>
           <a:p>
-            <a:fld id="{18C8AB18-199E-4DA5-9A7C-AC3F0DF1F84A}" type="datetime1">
-              <a:rPr lang="LID4096" smtClean="0"/>
-              <a:t>04/25/2020</a:t>
+            <a:fld id="{C59BC75F-75B0-4ABA-959A-568486DE20BF}" type="datetime1">
+              <a:rPr lang="de-DE" smtClean="0"/>
+              <a:t>25.04.2020</a:t>
             </a:fld>
             <a:endParaRPr lang="en-DE"/>
           </a:p>
@@ -7681,9 +8953,9 @@
           <a:bodyPr/>
           <a:lstStyle/>
           <a:p>
-            <a:fld id="{9298F3A6-09EA-4093-9186-BCBA42B5BD0B}" type="datetime1">
-              <a:rPr lang="LID4096" smtClean="0"/>
-              <a:t>04/25/2020</a:t>
+            <a:fld id="{87419458-7C44-4495-A885-53E425C2235A}" type="datetime1">
+              <a:rPr lang="de-DE" smtClean="0"/>
+              <a:t>25.04.2020</a:t>
             </a:fld>
             <a:endParaRPr lang="en-DE"/>
           </a:p>
@@ -7757,6 +9029,13 @@
   <p:clrMapOvr>
     <a:masterClrMapping/>
   </p:clrMapOvr>
+  <p:timing>
+    <p:tnLst>
+      <p:par>
+        <p:cTn id="1" dur="indefinite" restart="never" nodeType="tmRoot"/>
+      </p:par>
+    </p:tnLst>
+  </p:timing>
 </p:sld>
 </file>
 
@@ -7854,9 +9133,9 @@
           <a:bodyPr/>
           <a:lstStyle/>
           <a:p>
-            <a:fld id="{18C8AB18-199E-4DA5-9A7C-AC3F0DF1F84A}" type="datetime1">
-              <a:rPr lang="LID4096" smtClean="0"/>
-              <a:t>04/25/2020</a:t>
+            <a:fld id="{54F78238-DE5B-4ABB-B810-23D7C7378B5D}" type="datetime1">
+              <a:rPr lang="de-DE" smtClean="0"/>
+              <a:t>25.04.2020</a:t>
             </a:fld>
             <a:endParaRPr lang="en-DE"/>
           </a:p>
@@ -7982,9 +9261,9 @@
           <a:bodyPr/>
           <a:lstStyle/>
           <a:p>
-            <a:fld id="{18C8AB18-199E-4DA5-9A7C-AC3F0DF1F84A}" type="datetime1">
-              <a:rPr lang="LID4096" smtClean="0"/>
-              <a:t>04/25/2020</a:t>
+            <a:fld id="{34D3961E-9789-4633-93A2-517E9B432B66}" type="datetime1">
+              <a:rPr lang="de-DE" smtClean="0"/>
+              <a:t>25.04.2020</a:t>
             </a:fld>
             <a:endParaRPr lang="en-DE"/>
           </a:p>
@@ -8139,9 +9418,9 @@
           <a:bodyPr/>
           <a:lstStyle/>
           <a:p>
-            <a:fld id="{18C8AB18-199E-4DA5-9A7C-AC3F0DF1F84A}" type="datetime1">
-              <a:rPr lang="LID4096" smtClean="0"/>
-              <a:t>04/25/2020</a:t>
+            <a:fld id="{3C45E51F-F0F8-49B0-967A-6254948B23B1}" type="datetime1">
+              <a:rPr lang="de-DE" smtClean="0"/>
+              <a:t>25.04.2020</a:t>
             </a:fld>
             <a:endParaRPr lang="en-DE"/>
           </a:p>
@@ -8308,9 +9587,9 @@
           <a:bodyPr/>
           <a:lstStyle/>
           <a:p>
-            <a:fld id="{18C8AB18-199E-4DA5-9A7C-AC3F0DF1F84A}" type="datetime1">
-              <a:rPr lang="LID4096" smtClean="0"/>
-              <a:t>04/25/2020</a:t>
+            <a:fld id="{EB5DEBDA-7C99-4663-8185-204BCDFBB368}" type="datetime1">
+              <a:rPr lang="de-DE" smtClean="0"/>
+              <a:t>25.04.2020</a:t>
             </a:fld>
             <a:endParaRPr lang="en-DE"/>
           </a:p>
@@ -8436,9 +9715,9 @@
           <a:bodyPr/>
           <a:lstStyle/>
           <a:p>
-            <a:fld id="{18C8AB18-199E-4DA5-9A7C-AC3F0DF1F84A}" type="datetime1">
-              <a:rPr lang="LID4096" smtClean="0"/>
-              <a:t>04/25/2020</a:t>
+            <a:fld id="{8EB84A40-A642-4B18-B280-A49EAD04BD21}" type="datetime1">
+              <a:rPr lang="de-DE" smtClean="0"/>
+              <a:t>25.04.2020</a:t>
             </a:fld>
             <a:endParaRPr lang="en-DE"/>
           </a:p>
@@ -8525,7 +9804,7 @@
           <p:cNvPr id="4" name="Titel 3">
             <a:extLst>
               <a:ext uri="{FF2B5EF4-FFF2-40B4-BE49-F238E27FC236}">
-                <a16:creationId xmlns:a16="http://schemas.microsoft.com/office/drawing/2014/main" id="{74DFDC50-BF48-4306-B792-3DD696397D09}"/>
+                <a16:creationId xmlns:a16="http://schemas.microsoft.com/office/drawing/2014/main" id="{BAFEB9B6-68B7-493C-8627-50397D1A6789}"/>
               </a:ext>
             </a:extLst>
           </p:cNvPr>
@@ -8542,8 +9821,12 @@
           <a:lstStyle/>
           <a:p>
             <a:r>
-              <a:rPr lang="de-DE" dirty="0"/>
-              <a:t>Unterscheidung</a:t>
+              <a:rPr lang="de-DE" dirty="0" smtClean="0"/>
+              <a:t>Face </a:t>
+            </a:r>
+            <a:r>
+              <a:rPr lang="de-DE" dirty="0" err="1" smtClean="0"/>
+              <a:t>Detection</a:t>
             </a:r>
             <a:endParaRPr lang="en-DE" dirty="0"/>
           </a:p>
@@ -8551,10 +9834,10 @@
       </p:sp>
       <p:sp>
         <p:nvSpPr>
-          <p:cNvPr id="6" name="Textplatzhalter 5">
-            <a:extLst>
-              <a:ext uri="{FF2B5EF4-FFF2-40B4-BE49-F238E27FC236}">
-                <a16:creationId xmlns:a16="http://schemas.microsoft.com/office/drawing/2014/main" id="{189A04F5-5B25-40FD-B2F8-80B653EFA120}"/>
+          <p:cNvPr id="5" name="Textplatzhalter 4">
+            <a:extLst>
+              <a:ext uri="{FF2B5EF4-FFF2-40B4-BE49-F238E27FC236}">
+                <a16:creationId xmlns:a16="http://schemas.microsoft.com/office/drawing/2014/main" id="{731A542A-75E4-4029-991E-B47BD4E89059}"/>
               </a:ext>
             </a:extLst>
           </p:cNvPr>
@@ -8571,47 +9854,8 @@
           <a:lstStyle/>
           <a:p>
             <a:r>
-              <a:rPr lang="de-DE" sz="2800" dirty="0"/>
-              <a:t>Face </a:t>
-            </a:r>
-            <a:r>
-              <a:rPr lang="de-DE" sz="2800" dirty="0" err="1"/>
-              <a:t>detection</a:t>
-            </a:r>
-            <a:endParaRPr lang="de-DE" sz="2800" dirty="0"/>
-          </a:p>
-        </p:txBody>
-      </p:sp>
-      <p:sp>
-        <p:nvSpPr>
-          <p:cNvPr id="5" name="Inhaltsplatzhalter 4">
-            <a:extLst>
-              <a:ext uri="{FF2B5EF4-FFF2-40B4-BE49-F238E27FC236}">
-                <a16:creationId xmlns:a16="http://schemas.microsoft.com/office/drawing/2014/main" id="{A3C2BB9C-2448-49F4-B4E1-B2E4FD53B1B4}"/>
-              </a:ext>
-            </a:extLst>
-          </p:cNvPr>
-          <p:cNvSpPr>
-            <a:spLocks noGrp="1"/>
-          </p:cNvSpPr>
-          <p:nvPr>
-            <p:ph sz="half" idx="2"/>
-          </p:nvPr>
-        </p:nvSpPr>
-        <p:spPr/>
-        <p:txBody>
-          <a:bodyPr/>
-          <a:lstStyle/>
-          <a:p>
-            <a:r>
-              <a:rPr lang="de-DE" dirty="0"/>
-              <a:t>Gesichter in einem Bild erkennen</a:t>
-            </a:r>
-          </a:p>
-          <a:p>
-            <a:r>
-              <a:rPr lang="de-DE" dirty="0"/>
-              <a:t>Keine weitere Zuordnungen</a:t>
+              <a:rPr lang="de-DE" dirty="0" smtClean="0"/>
+              <a:t>###Start Jens###</a:t>
             </a:r>
             <a:endParaRPr lang="en-DE" dirty="0"/>
           </a:p>
@@ -8619,83 +9863,10 @@
       </p:sp>
       <p:sp>
         <p:nvSpPr>
-          <p:cNvPr id="7" name="Textplatzhalter 6">
-            <a:extLst>
-              <a:ext uri="{FF2B5EF4-FFF2-40B4-BE49-F238E27FC236}">
-                <a16:creationId xmlns:a16="http://schemas.microsoft.com/office/drawing/2014/main" id="{A2F3E6EB-8A35-49E8-BF60-D6EEE72F9577}"/>
-              </a:ext>
-            </a:extLst>
-          </p:cNvPr>
-          <p:cNvSpPr>
-            <a:spLocks noGrp="1"/>
-          </p:cNvSpPr>
-          <p:nvPr>
-            <p:ph type="body" sz="quarter" idx="3"/>
-          </p:nvPr>
-        </p:nvSpPr>
-        <p:spPr/>
-        <p:txBody>
-          <a:bodyPr/>
-          <a:lstStyle/>
-          <a:p>
-            <a:r>
-              <a:rPr lang="de-DE" sz="2800" dirty="0"/>
-              <a:t>Face </a:t>
-            </a:r>
-            <a:r>
-              <a:rPr lang="de-DE" sz="2800" dirty="0" err="1"/>
-              <a:t>recognition</a:t>
-            </a:r>
-            <a:endParaRPr lang="en-DE" sz="2800" dirty="0"/>
-          </a:p>
-        </p:txBody>
-      </p:sp>
-      <p:sp>
-        <p:nvSpPr>
-          <p:cNvPr id="8" name="Inhaltsplatzhalter 7">
-            <a:extLst>
-              <a:ext uri="{FF2B5EF4-FFF2-40B4-BE49-F238E27FC236}">
-                <a16:creationId xmlns:a16="http://schemas.microsoft.com/office/drawing/2014/main" id="{ACDF1F6C-4067-42D9-A619-6E3B54F49D18}"/>
-              </a:ext>
-            </a:extLst>
-          </p:cNvPr>
-          <p:cNvSpPr>
-            <a:spLocks noGrp="1"/>
-          </p:cNvSpPr>
-          <p:nvPr>
-            <p:ph sz="quarter" idx="4"/>
-          </p:nvPr>
-        </p:nvSpPr>
-        <p:spPr/>
-        <p:txBody>
-          <a:bodyPr/>
-          <a:lstStyle/>
-          <a:p>
-            <a:r>
-              <a:rPr lang="de-DE" dirty="0"/>
-              <a:t>Basis bildet Face </a:t>
-            </a:r>
-            <a:r>
-              <a:rPr lang="de-DE" dirty="0" err="1"/>
-              <a:t>detection</a:t>
-            </a:r>
-            <a:endParaRPr lang="de-DE" dirty="0"/>
-          </a:p>
-          <a:p>
-            <a:r>
-              <a:rPr lang="de-DE" dirty="0"/>
-              <a:t>Zuordnung der Gesichter zu Personen</a:t>
-            </a:r>
-            <a:endParaRPr lang="en-DE" dirty="0"/>
-          </a:p>
-        </p:txBody>
-      </p:sp>
-      <p:sp>
-        <p:nvSpPr>
           <p:cNvPr id="2" name="Datumsplatzhalter 1">
             <a:extLst>
               <a:ext uri="{FF2B5EF4-FFF2-40B4-BE49-F238E27FC236}">
-                <a16:creationId xmlns:a16="http://schemas.microsoft.com/office/drawing/2014/main" id="{3DD8FB0B-9896-4467-A519-9D2E92C1DD52}"/>
+                <a16:creationId xmlns:a16="http://schemas.microsoft.com/office/drawing/2014/main" id="{B9961B72-0E64-4546-86DE-7A9213AEF0BF}"/>
               </a:ext>
             </a:extLst>
           </p:cNvPr>
@@ -8711,9 +9882,9 @@
           <a:bodyPr/>
           <a:lstStyle/>
           <a:p>
-            <a:fld id="{F2FB0A1B-B84C-4468-87FB-A47D8696D8D0}" type="datetime1">
-              <a:rPr lang="LID4096" smtClean="0"/>
-              <a:t>04/25/2020</a:t>
+            <a:fld id="{8658B7A7-4882-4DA8-871F-9AE6DEBB2B07}" type="datetime1">
+              <a:rPr lang="de-DE" smtClean="0"/>
+              <a:t>25.04.2020</a:t>
             </a:fld>
             <a:endParaRPr lang="en-DE"/>
           </a:p>
@@ -8724,7 +9895,7 @@
           <p:cNvPr id="3" name="Foliennummernplatzhalter 2">
             <a:extLst>
               <a:ext uri="{FF2B5EF4-FFF2-40B4-BE49-F238E27FC236}">
-                <a16:creationId xmlns:a16="http://schemas.microsoft.com/office/drawing/2014/main" id="{F8A4956D-BC3D-404A-86AC-071873C85631}"/>
+                <a16:creationId xmlns:a16="http://schemas.microsoft.com/office/drawing/2014/main" id="{59922F05-46B0-46B5-AD1C-A3D20B11B3DD}"/>
               </a:ext>
             </a:extLst>
           </p:cNvPr>
@@ -8750,10 +9921,10 @@
       </p:sp>
       <p:sp>
         <p:nvSpPr>
-          <p:cNvPr id="9" name="Fußzeilenplatzhalter 8">
-            <a:extLst>
-              <a:ext uri="{FF2B5EF4-FFF2-40B4-BE49-F238E27FC236}">
-                <a16:creationId xmlns:a16="http://schemas.microsoft.com/office/drawing/2014/main" id="{B1BE3BB3-733E-4D3E-95D6-C1B784E20738}"/>
+          <p:cNvPr id="6" name="Fußzeilenplatzhalter 5">
+            <a:extLst>
+              <a:ext uri="{FF2B5EF4-FFF2-40B4-BE49-F238E27FC236}">
+                <a16:creationId xmlns:a16="http://schemas.microsoft.com/office/drawing/2014/main" id="{1E3CF692-6BEB-4EE8-8A69-7C2A04FFF05B}"/>
               </a:ext>
             </a:extLst>
           </p:cNvPr>
@@ -8780,7 +9951,7 @@
     </p:spTree>
     <p:extLst>
       <p:ext uri="{BB962C8B-B14F-4D97-AF65-F5344CB8AC3E}">
-        <p14:creationId xmlns:p14="http://schemas.microsoft.com/office/powerpoint/2010/main" val="1030595959"/>
+        <p14:creationId xmlns:p14="http://schemas.microsoft.com/office/powerpoint/2010/main" val="4289776068"/>
       </p:ext>
     </p:extLst>
   </p:cSld>
@@ -8809,10 +9980,10 @@
       </p:grpSpPr>
       <p:sp>
         <p:nvSpPr>
-          <p:cNvPr id="4" name="Titel 3">
-            <a:extLst>
-              <a:ext uri="{FF2B5EF4-FFF2-40B4-BE49-F238E27FC236}">
-                <a16:creationId xmlns:a16="http://schemas.microsoft.com/office/drawing/2014/main" id="{BAFEB9B6-68B7-493C-8627-50397D1A6789}"/>
+          <p:cNvPr id="7" name="Titel 6">
+            <a:extLst>
+              <a:ext uri="{FF2B5EF4-FFF2-40B4-BE49-F238E27FC236}">
+                <a16:creationId xmlns:a16="http://schemas.microsoft.com/office/drawing/2014/main" id="{FCBF07AF-63C0-486A-A777-5AF786F03BD3}"/>
               </a:ext>
             </a:extLst>
           </p:cNvPr>
@@ -8836,45 +10007,20 @@
               <a:rPr lang="de-DE" dirty="0" err="1" smtClean="0"/>
               <a:t>Detection</a:t>
             </a:r>
+            <a:r>
+              <a:rPr lang="de-DE" dirty="0" smtClean="0"/>
+              <a:t> - Allgemein</a:t>
+            </a:r>
             <a:endParaRPr lang="en-DE" dirty="0"/>
           </a:p>
         </p:txBody>
       </p:sp>
       <p:sp>
         <p:nvSpPr>
-          <p:cNvPr id="5" name="Textplatzhalter 4">
-            <a:extLst>
-              <a:ext uri="{FF2B5EF4-FFF2-40B4-BE49-F238E27FC236}">
-                <a16:creationId xmlns:a16="http://schemas.microsoft.com/office/drawing/2014/main" id="{731A542A-75E4-4029-991E-B47BD4E89059}"/>
-              </a:ext>
-            </a:extLst>
-          </p:cNvPr>
-          <p:cNvSpPr>
-            <a:spLocks noGrp="1"/>
-          </p:cNvSpPr>
-          <p:nvPr>
-            <p:ph type="body" idx="1"/>
-          </p:nvPr>
-        </p:nvSpPr>
-        <p:spPr/>
-        <p:txBody>
-          <a:bodyPr/>
-          <a:lstStyle/>
-          <a:p>
-            <a:r>
-              <a:rPr lang="de-DE" dirty="0" smtClean="0"/>
-              <a:t>###Start Jens###</a:t>
-            </a:r>
-            <a:endParaRPr lang="en-DE" dirty="0"/>
-          </a:p>
-        </p:txBody>
-      </p:sp>
-      <p:sp>
-        <p:nvSpPr>
-          <p:cNvPr id="2" name="Datumsplatzhalter 1">
-            <a:extLst>
-              <a:ext uri="{FF2B5EF4-FFF2-40B4-BE49-F238E27FC236}">
-                <a16:creationId xmlns:a16="http://schemas.microsoft.com/office/drawing/2014/main" id="{B9961B72-0E64-4546-86DE-7A9213AEF0BF}"/>
+          <p:cNvPr id="18" name="Datumsplatzhalter 17">
+            <a:extLst>
+              <a:ext uri="{FF2B5EF4-FFF2-40B4-BE49-F238E27FC236}">
+                <a16:creationId xmlns:a16="http://schemas.microsoft.com/office/drawing/2014/main" id="{C1A900D8-45B5-4FDC-989E-048A9CEF3F00}"/>
               </a:ext>
             </a:extLst>
           </p:cNvPr>
@@ -8890,9 +10036,9 @@
           <a:bodyPr/>
           <a:lstStyle/>
           <a:p>
-            <a:fld id="{9F79514C-9DB9-4FFA-BE8F-D89F9E36933A}" type="datetime1">
-              <a:rPr lang="LID4096" smtClean="0"/>
-              <a:t>04/25/2020</a:t>
+            <a:fld id="{EAC4532E-65C0-4782-AE73-57402D3447EB}" type="datetime1">
+              <a:rPr lang="de-DE" smtClean="0"/>
+              <a:t>25.04.2020</a:t>
             </a:fld>
             <a:endParaRPr lang="en-DE"/>
           </a:p>
@@ -8900,10 +10046,10 @@
       </p:sp>
       <p:sp>
         <p:nvSpPr>
-          <p:cNvPr id="3" name="Foliennummernplatzhalter 2">
-            <a:extLst>
-              <a:ext uri="{FF2B5EF4-FFF2-40B4-BE49-F238E27FC236}">
-                <a16:creationId xmlns:a16="http://schemas.microsoft.com/office/drawing/2014/main" id="{59922F05-46B0-46B5-AD1C-A3D20B11B3DD}"/>
+          <p:cNvPr id="19" name="Foliennummernplatzhalter 18">
+            <a:extLst>
+              <a:ext uri="{FF2B5EF4-FFF2-40B4-BE49-F238E27FC236}">
+                <a16:creationId xmlns:a16="http://schemas.microsoft.com/office/drawing/2014/main" id="{27BBAEC3-E26E-4ED9-B055-82E141C887B8}"/>
               </a:ext>
             </a:extLst>
           </p:cNvPr>
@@ -8929,10 +10075,10 @@
       </p:sp>
       <p:sp>
         <p:nvSpPr>
-          <p:cNvPr id="6" name="Fußzeilenplatzhalter 5">
-            <a:extLst>
-              <a:ext uri="{FF2B5EF4-FFF2-40B4-BE49-F238E27FC236}">
-                <a16:creationId xmlns:a16="http://schemas.microsoft.com/office/drawing/2014/main" id="{1E3CF692-6BEB-4EE8-8A69-7C2A04FFF05B}"/>
+          <p:cNvPr id="20" name="Fußzeilenplatzhalter 19">
+            <a:extLst>
+              <a:ext uri="{FF2B5EF4-FFF2-40B4-BE49-F238E27FC236}">
+                <a16:creationId xmlns:a16="http://schemas.microsoft.com/office/drawing/2014/main" id="{22686015-84BD-43E6-BD44-EA88D2A4449D}"/>
               </a:ext>
             </a:extLst>
           </p:cNvPr>
@@ -8953,13 +10099,87 @@
               <a:t>MSI - Bilderkennung mit OpenCV</a:t>
             </a:r>
             <a:endParaRPr lang="en-DE"/>
+          </a:p>
+        </p:txBody>
+      </p:sp>
+      <p:pic>
+        <p:nvPicPr>
+          <p:cNvPr id="1026" name="Picture 2" descr="Datei:Face detection example openCV.jpg – Wikipedia"/>
+          <p:cNvPicPr>
+            <a:picLocks noGrp="1" noChangeAspect="1" noChangeArrowheads="1"/>
+          </p:cNvPicPr>
+          <p:nvPr>
+            <p:ph idx="1"/>
+          </p:nvPr>
+        </p:nvPicPr>
+        <p:blipFill>
+          <a:blip r:embed="rId3">
+            <a:extLst>
+              <a:ext uri="{28A0092B-C50C-407E-A947-70E740481C1C}">
+                <a14:useLocalDpi xmlns:a14="http://schemas.microsoft.com/office/drawing/2010/main" val="0"/>
+              </a:ext>
+            </a:extLst>
+          </a:blip>
+          <a:srcRect/>
+          <a:stretch>
+            <a:fillRect/>
+          </a:stretch>
+        </p:blipFill>
+        <p:spPr bwMode="auto">
+          <a:xfrm>
+            <a:off x="2621732" y="1253331"/>
+            <a:ext cx="6948531" cy="4733687"/>
+          </a:xfrm>
+          <a:prstGeom prst="rect">
+            <a:avLst/>
+          </a:prstGeom>
+          <a:noFill/>
+          <a:extLst>
+            <a:ext uri="{909E8E84-426E-40DD-AFC4-6F175D3DCCD1}">
+              <a14:hiddenFill xmlns:a14="http://schemas.microsoft.com/office/drawing/2010/main">
+                <a:solidFill>
+                  <a:srgbClr val="FFFFFF"/>
+                </a:solidFill>
+              </a14:hiddenFill>
+            </a:ext>
+          </a:extLst>
+        </p:spPr>
+      </p:pic>
+      <p:sp>
+        <p:nvSpPr>
+          <p:cNvPr id="3" name="Rechteck 2"/>
+          <p:cNvSpPr/>
+          <p:nvPr/>
+        </p:nvSpPr>
+        <p:spPr>
+          <a:xfrm>
+            <a:off x="2472749" y="5987018"/>
+            <a:ext cx="7246495" cy="369332"/>
+          </a:xfrm>
+          <a:prstGeom prst="rect">
+            <a:avLst/>
+          </a:prstGeom>
+        </p:spPr>
+        <p:txBody>
+          <a:bodyPr wrap="square">
+            <a:spAutoFit/>
+          </a:bodyPr>
+          <a:lstStyle/>
+          <a:p>
+            <a:r>
+              <a:rPr lang="de-DE" dirty="0">
+                <a:hlinkClick r:id="rId4"/>
+              </a:rPr>
+              <a:t>https://de.wikipedia.org/wiki/Datei:Face_detection_example_openCV.jpg</a:t>
+            </a:r>
+            <a:endParaRPr lang="de-DE" dirty="0"/>
           </a:p>
         </p:txBody>
       </p:sp>
     </p:spTree>
     <p:extLst>
       <p:ext uri="{BB962C8B-B14F-4D97-AF65-F5344CB8AC3E}">
-        <p14:creationId xmlns:p14="http://schemas.microsoft.com/office/powerpoint/2010/main" val="4289776068"/>
+        <p14:creationId xmlns:p14="http://schemas.microsoft.com/office/powerpoint/2010/main" val="2563656267"/>
       </p:ext>
     </p:extLst>
   </p:cSld>
@@ -9008,7 +10228,7 @@
           <a:lstStyle/>
           <a:p>
             <a:r>
-              <a:rPr lang="de-DE" dirty="0" smtClean="0"/>
+              <a:rPr lang="de-DE" dirty="0"/>
               <a:t>Face </a:t>
             </a:r>
             <a:r>
@@ -9017,7 +10237,7 @@
             </a:r>
             <a:r>
               <a:rPr lang="de-DE" dirty="0" smtClean="0"/>
-              <a:t> - Allgemein</a:t>
+              <a:t> – Viola-Jones-Methode</a:t>
             </a:r>
             <a:endParaRPr lang="en-DE" dirty="0"/>
           </a:p>
@@ -9044,9 +10264,9 @@
           <a:bodyPr/>
           <a:lstStyle/>
           <a:p>
-            <a:fld id="{F80EC265-6E54-4455-AA32-FFA0B62CD849}" type="datetime1">
-              <a:rPr lang="LID4096" smtClean="0"/>
-              <a:t>04/25/2020</a:t>
+            <a:fld id="{E3B54F07-074E-45F6-B0B4-E8AFE41B5DAA}" type="datetime1">
+              <a:rPr lang="de-DE" smtClean="0"/>
+              <a:t>25.04.2020</a:t>
             </a:fld>
             <a:endParaRPr lang="en-DE"/>
           </a:p>
@@ -9076,234 +10296,6 @@
             <a:fld id="{2919E40B-AC7D-4A7F-9508-598983C40C41}" type="slidenum">
               <a:rPr lang="en-DE" smtClean="0"/>
               <a:t>27</a:t>
-            </a:fld>
-            <a:endParaRPr lang="en-DE"/>
-          </a:p>
-        </p:txBody>
-      </p:sp>
-      <p:sp>
-        <p:nvSpPr>
-          <p:cNvPr id="20" name="Fußzeilenplatzhalter 19">
-            <a:extLst>
-              <a:ext uri="{FF2B5EF4-FFF2-40B4-BE49-F238E27FC236}">
-                <a16:creationId xmlns:a16="http://schemas.microsoft.com/office/drawing/2014/main" id="{22686015-84BD-43E6-BD44-EA88D2A4449D}"/>
-              </a:ext>
-            </a:extLst>
-          </p:cNvPr>
-          <p:cNvSpPr>
-            <a:spLocks noGrp="1"/>
-          </p:cNvSpPr>
-          <p:nvPr>
-            <p:ph type="ftr" sz="quarter" idx="11"/>
-          </p:nvPr>
-        </p:nvSpPr>
-        <p:spPr/>
-        <p:txBody>
-          <a:bodyPr/>
-          <a:lstStyle/>
-          <a:p>
-            <a:r>
-              <a:rPr lang="de-DE"/>
-              <a:t>MSI - Bilderkennung mit OpenCV</a:t>
-            </a:r>
-            <a:endParaRPr lang="en-DE"/>
-          </a:p>
-        </p:txBody>
-      </p:sp>
-      <p:pic>
-        <p:nvPicPr>
-          <p:cNvPr id="1026" name="Picture 2" descr="Datei:Face detection example openCV.jpg – Wikipedia"/>
-          <p:cNvPicPr>
-            <a:picLocks noGrp="1" noChangeAspect="1" noChangeArrowheads="1"/>
-          </p:cNvPicPr>
-          <p:nvPr>
-            <p:ph idx="1"/>
-          </p:nvPr>
-        </p:nvPicPr>
-        <p:blipFill>
-          <a:blip r:embed="rId3">
-            <a:extLst>
-              <a:ext uri="{28A0092B-C50C-407E-A947-70E740481C1C}">
-                <a14:useLocalDpi xmlns:a14="http://schemas.microsoft.com/office/drawing/2010/main" val="0"/>
-              </a:ext>
-            </a:extLst>
-          </a:blip>
-          <a:srcRect/>
-          <a:stretch>
-            <a:fillRect/>
-          </a:stretch>
-        </p:blipFill>
-        <p:spPr bwMode="auto">
-          <a:xfrm>
-            <a:off x="2621732" y="1253331"/>
-            <a:ext cx="6948531" cy="4733687"/>
-          </a:xfrm>
-          <a:prstGeom prst="rect">
-            <a:avLst/>
-          </a:prstGeom>
-          <a:noFill/>
-          <a:extLst>
-            <a:ext uri="{909E8E84-426E-40DD-AFC4-6F175D3DCCD1}">
-              <a14:hiddenFill xmlns:a14="http://schemas.microsoft.com/office/drawing/2010/main">
-                <a:solidFill>
-                  <a:srgbClr val="FFFFFF"/>
-                </a:solidFill>
-              </a14:hiddenFill>
-            </a:ext>
-          </a:extLst>
-        </p:spPr>
-      </p:pic>
-      <p:sp>
-        <p:nvSpPr>
-          <p:cNvPr id="3" name="Rechteck 2"/>
-          <p:cNvSpPr/>
-          <p:nvPr/>
-        </p:nvSpPr>
-        <p:spPr>
-          <a:xfrm>
-            <a:off x="2472749" y="5987018"/>
-            <a:ext cx="7246495" cy="369332"/>
-          </a:xfrm>
-          <a:prstGeom prst="rect">
-            <a:avLst/>
-          </a:prstGeom>
-        </p:spPr>
-        <p:txBody>
-          <a:bodyPr wrap="square">
-            <a:spAutoFit/>
-          </a:bodyPr>
-          <a:lstStyle/>
-          <a:p>
-            <a:r>
-              <a:rPr lang="de-DE" dirty="0">
-                <a:hlinkClick r:id="rId4"/>
-              </a:rPr>
-              <a:t>https://de.wikipedia.org/wiki/Datei:Face_detection_example_openCV.jpg</a:t>
-            </a:r>
-            <a:endParaRPr lang="de-DE" dirty="0"/>
-          </a:p>
-        </p:txBody>
-      </p:sp>
-    </p:spTree>
-    <p:extLst>
-      <p:ext uri="{BB962C8B-B14F-4D97-AF65-F5344CB8AC3E}">
-        <p14:creationId xmlns:p14="http://schemas.microsoft.com/office/powerpoint/2010/main" val="2563656267"/>
-      </p:ext>
-    </p:extLst>
-  </p:cSld>
-  <p:clrMapOvr>
-    <a:masterClrMapping/>
-  </p:clrMapOvr>
-</p:sld>
-</file>
-
-<file path=ppt/slides/slide28.xml><?xml version="1.0" encoding="utf-8"?>
-<p:sld xmlns:a="http://schemas.openxmlformats.org/drawingml/2006/main" xmlns:r="http://schemas.openxmlformats.org/officeDocument/2006/relationships" xmlns:p="http://schemas.openxmlformats.org/presentationml/2006/main">
-  <p:cSld>
-    <p:spTree>
-      <p:nvGrpSpPr>
-        <p:cNvPr id="1" name=""/>
-        <p:cNvGrpSpPr/>
-        <p:nvPr/>
-      </p:nvGrpSpPr>
-      <p:grpSpPr>
-        <a:xfrm>
-          <a:off x="0" y="0"/>
-          <a:ext cx="0" cy="0"/>
-          <a:chOff x="0" y="0"/>
-          <a:chExt cx="0" cy="0"/>
-        </a:xfrm>
-      </p:grpSpPr>
-      <p:sp>
-        <p:nvSpPr>
-          <p:cNvPr id="7" name="Titel 6">
-            <a:extLst>
-              <a:ext uri="{FF2B5EF4-FFF2-40B4-BE49-F238E27FC236}">
-                <a16:creationId xmlns:a16="http://schemas.microsoft.com/office/drawing/2014/main" id="{FCBF07AF-63C0-486A-A777-5AF786F03BD3}"/>
-              </a:ext>
-            </a:extLst>
-          </p:cNvPr>
-          <p:cNvSpPr>
-            <a:spLocks noGrp="1"/>
-          </p:cNvSpPr>
-          <p:nvPr>
-            <p:ph type="title"/>
-          </p:nvPr>
-        </p:nvSpPr>
-        <p:spPr/>
-        <p:txBody>
-          <a:bodyPr/>
-          <a:lstStyle/>
-          <a:p>
-            <a:r>
-              <a:rPr lang="de-DE" dirty="0"/>
-              <a:t>Face </a:t>
-            </a:r>
-            <a:r>
-              <a:rPr lang="de-DE" dirty="0" err="1" smtClean="0"/>
-              <a:t>Detection</a:t>
-            </a:r>
-            <a:r>
-              <a:rPr lang="de-DE" dirty="0" smtClean="0"/>
-              <a:t> – Viola-Jones-Methode</a:t>
-            </a:r>
-            <a:endParaRPr lang="en-DE" dirty="0"/>
-          </a:p>
-        </p:txBody>
-      </p:sp>
-      <p:sp>
-        <p:nvSpPr>
-          <p:cNvPr id="18" name="Datumsplatzhalter 17">
-            <a:extLst>
-              <a:ext uri="{FF2B5EF4-FFF2-40B4-BE49-F238E27FC236}">
-                <a16:creationId xmlns:a16="http://schemas.microsoft.com/office/drawing/2014/main" id="{C1A900D8-45B5-4FDC-989E-048A9CEF3F00}"/>
-              </a:ext>
-            </a:extLst>
-          </p:cNvPr>
-          <p:cNvSpPr>
-            <a:spLocks noGrp="1"/>
-          </p:cNvSpPr>
-          <p:nvPr>
-            <p:ph type="dt" sz="half" idx="10"/>
-          </p:nvPr>
-        </p:nvSpPr>
-        <p:spPr/>
-        <p:txBody>
-          <a:bodyPr/>
-          <a:lstStyle/>
-          <a:p>
-            <a:fld id="{F80EC265-6E54-4455-AA32-FFA0B62CD849}" type="datetime1">
-              <a:rPr lang="LID4096" smtClean="0"/>
-              <a:t>04/25/2020</a:t>
-            </a:fld>
-            <a:endParaRPr lang="en-DE"/>
-          </a:p>
-        </p:txBody>
-      </p:sp>
-      <p:sp>
-        <p:nvSpPr>
-          <p:cNvPr id="19" name="Foliennummernplatzhalter 18">
-            <a:extLst>
-              <a:ext uri="{FF2B5EF4-FFF2-40B4-BE49-F238E27FC236}">
-                <a16:creationId xmlns:a16="http://schemas.microsoft.com/office/drawing/2014/main" id="{27BBAEC3-E26E-4ED9-B055-82E141C887B8}"/>
-              </a:ext>
-            </a:extLst>
-          </p:cNvPr>
-          <p:cNvSpPr>
-            <a:spLocks noGrp="1"/>
-          </p:cNvSpPr>
-          <p:nvPr>
-            <p:ph type="sldNum" sz="quarter" idx="12"/>
-          </p:nvPr>
-        </p:nvSpPr>
-        <p:spPr/>
-        <p:txBody>
-          <a:bodyPr/>
-          <a:lstStyle/>
-          <a:p>
-            <a:fld id="{2919E40B-AC7D-4A7F-9508-598983C40C41}" type="slidenum">
-              <a:rPr lang="en-DE" smtClean="0"/>
-              <a:t>28</a:t>
             </a:fld>
             <a:endParaRPr lang="en-DE"/>
           </a:p>
@@ -9412,7 +10404,7 @@
 </p:sld>
 </file>
 
-<file path=ppt/slides/slide29.xml><?xml version="1.0" encoding="utf-8"?>
+<file path=ppt/slides/slide28.xml><?xml version="1.0" encoding="utf-8"?>
 <p:sld xmlns:a="http://schemas.openxmlformats.org/drawingml/2006/main" xmlns:r="http://schemas.openxmlformats.org/officeDocument/2006/relationships" xmlns:p="http://schemas.openxmlformats.org/presentationml/2006/main">
   <p:cSld>
     <p:spTree>
@@ -9581,9 +10573,9 @@
           <a:bodyPr/>
           <a:lstStyle/>
           <a:p>
-            <a:fld id="{FE55C4B8-CC59-4227-9F5B-3006CCCB166A}" type="datetime1">
-              <a:rPr lang="LID4096" smtClean="0"/>
-              <a:t>04/25/2020</a:t>
+            <a:fld id="{B438F222-C892-404A-8560-EDB1DE8BBAB0}" type="datetime1">
+              <a:rPr lang="de-DE" smtClean="0"/>
+              <a:t>25.04.2020</a:t>
             </a:fld>
             <a:endParaRPr lang="en-DE"/>
           </a:p>
@@ -9612,7 +10604,7 @@
           <a:p>
             <a:fld id="{2919E40B-AC7D-4A7F-9508-598983C40C41}" type="slidenum">
               <a:rPr lang="en-DE" smtClean="0"/>
-              <a:t>29</a:t>
+              <a:t>28</a:t>
             </a:fld>
             <a:endParaRPr lang="en-DE"/>
           </a:p>
@@ -9763,6 +10755,224 @@
 </p:sld>
 </file>
 
+<file path=ppt/slides/slide29.xml><?xml version="1.0" encoding="utf-8"?>
+<p:sld xmlns:a="http://schemas.openxmlformats.org/drawingml/2006/main" xmlns:r="http://schemas.openxmlformats.org/officeDocument/2006/relationships" xmlns:p="http://schemas.openxmlformats.org/presentationml/2006/main">
+  <p:cSld>
+    <p:spTree>
+      <p:nvGrpSpPr>
+        <p:cNvPr id="1" name=""/>
+        <p:cNvGrpSpPr/>
+        <p:nvPr/>
+      </p:nvGrpSpPr>
+      <p:grpSpPr>
+        <a:xfrm>
+          <a:off x="0" y="0"/>
+          <a:ext cx="0" cy="0"/>
+          <a:chOff x="0" y="0"/>
+          <a:chExt cx="0" cy="0"/>
+        </a:xfrm>
+      </p:grpSpPr>
+      <p:sp>
+        <p:nvSpPr>
+          <p:cNvPr id="7" name="Titel 6">
+            <a:extLst>
+              <a:ext uri="{FF2B5EF4-FFF2-40B4-BE49-F238E27FC236}">
+                <a16:creationId xmlns:a16="http://schemas.microsoft.com/office/drawing/2014/main" id="{FCBF07AF-63C0-486A-A777-5AF786F03BD3}"/>
+              </a:ext>
+            </a:extLst>
+          </p:cNvPr>
+          <p:cNvSpPr>
+            <a:spLocks noGrp="1"/>
+          </p:cNvSpPr>
+          <p:nvPr>
+            <p:ph type="title"/>
+          </p:nvPr>
+        </p:nvSpPr>
+        <p:spPr/>
+        <p:txBody>
+          <a:bodyPr/>
+          <a:lstStyle/>
+          <a:p>
+            <a:r>
+              <a:rPr lang="de-DE" dirty="0" smtClean="0"/>
+              <a:t>Face </a:t>
+            </a:r>
+            <a:r>
+              <a:rPr lang="de-DE" dirty="0" err="1" smtClean="0"/>
+              <a:t>Detection</a:t>
+            </a:r>
+            <a:r>
+              <a:rPr lang="de-DE" dirty="0" smtClean="0"/>
+              <a:t> - </a:t>
+            </a:r>
+            <a:r>
+              <a:rPr lang="de-DE" dirty="0" err="1" smtClean="0"/>
+              <a:t>AdaBoost</a:t>
+            </a:r>
+            <a:endParaRPr lang="en-DE" dirty="0"/>
+          </a:p>
+        </p:txBody>
+      </p:sp>
+      <p:pic>
+        <p:nvPicPr>
+          <p:cNvPr id="2" name="Inhaltsplatzhalter 1"/>
+          <p:cNvPicPr>
+            <a:picLocks noGrp="1" noChangeAspect="1"/>
+          </p:cNvPicPr>
+          <p:nvPr>
+            <p:ph idx="1"/>
+          </p:nvPr>
+        </p:nvPicPr>
+        <p:blipFill>
+          <a:blip r:embed="rId3">
+            <a:extLst>
+              <a:ext uri="{28A0092B-C50C-407E-A947-70E740481C1C}">
+                <a14:useLocalDpi xmlns:a14="http://schemas.microsoft.com/office/drawing/2010/main" val="0"/>
+              </a:ext>
+            </a:extLst>
+          </a:blip>
+          <a:stretch>
+            <a:fillRect/>
+          </a:stretch>
+        </p:blipFill>
+        <p:spPr>
+          <a:xfrm>
+            <a:off x="3409721" y="2686193"/>
+            <a:ext cx="5372558" cy="1337325"/>
+          </a:xfrm>
+        </p:spPr>
+      </p:pic>
+      <p:sp>
+        <p:nvSpPr>
+          <p:cNvPr id="18" name="Datumsplatzhalter 17">
+            <a:extLst>
+              <a:ext uri="{FF2B5EF4-FFF2-40B4-BE49-F238E27FC236}">
+                <a16:creationId xmlns:a16="http://schemas.microsoft.com/office/drawing/2014/main" id="{C1A900D8-45B5-4FDC-989E-048A9CEF3F00}"/>
+              </a:ext>
+            </a:extLst>
+          </p:cNvPr>
+          <p:cNvSpPr>
+            <a:spLocks noGrp="1"/>
+          </p:cNvSpPr>
+          <p:nvPr>
+            <p:ph type="dt" sz="half" idx="10"/>
+          </p:nvPr>
+        </p:nvSpPr>
+        <p:spPr/>
+        <p:txBody>
+          <a:bodyPr/>
+          <a:lstStyle/>
+          <a:p>
+            <a:fld id="{99A565DD-6585-4EC2-9937-3EF023C50733}" type="datetime1">
+              <a:rPr lang="de-DE" smtClean="0"/>
+              <a:t>25.04.2020</a:t>
+            </a:fld>
+            <a:endParaRPr lang="en-DE"/>
+          </a:p>
+        </p:txBody>
+      </p:sp>
+      <p:sp>
+        <p:nvSpPr>
+          <p:cNvPr id="19" name="Foliennummernplatzhalter 18">
+            <a:extLst>
+              <a:ext uri="{FF2B5EF4-FFF2-40B4-BE49-F238E27FC236}">
+                <a16:creationId xmlns:a16="http://schemas.microsoft.com/office/drawing/2014/main" id="{27BBAEC3-E26E-4ED9-B055-82E141C887B8}"/>
+              </a:ext>
+            </a:extLst>
+          </p:cNvPr>
+          <p:cNvSpPr>
+            <a:spLocks noGrp="1"/>
+          </p:cNvSpPr>
+          <p:nvPr>
+            <p:ph type="sldNum" sz="quarter" idx="12"/>
+          </p:nvPr>
+        </p:nvSpPr>
+        <p:spPr/>
+        <p:txBody>
+          <a:bodyPr/>
+          <a:lstStyle/>
+          <a:p>
+            <a:fld id="{2919E40B-AC7D-4A7F-9508-598983C40C41}" type="slidenum">
+              <a:rPr lang="en-DE" smtClean="0"/>
+              <a:t>29</a:t>
+            </a:fld>
+            <a:endParaRPr lang="en-DE"/>
+          </a:p>
+        </p:txBody>
+      </p:sp>
+      <p:sp>
+        <p:nvSpPr>
+          <p:cNvPr id="20" name="Fußzeilenplatzhalter 19">
+            <a:extLst>
+              <a:ext uri="{FF2B5EF4-FFF2-40B4-BE49-F238E27FC236}">
+                <a16:creationId xmlns:a16="http://schemas.microsoft.com/office/drawing/2014/main" id="{22686015-84BD-43E6-BD44-EA88D2A4449D}"/>
+              </a:ext>
+            </a:extLst>
+          </p:cNvPr>
+          <p:cNvSpPr>
+            <a:spLocks noGrp="1"/>
+          </p:cNvSpPr>
+          <p:nvPr>
+            <p:ph type="ftr" sz="quarter" idx="11"/>
+          </p:nvPr>
+        </p:nvSpPr>
+        <p:spPr/>
+        <p:txBody>
+          <a:bodyPr/>
+          <a:lstStyle/>
+          <a:p>
+            <a:r>
+              <a:rPr lang="de-DE"/>
+              <a:t>MSI - Bilderkennung mit OpenCV</a:t>
+            </a:r>
+            <a:endParaRPr lang="en-DE"/>
+          </a:p>
+        </p:txBody>
+      </p:sp>
+      <p:sp>
+        <p:nvSpPr>
+          <p:cNvPr id="3" name="Rechteck 2"/>
+          <p:cNvSpPr/>
+          <p:nvPr/>
+        </p:nvSpPr>
+        <p:spPr>
+          <a:xfrm>
+            <a:off x="3048000" y="4023518"/>
+            <a:ext cx="6096000" cy="646331"/>
+          </a:xfrm>
+          <a:prstGeom prst="rect">
+            <a:avLst/>
+          </a:prstGeom>
+        </p:spPr>
+        <p:txBody>
+          <a:bodyPr>
+            <a:spAutoFit/>
+          </a:bodyPr>
+          <a:lstStyle/>
+          <a:p>
+            <a:r>
+              <a:rPr lang="de-DE" dirty="0">
+                <a:hlinkClick r:id="rId4"/>
+              </a:rPr>
+              <a:t>https://towardsdatascience.com/the-intuition-behind-facial-detection-the-viola-jones-algorithm-29d9106b6999</a:t>
+            </a:r>
+            <a:endParaRPr lang="de-DE" dirty="0"/>
+          </a:p>
+        </p:txBody>
+      </p:sp>
+    </p:spTree>
+    <p:extLst>
+      <p:ext uri="{BB962C8B-B14F-4D97-AF65-F5344CB8AC3E}">
+        <p14:creationId xmlns:p14="http://schemas.microsoft.com/office/powerpoint/2010/main" val="3984622725"/>
+      </p:ext>
+    </p:extLst>
+  </p:cSld>
+  <p:clrMapOvr>
+    <a:masterClrMapping/>
+  </p:clrMapOvr>
+</p:sld>
+</file>
+
 <file path=ppt/slides/slide3.xml><?xml version="1.0" encoding="utf-8"?>
 <p:sld xmlns:a="http://schemas.openxmlformats.org/drawingml/2006/main" xmlns:r="http://schemas.openxmlformats.org/officeDocument/2006/relationships" xmlns:p="http://schemas.openxmlformats.org/presentationml/2006/main">
   <p:cSld>
@@ -9884,9 +11094,9 @@
           <a:bodyPr/>
           <a:lstStyle/>
           <a:p>
-            <a:fld id="{E14F7BB6-82B4-4782-945E-2E82DA8911D1}" type="datetime1">
-              <a:rPr lang="LID4096" smtClean="0"/>
-              <a:t>04/25/2020</a:t>
+            <a:fld id="{50BB46BE-4037-48A7-BA8B-1163365C1BC1}" type="datetime1">
+              <a:rPr lang="de-DE" smtClean="0"/>
+              <a:t>25.04.2020</a:t>
             </a:fld>
             <a:endParaRPr lang="en-DE"/>
           </a:p>
@@ -9960,6 +11170,13 @@
   <p:clrMapOvr>
     <a:masterClrMapping/>
   </p:clrMapOvr>
+  <p:timing>
+    <p:tnLst>
+      <p:par>
+        <p:cTn id="1" dur="indefinite" restart="never" nodeType="tmRoot"/>
+      </p:par>
+    </p:tnLst>
+  </p:timing>
 </p:sld>
 </file>
 
@@ -10003,53 +11220,59 @@
           <a:p>
             <a:r>
               <a:rPr lang="de-DE" dirty="0" smtClean="0"/>
-              <a:t>Face </a:t>
-            </a:r>
-            <a:r>
-              <a:rPr lang="de-DE" dirty="0" err="1" smtClean="0"/>
-              <a:t>Detection</a:t>
-            </a:r>
+              <a:t>Cascading</a:t>
+            </a:r>
+            <a:endParaRPr lang="en-DE" dirty="0"/>
+          </a:p>
+        </p:txBody>
+      </p:sp>
+      <p:sp>
+        <p:nvSpPr>
+          <p:cNvPr id="5" name="Inhaltsplatzhalter 4">
+            <a:extLst>
+              <a:ext uri="{FF2B5EF4-FFF2-40B4-BE49-F238E27FC236}">
+                <a16:creationId xmlns:a16="http://schemas.microsoft.com/office/drawing/2014/main" id="{D96C7B3B-8027-4287-996E-4AA0FFC422C8}"/>
+              </a:ext>
+            </a:extLst>
+          </p:cNvPr>
+          <p:cNvSpPr>
+            <a:spLocks noGrp="1"/>
+          </p:cNvSpPr>
+          <p:nvPr>
+            <p:ph idx="1"/>
+          </p:nvPr>
+        </p:nvSpPr>
+        <p:spPr/>
+        <p:txBody>
+          <a:bodyPr/>
+          <a:lstStyle/>
+          <a:p>
+            <a:r>
+              <a:rPr lang="de-DE" dirty="0">
+                <a:hlinkClick r:id="rId3"/>
+              </a:rPr>
+              <a:t>https://</a:t>
+            </a:r>
+            <a:r>
+              <a:rPr lang="de-DE" dirty="0" smtClean="0">
+                <a:hlinkClick r:id="rId3"/>
+              </a:rPr>
+              <a:t>www.youtube.com/watch?time_continue=131&amp;v=hPCTwxF0qf4&amp;feature=emb_logo</a:t>
+            </a:r>
+            <a:endParaRPr lang="de-DE" dirty="0" smtClean="0"/>
+          </a:p>
+          <a:p>
+            <a:endParaRPr lang="de-DE" dirty="0"/>
+          </a:p>
+          <a:p>
             <a:r>
               <a:rPr lang="de-DE" dirty="0" smtClean="0"/>
-              <a:t> - </a:t>
-            </a:r>
-            <a:r>
-              <a:rPr lang="de-DE" dirty="0" err="1" smtClean="0"/>
-              <a:t>AdaBoost</a:t>
-            </a:r>
-            <a:endParaRPr lang="en-DE" dirty="0"/>
-          </a:p>
-        </p:txBody>
-      </p:sp>
-      <p:pic>
-        <p:nvPicPr>
-          <p:cNvPr id="2" name="Inhaltsplatzhalter 1"/>
-          <p:cNvPicPr>
-            <a:picLocks noGrp="1" noChangeAspect="1"/>
-          </p:cNvPicPr>
-          <p:nvPr>
-            <p:ph idx="1"/>
-          </p:nvPr>
-        </p:nvPicPr>
-        <p:blipFill>
-          <a:blip r:embed="rId3">
-            <a:extLst>
-              <a:ext uri="{28A0092B-C50C-407E-A947-70E740481C1C}">
-                <a14:useLocalDpi xmlns:a14="http://schemas.microsoft.com/office/drawing/2010/main" val="0"/>
-              </a:ext>
-            </a:extLst>
-          </a:blip>
-          <a:stretch>
-            <a:fillRect/>
-          </a:stretch>
-        </p:blipFill>
-        <p:spPr>
-          <a:xfrm>
-            <a:off x="3409721" y="2686193"/>
-            <a:ext cx="5372558" cy="1337325"/>
-          </a:xfrm>
-        </p:spPr>
-      </p:pic>
+              <a:t>TODO: Video einbetten</a:t>
+            </a:r>
+            <a:endParaRPr lang="de-DE" dirty="0"/>
+          </a:p>
+        </p:txBody>
+      </p:sp>
       <p:sp>
         <p:nvSpPr>
           <p:cNvPr id="18" name="Datumsplatzhalter 17">
@@ -10071,9 +11294,9 @@
           <a:bodyPr/>
           <a:lstStyle/>
           <a:p>
-            <a:fld id="{F80EC265-6E54-4455-AA32-FFA0B62CD849}" type="datetime1">
-              <a:rPr lang="LID4096" smtClean="0"/>
-              <a:t>04/25/2020</a:t>
+            <a:fld id="{3245EE5A-567C-4521-A36F-29BDB690E413}" type="datetime1">
+              <a:rPr lang="de-DE" smtClean="0"/>
+              <a:t>25.04.2020</a:t>
             </a:fld>
             <a:endParaRPr lang="en-DE"/>
           </a:p>
@@ -10137,41 +11360,10 @@
           </a:p>
         </p:txBody>
       </p:sp>
-      <p:sp>
-        <p:nvSpPr>
-          <p:cNvPr id="3" name="Rechteck 2"/>
-          <p:cNvSpPr/>
-          <p:nvPr/>
-        </p:nvSpPr>
-        <p:spPr>
-          <a:xfrm>
-            <a:off x="3048000" y="4023518"/>
-            <a:ext cx="6096000" cy="646331"/>
-          </a:xfrm>
-          <a:prstGeom prst="rect">
-            <a:avLst/>
-          </a:prstGeom>
-        </p:spPr>
-        <p:txBody>
-          <a:bodyPr>
-            <a:spAutoFit/>
-          </a:bodyPr>
-          <a:lstStyle/>
-          <a:p>
-            <a:r>
-              <a:rPr lang="de-DE" dirty="0">
-                <a:hlinkClick r:id="rId4"/>
-              </a:rPr>
-              <a:t>https://towardsdatascience.com/the-intuition-behind-facial-detection-the-viola-jones-algorithm-29d9106b6999</a:t>
-            </a:r>
-            <a:endParaRPr lang="de-DE" dirty="0"/>
-          </a:p>
-        </p:txBody>
-      </p:sp>
     </p:spTree>
     <p:extLst>
       <p:ext uri="{BB962C8B-B14F-4D97-AF65-F5344CB8AC3E}">
-        <p14:creationId xmlns:p14="http://schemas.microsoft.com/office/powerpoint/2010/main" val="3984622725"/>
+        <p14:creationId xmlns:p14="http://schemas.microsoft.com/office/powerpoint/2010/main" val="269969007"/>
       </p:ext>
     </p:extLst>
   </p:cSld>
@@ -10200,13 +11392,7 @@
       </p:grpSpPr>
       <p:sp>
         <p:nvSpPr>
-          <p:cNvPr id="7" name="Titel 6">
-            <a:extLst>
-              <a:ext uri="{FF2B5EF4-FFF2-40B4-BE49-F238E27FC236}">
-                <a16:creationId xmlns:a16="http://schemas.microsoft.com/office/drawing/2014/main" id="{FCBF07AF-63C0-486A-A777-5AF786F03BD3}"/>
-              </a:ext>
-            </a:extLst>
-          </p:cNvPr>
+          <p:cNvPr id="2" name="Titel 1"/>
           <p:cNvSpPr>
             <a:spLocks noGrp="1"/>
           </p:cNvSpPr>
@@ -10221,21 +11407,23 @@
           <a:p>
             <a:r>
               <a:rPr lang="de-DE" dirty="0" smtClean="0"/>
-              <a:t>Cascading</a:t>
-            </a:r>
-            <a:endParaRPr lang="en-DE" dirty="0"/>
-          </a:p>
-        </p:txBody>
-      </p:sp>
-      <p:sp>
-        <p:nvSpPr>
-          <p:cNvPr id="5" name="Inhaltsplatzhalter 4">
-            <a:extLst>
-              <a:ext uri="{FF2B5EF4-FFF2-40B4-BE49-F238E27FC236}">
-                <a16:creationId xmlns:a16="http://schemas.microsoft.com/office/drawing/2014/main" id="{D96C7B3B-8027-4287-996E-4AA0FFC422C8}"/>
-              </a:ext>
-            </a:extLst>
-          </p:cNvPr>
+              <a:t>Face </a:t>
+            </a:r>
+            <a:r>
+              <a:rPr lang="de-DE" dirty="0" err="1" smtClean="0"/>
+              <a:t>Detection</a:t>
+            </a:r>
+            <a:r>
+              <a:rPr lang="de-DE" dirty="0" smtClean="0"/>
+              <a:t> – Demo</a:t>
+            </a:r>
+            <a:endParaRPr lang="de-DE" dirty="0"/>
+          </a:p>
+        </p:txBody>
+      </p:sp>
+      <p:sp>
+        <p:nvSpPr>
+          <p:cNvPr id="3" name="Inhaltsplatzhalter 2"/>
           <p:cNvSpPr>
             <a:spLocks noGrp="1"/>
           </p:cNvSpPr>
@@ -10250,35 +11438,15 @@
           <a:p>
             <a:r>
               <a:rPr lang="de-DE" dirty="0" smtClean="0"/>
-              <a:t>Gesicht nimmt meistens nur kleinen Teil des Bildes ein</a:t>
-            </a:r>
-          </a:p>
-          <a:p>
-            <a:r>
-              <a:rPr lang="de-DE" dirty="0" smtClean="0"/>
-              <a:t>Schiebt man nun ein Fenster mit bestimmter Pixelgröße über das Bild und prüft jede einzelne Stelle dauert es sehr lange</a:t>
-            </a:r>
-          </a:p>
-          <a:p>
-            <a:r>
-              <a:rPr lang="de-DE" dirty="0" smtClean="0"/>
-              <a:t>Kategorisierung in verschiedene Stufen behebt dieses Problem</a:t>
-            </a:r>
-          </a:p>
-          <a:p>
+              <a:t>Beschreiben was verwendet wurde</a:t>
+            </a:r>
             <a:endParaRPr lang="de-DE" dirty="0"/>
           </a:p>
         </p:txBody>
       </p:sp>
       <p:sp>
         <p:nvSpPr>
-          <p:cNvPr id="18" name="Datumsplatzhalter 17">
-            <a:extLst>
-              <a:ext uri="{FF2B5EF4-FFF2-40B4-BE49-F238E27FC236}">
-                <a16:creationId xmlns:a16="http://schemas.microsoft.com/office/drawing/2014/main" id="{C1A900D8-45B5-4FDC-989E-048A9CEF3F00}"/>
-              </a:ext>
-            </a:extLst>
-          </p:cNvPr>
+          <p:cNvPr id="4" name="Datumsplatzhalter 3"/>
           <p:cNvSpPr>
             <a:spLocks noGrp="1"/>
           </p:cNvSpPr>
@@ -10291,9 +11459,9 @@
           <a:bodyPr/>
           <a:lstStyle/>
           <a:p>
-            <a:fld id="{F80EC265-6E54-4455-AA32-FFA0B62CD849}" type="datetime1">
-              <a:rPr lang="LID4096" smtClean="0"/>
-              <a:t>04/25/2020</a:t>
+            <a:fld id="{94BA1902-0181-4711-A870-7EE329825B38}" type="datetime1">
+              <a:rPr lang="de-DE" smtClean="0"/>
+              <a:t>25.04.2020</a:t>
             </a:fld>
             <a:endParaRPr lang="en-DE"/>
           </a:p>
@@ -10301,13 +11469,30 @@
       </p:sp>
       <p:sp>
         <p:nvSpPr>
-          <p:cNvPr id="19" name="Foliennummernplatzhalter 18">
-            <a:extLst>
-              <a:ext uri="{FF2B5EF4-FFF2-40B4-BE49-F238E27FC236}">
-                <a16:creationId xmlns:a16="http://schemas.microsoft.com/office/drawing/2014/main" id="{27BBAEC3-E26E-4ED9-B055-82E141C887B8}"/>
-              </a:ext>
-            </a:extLst>
-          </p:cNvPr>
+          <p:cNvPr id="5" name="Fußzeilenplatzhalter 4"/>
+          <p:cNvSpPr>
+            <a:spLocks noGrp="1"/>
+          </p:cNvSpPr>
+          <p:nvPr>
+            <p:ph type="ftr" sz="quarter" idx="11"/>
+          </p:nvPr>
+        </p:nvSpPr>
+        <p:spPr/>
+        <p:txBody>
+          <a:bodyPr/>
+          <a:lstStyle/>
+          <a:p>
+            <a:r>
+              <a:rPr lang="de-DE" smtClean="0"/>
+              <a:t>MSI - Bilderkennung mit OpenCV</a:t>
+            </a:r>
+            <a:endParaRPr lang="en-DE"/>
+          </a:p>
+        </p:txBody>
+      </p:sp>
+      <p:sp>
+        <p:nvSpPr>
+          <p:cNvPr id="6" name="Foliennummernplatzhalter 5"/>
           <p:cNvSpPr>
             <a:spLocks noGrp="1"/>
           </p:cNvSpPr>
@@ -10328,39 +11513,10 @@
           </a:p>
         </p:txBody>
       </p:sp>
-      <p:sp>
-        <p:nvSpPr>
-          <p:cNvPr id="20" name="Fußzeilenplatzhalter 19">
-            <a:extLst>
-              <a:ext uri="{FF2B5EF4-FFF2-40B4-BE49-F238E27FC236}">
-                <a16:creationId xmlns:a16="http://schemas.microsoft.com/office/drawing/2014/main" id="{22686015-84BD-43E6-BD44-EA88D2A4449D}"/>
-              </a:ext>
-            </a:extLst>
-          </p:cNvPr>
-          <p:cNvSpPr>
-            <a:spLocks noGrp="1"/>
-          </p:cNvSpPr>
-          <p:nvPr>
-            <p:ph type="ftr" sz="quarter" idx="11"/>
-          </p:nvPr>
-        </p:nvSpPr>
-        <p:spPr/>
-        <p:txBody>
-          <a:bodyPr/>
-          <a:lstStyle/>
-          <a:p>
-            <a:r>
-              <a:rPr lang="de-DE"/>
-              <a:t>MSI - Bilderkennung mit OpenCV</a:t>
-            </a:r>
-            <a:endParaRPr lang="en-DE"/>
-          </a:p>
-        </p:txBody>
-      </p:sp>
     </p:spTree>
     <p:extLst>
       <p:ext uri="{BB962C8B-B14F-4D97-AF65-F5344CB8AC3E}">
-        <p14:creationId xmlns:p14="http://schemas.microsoft.com/office/powerpoint/2010/main" val="269969007"/>
+        <p14:creationId xmlns:p14="http://schemas.microsoft.com/office/powerpoint/2010/main" val="4170396911"/>
       </p:ext>
     </p:extLst>
   </p:cSld>
@@ -10397,22 +11553,20 @@
             <p:ph type="title"/>
           </p:nvPr>
         </p:nvSpPr>
-        <p:spPr/>
-        <p:txBody>
-          <a:bodyPr/>
-          <a:lstStyle/>
-          <a:p>
+        <p:spPr>
+          <a:xfrm>
+            <a:off x="838200" y="2343827"/>
+            <a:ext cx="10515600" cy="1325563"/>
+          </a:xfrm>
+        </p:spPr>
+        <p:txBody>
+          <a:bodyPr/>
+          <a:lstStyle/>
+          <a:p>
+            <a:pPr algn="ctr"/>
             <a:r>
               <a:rPr lang="de-DE" dirty="0" smtClean="0"/>
-              <a:t>Face </a:t>
-            </a:r>
-            <a:r>
-              <a:rPr lang="de-DE" dirty="0" err="1" smtClean="0"/>
-              <a:t>Detection</a:t>
-            </a:r>
-            <a:r>
-              <a:rPr lang="de-DE" dirty="0" smtClean="0"/>
-              <a:t> – Demo</a:t>
+              <a:t>DEMO</a:t>
             </a:r>
             <a:endParaRPr lang="de-DE" dirty="0"/>
           </a:p>
@@ -10420,29 +11574,6 @@
       </p:sp>
       <p:sp>
         <p:nvSpPr>
-          <p:cNvPr id="3" name="Inhaltsplatzhalter 2"/>
-          <p:cNvSpPr>
-            <a:spLocks noGrp="1"/>
-          </p:cNvSpPr>
-          <p:nvPr>
-            <p:ph idx="1"/>
-          </p:nvPr>
-        </p:nvSpPr>
-        <p:spPr/>
-        <p:txBody>
-          <a:bodyPr/>
-          <a:lstStyle/>
-          <a:p>
-            <a:r>
-              <a:rPr lang="de-DE" dirty="0" smtClean="0"/>
-              <a:t>Beschreiben was verwendet wurde</a:t>
-            </a:r>
-            <a:endParaRPr lang="de-DE" dirty="0"/>
-          </a:p>
-        </p:txBody>
-      </p:sp>
-      <p:sp>
-        <p:nvSpPr>
           <p:cNvPr id="4" name="Datumsplatzhalter 3"/>
           <p:cNvSpPr>
             <a:spLocks noGrp="1"/>
@@ -10456,9 +11587,9 @@
           <a:bodyPr/>
           <a:lstStyle/>
           <a:p>
-            <a:fld id="{18C8AB18-199E-4DA5-9A7C-AC3F0DF1F84A}" type="datetime1">
-              <a:rPr lang="LID4096" smtClean="0"/>
-              <a:t>04/25/2020</a:t>
+            <a:fld id="{BB6F4327-E53C-4ACE-8E52-4628C67D6F33}" type="datetime1">
+              <a:rPr lang="de-DE" smtClean="0"/>
+              <a:t>25.04.2020</a:t>
             </a:fld>
             <a:endParaRPr lang="en-DE"/>
           </a:p>
@@ -10513,7 +11644,7 @@
     </p:spTree>
     <p:extLst>
       <p:ext uri="{BB962C8B-B14F-4D97-AF65-F5344CB8AC3E}">
-        <p14:creationId xmlns:p14="http://schemas.microsoft.com/office/powerpoint/2010/main" val="4170396911"/>
+        <p14:creationId xmlns:p14="http://schemas.microsoft.com/office/powerpoint/2010/main" val="114854198"/>
       </p:ext>
     </p:extLst>
   </p:cSld>
@@ -10550,20 +11681,22 @@
             <p:ph type="title"/>
           </p:nvPr>
         </p:nvSpPr>
-        <p:spPr>
-          <a:xfrm>
-            <a:off x="838200" y="2343827"/>
-            <a:ext cx="10515600" cy="1325563"/>
-          </a:xfrm>
-        </p:spPr>
-        <p:txBody>
-          <a:bodyPr/>
-          <a:lstStyle/>
-          <a:p>
-            <a:pPr algn="ctr"/>
+        <p:spPr/>
+        <p:txBody>
+          <a:bodyPr/>
+          <a:lstStyle/>
+          <a:p>
             <a:r>
               <a:rPr lang="de-DE" dirty="0" smtClean="0"/>
-              <a:t>DEMO</a:t>
+              <a:t>Face </a:t>
+            </a:r>
+            <a:r>
+              <a:rPr lang="de-DE" dirty="0" err="1" smtClean="0"/>
+              <a:t>Detection</a:t>
+            </a:r>
+            <a:r>
+              <a:rPr lang="de-DE" dirty="0" smtClean="0"/>
+              <a:t> – Demo Age &amp; Gender</a:t>
             </a:r>
             <a:endParaRPr lang="de-DE" dirty="0"/>
           </a:p>
@@ -10571,6 +11704,29 @@
       </p:sp>
       <p:sp>
         <p:nvSpPr>
+          <p:cNvPr id="3" name="Inhaltsplatzhalter 2"/>
+          <p:cNvSpPr>
+            <a:spLocks noGrp="1"/>
+          </p:cNvSpPr>
+          <p:nvPr>
+            <p:ph idx="1"/>
+          </p:nvPr>
+        </p:nvSpPr>
+        <p:spPr/>
+        <p:txBody>
+          <a:bodyPr/>
+          <a:lstStyle/>
+          <a:p>
+            <a:r>
+              <a:rPr lang="de-DE" dirty="0" smtClean="0"/>
+              <a:t>Beschreiben was verwendet wurde</a:t>
+            </a:r>
+            <a:endParaRPr lang="de-DE" dirty="0"/>
+          </a:p>
+        </p:txBody>
+      </p:sp>
+      <p:sp>
+        <p:nvSpPr>
           <p:cNvPr id="4" name="Datumsplatzhalter 3"/>
           <p:cNvSpPr>
             <a:spLocks noGrp="1"/>
@@ -10584,9 +11740,9 @@
           <a:bodyPr/>
           <a:lstStyle/>
           <a:p>
-            <a:fld id="{18C8AB18-199E-4DA5-9A7C-AC3F0DF1F84A}" type="datetime1">
-              <a:rPr lang="LID4096" smtClean="0"/>
-              <a:t>04/25/2020</a:t>
+            <a:fld id="{4C743CB9-ABA9-48F3-BBBD-FEA166E63D69}" type="datetime1">
+              <a:rPr lang="de-DE" smtClean="0"/>
+              <a:t>25.04.2020</a:t>
             </a:fld>
             <a:endParaRPr lang="en-DE"/>
           </a:p>
@@ -10641,7 +11797,7 @@
     </p:spTree>
     <p:extLst>
       <p:ext uri="{BB962C8B-B14F-4D97-AF65-F5344CB8AC3E}">
-        <p14:creationId xmlns:p14="http://schemas.microsoft.com/office/powerpoint/2010/main" val="114854198"/>
+        <p14:creationId xmlns:p14="http://schemas.microsoft.com/office/powerpoint/2010/main" val="1273012484"/>
       </p:ext>
     </p:extLst>
   </p:cSld>
@@ -10678,22 +11834,20 @@
             <p:ph type="title"/>
           </p:nvPr>
         </p:nvSpPr>
-        <p:spPr/>
-        <p:txBody>
-          <a:bodyPr/>
-          <a:lstStyle/>
-          <a:p>
+        <p:spPr>
+          <a:xfrm>
+            <a:off x="838200" y="2343827"/>
+            <a:ext cx="10515600" cy="1325563"/>
+          </a:xfrm>
+        </p:spPr>
+        <p:txBody>
+          <a:bodyPr/>
+          <a:lstStyle/>
+          <a:p>
+            <a:pPr algn="ctr"/>
             <a:r>
               <a:rPr lang="de-DE" dirty="0" smtClean="0"/>
-              <a:t>Face </a:t>
-            </a:r>
-            <a:r>
-              <a:rPr lang="de-DE" dirty="0" err="1" smtClean="0"/>
-              <a:t>Detection</a:t>
-            </a:r>
-            <a:r>
-              <a:rPr lang="de-DE" dirty="0" smtClean="0"/>
-              <a:t> – Demo Age &amp; Gender</a:t>
+              <a:t>DEMO</a:t>
             </a:r>
             <a:endParaRPr lang="de-DE" dirty="0"/>
           </a:p>
@@ -10701,29 +11855,6 @@
       </p:sp>
       <p:sp>
         <p:nvSpPr>
-          <p:cNvPr id="3" name="Inhaltsplatzhalter 2"/>
-          <p:cNvSpPr>
-            <a:spLocks noGrp="1"/>
-          </p:cNvSpPr>
-          <p:nvPr>
-            <p:ph idx="1"/>
-          </p:nvPr>
-        </p:nvSpPr>
-        <p:spPr/>
-        <p:txBody>
-          <a:bodyPr/>
-          <a:lstStyle/>
-          <a:p>
-            <a:r>
-              <a:rPr lang="de-DE" dirty="0" smtClean="0"/>
-              <a:t>Beschreiben was verwendet wurde</a:t>
-            </a:r>
-            <a:endParaRPr lang="de-DE" dirty="0"/>
-          </a:p>
-        </p:txBody>
-      </p:sp>
-      <p:sp>
-        <p:nvSpPr>
           <p:cNvPr id="4" name="Datumsplatzhalter 3"/>
           <p:cNvSpPr>
             <a:spLocks noGrp="1"/>
@@ -10737,9 +11868,9 @@
           <a:bodyPr/>
           <a:lstStyle/>
           <a:p>
-            <a:fld id="{18C8AB18-199E-4DA5-9A7C-AC3F0DF1F84A}" type="datetime1">
-              <a:rPr lang="LID4096" smtClean="0"/>
-              <a:t>04/25/2020</a:t>
+            <a:fld id="{869ABD1B-6879-4048-B20F-D34DB9BD6828}" type="datetime1">
+              <a:rPr lang="de-DE" smtClean="0"/>
+              <a:t>25.04.2020</a:t>
             </a:fld>
             <a:endParaRPr lang="en-DE"/>
           </a:p>
@@ -10794,7 +11925,7 @@
     </p:spTree>
     <p:extLst>
       <p:ext uri="{BB962C8B-B14F-4D97-AF65-F5344CB8AC3E}">
-        <p14:creationId xmlns:p14="http://schemas.microsoft.com/office/powerpoint/2010/main" val="1273012484"/>
+        <p14:creationId xmlns:p14="http://schemas.microsoft.com/office/powerpoint/2010/main" val="4285189113"/>
       </p:ext>
     </p:extLst>
   </p:cSld>
@@ -10823,7 +11954,13 @@
       </p:grpSpPr>
       <p:sp>
         <p:nvSpPr>
-          <p:cNvPr id="2" name="Titel 1"/>
+          <p:cNvPr id="4" name="Titel 3">
+            <a:extLst>
+              <a:ext uri="{FF2B5EF4-FFF2-40B4-BE49-F238E27FC236}">
+                <a16:creationId xmlns:a16="http://schemas.microsoft.com/office/drawing/2014/main" id="{BAFEB9B6-68B7-493C-8627-50397D1A6789}"/>
+              </a:ext>
+            </a:extLst>
+          </p:cNvPr>
           <p:cNvSpPr>
             <a:spLocks noGrp="1"/>
           </p:cNvSpPr>
@@ -10831,28 +11968,32 @@
             <p:ph type="title"/>
           </p:nvPr>
         </p:nvSpPr>
-        <p:spPr>
-          <a:xfrm>
-            <a:off x="838200" y="2343827"/>
-            <a:ext cx="10515600" cy="1325563"/>
-          </a:xfrm>
-        </p:spPr>
-        <p:txBody>
-          <a:bodyPr/>
-          <a:lstStyle/>
-          <a:p>
-            <a:pPr algn="ctr"/>
+        <p:spPr/>
+        <p:txBody>
+          <a:bodyPr/>
+          <a:lstStyle/>
+          <a:p>
             <a:r>
               <a:rPr lang="de-DE" dirty="0" smtClean="0"/>
-              <a:t>DEMO</a:t>
-            </a:r>
-            <a:endParaRPr lang="de-DE" dirty="0"/>
-          </a:p>
-        </p:txBody>
-      </p:sp>
-      <p:sp>
-        <p:nvSpPr>
-          <p:cNvPr id="4" name="Datumsplatzhalter 3"/>
+              <a:t>Face </a:t>
+            </a:r>
+            <a:r>
+              <a:rPr lang="de-DE" dirty="0" smtClean="0"/>
+              <a:t>Recognition</a:t>
+            </a:r>
+            <a:endParaRPr lang="en-DE" dirty="0"/>
+          </a:p>
+        </p:txBody>
+      </p:sp>
+      <p:sp>
+        <p:nvSpPr>
+          <p:cNvPr id="2" name="Datumsplatzhalter 1">
+            <a:extLst>
+              <a:ext uri="{FF2B5EF4-FFF2-40B4-BE49-F238E27FC236}">
+                <a16:creationId xmlns:a16="http://schemas.microsoft.com/office/drawing/2014/main" id="{B9961B72-0E64-4546-86DE-7A9213AEF0BF}"/>
+              </a:ext>
+            </a:extLst>
+          </p:cNvPr>
           <p:cNvSpPr>
             <a:spLocks noGrp="1"/>
           </p:cNvSpPr>
@@ -10865,9 +12006,9 @@
           <a:bodyPr/>
           <a:lstStyle/>
           <a:p>
-            <a:fld id="{18C8AB18-199E-4DA5-9A7C-AC3F0DF1F84A}" type="datetime1">
-              <a:rPr lang="LID4096" smtClean="0"/>
-              <a:t>04/25/2020</a:t>
+            <a:fld id="{A43FAA6A-555A-4FFF-9CFA-0B63813CA917}" type="datetime1">
+              <a:rPr lang="de-DE" smtClean="0"/>
+              <a:t>25.04.2020</a:t>
             </a:fld>
             <a:endParaRPr lang="en-DE"/>
           </a:p>
@@ -10875,30 +12016,13 @@
       </p:sp>
       <p:sp>
         <p:nvSpPr>
-          <p:cNvPr id="5" name="Fußzeilenplatzhalter 4"/>
-          <p:cNvSpPr>
-            <a:spLocks noGrp="1"/>
-          </p:cNvSpPr>
-          <p:nvPr>
-            <p:ph type="ftr" sz="quarter" idx="11"/>
-          </p:nvPr>
-        </p:nvSpPr>
-        <p:spPr/>
-        <p:txBody>
-          <a:bodyPr/>
-          <a:lstStyle/>
-          <a:p>
-            <a:r>
-              <a:rPr lang="de-DE" smtClean="0"/>
-              <a:t>MSI - Bilderkennung mit OpenCV</a:t>
-            </a:r>
-            <a:endParaRPr lang="en-DE"/>
-          </a:p>
-        </p:txBody>
-      </p:sp>
-      <p:sp>
-        <p:nvSpPr>
-          <p:cNvPr id="6" name="Foliennummernplatzhalter 5"/>
+          <p:cNvPr id="3" name="Foliennummernplatzhalter 2">
+            <a:extLst>
+              <a:ext uri="{FF2B5EF4-FFF2-40B4-BE49-F238E27FC236}">
+                <a16:creationId xmlns:a16="http://schemas.microsoft.com/office/drawing/2014/main" id="{59922F05-46B0-46B5-AD1C-A3D20B11B3DD}"/>
+              </a:ext>
+            </a:extLst>
+          </p:cNvPr>
           <p:cNvSpPr>
             <a:spLocks noGrp="1"/>
           </p:cNvSpPr>
@@ -10919,10 +12043,39 @@
           </a:p>
         </p:txBody>
       </p:sp>
+      <p:sp>
+        <p:nvSpPr>
+          <p:cNvPr id="6" name="Fußzeilenplatzhalter 5">
+            <a:extLst>
+              <a:ext uri="{FF2B5EF4-FFF2-40B4-BE49-F238E27FC236}">
+                <a16:creationId xmlns:a16="http://schemas.microsoft.com/office/drawing/2014/main" id="{1E3CF692-6BEB-4EE8-8A69-7C2A04FFF05B}"/>
+              </a:ext>
+            </a:extLst>
+          </p:cNvPr>
+          <p:cNvSpPr>
+            <a:spLocks noGrp="1"/>
+          </p:cNvSpPr>
+          <p:nvPr>
+            <p:ph type="ftr" sz="quarter" idx="11"/>
+          </p:nvPr>
+        </p:nvSpPr>
+        <p:spPr/>
+        <p:txBody>
+          <a:bodyPr/>
+          <a:lstStyle/>
+          <a:p>
+            <a:r>
+              <a:rPr lang="de-DE"/>
+              <a:t>MSI - Bilderkennung mit OpenCV</a:t>
+            </a:r>
+            <a:endParaRPr lang="en-DE"/>
+          </a:p>
+        </p:txBody>
+      </p:sp>
     </p:spTree>
     <p:extLst>
       <p:ext uri="{BB962C8B-B14F-4D97-AF65-F5344CB8AC3E}">
-        <p14:creationId xmlns:p14="http://schemas.microsoft.com/office/powerpoint/2010/main" val="4285189113"/>
+        <p14:creationId xmlns:p14="http://schemas.microsoft.com/office/powerpoint/2010/main" val="1787751009"/>
       </p:ext>
     </p:extLst>
   </p:cSld>
@@ -10965,7 +12118,12 @@
             <p:ph type="title"/>
           </p:nvPr>
         </p:nvSpPr>
-        <p:spPr/>
+        <p:spPr>
+          <a:xfrm>
+            <a:off x="838199" y="217941"/>
+            <a:ext cx="10515600" cy="1325563"/>
+          </a:xfrm>
+        </p:spPr>
         <p:txBody>
           <a:bodyPr/>
           <a:lstStyle/>
@@ -10975,8 +12133,8 @@
               <a:t>Face </a:t>
             </a:r>
             <a:r>
-              <a:rPr lang="de-DE" dirty="0" err="1"/>
-              <a:t>recognition</a:t>
+              <a:rPr lang="de-DE" dirty="0" smtClean="0"/>
+              <a:t>Recognition - Allgemein</a:t>
             </a:r>
             <a:endParaRPr lang="de-DE" dirty="0"/>
           </a:p>
@@ -10984,68 +12142,6 @@
       </p:sp>
       <p:sp>
         <p:nvSpPr>
-          <p:cNvPr id="3" name="Inhaltsplatzhalter 2">
-            <a:extLst>
-              <a:ext uri="{FF2B5EF4-FFF2-40B4-BE49-F238E27FC236}">
-                <a16:creationId xmlns:a16="http://schemas.microsoft.com/office/drawing/2014/main" id="{4F55719B-30E4-4F49-B36A-3BB2087F788A}"/>
-              </a:ext>
-            </a:extLst>
-          </p:cNvPr>
-          <p:cNvSpPr>
-            <a:spLocks noGrp="1"/>
-          </p:cNvSpPr>
-          <p:nvPr>
-            <p:ph idx="1"/>
-          </p:nvPr>
-        </p:nvSpPr>
-        <p:spPr/>
-        <p:txBody>
-          <a:bodyPr/>
-          <a:lstStyle/>
-          <a:p>
-            <a:r>
-              <a:rPr lang="de-DE" dirty="0" smtClean="0"/>
-              <a:t>Face </a:t>
-            </a:r>
-            <a:r>
-              <a:rPr lang="de-DE" dirty="0" err="1" smtClean="0"/>
-              <a:t>detection</a:t>
-            </a:r>
-            <a:r>
-              <a:rPr lang="de-DE" dirty="0" smtClean="0"/>
-              <a:t> als Grundlage</a:t>
-            </a:r>
-          </a:p>
-          <a:p>
-            <a:r>
-              <a:rPr lang="de-DE" dirty="0" smtClean="0"/>
-              <a:t>Face </a:t>
-            </a:r>
-            <a:r>
-              <a:rPr lang="de-DE" dirty="0" err="1" smtClean="0"/>
-              <a:t>landmark</a:t>
-            </a:r>
-            <a:r>
-              <a:rPr lang="de-DE" dirty="0" smtClean="0"/>
-              <a:t> </a:t>
-            </a:r>
-            <a:r>
-              <a:rPr lang="de-DE" dirty="0" err="1" smtClean="0"/>
-              <a:t>estimation</a:t>
-            </a:r>
-            <a:endParaRPr lang="de-DE" dirty="0" smtClean="0"/>
-          </a:p>
-          <a:p>
-            <a:r>
-              <a:rPr lang="de-DE" dirty="0" smtClean="0"/>
-              <a:t>Merkmale extrahieren mit CNN</a:t>
-            </a:r>
-            <a:endParaRPr lang="de-DE" dirty="0"/>
-          </a:p>
-        </p:txBody>
-      </p:sp>
-      <p:sp>
-        <p:nvSpPr>
           <p:cNvPr id="4" name="Datumsplatzhalter 3">
             <a:extLst>
               <a:ext uri="{FF2B5EF4-FFF2-40B4-BE49-F238E27FC236}">
@@ -11065,9 +12161,9 @@
           <a:bodyPr/>
           <a:lstStyle/>
           <a:p>
-            <a:fld id="{9C586423-4D12-4C23-AD56-60226F456501}" type="datetime1">
-              <a:rPr lang="LID4096" smtClean="0"/>
-              <a:t>04/25/2020</a:t>
+            <a:fld id="{2E6623DE-8512-4E8B-995E-256AD6B9E8F3}" type="datetime1">
+              <a:rPr lang="de-DE" smtClean="0"/>
+              <a:t>25.04.2020</a:t>
             </a:fld>
             <a:endParaRPr lang="en-DE"/>
           </a:p>
@@ -11128,6 +12224,81 @@
               <a:t>MSI - Bilderkennung mit OpenCV</a:t>
             </a:r>
             <a:endParaRPr lang="en-DE"/>
+          </a:p>
+        </p:txBody>
+      </p:sp>
+      <p:pic>
+        <p:nvPicPr>
+          <p:cNvPr id="1026" name="Picture 2" descr="Real time face recognition with CPU - Towards Data Science"/>
+          <p:cNvPicPr>
+            <a:picLocks noGrp="1" noChangeAspect="1" noChangeArrowheads="1"/>
+          </p:cNvPicPr>
+          <p:nvPr>
+            <p:ph idx="1"/>
+          </p:nvPr>
+        </p:nvPicPr>
+        <p:blipFill>
+          <a:blip r:embed="rId3">
+            <a:extLst>
+              <a:ext uri="{28A0092B-C50C-407E-A947-70E740481C1C}">
+                <a14:useLocalDpi xmlns:a14="http://schemas.microsoft.com/office/drawing/2010/main" val="0"/>
+              </a:ext>
+            </a:extLst>
+          </a:blip>
+          <a:srcRect/>
+          <a:stretch>
+            <a:fillRect/>
+          </a:stretch>
+        </p:blipFill>
+        <p:spPr bwMode="auto">
+          <a:xfrm>
+            <a:off x="1712902" y="1241007"/>
+            <a:ext cx="8766196" cy="4829227"/>
+          </a:xfrm>
+          <a:prstGeom prst="rect">
+            <a:avLst/>
+          </a:prstGeom>
+          <a:noFill/>
+          <a:extLst>
+            <a:ext uri="{909E8E84-426E-40DD-AFC4-6F175D3DCCD1}">
+              <a14:hiddenFill xmlns:a14="http://schemas.microsoft.com/office/drawing/2010/main">
+                <a:solidFill>
+                  <a:srgbClr val="FFFFFF"/>
+                </a:solidFill>
+              </a14:hiddenFill>
+            </a:ext>
+          </a:extLst>
+        </p:spPr>
+      </p:pic>
+      <p:sp>
+        <p:nvSpPr>
+          <p:cNvPr id="8" name="Rechteck 7"/>
+          <p:cNvSpPr/>
+          <p:nvPr/>
+        </p:nvSpPr>
+        <p:spPr>
+          <a:xfrm>
+            <a:off x="1264170" y="6061186"/>
+            <a:ext cx="9663659" cy="369332"/>
+          </a:xfrm>
+          <a:prstGeom prst="rect">
+            <a:avLst/>
+          </a:prstGeom>
+        </p:spPr>
+        <p:txBody>
+          <a:bodyPr wrap="square">
+            <a:spAutoFit/>
+          </a:bodyPr>
+          <a:lstStyle/>
+          <a:p>
+            <a:pPr algn="ctr"/>
+            <a:r>
+              <a:rPr lang="de-DE" dirty="0">
+                <a:hlinkClick r:id="rId4"/>
+              </a:rPr>
+              <a:t>https://towardsdatascience.com/real-time-face-recognition-with-cpu-983d35cc3ec5</a:t>
+            </a:r>
+            <a:endParaRPr lang="de-DE" dirty="0"/>
           </a:p>
         </p:txBody>
       </p:sp>
@@ -11141,6 +12312,13 @@
   <p:clrMapOvr>
     <a:masterClrMapping/>
   </p:clrMapOvr>
+  <p:timing>
+    <p:tnLst>
+      <p:par>
+        <p:cTn id="1" dur="indefinite" restart="never" nodeType="tmRoot"/>
+      </p:par>
+    </p:tnLst>
+  </p:timing>
 </p:sld>
 </file>
 
@@ -11183,35 +12361,114 @@
           <a:lstStyle/>
           <a:p>
             <a:r>
-              <a:rPr lang="de-DE" dirty="0" err="1" smtClean="0"/>
-              <a:t>Facial</a:t>
+              <a:rPr lang="de-DE" dirty="0"/>
+              <a:t>Face Recognition </a:t>
             </a:r>
             <a:r>
               <a:rPr lang="de-DE" dirty="0" smtClean="0"/>
-              <a:t> Landmarks</a:t>
+              <a:t>- Problem</a:t>
             </a:r>
             <a:endParaRPr lang="en-DE" dirty="0"/>
+          </a:p>
+        </p:txBody>
+      </p:sp>
+      <p:sp>
+        <p:nvSpPr>
+          <p:cNvPr id="6" name="Datumsplatzhalter 5">
+            <a:extLst>
+              <a:ext uri="{FF2B5EF4-FFF2-40B4-BE49-F238E27FC236}">
+                <a16:creationId xmlns:a16="http://schemas.microsoft.com/office/drawing/2014/main" id="{5C432DC4-2C62-48C4-AC65-D5DFB51A0270}"/>
+              </a:ext>
+            </a:extLst>
+          </p:cNvPr>
+          <p:cNvSpPr>
+            <a:spLocks noGrp="1"/>
+          </p:cNvSpPr>
+          <p:nvPr>
+            <p:ph type="dt" sz="half" idx="10"/>
+          </p:nvPr>
+        </p:nvSpPr>
+        <p:spPr/>
+        <p:txBody>
+          <a:bodyPr/>
+          <a:lstStyle/>
+          <a:p>
+            <a:fld id="{F090B10C-D77D-43CA-BD09-3723C1F0D45D}" type="datetime1">
+              <a:rPr lang="de-DE" smtClean="0"/>
+              <a:t>25.04.2020</a:t>
+            </a:fld>
+            <a:endParaRPr lang="en-DE" dirty="0"/>
+          </a:p>
+        </p:txBody>
+      </p:sp>
+      <p:sp>
+        <p:nvSpPr>
+          <p:cNvPr id="10" name="Foliennummernplatzhalter 9">
+            <a:extLst>
+              <a:ext uri="{FF2B5EF4-FFF2-40B4-BE49-F238E27FC236}">
+                <a16:creationId xmlns:a16="http://schemas.microsoft.com/office/drawing/2014/main" id="{9DDE4DB0-1216-4FC4-BCFE-3CD84D32984D}"/>
+              </a:ext>
+            </a:extLst>
+          </p:cNvPr>
+          <p:cNvSpPr>
+            <a:spLocks noGrp="1"/>
+          </p:cNvSpPr>
+          <p:nvPr>
+            <p:ph type="sldNum" sz="quarter" idx="12"/>
+          </p:nvPr>
+        </p:nvSpPr>
+        <p:spPr/>
+        <p:txBody>
+          <a:bodyPr/>
+          <a:lstStyle/>
+          <a:p>
+            <a:fld id="{2919E40B-AC7D-4A7F-9508-598983C40C41}" type="slidenum">
+              <a:rPr lang="en-DE" smtClean="0"/>
+              <a:t>37</a:t>
+            </a:fld>
+            <a:endParaRPr lang="en-DE" dirty="0"/>
+          </a:p>
+        </p:txBody>
+      </p:sp>
+      <p:sp>
+        <p:nvSpPr>
+          <p:cNvPr id="11" name="Fußzeilenplatzhalter 10">
+            <a:extLst>
+              <a:ext uri="{FF2B5EF4-FFF2-40B4-BE49-F238E27FC236}">
+                <a16:creationId xmlns:a16="http://schemas.microsoft.com/office/drawing/2014/main" id="{2AFC0C5F-1B2F-4466-944A-D7F80DC6F871}"/>
+              </a:ext>
+            </a:extLst>
+          </p:cNvPr>
+          <p:cNvSpPr>
+            <a:spLocks noGrp="1"/>
+          </p:cNvSpPr>
+          <p:nvPr>
+            <p:ph type="ftr" sz="quarter" idx="11"/>
+          </p:nvPr>
+        </p:nvSpPr>
+        <p:spPr/>
+        <p:txBody>
+          <a:bodyPr/>
+          <a:lstStyle/>
+          <a:p>
+            <a:r>
+              <a:rPr lang="de-DE"/>
+              <a:t>MSI - Bilderkennung mit OpenCV</a:t>
+            </a:r>
+            <a:endParaRPr lang="en-DE"/>
           </a:p>
         </p:txBody>
       </p:sp>
       <p:pic>
         <p:nvPicPr>
-          <p:cNvPr id="3" name="Inhaltsplatzhalter 2">
-            <a:extLst>
-              <a:ext uri="{FF2B5EF4-FFF2-40B4-BE49-F238E27FC236}">
-                <a16:creationId xmlns:a16="http://schemas.microsoft.com/office/drawing/2014/main" id="{88353D2F-D104-43AE-BA20-B035E3386EAC}"/>
-              </a:ext>
-            </a:extLst>
-          </p:cNvPr>
+          <p:cNvPr id="4" name="Grafik 3"/>
           <p:cNvPicPr>
-            <a:picLocks noGrp="1" noChangeAspect="1"/>
+            <a:picLocks noChangeAspect="1"/>
           </p:cNvPicPr>
-          <p:nvPr>
-            <p:ph idx="1"/>
-          </p:nvPr>
+          <p:nvPr/>
         </p:nvPicPr>
         <p:blipFill>
-          <a:blip r:embed="rId2">
+          <a:blip r:embed="rId3">
             <a:extLst>
               <a:ext uri="{28A0092B-C50C-407E-A947-70E740481C1C}">
                 <a14:useLocalDpi xmlns:a14="http://schemas.microsoft.com/office/drawing/2010/main" val="0"/>
@@ -11224,188 +12481,75 @@
         </p:blipFill>
         <p:spPr>
           <a:xfrm>
-            <a:off x="384980" y="1892606"/>
-            <a:ext cx="4324954" cy="3905795"/>
-          </a:xfrm>
-        </p:spPr>
-      </p:pic>
-      <p:pic>
-        <p:nvPicPr>
-          <p:cNvPr id="5" name="Grafik 4">
-            <a:extLst>
-              <a:ext uri="{FF2B5EF4-FFF2-40B4-BE49-F238E27FC236}">
-                <a16:creationId xmlns:a16="http://schemas.microsoft.com/office/drawing/2014/main" id="{3F20ECF7-B998-4B36-BF40-78EC7F38F5AD}"/>
-              </a:ext>
-            </a:extLst>
-          </p:cNvPr>
-          <p:cNvPicPr>
-            <a:picLocks noChangeAspect="1"/>
-          </p:cNvPicPr>
-          <p:nvPr/>
-        </p:nvPicPr>
-        <p:blipFill rotWithShape="1">
-          <a:blip r:embed="rId3">
-            <a:extLst>
-              <a:ext uri="{28A0092B-C50C-407E-A947-70E740481C1C}">
-                <a14:useLocalDpi xmlns:a14="http://schemas.microsoft.com/office/drawing/2010/main" val="0"/>
-              </a:ext>
-            </a:extLst>
-          </a:blip>
-          <a:srcRect l="44525"/>
-          <a:stretch/>
-        </p:blipFill>
-        <p:spPr>
-          <a:xfrm>
-            <a:off x="6480710" y="1734401"/>
-            <a:ext cx="5326310" cy="4064000"/>
+            <a:off x="7472249" y="1349116"/>
+            <a:ext cx="2978046" cy="4467068"/>
           </a:xfrm>
           <a:prstGeom prst="rect">
             <a:avLst/>
           </a:prstGeom>
         </p:spPr>
       </p:pic>
-      <p:sp>
-        <p:nvSpPr>
-          <p:cNvPr id="9" name="Pfeil: nach rechts 8">
-            <a:extLst>
-              <a:ext uri="{FF2B5EF4-FFF2-40B4-BE49-F238E27FC236}">
-                <a16:creationId xmlns:a16="http://schemas.microsoft.com/office/drawing/2014/main" id="{6FBA498E-E098-4C3C-BE94-239CF2358BCF}"/>
-              </a:ext>
-            </a:extLst>
-          </p:cNvPr>
+      <p:pic>
+        <p:nvPicPr>
+          <p:cNvPr id="8" name="Grafik 7"/>
+          <p:cNvPicPr>
+            <a:picLocks noChangeAspect="1"/>
+          </p:cNvPicPr>
+          <p:nvPr/>
+        </p:nvPicPr>
+        <p:blipFill>
+          <a:blip r:embed="rId4">
+            <a:extLst>
+              <a:ext uri="{28A0092B-C50C-407E-A947-70E740481C1C}">
+                <a14:useLocalDpi xmlns:a14="http://schemas.microsoft.com/office/drawing/2010/main" val="0"/>
+              </a:ext>
+            </a:extLst>
+          </a:blip>
+          <a:stretch>
+            <a:fillRect/>
+          </a:stretch>
+        </p:blipFill>
+        <p:spPr>
+          <a:xfrm>
+            <a:off x="1438257" y="1499016"/>
+            <a:ext cx="4317167" cy="4317167"/>
+          </a:xfrm>
+          <a:prstGeom prst="rect">
+            <a:avLst/>
+          </a:prstGeom>
+        </p:spPr>
+      </p:pic>
+      <p:sp>
+        <p:nvSpPr>
+          <p:cNvPr id="12" name="Rechteck 11"/>
           <p:cNvSpPr/>
           <p:nvPr/>
         </p:nvSpPr>
         <p:spPr>
           <a:xfrm>
-            <a:off x="5055767" y="3299763"/>
-            <a:ext cx="1484851" cy="933275"/>
+            <a:off x="1264170" y="6061186"/>
+            <a:ext cx="9663659" cy="369332"/>
           </a:xfrm>
-          <a:prstGeom prst="rightArrow">
+          <a:prstGeom prst="rect">
             <a:avLst/>
           </a:prstGeom>
-          <a:solidFill>
-            <a:schemeClr val="tx1"/>
-          </a:solidFill>
-          <a:ln>
-            <a:solidFill>
-              <a:schemeClr val="tx1"/>
-            </a:solidFill>
-          </a:ln>
         </p:spPr>
-        <p:style>
-          <a:lnRef idx="2">
-            <a:schemeClr val="accent1">
-              <a:shade val="50000"/>
-            </a:schemeClr>
-          </a:lnRef>
-          <a:fillRef idx="1">
-            <a:schemeClr val="accent1"/>
-          </a:fillRef>
-          <a:effectRef idx="0">
-            <a:schemeClr val="accent1"/>
-          </a:effectRef>
-          <a:fontRef idx="minor">
-            <a:schemeClr val="lt1"/>
-          </a:fontRef>
-        </p:style>
-        <p:txBody>
-          <a:bodyPr rtlCol="0" anchor="ctr"/>
+        <p:txBody>
+          <a:bodyPr wrap="square">
+            <a:spAutoFit/>
+          </a:bodyPr>
           <a:lstStyle/>
           <a:p>
             <a:pPr algn="ctr"/>
-            <a:endParaRPr lang="de-DE">
-              <a:solidFill>
-                <a:schemeClr val="tx1"/>
-              </a:solidFill>
-            </a:endParaRPr>
-          </a:p>
-        </p:txBody>
-      </p:sp>
-      <p:sp>
-        <p:nvSpPr>
-          <p:cNvPr id="6" name="Datumsplatzhalter 5">
-            <a:extLst>
-              <a:ext uri="{FF2B5EF4-FFF2-40B4-BE49-F238E27FC236}">
-                <a16:creationId xmlns:a16="http://schemas.microsoft.com/office/drawing/2014/main" id="{5C432DC4-2C62-48C4-AC65-D5DFB51A0270}"/>
-              </a:ext>
-            </a:extLst>
-          </p:cNvPr>
-          <p:cNvSpPr>
-            <a:spLocks noGrp="1"/>
-          </p:cNvSpPr>
-          <p:nvPr>
-            <p:ph type="dt" sz="half" idx="10"/>
-          </p:nvPr>
-        </p:nvSpPr>
-        <p:spPr/>
-        <p:txBody>
-          <a:bodyPr/>
-          <a:lstStyle/>
-          <a:p>
-            <a:fld id="{B678636F-32DC-4415-BF62-6869F8D6224C}" type="datetime1">
-              <a:rPr lang="LID4096" smtClean="0"/>
-              <a:t>04/25/2020</a:t>
-            </a:fld>
-            <a:endParaRPr lang="en-DE"/>
-          </a:p>
-        </p:txBody>
-      </p:sp>
-      <p:sp>
-        <p:nvSpPr>
-          <p:cNvPr id="10" name="Foliennummernplatzhalter 9">
-            <a:extLst>
-              <a:ext uri="{FF2B5EF4-FFF2-40B4-BE49-F238E27FC236}">
-                <a16:creationId xmlns:a16="http://schemas.microsoft.com/office/drawing/2014/main" id="{9DDE4DB0-1216-4FC4-BCFE-3CD84D32984D}"/>
-              </a:ext>
-            </a:extLst>
-          </p:cNvPr>
-          <p:cNvSpPr>
-            <a:spLocks noGrp="1"/>
-          </p:cNvSpPr>
-          <p:nvPr>
-            <p:ph type="sldNum" sz="quarter" idx="12"/>
-          </p:nvPr>
-        </p:nvSpPr>
-        <p:spPr/>
-        <p:txBody>
-          <a:bodyPr/>
-          <a:lstStyle/>
-          <a:p>
-            <a:fld id="{2919E40B-AC7D-4A7F-9508-598983C40C41}" type="slidenum">
-              <a:rPr lang="en-DE" smtClean="0"/>
-              <a:t>37</a:t>
-            </a:fld>
-            <a:endParaRPr lang="en-DE"/>
-          </a:p>
-        </p:txBody>
-      </p:sp>
-      <p:sp>
-        <p:nvSpPr>
-          <p:cNvPr id="11" name="Fußzeilenplatzhalter 10">
-            <a:extLst>
-              <a:ext uri="{FF2B5EF4-FFF2-40B4-BE49-F238E27FC236}">
-                <a16:creationId xmlns:a16="http://schemas.microsoft.com/office/drawing/2014/main" id="{2AFC0C5F-1B2F-4466-944A-D7F80DC6F871}"/>
-              </a:ext>
-            </a:extLst>
-          </p:cNvPr>
-          <p:cNvSpPr>
-            <a:spLocks noGrp="1"/>
-          </p:cNvSpPr>
-          <p:nvPr>
-            <p:ph type="ftr" sz="quarter" idx="11"/>
-          </p:nvPr>
-        </p:nvSpPr>
-        <p:spPr/>
-        <p:txBody>
-          <a:bodyPr/>
-          <a:lstStyle/>
-          <a:p>
-            <a:r>
-              <a:rPr lang="de-DE"/>
-              <a:t>MSI - Bilderkennung mit OpenCV</a:t>
-            </a:r>
-            <a:endParaRPr lang="en-DE"/>
+            <a:r>
+              <a:rPr lang="de-DE" dirty="0" err="1" smtClean="0"/>
+              <a:t>Jurassic</a:t>
+            </a:r>
+            <a:r>
+              <a:rPr lang="de-DE" dirty="0" smtClean="0"/>
+              <a:t> Park Datensatz</a:t>
+            </a:r>
+            <a:endParaRPr lang="de-DE" dirty="0"/>
           </a:p>
         </p:txBody>
       </p:sp>
@@ -11419,6 +12563,13 @@
   <p:clrMapOvr>
     <a:masterClrMapping/>
   </p:clrMapOvr>
+  <p:timing>
+    <p:tnLst>
+      <p:par>
+        <p:cTn id="1" dur="indefinite" restart="never" nodeType="tmRoot"/>
+      </p:par>
+    </p:tnLst>
+  </p:timing>
 </p:sld>
 </file>
 
@@ -11441,7 +12592,13 @@
       </p:grpSpPr>
       <p:sp>
         <p:nvSpPr>
-          <p:cNvPr id="2" name="Titel 1"/>
+          <p:cNvPr id="7" name="Titel 6">
+            <a:extLst>
+              <a:ext uri="{FF2B5EF4-FFF2-40B4-BE49-F238E27FC236}">
+                <a16:creationId xmlns:a16="http://schemas.microsoft.com/office/drawing/2014/main" id="{FCBF07AF-63C0-486A-A777-5AF786F03BD3}"/>
+              </a:ext>
+            </a:extLst>
+          </p:cNvPr>
           <p:cNvSpPr>
             <a:spLocks noGrp="1"/>
           </p:cNvSpPr>
@@ -11454,44 +12611,74 @@
           <a:bodyPr/>
           <a:lstStyle/>
           <a:p>
+            <a:r>
+              <a:rPr lang="de-DE" dirty="0"/>
+              <a:t>Face Recognition </a:t>
+            </a:r>
+            <a:r>
+              <a:rPr lang="de-DE" dirty="0" smtClean="0"/>
+              <a:t>- </a:t>
+            </a:r>
             <a:r>
               <a:rPr lang="de-DE" dirty="0" err="1" smtClean="0"/>
               <a:t>Facial</a:t>
             </a:r>
             <a:r>
               <a:rPr lang="de-DE" dirty="0" smtClean="0"/>
-              <a:t> Landmarks - Demo</a:t>
-            </a:r>
-            <a:endParaRPr lang="de-DE" dirty="0"/>
-          </a:p>
-        </p:txBody>
-      </p:sp>
-      <p:sp>
-        <p:nvSpPr>
-          <p:cNvPr id="3" name="Inhaltsplatzhalter 2"/>
-          <p:cNvSpPr>
-            <a:spLocks noGrp="1"/>
-          </p:cNvSpPr>
+              <a:t> </a:t>
+            </a:r>
+            <a:r>
+              <a:rPr lang="de-DE" dirty="0" smtClean="0"/>
+              <a:t>Landmarks</a:t>
+            </a:r>
+            <a:endParaRPr lang="en-DE" dirty="0"/>
+          </a:p>
+        </p:txBody>
+      </p:sp>
+      <p:pic>
+        <p:nvPicPr>
+          <p:cNvPr id="3" name="Inhaltsplatzhalter 2">
+            <a:extLst>
+              <a:ext uri="{FF2B5EF4-FFF2-40B4-BE49-F238E27FC236}">
+                <a16:creationId xmlns:a16="http://schemas.microsoft.com/office/drawing/2014/main" id="{88353D2F-D104-43AE-BA20-B035E3386EAC}"/>
+              </a:ext>
+            </a:extLst>
+          </p:cNvPr>
+          <p:cNvPicPr>
+            <a:picLocks noGrp="1" noChangeAspect="1"/>
+          </p:cNvPicPr>
           <p:nvPr>
             <p:ph idx="1"/>
           </p:nvPr>
-        </p:nvSpPr>
-        <p:spPr/>
-        <p:txBody>
-          <a:bodyPr/>
-          <a:lstStyle/>
-          <a:p>
-            <a:r>
-              <a:rPr lang="de-DE" dirty="0" smtClean="0"/>
-              <a:t>Beschreiben was verwendet wurde</a:t>
-            </a:r>
-            <a:endParaRPr lang="de-DE" dirty="0"/>
-          </a:p>
-        </p:txBody>
-      </p:sp>
-      <p:sp>
-        <p:nvSpPr>
-          <p:cNvPr id="4" name="Datumsplatzhalter 3"/>
+        </p:nvPicPr>
+        <p:blipFill>
+          <a:blip r:embed="rId3">
+            <a:extLst>
+              <a:ext uri="{28A0092B-C50C-407E-A947-70E740481C1C}">
+                <a14:useLocalDpi xmlns:a14="http://schemas.microsoft.com/office/drawing/2010/main" val="0"/>
+              </a:ext>
+            </a:extLst>
+          </a:blip>
+          <a:stretch>
+            <a:fillRect/>
+          </a:stretch>
+        </p:blipFill>
+        <p:spPr>
+          <a:xfrm>
+            <a:off x="3581400" y="1690688"/>
+            <a:ext cx="4324954" cy="3905795"/>
+          </a:xfrm>
+        </p:spPr>
+      </p:pic>
+      <p:sp>
+        <p:nvSpPr>
+          <p:cNvPr id="6" name="Datumsplatzhalter 5">
+            <a:extLst>
+              <a:ext uri="{FF2B5EF4-FFF2-40B4-BE49-F238E27FC236}">
+                <a16:creationId xmlns:a16="http://schemas.microsoft.com/office/drawing/2014/main" id="{5C432DC4-2C62-48C4-AC65-D5DFB51A0270}"/>
+              </a:ext>
+            </a:extLst>
+          </p:cNvPr>
           <p:cNvSpPr>
             <a:spLocks noGrp="1"/>
           </p:cNvSpPr>
@@ -11504,9 +12691,9 @@
           <a:bodyPr/>
           <a:lstStyle/>
           <a:p>
-            <a:fld id="{18C8AB18-199E-4DA5-9A7C-AC3F0DF1F84A}" type="datetime1">
-              <a:rPr lang="LID4096" smtClean="0"/>
-              <a:t>04/25/2020</a:t>
+            <a:fld id="{C76FDD4A-03C0-4AB2-B92A-C2A9A5A96AAA}" type="datetime1">
+              <a:rPr lang="de-DE" smtClean="0"/>
+              <a:t>25.04.2020</a:t>
             </a:fld>
             <a:endParaRPr lang="en-DE"/>
           </a:p>
@@ -11514,30 +12701,13 @@
       </p:sp>
       <p:sp>
         <p:nvSpPr>
-          <p:cNvPr id="5" name="Fußzeilenplatzhalter 4"/>
-          <p:cNvSpPr>
-            <a:spLocks noGrp="1"/>
-          </p:cNvSpPr>
-          <p:nvPr>
-            <p:ph type="ftr" sz="quarter" idx="11"/>
-          </p:nvPr>
-        </p:nvSpPr>
-        <p:spPr/>
-        <p:txBody>
-          <a:bodyPr/>
-          <a:lstStyle/>
-          <a:p>
-            <a:r>
-              <a:rPr lang="de-DE" smtClean="0"/>
-              <a:t>MSI - Bilderkennung mit OpenCV</a:t>
-            </a:r>
-            <a:endParaRPr lang="en-DE"/>
-          </a:p>
-        </p:txBody>
-      </p:sp>
-      <p:sp>
-        <p:nvSpPr>
-          <p:cNvPr id="6" name="Foliennummernplatzhalter 5"/>
+          <p:cNvPr id="10" name="Foliennummernplatzhalter 9">
+            <a:extLst>
+              <a:ext uri="{FF2B5EF4-FFF2-40B4-BE49-F238E27FC236}">
+                <a16:creationId xmlns:a16="http://schemas.microsoft.com/office/drawing/2014/main" id="{9DDE4DB0-1216-4FC4-BCFE-3CD84D32984D}"/>
+              </a:ext>
+            </a:extLst>
+          </p:cNvPr>
           <p:cNvSpPr>
             <a:spLocks noGrp="1"/>
           </p:cNvSpPr>
@@ -11558,16 +12728,52 @@
           </a:p>
         </p:txBody>
       </p:sp>
+      <p:sp>
+        <p:nvSpPr>
+          <p:cNvPr id="11" name="Fußzeilenplatzhalter 10">
+            <a:extLst>
+              <a:ext uri="{FF2B5EF4-FFF2-40B4-BE49-F238E27FC236}">
+                <a16:creationId xmlns:a16="http://schemas.microsoft.com/office/drawing/2014/main" id="{2AFC0C5F-1B2F-4466-944A-D7F80DC6F871}"/>
+              </a:ext>
+            </a:extLst>
+          </p:cNvPr>
+          <p:cNvSpPr>
+            <a:spLocks noGrp="1"/>
+          </p:cNvSpPr>
+          <p:nvPr>
+            <p:ph type="ftr" sz="quarter" idx="11"/>
+          </p:nvPr>
+        </p:nvSpPr>
+        <p:spPr/>
+        <p:txBody>
+          <a:bodyPr/>
+          <a:lstStyle/>
+          <a:p>
+            <a:r>
+              <a:rPr lang="de-DE"/>
+              <a:t>MSI - Bilderkennung mit OpenCV</a:t>
+            </a:r>
+            <a:endParaRPr lang="en-DE"/>
+          </a:p>
+        </p:txBody>
+      </p:sp>
     </p:spTree>
     <p:extLst>
       <p:ext uri="{BB962C8B-B14F-4D97-AF65-F5344CB8AC3E}">
-        <p14:creationId xmlns:p14="http://schemas.microsoft.com/office/powerpoint/2010/main" val="853113482"/>
+        <p14:creationId xmlns:p14="http://schemas.microsoft.com/office/powerpoint/2010/main" val="1607473019"/>
       </p:ext>
     </p:extLst>
   </p:cSld>
   <p:clrMapOvr>
     <a:masterClrMapping/>
   </p:clrMapOvr>
+  <p:timing>
+    <p:tnLst>
+      <p:par>
+        <p:cTn id="1" dur="indefinite" restart="never" nodeType="tmRoot"/>
+      </p:par>
+    </p:tnLst>
+  </p:timing>
 </p:sld>
 </file>
 
@@ -11590,7 +12796,13 @@
       </p:grpSpPr>
       <p:sp>
         <p:nvSpPr>
-          <p:cNvPr id="2" name="Titel 1"/>
+          <p:cNvPr id="7" name="Titel 6">
+            <a:extLst>
+              <a:ext uri="{FF2B5EF4-FFF2-40B4-BE49-F238E27FC236}">
+                <a16:creationId xmlns:a16="http://schemas.microsoft.com/office/drawing/2014/main" id="{FCBF07AF-63C0-486A-A777-5AF786F03BD3}"/>
+              </a:ext>
+            </a:extLst>
+          </p:cNvPr>
           <p:cNvSpPr>
             <a:spLocks noGrp="1"/>
           </p:cNvSpPr>
@@ -11598,28 +12810,44 @@
             <p:ph type="title"/>
           </p:nvPr>
         </p:nvSpPr>
-        <p:spPr>
-          <a:xfrm>
-            <a:off x="838200" y="2343827"/>
-            <a:ext cx="10515600" cy="1325563"/>
-          </a:xfrm>
-        </p:spPr>
-        <p:txBody>
-          <a:bodyPr/>
-          <a:lstStyle/>
-          <a:p>
-            <a:pPr algn="ctr"/>
+        <p:spPr/>
+        <p:txBody>
+          <a:bodyPr/>
+          <a:lstStyle/>
+          <a:p>
+            <a:r>
+              <a:rPr lang="de-DE" dirty="0"/>
+              <a:t>Face Recognition </a:t>
+            </a:r>
             <a:r>
               <a:rPr lang="de-DE" dirty="0" smtClean="0"/>
-              <a:t>DEMO</a:t>
-            </a:r>
-            <a:endParaRPr lang="de-DE" dirty="0"/>
-          </a:p>
-        </p:txBody>
-      </p:sp>
-      <p:sp>
-        <p:nvSpPr>
-          <p:cNvPr id="4" name="Datumsplatzhalter 3"/>
+              <a:t>- </a:t>
+            </a:r>
+            <a:r>
+              <a:rPr lang="de-DE" dirty="0" err="1" smtClean="0"/>
+              <a:t>Facial</a:t>
+            </a:r>
+            <a:r>
+              <a:rPr lang="de-DE" dirty="0" smtClean="0"/>
+              <a:t> </a:t>
+            </a:r>
+            <a:r>
+              <a:rPr lang="de-DE" dirty="0" smtClean="0"/>
+              <a:t>Landmarks</a:t>
+            </a:r>
+            <a:endParaRPr lang="en-DE" dirty="0"/>
+          </a:p>
+        </p:txBody>
+      </p:sp>
+      <p:sp>
+        <p:nvSpPr>
+          <p:cNvPr id="6" name="Datumsplatzhalter 5">
+            <a:extLst>
+              <a:ext uri="{FF2B5EF4-FFF2-40B4-BE49-F238E27FC236}">
+                <a16:creationId xmlns:a16="http://schemas.microsoft.com/office/drawing/2014/main" id="{5C432DC4-2C62-48C4-AC65-D5DFB51A0270}"/>
+              </a:ext>
+            </a:extLst>
+          </p:cNvPr>
           <p:cNvSpPr>
             <a:spLocks noGrp="1"/>
           </p:cNvSpPr>
@@ -11632,9 +12860,9 @@
           <a:bodyPr/>
           <a:lstStyle/>
           <a:p>
-            <a:fld id="{18C8AB18-199E-4DA5-9A7C-AC3F0DF1F84A}" type="datetime1">
-              <a:rPr lang="LID4096" smtClean="0"/>
-              <a:t>04/25/2020</a:t>
+            <a:fld id="{C76FDD4A-03C0-4AB2-B92A-C2A9A5A96AAA}" type="datetime1">
+              <a:rPr lang="de-DE" smtClean="0"/>
+              <a:t>25.04.2020</a:t>
             </a:fld>
             <a:endParaRPr lang="en-DE"/>
           </a:p>
@@ -11642,30 +12870,13 @@
       </p:sp>
       <p:sp>
         <p:nvSpPr>
-          <p:cNvPr id="5" name="Fußzeilenplatzhalter 4"/>
-          <p:cNvSpPr>
-            <a:spLocks noGrp="1"/>
-          </p:cNvSpPr>
-          <p:nvPr>
-            <p:ph type="ftr" sz="quarter" idx="11"/>
-          </p:nvPr>
-        </p:nvSpPr>
-        <p:spPr/>
-        <p:txBody>
-          <a:bodyPr/>
-          <a:lstStyle/>
-          <a:p>
-            <a:r>
-              <a:rPr lang="de-DE" smtClean="0"/>
-              <a:t>MSI - Bilderkennung mit OpenCV</a:t>
-            </a:r>
-            <a:endParaRPr lang="en-DE"/>
-          </a:p>
-        </p:txBody>
-      </p:sp>
-      <p:sp>
-        <p:nvSpPr>
-          <p:cNvPr id="6" name="Foliennummernplatzhalter 5"/>
+          <p:cNvPr id="10" name="Foliennummernplatzhalter 9">
+            <a:extLst>
+              <a:ext uri="{FF2B5EF4-FFF2-40B4-BE49-F238E27FC236}">
+                <a16:creationId xmlns:a16="http://schemas.microsoft.com/office/drawing/2014/main" id="{9DDE4DB0-1216-4FC4-BCFE-3CD84D32984D}"/>
+              </a:ext>
+            </a:extLst>
+          </p:cNvPr>
           <p:cNvSpPr>
             <a:spLocks noGrp="1"/>
           </p:cNvSpPr>
@@ -11686,16 +12897,112 @@
           </a:p>
         </p:txBody>
       </p:sp>
+      <p:sp>
+        <p:nvSpPr>
+          <p:cNvPr id="11" name="Fußzeilenplatzhalter 10">
+            <a:extLst>
+              <a:ext uri="{FF2B5EF4-FFF2-40B4-BE49-F238E27FC236}">
+                <a16:creationId xmlns:a16="http://schemas.microsoft.com/office/drawing/2014/main" id="{2AFC0C5F-1B2F-4466-944A-D7F80DC6F871}"/>
+              </a:ext>
+            </a:extLst>
+          </p:cNvPr>
+          <p:cNvSpPr>
+            <a:spLocks noGrp="1"/>
+          </p:cNvSpPr>
+          <p:nvPr>
+            <p:ph type="ftr" sz="quarter" idx="11"/>
+          </p:nvPr>
+        </p:nvSpPr>
+        <p:spPr/>
+        <p:txBody>
+          <a:bodyPr/>
+          <a:lstStyle/>
+          <a:p>
+            <a:r>
+              <a:rPr lang="de-DE"/>
+              <a:t>MSI - Bilderkennung mit OpenCV</a:t>
+            </a:r>
+            <a:endParaRPr lang="en-DE"/>
+          </a:p>
+        </p:txBody>
+      </p:sp>
+      <p:pic>
+        <p:nvPicPr>
+          <p:cNvPr id="9" name="Grafik 8"/>
+          <p:cNvPicPr>
+            <a:picLocks noChangeAspect="1"/>
+          </p:cNvPicPr>
+          <p:nvPr/>
+        </p:nvPicPr>
+        <p:blipFill>
+          <a:blip r:embed="rId3">
+            <a:extLst>
+              <a:ext uri="{28A0092B-C50C-407E-A947-70E740481C1C}">
+                <a14:useLocalDpi xmlns:a14="http://schemas.microsoft.com/office/drawing/2010/main" val="0"/>
+              </a:ext>
+            </a:extLst>
+          </a:blip>
+          <a:stretch>
+            <a:fillRect/>
+          </a:stretch>
+        </p:blipFill>
+        <p:spPr>
+          <a:xfrm>
+            <a:off x="7481421" y="1852392"/>
+            <a:ext cx="3315163" cy="3153215"/>
+          </a:xfrm>
+          <a:prstGeom prst="rect">
+            <a:avLst/>
+          </a:prstGeom>
+        </p:spPr>
+      </p:pic>
+      <p:pic>
+        <p:nvPicPr>
+          <p:cNvPr id="12" name="Grafik 11"/>
+          <p:cNvPicPr>
+            <a:picLocks noChangeAspect="1"/>
+          </p:cNvPicPr>
+          <p:nvPr/>
+        </p:nvPicPr>
+        <p:blipFill>
+          <a:blip r:embed="rId4">
+            <a:extLst>
+              <a:ext uri="{28A0092B-C50C-407E-A947-70E740481C1C}">
+                <a14:useLocalDpi xmlns:a14="http://schemas.microsoft.com/office/drawing/2010/main" val="0"/>
+              </a:ext>
+            </a:extLst>
+          </a:blip>
+          <a:stretch>
+            <a:fillRect/>
+          </a:stretch>
+        </p:blipFill>
+        <p:spPr>
+          <a:xfrm>
+            <a:off x="1923818" y="1614233"/>
+            <a:ext cx="3315163" cy="3629532"/>
+          </a:xfrm>
+          <a:prstGeom prst="rect">
+            <a:avLst/>
+          </a:prstGeom>
+        </p:spPr>
+      </p:pic>
     </p:spTree>
     <p:extLst>
       <p:ext uri="{BB962C8B-B14F-4D97-AF65-F5344CB8AC3E}">
-        <p14:creationId xmlns:p14="http://schemas.microsoft.com/office/powerpoint/2010/main" val="1123454618"/>
+        <p14:creationId xmlns:p14="http://schemas.microsoft.com/office/powerpoint/2010/main" val="3066587548"/>
       </p:ext>
     </p:extLst>
   </p:cSld>
   <p:clrMapOvr>
     <a:masterClrMapping/>
   </p:clrMapOvr>
+  <p:timing>
+    <p:tnLst>
+      <p:par>
+        <p:cTn id="1" dur="indefinite" restart="never" nodeType="tmRoot"/>
+      </p:par>
+    </p:tnLst>
+  </p:timing>
 </p:sld>
 </file>
 
@@ -11791,9 +13098,9 @@
           <a:bodyPr/>
           <a:lstStyle/>
           <a:p>
-            <a:fld id="{684BA66A-D17F-4888-884C-A5445A4B7AA9}" type="datetime1">
-              <a:rPr lang="LID4096" smtClean="0"/>
-              <a:t>04/25/2020</a:t>
+            <a:fld id="{5948F7FB-B0D3-40E2-B6B7-D738F2BC132A}" type="datetime1">
+              <a:rPr lang="de-DE" smtClean="0"/>
+              <a:t>25.04.2020</a:t>
             </a:fld>
             <a:endParaRPr lang="en-DE"/>
           </a:p>
@@ -11867,6 +13174,13 @@
   <p:clrMapOvr>
     <a:masterClrMapping/>
   </p:clrMapOvr>
+  <p:timing>
+    <p:tnLst>
+      <p:par>
+        <p:cTn id="1" dur="indefinite" restart="never" nodeType="tmRoot"/>
+      </p:par>
+    </p:tnLst>
+  </p:timing>
 </p:sld>
 </file>
 
@@ -11889,13 +13203,7 @@
       </p:grpSpPr>
       <p:sp>
         <p:nvSpPr>
-          <p:cNvPr id="7" name="Titel 6">
-            <a:extLst>
-              <a:ext uri="{FF2B5EF4-FFF2-40B4-BE49-F238E27FC236}">
-                <a16:creationId xmlns:a16="http://schemas.microsoft.com/office/drawing/2014/main" id="{FCBF07AF-63C0-486A-A777-5AF786F03BD3}"/>
-              </a:ext>
-            </a:extLst>
-          </p:cNvPr>
+          <p:cNvPr id="2" name="Titel 1"/>
           <p:cNvSpPr>
             <a:spLocks noGrp="1"/>
           </p:cNvSpPr>
@@ -11909,22 +13217,20 @@
           <a:lstStyle/>
           <a:p>
             <a:r>
+              <a:rPr lang="de-DE" dirty="0" err="1" smtClean="0"/>
+              <a:t>Facial</a:t>
+            </a:r>
+            <a:r>
               <a:rPr lang="de-DE" dirty="0" smtClean="0"/>
-              <a:t>Datensatzerstellung – Bing Search API</a:t>
-            </a:r>
-            <a:endParaRPr lang="en-DE" dirty="0"/>
-          </a:p>
-        </p:txBody>
-      </p:sp>
-      <p:sp>
-        <p:nvSpPr>
-          <p:cNvPr id="5" name="Inhaltsplatzhalter 4">
-            <a:extLst>
-              <a:ext uri="{FF2B5EF4-FFF2-40B4-BE49-F238E27FC236}">
-                <a16:creationId xmlns:a16="http://schemas.microsoft.com/office/drawing/2014/main" id="{D96C7B3B-8027-4287-996E-4AA0FFC422C8}"/>
-              </a:ext>
-            </a:extLst>
-          </p:cNvPr>
+              <a:t> Landmarks - Demo</a:t>
+            </a:r>
+            <a:endParaRPr lang="de-DE" dirty="0"/>
+          </a:p>
+        </p:txBody>
+      </p:sp>
+      <p:sp>
+        <p:nvSpPr>
+          <p:cNvPr id="3" name="Inhaltsplatzhalter 2"/>
           <p:cNvSpPr>
             <a:spLocks noGrp="1"/>
           </p:cNvSpPr>
@@ -11937,19 +13243,17 @@
           <a:bodyPr/>
           <a:lstStyle/>
           <a:p>
+            <a:r>
+              <a:rPr lang="de-DE" dirty="0" smtClean="0"/>
+              <a:t>Beschreiben was verwendet wurde</a:t>
+            </a:r>
             <a:endParaRPr lang="de-DE" dirty="0"/>
           </a:p>
         </p:txBody>
       </p:sp>
       <p:sp>
         <p:nvSpPr>
-          <p:cNvPr id="18" name="Datumsplatzhalter 17">
-            <a:extLst>
-              <a:ext uri="{FF2B5EF4-FFF2-40B4-BE49-F238E27FC236}">
-                <a16:creationId xmlns:a16="http://schemas.microsoft.com/office/drawing/2014/main" id="{C1A900D8-45B5-4FDC-989E-048A9CEF3F00}"/>
-              </a:ext>
-            </a:extLst>
-          </p:cNvPr>
+          <p:cNvPr id="4" name="Datumsplatzhalter 3"/>
           <p:cNvSpPr>
             <a:spLocks noGrp="1"/>
           </p:cNvSpPr>
@@ -11962,9 +13266,9 @@
           <a:bodyPr/>
           <a:lstStyle/>
           <a:p>
-            <a:fld id="{F80EC265-6E54-4455-AA32-FFA0B62CD849}" type="datetime1">
-              <a:rPr lang="LID4096" smtClean="0"/>
-              <a:t>04/25/2020</a:t>
+            <a:fld id="{5BF0603F-895E-4301-B5A7-85A42F310650}" type="datetime1">
+              <a:rPr lang="de-DE" smtClean="0"/>
+              <a:t>25.04.2020</a:t>
             </a:fld>
             <a:endParaRPr lang="en-DE"/>
           </a:p>
@@ -11972,13 +13276,30 @@
       </p:sp>
       <p:sp>
         <p:nvSpPr>
-          <p:cNvPr id="19" name="Foliennummernplatzhalter 18">
-            <a:extLst>
-              <a:ext uri="{FF2B5EF4-FFF2-40B4-BE49-F238E27FC236}">
-                <a16:creationId xmlns:a16="http://schemas.microsoft.com/office/drawing/2014/main" id="{27BBAEC3-E26E-4ED9-B055-82E141C887B8}"/>
-              </a:ext>
-            </a:extLst>
-          </p:cNvPr>
+          <p:cNvPr id="5" name="Fußzeilenplatzhalter 4"/>
+          <p:cNvSpPr>
+            <a:spLocks noGrp="1"/>
+          </p:cNvSpPr>
+          <p:nvPr>
+            <p:ph type="ftr" sz="quarter" idx="11"/>
+          </p:nvPr>
+        </p:nvSpPr>
+        <p:spPr/>
+        <p:txBody>
+          <a:bodyPr/>
+          <a:lstStyle/>
+          <a:p>
+            <a:r>
+              <a:rPr lang="de-DE" smtClean="0"/>
+              <a:t>MSI - Bilderkennung mit OpenCV</a:t>
+            </a:r>
+            <a:endParaRPr lang="en-DE"/>
+          </a:p>
+        </p:txBody>
+      </p:sp>
+      <p:sp>
+        <p:nvSpPr>
+          <p:cNvPr id="6" name="Foliennummernplatzhalter 5"/>
           <p:cNvSpPr>
             <a:spLocks noGrp="1"/>
           </p:cNvSpPr>
@@ -11999,45 +13320,23 @@
           </a:p>
         </p:txBody>
       </p:sp>
-      <p:sp>
-        <p:nvSpPr>
-          <p:cNvPr id="20" name="Fußzeilenplatzhalter 19">
-            <a:extLst>
-              <a:ext uri="{FF2B5EF4-FFF2-40B4-BE49-F238E27FC236}">
-                <a16:creationId xmlns:a16="http://schemas.microsoft.com/office/drawing/2014/main" id="{22686015-84BD-43E6-BD44-EA88D2A4449D}"/>
-              </a:ext>
-            </a:extLst>
-          </p:cNvPr>
-          <p:cNvSpPr>
-            <a:spLocks noGrp="1"/>
-          </p:cNvSpPr>
-          <p:nvPr>
-            <p:ph type="ftr" sz="quarter" idx="11"/>
-          </p:nvPr>
-        </p:nvSpPr>
-        <p:spPr/>
-        <p:txBody>
-          <a:bodyPr/>
-          <a:lstStyle/>
-          <a:p>
-            <a:r>
-              <a:rPr lang="de-DE"/>
-              <a:t>MSI - Bilderkennung mit OpenCV</a:t>
-            </a:r>
-            <a:endParaRPr lang="en-DE"/>
-          </a:p>
-        </p:txBody>
-      </p:sp>
     </p:spTree>
     <p:extLst>
       <p:ext uri="{BB962C8B-B14F-4D97-AF65-F5344CB8AC3E}">
-        <p14:creationId xmlns:p14="http://schemas.microsoft.com/office/powerpoint/2010/main" val="3105933271"/>
+        <p14:creationId xmlns:p14="http://schemas.microsoft.com/office/powerpoint/2010/main" val="853113482"/>
       </p:ext>
     </p:extLst>
   </p:cSld>
   <p:clrMapOvr>
     <a:masterClrMapping/>
   </p:clrMapOvr>
+  <p:timing>
+    <p:tnLst>
+      <p:par>
+        <p:cTn id="1" dur="indefinite" restart="never" nodeType="tmRoot"/>
+      </p:par>
+    </p:tnLst>
+  </p:timing>
 </p:sld>
 </file>
 
@@ -12068,18 +13367,20 @@
             <p:ph type="title"/>
           </p:nvPr>
         </p:nvSpPr>
-        <p:spPr/>
-        <p:txBody>
-          <a:bodyPr/>
-          <a:lstStyle/>
-          <a:p>
-            <a:r>
-              <a:rPr lang="de-DE" dirty="0"/>
-              <a:t>Bing Search </a:t>
-            </a:r>
+        <p:spPr>
+          <a:xfrm>
+            <a:off x="838200" y="2343827"/>
+            <a:ext cx="10515600" cy="1325563"/>
+          </a:xfrm>
+        </p:spPr>
+        <p:txBody>
+          <a:bodyPr/>
+          <a:lstStyle/>
+          <a:p>
+            <a:pPr algn="ctr"/>
             <a:r>
               <a:rPr lang="de-DE" dirty="0" smtClean="0"/>
-              <a:t>API – Demo</a:t>
+              <a:t>DEMO</a:t>
             </a:r>
             <a:endParaRPr lang="de-DE" dirty="0"/>
           </a:p>
@@ -12087,29 +13388,6 @@
       </p:sp>
       <p:sp>
         <p:nvSpPr>
-          <p:cNvPr id="3" name="Inhaltsplatzhalter 2"/>
-          <p:cNvSpPr>
-            <a:spLocks noGrp="1"/>
-          </p:cNvSpPr>
-          <p:nvPr>
-            <p:ph idx="1"/>
-          </p:nvPr>
-        </p:nvSpPr>
-        <p:spPr/>
-        <p:txBody>
-          <a:bodyPr/>
-          <a:lstStyle/>
-          <a:p>
-            <a:r>
-              <a:rPr lang="de-DE" dirty="0" smtClean="0"/>
-              <a:t>Beschreiben was verwendet wurde</a:t>
-            </a:r>
-            <a:endParaRPr lang="de-DE" dirty="0"/>
-          </a:p>
-        </p:txBody>
-      </p:sp>
-      <p:sp>
-        <p:nvSpPr>
           <p:cNvPr id="4" name="Datumsplatzhalter 3"/>
           <p:cNvSpPr>
             <a:spLocks noGrp="1"/>
@@ -12123,9 +13401,9 @@
           <a:bodyPr/>
           <a:lstStyle/>
           <a:p>
-            <a:fld id="{18C8AB18-199E-4DA5-9A7C-AC3F0DF1F84A}" type="datetime1">
-              <a:rPr lang="LID4096" smtClean="0"/>
-              <a:t>04/25/2020</a:t>
+            <a:fld id="{304A31D5-3BF4-4CD4-B66A-770EDF18DA9C}" type="datetime1">
+              <a:rPr lang="de-DE" smtClean="0"/>
+              <a:t>25.04.2020</a:t>
             </a:fld>
             <a:endParaRPr lang="en-DE"/>
           </a:p>
@@ -12180,13 +13458,20 @@
     </p:spTree>
     <p:extLst>
       <p:ext uri="{BB962C8B-B14F-4D97-AF65-F5344CB8AC3E}">
-        <p14:creationId xmlns:p14="http://schemas.microsoft.com/office/powerpoint/2010/main" val="709077638"/>
+        <p14:creationId xmlns:p14="http://schemas.microsoft.com/office/powerpoint/2010/main" val="1123454618"/>
       </p:ext>
     </p:extLst>
   </p:cSld>
   <p:clrMapOvr>
     <a:masterClrMapping/>
   </p:clrMapOvr>
+  <p:timing>
+    <p:tnLst>
+      <p:par>
+        <p:cTn id="1" dur="indefinite" restart="never" nodeType="tmRoot"/>
+      </p:par>
+    </p:tnLst>
+  </p:timing>
 </p:sld>
 </file>
 
@@ -12209,7 +13494,13 @@
       </p:grpSpPr>
       <p:sp>
         <p:nvSpPr>
-          <p:cNvPr id="2" name="Titel 1"/>
+          <p:cNvPr id="7" name="Titel 6">
+            <a:extLst>
+              <a:ext uri="{FF2B5EF4-FFF2-40B4-BE49-F238E27FC236}">
+                <a16:creationId xmlns:a16="http://schemas.microsoft.com/office/drawing/2014/main" id="{FCBF07AF-63C0-486A-A777-5AF786F03BD3}"/>
+              </a:ext>
+            </a:extLst>
+          </p:cNvPr>
           <p:cNvSpPr>
             <a:spLocks noGrp="1"/>
           </p:cNvSpPr>
@@ -12217,28 +13508,32 @@
             <p:ph type="title"/>
           </p:nvPr>
         </p:nvSpPr>
-        <p:spPr>
-          <a:xfrm>
-            <a:off x="838200" y="2343827"/>
-            <a:ext cx="10515600" cy="1325563"/>
-          </a:xfrm>
-        </p:spPr>
-        <p:txBody>
-          <a:bodyPr/>
-          <a:lstStyle/>
-          <a:p>
-            <a:pPr algn="ctr"/>
+        <p:spPr/>
+        <p:txBody>
+          <a:bodyPr/>
+          <a:lstStyle/>
+          <a:p>
+            <a:r>
+              <a:rPr lang="de-DE" dirty="0"/>
+              <a:t>Face Recognition </a:t>
+            </a:r>
             <a:r>
               <a:rPr lang="de-DE" dirty="0" smtClean="0"/>
-              <a:t>DEMO</a:t>
-            </a:r>
-            <a:endParaRPr lang="de-DE" dirty="0"/>
-          </a:p>
-        </p:txBody>
-      </p:sp>
-      <p:sp>
-        <p:nvSpPr>
-          <p:cNvPr id="4" name="Datumsplatzhalter 3"/>
+              <a:t>- Messungen</a:t>
+            </a:r>
+            <a:endParaRPr lang="en-DE" dirty="0"/>
+          </a:p>
+        </p:txBody>
+      </p:sp>
+      <p:sp>
+        <p:nvSpPr>
+          <p:cNvPr id="6" name="Datumsplatzhalter 5">
+            <a:extLst>
+              <a:ext uri="{FF2B5EF4-FFF2-40B4-BE49-F238E27FC236}">
+                <a16:creationId xmlns:a16="http://schemas.microsoft.com/office/drawing/2014/main" id="{5C432DC4-2C62-48C4-AC65-D5DFB51A0270}"/>
+              </a:ext>
+            </a:extLst>
+          </p:cNvPr>
           <p:cNvSpPr>
             <a:spLocks noGrp="1"/>
           </p:cNvSpPr>
@@ -12251,9 +13546,9 @@
           <a:bodyPr/>
           <a:lstStyle/>
           <a:p>
-            <a:fld id="{18C8AB18-199E-4DA5-9A7C-AC3F0DF1F84A}" type="datetime1">
-              <a:rPr lang="LID4096" smtClean="0"/>
-              <a:t>04/25/2020</a:t>
+            <a:fld id="{C76FDD4A-03C0-4AB2-B92A-C2A9A5A96AAA}" type="datetime1">
+              <a:rPr lang="de-DE" smtClean="0"/>
+              <a:t>25.04.2020</a:t>
             </a:fld>
             <a:endParaRPr lang="en-DE"/>
           </a:p>
@@ -12261,30 +13556,13 @@
       </p:sp>
       <p:sp>
         <p:nvSpPr>
-          <p:cNvPr id="5" name="Fußzeilenplatzhalter 4"/>
-          <p:cNvSpPr>
-            <a:spLocks noGrp="1"/>
-          </p:cNvSpPr>
-          <p:nvPr>
-            <p:ph type="ftr" sz="quarter" idx="11"/>
-          </p:nvPr>
-        </p:nvSpPr>
-        <p:spPr/>
-        <p:txBody>
-          <a:bodyPr/>
-          <a:lstStyle/>
-          <a:p>
-            <a:r>
-              <a:rPr lang="de-DE" smtClean="0"/>
-              <a:t>MSI - Bilderkennung mit OpenCV</a:t>
-            </a:r>
-            <a:endParaRPr lang="en-DE"/>
-          </a:p>
-        </p:txBody>
-      </p:sp>
-      <p:sp>
-        <p:nvSpPr>
-          <p:cNvPr id="6" name="Foliennummernplatzhalter 5"/>
+          <p:cNvPr id="10" name="Foliennummernplatzhalter 9">
+            <a:extLst>
+              <a:ext uri="{FF2B5EF4-FFF2-40B4-BE49-F238E27FC236}">
+                <a16:creationId xmlns:a16="http://schemas.microsoft.com/office/drawing/2014/main" id="{9DDE4DB0-1216-4FC4-BCFE-3CD84D32984D}"/>
+              </a:ext>
+            </a:extLst>
+          </p:cNvPr>
           <p:cNvSpPr>
             <a:spLocks noGrp="1"/>
           </p:cNvSpPr>
@@ -12305,16 +13583,92 @@
           </a:p>
         </p:txBody>
       </p:sp>
+      <p:sp>
+        <p:nvSpPr>
+          <p:cNvPr id="11" name="Fußzeilenplatzhalter 10">
+            <a:extLst>
+              <a:ext uri="{FF2B5EF4-FFF2-40B4-BE49-F238E27FC236}">
+                <a16:creationId xmlns:a16="http://schemas.microsoft.com/office/drawing/2014/main" id="{2AFC0C5F-1B2F-4466-944A-D7F80DC6F871}"/>
+              </a:ext>
+            </a:extLst>
+          </p:cNvPr>
+          <p:cNvSpPr>
+            <a:spLocks noGrp="1"/>
+          </p:cNvSpPr>
+          <p:nvPr>
+            <p:ph type="ftr" sz="quarter" idx="11"/>
+          </p:nvPr>
+        </p:nvSpPr>
+        <p:spPr/>
+        <p:txBody>
+          <a:bodyPr/>
+          <a:lstStyle/>
+          <a:p>
+            <a:r>
+              <a:rPr lang="de-DE"/>
+              <a:t>MSI - Bilderkennung mit OpenCV</a:t>
+            </a:r>
+            <a:endParaRPr lang="en-DE"/>
+          </a:p>
+        </p:txBody>
+      </p:sp>
+      <p:sp>
+        <p:nvSpPr>
+          <p:cNvPr id="2" name="Inhaltsplatzhalter 1"/>
+          <p:cNvSpPr>
+            <a:spLocks noGrp="1"/>
+          </p:cNvSpPr>
+          <p:nvPr>
+            <p:ph idx="1"/>
+          </p:nvPr>
+        </p:nvSpPr>
+        <p:spPr/>
+        <p:txBody>
+          <a:bodyPr/>
+          <a:lstStyle/>
+          <a:p>
+            <a:r>
+              <a:rPr lang="de-DE" dirty="0" smtClean="0"/>
+              <a:t>TODO: Bilder einfügen, die Lernprozess verdeutlichen</a:t>
+            </a:r>
+          </a:p>
+          <a:p>
+            <a:r>
+              <a:rPr lang="de-DE" dirty="0" smtClean="0"/>
+              <a:t>TODO: Bild mit Messungen einfügen</a:t>
+            </a:r>
+          </a:p>
+          <a:p>
+            <a:endParaRPr lang="de-DE" dirty="0"/>
+          </a:p>
+          <a:p>
+            <a:r>
+              <a:rPr lang="de-DE" dirty="0">
+                <a:hlinkClick r:id="rId3"/>
+              </a:rPr>
+              <a:t>https://medium.com/@ageitgey/machine-learning-is-fun-part-4-modern-face-recognition-with-deep-learning-c3cffc121d78</a:t>
+            </a:r>
+            <a:endParaRPr lang="de-DE" dirty="0"/>
+          </a:p>
+        </p:txBody>
+      </p:sp>
     </p:spTree>
     <p:extLst>
       <p:ext uri="{BB962C8B-B14F-4D97-AF65-F5344CB8AC3E}">
-        <p14:creationId xmlns:p14="http://schemas.microsoft.com/office/powerpoint/2010/main" val="2377672487"/>
+        <p14:creationId xmlns:p14="http://schemas.microsoft.com/office/powerpoint/2010/main" val="3974332956"/>
       </p:ext>
     </p:extLst>
   </p:cSld>
   <p:clrMapOvr>
     <a:masterClrMapping/>
   </p:clrMapOvr>
+  <p:timing>
+    <p:tnLst>
+      <p:par>
+        <p:cTn id="1" dur="indefinite" restart="never" nodeType="tmRoot"/>
+      </p:par>
+    </p:tnLst>
+  </p:timing>
 </p:sld>
 </file>
 
@@ -12357,8 +13711,12 @@
           <a:lstStyle/>
           <a:p>
             <a:r>
+              <a:rPr lang="de-DE" dirty="0" err="1" smtClean="0"/>
+              <a:t>Facial</a:t>
+            </a:r>
+            <a:r>
               <a:rPr lang="de-DE" dirty="0" smtClean="0"/>
-              <a:t>Merkmalsextraktion</a:t>
+              <a:t> Recognition - Datensatzerstellung</a:t>
             </a:r>
             <a:endParaRPr lang="en-DE" dirty="0"/>
           </a:p>
@@ -12385,6 +13743,16 @@
           <a:bodyPr/>
           <a:lstStyle/>
           <a:p>
+            <a:r>
+              <a:rPr lang="de-DE" dirty="0" smtClean="0"/>
+              <a:t>Manuell</a:t>
+            </a:r>
+          </a:p>
+          <a:p>
+            <a:r>
+              <a:rPr lang="de-DE" dirty="0" smtClean="0"/>
+              <a:t>Bing Search API</a:t>
+            </a:r>
             <a:endParaRPr lang="de-DE" dirty="0"/>
           </a:p>
         </p:txBody>
@@ -12410,9 +13778,9 @@
           <a:bodyPr/>
           <a:lstStyle/>
           <a:p>
-            <a:fld id="{F80EC265-6E54-4455-AA32-FFA0B62CD849}" type="datetime1">
-              <a:rPr lang="LID4096" smtClean="0"/>
-              <a:t>04/25/2020</a:t>
+            <a:fld id="{459080D1-18C5-45F5-BD05-7C82F54F08B8}" type="datetime1">
+              <a:rPr lang="de-DE" smtClean="0"/>
+              <a:t>25.04.2020</a:t>
             </a:fld>
             <a:endParaRPr lang="en-DE"/>
           </a:p>
@@ -12479,13 +13847,20 @@
     </p:spTree>
     <p:extLst>
       <p:ext uri="{BB962C8B-B14F-4D97-AF65-F5344CB8AC3E}">
-        <p14:creationId xmlns:p14="http://schemas.microsoft.com/office/powerpoint/2010/main" val="193991521"/>
+        <p14:creationId xmlns:p14="http://schemas.microsoft.com/office/powerpoint/2010/main" val="3105933271"/>
       </p:ext>
     </p:extLst>
   </p:cSld>
   <p:clrMapOvr>
     <a:masterClrMapping/>
   </p:clrMapOvr>
+  <p:timing>
+    <p:tnLst>
+      <p:par>
+        <p:cTn id="1" dur="indefinite" restart="never" nodeType="tmRoot"/>
+      </p:par>
+    </p:tnLst>
+  </p:timing>
 </p:sld>
 </file>
 
@@ -12508,7 +13883,13 @@
       </p:grpSpPr>
       <p:sp>
         <p:nvSpPr>
-          <p:cNvPr id="2" name="Titel 1"/>
+          <p:cNvPr id="7" name="Titel 6">
+            <a:extLst>
+              <a:ext uri="{FF2B5EF4-FFF2-40B4-BE49-F238E27FC236}">
+                <a16:creationId xmlns:a16="http://schemas.microsoft.com/office/drawing/2014/main" id="{FCBF07AF-63C0-486A-A777-5AF786F03BD3}"/>
+              </a:ext>
+            </a:extLst>
+          </p:cNvPr>
           <p:cNvSpPr>
             <a:spLocks noGrp="1"/>
           </p:cNvSpPr>
@@ -12523,38 +13904,46 @@
           <a:p>
             <a:r>
               <a:rPr lang="de-DE" dirty="0" smtClean="0"/>
-              <a:t>Face Recognition - Demo</a:t>
-            </a:r>
+              <a:t>Datensatzerstellung – Bing Search API</a:t>
+            </a:r>
+            <a:endParaRPr lang="en-DE" dirty="0"/>
+          </a:p>
+        </p:txBody>
+      </p:sp>
+      <p:sp>
+        <p:nvSpPr>
+          <p:cNvPr id="5" name="Inhaltsplatzhalter 4">
+            <a:extLst>
+              <a:ext uri="{FF2B5EF4-FFF2-40B4-BE49-F238E27FC236}">
+                <a16:creationId xmlns:a16="http://schemas.microsoft.com/office/drawing/2014/main" id="{D96C7B3B-8027-4287-996E-4AA0FFC422C8}"/>
+              </a:ext>
+            </a:extLst>
+          </p:cNvPr>
+          <p:cNvSpPr>
+            <a:spLocks noGrp="1"/>
+          </p:cNvSpPr>
+          <p:nvPr>
+            <p:ph idx="1"/>
+          </p:nvPr>
+        </p:nvSpPr>
+        <p:spPr/>
+        <p:txBody>
+          <a:bodyPr/>
+          <a:lstStyle/>
+          <a:p>
             <a:endParaRPr lang="de-DE" dirty="0"/>
           </a:p>
         </p:txBody>
       </p:sp>
       <p:sp>
         <p:nvSpPr>
-          <p:cNvPr id="3" name="Inhaltsplatzhalter 2"/>
-          <p:cNvSpPr>
-            <a:spLocks noGrp="1"/>
-          </p:cNvSpPr>
-          <p:nvPr>
-            <p:ph idx="1"/>
-          </p:nvPr>
-        </p:nvSpPr>
-        <p:spPr/>
-        <p:txBody>
-          <a:bodyPr/>
-          <a:lstStyle/>
-          <a:p>
-            <a:r>
-              <a:rPr lang="de-DE" dirty="0" smtClean="0"/>
-              <a:t>Beschreiben was verwendet wurde</a:t>
-            </a:r>
-            <a:endParaRPr lang="de-DE" dirty="0"/>
-          </a:p>
-        </p:txBody>
-      </p:sp>
-      <p:sp>
-        <p:nvSpPr>
-          <p:cNvPr id="4" name="Datumsplatzhalter 3"/>
+          <p:cNvPr id="18" name="Datumsplatzhalter 17">
+            <a:extLst>
+              <a:ext uri="{FF2B5EF4-FFF2-40B4-BE49-F238E27FC236}">
+                <a16:creationId xmlns:a16="http://schemas.microsoft.com/office/drawing/2014/main" id="{C1A900D8-45B5-4FDC-989E-048A9CEF3F00}"/>
+              </a:ext>
+            </a:extLst>
+          </p:cNvPr>
           <p:cNvSpPr>
             <a:spLocks noGrp="1"/>
           </p:cNvSpPr>
@@ -12567,9 +13956,9 @@
           <a:bodyPr/>
           <a:lstStyle/>
           <a:p>
-            <a:fld id="{18C8AB18-199E-4DA5-9A7C-AC3F0DF1F84A}" type="datetime1">
-              <a:rPr lang="LID4096" smtClean="0"/>
-              <a:t>04/25/2020</a:t>
+            <a:fld id="{459080D1-18C5-45F5-BD05-7C82F54F08B8}" type="datetime1">
+              <a:rPr lang="de-DE" smtClean="0"/>
+              <a:t>25.04.2020</a:t>
             </a:fld>
             <a:endParaRPr lang="en-DE"/>
           </a:p>
@@ -12577,30 +13966,13 @@
       </p:sp>
       <p:sp>
         <p:nvSpPr>
-          <p:cNvPr id="5" name="Fußzeilenplatzhalter 4"/>
-          <p:cNvSpPr>
-            <a:spLocks noGrp="1"/>
-          </p:cNvSpPr>
-          <p:nvPr>
-            <p:ph type="ftr" sz="quarter" idx="11"/>
-          </p:nvPr>
-        </p:nvSpPr>
-        <p:spPr/>
-        <p:txBody>
-          <a:bodyPr/>
-          <a:lstStyle/>
-          <a:p>
-            <a:r>
-              <a:rPr lang="de-DE" smtClean="0"/>
-              <a:t>MSI - Bilderkennung mit OpenCV</a:t>
-            </a:r>
-            <a:endParaRPr lang="en-DE"/>
-          </a:p>
-        </p:txBody>
-      </p:sp>
-      <p:sp>
-        <p:nvSpPr>
-          <p:cNvPr id="6" name="Foliennummernplatzhalter 5"/>
+          <p:cNvPr id="19" name="Foliennummernplatzhalter 18">
+            <a:extLst>
+              <a:ext uri="{FF2B5EF4-FFF2-40B4-BE49-F238E27FC236}">
+                <a16:creationId xmlns:a16="http://schemas.microsoft.com/office/drawing/2014/main" id="{27BBAEC3-E26E-4ED9-B055-82E141C887B8}"/>
+              </a:ext>
+            </a:extLst>
+          </p:cNvPr>
           <p:cNvSpPr>
             <a:spLocks noGrp="1"/>
           </p:cNvSpPr>
@@ -12621,16 +13993,52 @@
           </a:p>
         </p:txBody>
       </p:sp>
+      <p:sp>
+        <p:nvSpPr>
+          <p:cNvPr id="20" name="Fußzeilenplatzhalter 19">
+            <a:extLst>
+              <a:ext uri="{FF2B5EF4-FFF2-40B4-BE49-F238E27FC236}">
+                <a16:creationId xmlns:a16="http://schemas.microsoft.com/office/drawing/2014/main" id="{22686015-84BD-43E6-BD44-EA88D2A4449D}"/>
+              </a:ext>
+            </a:extLst>
+          </p:cNvPr>
+          <p:cNvSpPr>
+            <a:spLocks noGrp="1"/>
+          </p:cNvSpPr>
+          <p:nvPr>
+            <p:ph type="ftr" sz="quarter" idx="11"/>
+          </p:nvPr>
+        </p:nvSpPr>
+        <p:spPr/>
+        <p:txBody>
+          <a:bodyPr/>
+          <a:lstStyle/>
+          <a:p>
+            <a:r>
+              <a:rPr lang="de-DE"/>
+              <a:t>MSI - Bilderkennung mit OpenCV</a:t>
+            </a:r>
+            <a:endParaRPr lang="en-DE"/>
+          </a:p>
+        </p:txBody>
+      </p:sp>
     </p:spTree>
     <p:extLst>
       <p:ext uri="{BB962C8B-B14F-4D97-AF65-F5344CB8AC3E}">
-        <p14:creationId xmlns:p14="http://schemas.microsoft.com/office/powerpoint/2010/main" val="3261023746"/>
+        <p14:creationId xmlns:p14="http://schemas.microsoft.com/office/powerpoint/2010/main" val="4063828224"/>
       </p:ext>
     </p:extLst>
   </p:cSld>
   <p:clrMapOvr>
     <a:masterClrMapping/>
   </p:clrMapOvr>
+  <p:timing>
+    <p:tnLst>
+      <p:par>
+        <p:cTn id="1" dur="indefinite" restart="never" nodeType="tmRoot"/>
+      </p:par>
+    </p:tnLst>
+  </p:timing>
 </p:sld>
 </file>
 
@@ -12661,20 +14069,18 @@
             <p:ph type="title"/>
           </p:nvPr>
         </p:nvSpPr>
-        <p:spPr>
-          <a:xfrm>
-            <a:off x="838200" y="2343827"/>
-            <a:ext cx="10515600" cy="1325563"/>
-          </a:xfrm>
-        </p:spPr>
-        <p:txBody>
-          <a:bodyPr/>
-          <a:lstStyle/>
-          <a:p>
-            <a:pPr algn="ctr"/>
+        <p:spPr/>
+        <p:txBody>
+          <a:bodyPr/>
+          <a:lstStyle/>
+          <a:p>
+            <a:r>
+              <a:rPr lang="de-DE" dirty="0"/>
+              <a:t>Bing Search </a:t>
+            </a:r>
             <a:r>
               <a:rPr lang="de-DE" dirty="0" smtClean="0"/>
-              <a:t>DEMO</a:t>
+              <a:t>API – Demo</a:t>
             </a:r>
             <a:endParaRPr lang="de-DE" dirty="0"/>
           </a:p>
@@ -12682,6 +14088,43 @@
       </p:sp>
       <p:sp>
         <p:nvSpPr>
+          <p:cNvPr id="3" name="Inhaltsplatzhalter 2"/>
+          <p:cNvSpPr>
+            <a:spLocks noGrp="1"/>
+          </p:cNvSpPr>
+          <p:nvPr>
+            <p:ph idx="1"/>
+          </p:nvPr>
+        </p:nvSpPr>
+        <p:spPr/>
+        <p:txBody>
+          <a:bodyPr/>
+          <a:lstStyle/>
+          <a:p>
+            <a:r>
+              <a:rPr lang="de-DE" dirty="0" smtClean="0"/>
+              <a:t>Beschreiben was verwendet </a:t>
+            </a:r>
+            <a:r>
+              <a:rPr lang="de-DE" dirty="0" smtClean="0"/>
+              <a:t>wurde</a:t>
+            </a:r>
+          </a:p>
+          <a:p>
+            <a:r>
+              <a:rPr lang="de-DE" dirty="0" smtClean="0"/>
+              <a:t>Nur Ergebnis zeigen, keine </a:t>
+            </a:r>
+            <a:r>
+              <a:rPr lang="de-DE" smtClean="0"/>
+              <a:t>LiveDemo</a:t>
+            </a:r>
+            <a:endParaRPr lang="de-DE" dirty="0"/>
+          </a:p>
+        </p:txBody>
+      </p:sp>
+      <p:sp>
+        <p:nvSpPr>
           <p:cNvPr id="4" name="Datumsplatzhalter 3"/>
           <p:cNvSpPr>
             <a:spLocks noGrp="1"/>
@@ -12695,9 +14138,9 @@
           <a:bodyPr/>
           <a:lstStyle/>
           <a:p>
-            <a:fld id="{18C8AB18-199E-4DA5-9A7C-AC3F0DF1F84A}" type="datetime1">
-              <a:rPr lang="LID4096" smtClean="0"/>
-              <a:t>04/25/2020</a:t>
+            <a:fld id="{CB714FEE-9243-4641-85EF-06B0C65BC59C}" type="datetime1">
+              <a:rPr lang="de-DE" smtClean="0"/>
+              <a:t>25.04.2020</a:t>
             </a:fld>
             <a:endParaRPr lang="en-DE"/>
           </a:p>
@@ -12752,13 +14195,20 @@
     </p:spTree>
     <p:extLst>
       <p:ext uri="{BB962C8B-B14F-4D97-AF65-F5344CB8AC3E}">
-        <p14:creationId xmlns:p14="http://schemas.microsoft.com/office/powerpoint/2010/main" val="1062093266"/>
+        <p14:creationId xmlns:p14="http://schemas.microsoft.com/office/powerpoint/2010/main" val="709077638"/>
       </p:ext>
     </p:extLst>
   </p:cSld>
   <p:clrMapOvr>
     <a:masterClrMapping/>
   </p:clrMapOvr>
+  <p:timing>
+    <p:tnLst>
+      <p:par>
+        <p:cTn id="1" dur="indefinite" restart="never" nodeType="tmRoot"/>
+      </p:par>
+    </p:tnLst>
+  </p:timing>
 </p:sld>
 </file>
 
@@ -12781,13 +14231,7 @@
       </p:grpSpPr>
       <p:sp>
         <p:nvSpPr>
-          <p:cNvPr id="4" name="Titel 3">
-            <a:extLst>
-              <a:ext uri="{FF2B5EF4-FFF2-40B4-BE49-F238E27FC236}">
-                <a16:creationId xmlns:a16="http://schemas.microsoft.com/office/drawing/2014/main" id="{BAFEB9B6-68B7-493C-8627-50397D1A6789}"/>
-              </a:ext>
-            </a:extLst>
-          </p:cNvPr>
+          <p:cNvPr id="2" name="Titel 1"/>
           <p:cNvSpPr>
             <a:spLocks noGrp="1"/>
           </p:cNvSpPr>
@@ -12795,53 +14239,28 @@
             <p:ph type="title"/>
           </p:nvPr>
         </p:nvSpPr>
-        <p:spPr/>
-        <p:txBody>
-          <a:bodyPr/>
-          <a:lstStyle/>
-          <a:p>
-            <a:r>
-              <a:rPr lang="de-DE" dirty="0"/>
-              <a:t>Fazit</a:t>
-            </a:r>
-            <a:endParaRPr lang="en-DE" dirty="0"/>
-          </a:p>
-        </p:txBody>
-      </p:sp>
-      <p:sp>
-        <p:nvSpPr>
-          <p:cNvPr id="5" name="Textplatzhalter 4">
-            <a:extLst>
-              <a:ext uri="{FF2B5EF4-FFF2-40B4-BE49-F238E27FC236}">
-                <a16:creationId xmlns:a16="http://schemas.microsoft.com/office/drawing/2014/main" id="{731A542A-75E4-4029-991E-B47BD4E89059}"/>
-              </a:ext>
-            </a:extLst>
-          </p:cNvPr>
-          <p:cNvSpPr>
-            <a:spLocks noGrp="1"/>
-          </p:cNvSpPr>
-          <p:nvPr>
-            <p:ph type="body" idx="1"/>
-          </p:nvPr>
-        </p:nvSpPr>
-        <p:spPr/>
-        <p:txBody>
-          <a:bodyPr/>
-          <a:lstStyle/>
-          <a:p>
-            <a:endParaRPr lang="en-DE"/>
-          </a:p>
-        </p:txBody>
-      </p:sp>
-      <p:sp>
-        <p:nvSpPr>
-          <p:cNvPr id="2" name="Datumsplatzhalter 1">
-            <a:extLst>
-              <a:ext uri="{FF2B5EF4-FFF2-40B4-BE49-F238E27FC236}">
-                <a16:creationId xmlns:a16="http://schemas.microsoft.com/office/drawing/2014/main" id="{49457F69-AE03-4D16-9C06-26057A418395}"/>
-              </a:ext>
-            </a:extLst>
-          </p:cNvPr>
+        <p:spPr>
+          <a:xfrm>
+            <a:off x="838200" y="2343827"/>
+            <a:ext cx="10515600" cy="1325563"/>
+          </a:xfrm>
+        </p:spPr>
+        <p:txBody>
+          <a:bodyPr/>
+          <a:lstStyle/>
+          <a:p>
+            <a:pPr algn="ctr"/>
+            <a:r>
+              <a:rPr lang="de-DE" dirty="0" smtClean="0"/>
+              <a:t>DEMO</a:t>
+            </a:r>
+            <a:endParaRPr lang="de-DE" dirty="0"/>
+          </a:p>
+        </p:txBody>
+      </p:sp>
+      <p:sp>
+        <p:nvSpPr>
+          <p:cNvPr id="4" name="Datumsplatzhalter 3"/>
           <p:cNvSpPr>
             <a:spLocks noGrp="1"/>
           </p:cNvSpPr>
@@ -12854,9 +14273,9 @@
           <a:bodyPr/>
           <a:lstStyle/>
           <a:p>
-            <a:fld id="{E7BDD6CB-327D-40C1-8A72-21719130F6DF}" type="datetime1">
-              <a:rPr lang="LID4096" smtClean="0"/>
-              <a:t>04/25/2020</a:t>
+            <a:fld id="{64F36089-173D-4886-B365-1E92F87BDF8C}" type="datetime1">
+              <a:rPr lang="de-DE" smtClean="0"/>
+              <a:t>25.04.2020</a:t>
             </a:fld>
             <a:endParaRPr lang="en-DE"/>
           </a:p>
@@ -12864,13 +14283,30 @@
       </p:sp>
       <p:sp>
         <p:nvSpPr>
-          <p:cNvPr id="3" name="Foliennummernplatzhalter 2">
-            <a:extLst>
-              <a:ext uri="{FF2B5EF4-FFF2-40B4-BE49-F238E27FC236}">
-                <a16:creationId xmlns:a16="http://schemas.microsoft.com/office/drawing/2014/main" id="{9057D8EE-0F50-4ABF-B7D3-1D2A5F3784BB}"/>
-              </a:ext>
-            </a:extLst>
-          </p:cNvPr>
+          <p:cNvPr id="5" name="Fußzeilenplatzhalter 4"/>
+          <p:cNvSpPr>
+            <a:spLocks noGrp="1"/>
+          </p:cNvSpPr>
+          <p:nvPr>
+            <p:ph type="ftr" sz="quarter" idx="11"/>
+          </p:nvPr>
+        </p:nvSpPr>
+        <p:spPr/>
+        <p:txBody>
+          <a:bodyPr/>
+          <a:lstStyle/>
+          <a:p>
+            <a:r>
+              <a:rPr lang="de-DE" smtClean="0"/>
+              <a:t>MSI - Bilderkennung mit OpenCV</a:t>
+            </a:r>
+            <a:endParaRPr lang="en-DE"/>
+          </a:p>
+        </p:txBody>
+      </p:sp>
+      <p:sp>
+        <p:nvSpPr>
+          <p:cNvPr id="6" name="Foliennummernplatzhalter 5"/>
           <p:cNvSpPr>
             <a:spLocks noGrp="1"/>
           </p:cNvSpPr>
@@ -12891,39 +14327,10 @@
           </a:p>
         </p:txBody>
       </p:sp>
-      <p:sp>
-        <p:nvSpPr>
-          <p:cNvPr id="6" name="Fußzeilenplatzhalter 5">
-            <a:extLst>
-              <a:ext uri="{FF2B5EF4-FFF2-40B4-BE49-F238E27FC236}">
-                <a16:creationId xmlns:a16="http://schemas.microsoft.com/office/drawing/2014/main" id="{5F37D782-8EC2-4B31-A4FB-79C2FD0FD8B2}"/>
-              </a:ext>
-            </a:extLst>
-          </p:cNvPr>
-          <p:cNvSpPr>
-            <a:spLocks noGrp="1"/>
-          </p:cNvSpPr>
-          <p:nvPr>
-            <p:ph type="ftr" sz="quarter" idx="11"/>
-          </p:nvPr>
-        </p:nvSpPr>
-        <p:spPr/>
-        <p:txBody>
-          <a:bodyPr/>
-          <a:lstStyle/>
-          <a:p>
-            <a:r>
-              <a:rPr lang="de-DE"/>
-              <a:t>MSI - Bilderkennung mit OpenCV</a:t>
-            </a:r>
-            <a:endParaRPr lang="en-DE"/>
-          </a:p>
-        </p:txBody>
-      </p:sp>
     </p:spTree>
     <p:extLst>
       <p:ext uri="{BB962C8B-B14F-4D97-AF65-F5344CB8AC3E}">
-        <p14:creationId xmlns:p14="http://schemas.microsoft.com/office/powerpoint/2010/main" val="2488292896"/>
+        <p14:creationId xmlns:p14="http://schemas.microsoft.com/office/powerpoint/2010/main" val="2377672487"/>
       </p:ext>
     </p:extLst>
   </p:cSld>
@@ -12952,10 +14359,10 @@
       </p:grpSpPr>
       <p:sp>
         <p:nvSpPr>
-          <p:cNvPr id="4" name="Titel 3">
-            <a:extLst>
-              <a:ext uri="{FF2B5EF4-FFF2-40B4-BE49-F238E27FC236}">
-                <a16:creationId xmlns:a16="http://schemas.microsoft.com/office/drawing/2014/main" id="{A8A55A97-58D3-453E-B442-CCA410A1463A}"/>
+          <p:cNvPr id="7" name="Titel 6">
+            <a:extLst>
+              <a:ext uri="{FF2B5EF4-FFF2-40B4-BE49-F238E27FC236}">
+                <a16:creationId xmlns:a16="http://schemas.microsoft.com/office/drawing/2014/main" id="{FCBF07AF-63C0-486A-A777-5AF786F03BD3}"/>
               </a:ext>
             </a:extLst>
           </p:cNvPr>
@@ -12972,9 +14379,10 @@
           <a:lstStyle/>
           <a:p>
             <a:r>
-              <a:rPr lang="de-DE" dirty="0"/>
-              <a:t>Quellen</a:t>
-            </a:r>
+              <a:rPr lang="de-DE" dirty="0" smtClean="0"/>
+              <a:t>Merkmalsextraktion</a:t>
+            </a:r>
+            <a:endParaRPr lang="en-DE" dirty="0"/>
           </a:p>
         </p:txBody>
       </p:sp>
@@ -12983,7 +14391,7 @@
           <p:cNvPr id="5" name="Inhaltsplatzhalter 4">
             <a:extLst>
               <a:ext uri="{FF2B5EF4-FFF2-40B4-BE49-F238E27FC236}">
-                <a16:creationId xmlns:a16="http://schemas.microsoft.com/office/drawing/2014/main" id="{F89ED268-107B-43A7-8EA1-67C60BB5B1D2}"/>
+                <a16:creationId xmlns:a16="http://schemas.microsoft.com/office/drawing/2014/main" id="{D96C7B3B-8027-4287-996E-4AA0FFC422C8}"/>
               </a:ext>
             </a:extLst>
           </p:cNvPr>
@@ -12996,60 +14404,19 @@
         </p:nvSpPr>
         <p:spPr/>
         <p:txBody>
-          <a:bodyPr>
-            <a:normAutofit/>
-          </a:bodyPr>
-          <a:lstStyle/>
-          <a:p>
-            <a:r>
-              <a:rPr lang="de-DE" sz="1400" dirty="0">
-                <a:hlinkClick r:id="rId2"/>
-              </a:rPr>
-              <a:t>https://blog.notebooksbilliger.de/wp-content/uploads/2017/09/galaxy-note-8-face-unlock-unsicher-title.jpg</a:t>
-            </a:r>
-            <a:endParaRPr lang="de-DE" sz="1400" dirty="0"/>
-          </a:p>
-          <a:p>
-            <a:r>
-              <a:rPr lang="de-DE" sz="1400" dirty="0">
-                <a:hlinkClick r:id="rId3"/>
-              </a:rPr>
-              <a:t>https://www.supermarktblog.com/wp-content/uploads/2019/10/amazongo26a.jpg</a:t>
-            </a:r>
-            <a:endParaRPr lang="de-DE" sz="1400" dirty="0"/>
-          </a:p>
-          <a:p>
-            <a:r>
-              <a:rPr lang="de-DE" sz="1400" dirty="0">
-                <a:hlinkClick r:id="rId4"/>
-              </a:rPr>
-              <a:t>https://www.roedel.de/images/mrt_kopf/01.jpg</a:t>
-            </a:r>
-            <a:endParaRPr lang="de-DE" sz="1400" dirty="0"/>
-          </a:p>
-          <a:p>
-            <a:r>
-              <a:rPr lang="de-DE" sz="1400" dirty="0">
-                <a:hlinkClick r:id="rId5"/>
-              </a:rPr>
-              <a:t>https://imgs.chip.de/1UzVk4G67v4aP9ZB6R668P5uQOU=/618x0/filters:format(jpeg):fill(fff,true)/www.chip.de%2Fii%2F6%2F4%2F9%2F7%2F9%2F5%2F9%2F2%2F8f785e788c13c1a9.jpeg</a:t>
-            </a:r>
-            <a:endParaRPr lang="de-DE" sz="1400" dirty="0"/>
-          </a:p>
-          <a:p>
-            <a:r>
-              <a:rPr lang="de-DE" sz="1400" dirty="0"/>
-              <a:t>https://towardsdatascience.com/the-intuition-behind-facial-detection-the-viola-jones-algorithm-29d9106b6999</a:t>
-            </a:r>
-          </a:p>
-        </p:txBody>
-      </p:sp>
-      <p:sp>
-        <p:nvSpPr>
-          <p:cNvPr id="6" name="Datumsplatzhalter 5">
-            <a:extLst>
-              <a:ext uri="{FF2B5EF4-FFF2-40B4-BE49-F238E27FC236}">
-                <a16:creationId xmlns:a16="http://schemas.microsoft.com/office/drawing/2014/main" id="{543BA872-A9A3-468A-892B-1086BD034418}"/>
+          <a:bodyPr/>
+          <a:lstStyle/>
+          <a:p>
+            <a:endParaRPr lang="de-DE" dirty="0"/>
+          </a:p>
+        </p:txBody>
+      </p:sp>
+      <p:sp>
+        <p:nvSpPr>
+          <p:cNvPr id="18" name="Datumsplatzhalter 17">
+            <a:extLst>
+              <a:ext uri="{FF2B5EF4-FFF2-40B4-BE49-F238E27FC236}">
+                <a16:creationId xmlns:a16="http://schemas.microsoft.com/office/drawing/2014/main" id="{C1A900D8-45B5-4FDC-989E-048A9CEF3F00}"/>
               </a:ext>
             </a:extLst>
           </p:cNvPr>
@@ -13065,9 +14432,9 @@
           <a:bodyPr/>
           <a:lstStyle/>
           <a:p>
-            <a:fld id="{C31EEA3F-593A-4FF4-8D60-39985E94F7ED}" type="datetime1">
-              <a:rPr lang="LID4096" smtClean="0"/>
-              <a:t>04/25/2020</a:t>
+            <a:fld id="{6757C2C2-DD55-43BA-ADD1-B49738D004A2}" type="datetime1">
+              <a:rPr lang="de-DE" smtClean="0"/>
+              <a:t>25.04.2020</a:t>
             </a:fld>
             <a:endParaRPr lang="en-DE"/>
           </a:p>
@@ -13075,10 +14442,10 @@
       </p:sp>
       <p:sp>
         <p:nvSpPr>
-          <p:cNvPr id="7" name="Foliennummernplatzhalter 6">
-            <a:extLst>
-              <a:ext uri="{FF2B5EF4-FFF2-40B4-BE49-F238E27FC236}">
-                <a16:creationId xmlns:a16="http://schemas.microsoft.com/office/drawing/2014/main" id="{6FAF5690-E1FD-411F-95AE-D293DD193CC2}"/>
+          <p:cNvPr id="19" name="Foliennummernplatzhalter 18">
+            <a:extLst>
+              <a:ext uri="{FF2B5EF4-FFF2-40B4-BE49-F238E27FC236}">
+                <a16:creationId xmlns:a16="http://schemas.microsoft.com/office/drawing/2014/main" id="{27BBAEC3-E26E-4ED9-B055-82E141C887B8}"/>
               </a:ext>
             </a:extLst>
           </p:cNvPr>
@@ -13104,10 +14471,10 @@
       </p:sp>
       <p:sp>
         <p:nvSpPr>
-          <p:cNvPr id="8" name="Fußzeilenplatzhalter 7">
-            <a:extLst>
-              <a:ext uri="{FF2B5EF4-FFF2-40B4-BE49-F238E27FC236}">
-                <a16:creationId xmlns:a16="http://schemas.microsoft.com/office/drawing/2014/main" id="{A675CE37-1C9C-408C-A40F-40C23443F8CA}"/>
+          <p:cNvPr id="20" name="Fußzeilenplatzhalter 19">
+            <a:extLst>
+              <a:ext uri="{FF2B5EF4-FFF2-40B4-BE49-F238E27FC236}">
+                <a16:creationId xmlns:a16="http://schemas.microsoft.com/office/drawing/2014/main" id="{22686015-84BD-43E6-BD44-EA88D2A4449D}"/>
               </a:ext>
             </a:extLst>
           </p:cNvPr>
@@ -13134,7 +14501,280 @@
     </p:spTree>
     <p:extLst>
       <p:ext uri="{BB962C8B-B14F-4D97-AF65-F5344CB8AC3E}">
-        <p14:creationId xmlns:p14="http://schemas.microsoft.com/office/powerpoint/2010/main" val="3978471983"/>
+        <p14:creationId xmlns:p14="http://schemas.microsoft.com/office/powerpoint/2010/main" val="193991521"/>
+      </p:ext>
+    </p:extLst>
+  </p:cSld>
+  <p:clrMapOvr>
+    <a:masterClrMapping/>
+  </p:clrMapOvr>
+</p:sld>
+</file>
+
+<file path=ppt/slides/slide48.xml><?xml version="1.0" encoding="utf-8"?>
+<p:sld xmlns:a="http://schemas.openxmlformats.org/drawingml/2006/main" xmlns:r="http://schemas.openxmlformats.org/officeDocument/2006/relationships" xmlns:p="http://schemas.openxmlformats.org/presentationml/2006/main">
+  <p:cSld>
+    <p:spTree>
+      <p:nvGrpSpPr>
+        <p:cNvPr id="1" name=""/>
+        <p:cNvGrpSpPr/>
+        <p:nvPr/>
+      </p:nvGrpSpPr>
+      <p:grpSpPr>
+        <a:xfrm>
+          <a:off x="0" y="0"/>
+          <a:ext cx="0" cy="0"/>
+          <a:chOff x="0" y="0"/>
+          <a:chExt cx="0" cy="0"/>
+        </a:xfrm>
+      </p:grpSpPr>
+      <p:sp>
+        <p:nvSpPr>
+          <p:cNvPr id="2" name="Titel 1"/>
+          <p:cNvSpPr>
+            <a:spLocks noGrp="1"/>
+          </p:cNvSpPr>
+          <p:nvPr>
+            <p:ph type="title"/>
+          </p:nvPr>
+        </p:nvSpPr>
+        <p:spPr/>
+        <p:txBody>
+          <a:bodyPr/>
+          <a:lstStyle/>
+          <a:p>
+            <a:r>
+              <a:rPr lang="de-DE" dirty="0" smtClean="0"/>
+              <a:t>Face Recognition - Demo</a:t>
+            </a:r>
+            <a:endParaRPr lang="de-DE" dirty="0"/>
+          </a:p>
+        </p:txBody>
+      </p:sp>
+      <p:sp>
+        <p:nvSpPr>
+          <p:cNvPr id="3" name="Inhaltsplatzhalter 2"/>
+          <p:cNvSpPr>
+            <a:spLocks noGrp="1"/>
+          </p:cNvSpPr>
+          <p:nvPr>
+            <p:ph idx="1"/>
+          </p:nvPr>
+        </p:nvSpPr>
+        <p:spPr/>
+        <p:txBody>
+          <a:bodyPr/>
+          <a:lstStyle/>
+          <a:p>
+            <a:r>
+              <a:rPr lang="de-DE" dirty="0" smtClean="0"/>
+              <a:t>Beschreiben was verwendet wurde</a:t>
+            </a:r>
+            <a:endParaRPr lang="de-DE" dirty="0"/>
+          </a:p>
+        </p:txBody>
+      </p:sp>
+      <p:sp>
+        <p:nvSpPr>
+          <p:cNvPr id="4" name="Datumsplatzhalter 3"/>
+          <p:cNvSpPr>
+            <a:spLocks noGrp="1"/>
+          </p:cNvSpPr>
+          <p:nvPr>
+            <p:ph type="dt" sz="half" idx="10"/>
+          </p:nvPr>
+        </p:nvSpPr>
+        <p:spPr/>
+        <p:txBody>
+          <a:bodyPr/>
+          <a:lstStyle/>
+          <a:p>
+            <a:fld id="{2E350043-14B0-4507-987D-25AF5D3413E8}" type="datetime1">
+              <a:rPr lang="de-DE" smtClean="0"/>
+              <a:t>25.04.2020</a:t>
+            </a:fld>
+            <a:endParaRPr lang="en-DE"/>
+          </a:p>
+        </p:txBody>
+      </p:sp>
+      <p:sp>
+        <p:nvSpPr>
+          <p:cNvPr id="5" name="Fußzeilenplatzhalter 4"/>
+          <p:cNvSpPr>
+            <a:spLocks noGrp="1"/>
+          </p:cNvSpPr>
+          <p:nvPr>
+            <p:ph type="ftr" sz="quarter" idx="11"/>
+          </p:nvPr>
+        </p:nvSpPr>
+        <p:spPr/>
+        <p:txBody>
+          <a:bodyPr/>
+          <a:lstStyle/>
+          <a:p>
+            <a:r>
+              <a:rPr lang="de-DE" smtClean="0"/>
+              <a:t>MSI - Bilderkennung mit OpenCV</a:t>
+            </a:r>
+            <a:endParaRPr lang="en-DE"/>
+          </a:p>
+        </p:txBody>
+      </p:sp>
+      <p:sp>
+        <p:nvSpPr>
+          <p:cNvPr id="6" name="Foliennummernplatzhalter 5"/>
+          <p:cNvSpPr>
+            <a:spLocks noGrp="1"/>
+          </p:cNvSpPr>
+          <p:nvPr>
+            <p:ph type="sldNum" sz="quarter" idx="12"/>
+          </p:nvPr>
+        </p:nvSpPr>
+        <p:spPr/>
+        <p:txBody>
+          <a:bodyPr/>
+          <a:lstStyle/>
+          <a:p>
+            <a:fld id="{2919E40B-AC7D-4A7F-9508-598983C40C41}" type="slidenum">
+              <a:rPr lang="en-DE" smtClean="0"/>
+              <a:t>48</a:t>
+            </a:fld>
+            <a:endParaRPr lang="en-DE"/>
+          </a:p>
+        </p:txBody>
+      </p:sp>
+    </p:spTree>
+    <p:extLst>
+      <p:ext uri="{BB962C8B-B14F-4D97-AF65-F5344CB8AC3E}">
+        <p14:creationId xmlns:p14="http://schemas.microsoft.com/office/powerpoint/2010/main" val="3261023746"/>
+      </p:ext>
+    </p:extLst>
+  </p:cSld>
+  <p:clrMapOvr>
+    <a:masterClrMapping/>
+  </p:clrMapOvr>
+</p:sld>
+</file>
+
+<file path=ppt/slides/slide49.xml><?xml version="1.0" encoding="utf-8"?>
+<p:sld xmlns:a="http://schemas.openxmlformats.org/drawingml/2006/main" xmlns:r="http://schemas.openxmlformats.org/officeDocument/2006/relationships" xmlns:p="http://schemas.openxmlformats.org/presentationml/2006/main">
+  <p:cSld>
+    <p:spTree>
+      <p:nvGrpSpPr>
+        <p:cNvPr id="1" name=""/>
+        <p:cNvGrpSpPr/>
+        <p:nvPr/>
+      </p:nvGrpSpPr>
+      <p:grpSpPr>
+        <a:xfrm>
+          <a:off x="0" y="0"/>
+          <a:ext cx="0" cy="0"/>
+          <a:chOff x="0" y="0"/>
+          <a:chExt cx="0" cy="0"/>
+        </a:xfrm>
+      </p:grpSpPr>
+      <p:sp>
+        <p:nvSpPr>
+          <p:cNvPr id="2" name="Titel 1"/>
+          <p:cNvSpPr>
+            <a:spLocks noGrp="1"/>
+          </p:cNvSpPr>
+          <p:nvPr>
+            <p:ph type="title"/>
+          </p:nvPr>
+        </p:nvSpPr>
+        <p:spPr>
+          <a:xfrm>
+            <a:off x="838200" y="2343827"/>
+            <a:ext cx="10515600" cy="1325563"/>
+          </a:xfrm>
+        </p:spPr>
+        <p:txBody>
+          <a:bodyPr/>
+          <a:lstStyle/>
+          <a:p>
+            <a:pPr algn="ctr"/>
+            <a:r>
+              <a:rPr lang="de-DE" dirty="0" smtClean="0"/>
+              <a:t>DEMO</a:t>
+            </a:r>
+            <a:endParaRPr lang="de-DE" dirty="0"/>
+          </a:p>
+        </p:txBody>
+      </p:sp>
+      <p:sp>
+        <p:nvSpPr>
+          <p:cNvPr id="4" name="Datumsplatzhalter 3"/>
+          <p:cNvSpPr>
+            <a:spLocks noGrp="1"/>
+          </p:cNvSpPr>
+          <p:nvPr>
+            <p:ph type="dt" sz="half" idx="10"/>
+          </p:nvPr>
+        </p:nvSpPr>
+        <p:spPr/>
+        <p:txBody>
+          <a:bodyPr/>
+          <a:lstStyle/>
+          <a:p>
+            <a:fld id="{CF12750A-0466-4769-8B24-DB4715358FA4}" type="datetime1">
+              <a:rPr lang="de-DE" smtClean="0"/>
+              <a:t>25.04.2020</a:t>
+            </a:fld>
+            <a:endParaRPr lang="en-DE"/>
+          </a:p>
+        </p:txBody>
+      </p:sp>
+      <p:sp>
+        <p:nvSpPr>
+          <p:cNvPr id="5" name="Fußzeilenplatzhalter 4"/>
+          <p:cNvSpPr>
+            <a:spLocks noGrp="1"/>
+          </p:cNvSpPr>
+          <p:nvPr>
+            <p:ph type="ftr" sz="quarter" idx="11"/>
+          </p:nvPr>
+        </p:nvSpPr>
+        <p:spPr/>
+        <p:txBody>
+          <a:bodyPr/>
+          <a:lstStyle/>
+          <a:p>
+            <a:r>
+              <a:rPr lang="de-DE" smtClean="0"/>
+              <a:t>MSI - Bilderkennung mit OpenCV</a:t>
+            </a:r>
+            <a:endParaRPr lang="en-DE"/>
+          </a:p>
+        </p:txBody>
+      </p:sp>
+      <p:sp>
+        <p:nvSpPr>
+          <p:cNvPr id="6" name="Foliennummernplatzhalter 5"/>
+          <p:cNvSpPr>
+            <a:spLocks noGrp="1"/>
+          </p:cNvSpPr>
+          <p:nvPr>
+            <p:ph type="sldNum" sz="quarter" idx="12"/>
+          </p:nvPr>
+        </p:nvSpPr>
+        <p:spPr/>
+        <p:txBody>
+          <a:bodyPr/>
+          <a:lstStyle/>
+          <a:p>
+            <a:fld id="{2919E40B-AC7D-4A7F-9508-598983C40C41}" type="slidenum">
+              <a:rPr lang="en-DE" smtClean="0"/>
+              <a:t>49</a:t>
+            </a:fld>
+            <a:endParaRPr lang="en-DE"/>
+          </a:p>
+        </p:txBody>
+      </p:sp>
+    </p:spTree>
+    <p:extLst>
+      <p:ext uri="{BB962C8B-B14F-4D97-AF65-F5344CB8AC3E}">
+        <p14:creationId xmlns:p14="http://schemas.microsoft.com/office/powerpoint/2010/main" val="1062093266"/>
       </p:ext>
     </p:extLst>
   </p:cSld>
@@ -13338,9 +14978,9 @@
           <a:bodyPr/>
           <a:lstStyle/>
           <a:p>
-            <a:fld id="{67CF5A85-3E7C-4C58-BDB5-0DE0F47C0987}" type="datetime1">
-              <a:rPr lang="LID4096" smtClean="0"/>
-              <a:t>04/25/2020</a:t>
+            <a:fld id="{B0C83EFA-1E27-4AB7-A444-7CFC95325E30}" type="datetime1">
+              <a:rPr lang="de-DE" smtClean="0"/>
+              <a:t>25.04.2020</a:t>
             </a:fld>
             <a:endParaRPr lang="en-DE"/>
           </a:p>
@@ -13408,6 +15048,395 @@
     <p:extLst>
       <p:ext uri="{BB962C8B-B14F-4D97-AF65-F5344CB8AC3E}">
         <p14:creationId xmlns:p14="http://schemas.microsoft.com/office/powerpoint/2010/main" val="1897653760"/>
+      </p:ext>
+    </p:extLst>
+  </p:cSld>
+  <p:clrMapOvr>
+    <a:masterClrMapping/>
+  </p:clrMapOvr>
+  <p:timing>
+    <p:tnLst>
+      <p:par>
+        <p:cTn id="1" dur="indefinite" restart="never" nodeType="tmRoot"/>
+      </p:par>
+    </p:tnLst>
+  </p:timing>
+</p:sld>
+</file>
+
+<file path=ppt/slides/slide50.xml><?xml version="1.0" encoding="utf-8"?>
+<p:sld xmlns:a="http://schemas.openxmlformats.org/drawingml/2006/main" xmlns:r="http://schemas.openxmlformats.org/officeDocument/2006/relationships" xmlns:p="http://schemas.openxmlformats.org/presentationml/2006/main">
+  <p:cSld>
+    <p:spTree>
+      <p:nvGrpSpPr>
+        <p:cNvPr id="1" name=""/>
+        <p:cNvGrpSpPr/>
+        <p:nvPr/>
+      </p:nvGrpSpPr>
+      <p:grpSpPr>
+        <a:xfrm>
+          <a:off x="0" y="0"/>
+          <a:ext cx="0" cy="0"/>
+          <a:chOff x="0" y="0"/>
+          <a:chExt cx="0" cy="0"/>
+        </a:xfrm>
+      </p:grpSpPr>
+      <p:sp>
+        <p:nvSpPr>
+          <p:cNvPr id="4" name="Titel 3">
+            <a:extLst>
+              <a:ext uri="{FF2B5EF4-FFF2-40B4-BE49-F238E27FC236}">
+                <a16:creationId xmlns:a16="http://schemas.microsoft.com/office/drawing/2014/main" id="{BAFEB9B6-68B7-493C-8627-50397D1A6789}"/>
+              </a:ext>
+            </a:extLst>
+          </p:cNvPr>
+          <p:cNvSpPr>
+            <a:spLocks noGrp="1"/>
+          </p:cNvSpPr>
+          <p:nvPr>
+            <p:ph type="title"/>
+          </p:nvPr>
+        </p:nvSpPr>
+        <p:spPr/>
+        <p:txBody>
+          <a:bodyPr/>
+          <a:lstStyle/>
+          <a:p>
+            <a:r>
+              <a:rPr lang="de-DE" dirty="0"/>
+              <a:t>Fazit</a:t>
+            </a:r>
+            <a:endParaRPr lang="en-DE" dirty="0"/>
+          </a:p>
+        </p:txBody>
+      </p:sp>
+      <p:sp>
+        <p:nvSpPr>
+          <p:cNvPr id="5" name="Textplatzhalter 4">
+            <a:extLst>
+              <a:ext uri="{FF2B5EF4-FFF2-40B4-BE49-F238E27FC236}">
+                <a16:creationId xmlns:a16="http://schemas.microsoft.com/office/drawing/2014/main" id="{731A542A-75E4-4029-991E-B47BD4E89059}"/>
+              </a:ext>
+            </a:extLst>
+          </p:cNvPr>
+          <p:cNvSpPr>
+            <a:spLocks noGrp="1"/>
+          </p:cNvSpPr>
+          <p:nvPr>
+            <p:ph type="body" idx="1"/>
+          </p:nvPr>
+        </p:nvSpPr>
+        <p:spPr/>
+        <p:txBody>
+          <a:bodyPr/>
+          <a:lstStyle/>
+          <a:p>
+            <a:endParaRPr lang="en-DE"/>
+          </a:p>
+        </p:txBody>
+      </p:sp>
+      <p:sp>
+        <p:nvSpPr>
+          <p:cNvPr id="2" name="Datumsplatzhalter 1">
+            <a:extLst>
+              <a:ext uri="{FF2B5EF4-FFF2-40B4-BE49-F238E27FC236}">
+                <a16:creationId xmlns:a16="http://schemas.microsoft.com/office/drawing/2014/main" id="{49457F69-AE03-4D16-9C06-26057A418395}"/>
+              </a:ext>
+            </a:extLst>
+          </p:cNvPr>
+          <p:cNvSpPr>
+            <a:spLocks noGrp="1"/>
+          </p:cNvSpPr>
+          <p:nvPr>
+            <p:ph type="dt" sz="half" idx="10"/>
+          </p:nvPr>
+        </p:nvSpPr>
+        <p:spPr/>
+        <p:txBody>
+          <a:bodyPr/>
+          <a:lstStyle/>
+          <a:p>
+            <a:fld id="{3D80DAC3-28B3-4721-94E6-1FA865219583}" type="datetime1">
+              <a:rPr lang="de-DE" smtClean="0"/>
+              <a:t>25.04.2020</a:t>
+            </a:fld>
+            <a:endParaRPr lang="en-DE"/>
+          </a:p>
+        </p:txBody>
+      </p:sp>
+      <p:sp>
+        <p:nvSpPr>
+          <p:cNvPr id="3" name="Foliennummernplatzhalter 2">
+            <a:extLst>
+              <a:ext uri="{FF2B5EF4-FFF2-40B4-BE49-F238E27FC236}">
+                <a16:creationId xmlns:a16="http://schemas.microsoft.com/office/drawing/2014/main" id="{9057D8EE-0F50-4ABF-B7D3-1D2A5F3784BB}"/>
+              </a:ext>
+            </a:extLst>
+          </p:cNvPr>
+          <p:cNvSpPr>
+            <a:spLocks noGrp="1"/>
+          </p:cNvSpPr>
+          <p:nvPr>
+            <p:ph type="sldNum" sz="quarter" idx="12"/>
+          </p:nvPr>
+        </p:nvSpPr>
+        <p:spPr/>
+        <p:txBody>
+          <a:bodyPr/>
+          <a:lstStyle/>
+          <a:p>
+            <a:fld id="{2919E40B-AC7D-4A7F-9508-598983C40C41}" type="slidenum">
+              <a:rPr lang="en-DE" smtClean="0"/>
+              <a:t>50</a:t>
+            </a:fld>
+            <a:endParaRPr lang="en-DE"/>
+          </a:p>
+        </p:txBody>
+      </p:sp>
+      <p:sp>
+        <p:nvSpPr>
+          <p:cNvPr id="6" name="Fußzeilenplatzhalter 5">
+            <a:extLst>
+              <a:ext uri="{FF2B5EF4-FFF2-40B4-BE49-F238E27FC236}">
+                <a16:creationId xmlns:a16="http://schemas.microsoft.com/office/drawing/2014/main" id="{5F37D782-8EC2-4B31-A4FB-79C2FD0FD8B2}"/>
+              </a:ext>
+            </a:extLst>
+          </p:cNvPr>
+          <p:cNvSpPr>
+            <a:spLocks noGrp="1"/>
+          </p:cNvSpPr>
+          <p:nvPr>
+            <p:ph type="ftr" sz="quarter" idx="11"/>
+          </p:nvPr>
+        </p:nvSpPr>
+        <p:spPr/>
+        <p:txBody>
+          <a:bodyPr/>
+          <a:lstStyle/>
+          <a:p>
+            <a:r>
+              <a:rPr lang="de-DE"/>
+              <a:t>MSI - Bilderkennung mit OpenCV</a:t>
+            </a:r>
+            <a:endParaRPr lang="en-DE"/>
+          </a:p>
+        </p:txBody>
+      </p:sp>
+    </p:spTree>
+    <p:extLst>
+      <p:ext uri="{BB962C8B-B14F-4D97-AF65-F5344CB8AC3E}">
+        <p14:creationId xmlns:p14="http://schemas.microsoft.com/office/powerpoint/2010/main" val="2488292896"/>
+      </p:ext>
+    </p:extLst>
+  </p:cSld>
+  <p:clrMapOvr>
+    <a:masterClrMapping/>
+  </p:clrMapOvr>
+</p:sld>
+</file>
+
+<file path=ppt/slides/slide51.xml><?xml version="1.0" encoding="utf-8"?>
+<p:sld xmlns:a="http://schemas.openxmlformats.org/drawingml/2006/main" xmlns:r="http://schemas.openxmlformats.org/officeDocument/2006/relationships" xmlns:p="http://schemas.openxmlformats.org/presentationml/2006/main">
+  <p:cSld>
+    <p:spTree>
+      <p:nvGrpSpPr>
+        <p:cNvPr id="1" name=""/>
+        <p:cNvGrpSpPr/>
+        <p:nvPr/>
+      </p:nvGrpSpPr>
+      <p:grpSpPr>
+        <a:xfrm>
+          <a:off x="0" y="0"/>
+          <a:ext cx="0" cy="0"/>
+          <a:chOff x="0" y="0"/>
+          <a:chExt cx="0" cy="0"/>
+        </a:xfrm>
+      </p:grpSpPr>
+      <p:sp>
+        <p:nvSpPr>
+          <p:cNvPr id="4" name="Titel 3">
+            <a:extLst>
+              <a:ext uri="{FF2B5EF4-FFF2-40B4-BE49-F238E27FC236}">
+                <a16:creationId xmlns:a16="http://schemas.microsoft.com/office/drawing/2014/main" id="{A8A55A97-58D3-453E-B442-CCA410A1463A}"/>
+              </a:ext>
+            </a:extLst>
+          </p:cNvPr>
+          <p:cNvSpPr>
+            <a:spLocks noGrp="1"/>
+          </p:cNvSpPr>
+          <p:nvPr>
+            <p:ph type="title"/>
+          </p:nvPr>
+        </p:nvSpPr>
+        <p:spPr/>
+        <p:txBody>
+          <a:bodyPr/>
+          <a:lstStyle/>
+          <a:p>
+            <a:r>
+              <a:rPr lang="de-DE" dirty="0"/>
+              <a:t>Quellen</a:t>
+            </a:r>
+          </a:p>
+        </p:txBody>
+      </p:sp>
+      <p:sp>
+        <p:nvSpPr>
+          <p:cNvPr id="5" name="Inhaltsplatzhalter 4">
+            <a:extLst>
+              <a:ext uri="{FF2B5EF4-FFF2-40B4-BE49-F238E27FC236}">
+                <a16:creationId xmlns:a16="http://schemas.microsoft.com/office/drawing/2014/main" id="{F89ED268-107B-43A7-8EA1-67C60BB5B1D2}"/>
+              </a:ext>
+            </a:extLst>
+          </p:cNvPr>
+          <p:cNvSpPr>
+            <a:spLocks noGrp="1"/>
+          </p:cNvSpPr>
+          <p:nvPr>
+            <p:ph idx="1"/>
+          </p:nvPr>
+        </p:nvSpPr>
+        <p:spPr/>
+        <p:txBody>
+          <a:bodyPr>
+            <a:normAutofit/>
+          </a:bodyPr>
+          <a:lstStyle/>
+          <a:p>
+            <a:r>
+              <a:rPr lang="de-DE" sz="1400" dirty="0">
+                <a:hlinkClick r:id="rId2"/>
+              </a:rPr>
+              <a:t>https://blog.notebooksbilliger.de/wp-content/uploads/2017/09/galaxy-note-8-face-unlock-unsicher-title.jpg</a:t>
+            </a:r>
+            <a:endParaRPr lang="de-DE" sz="1400" dirty="0"/>
+          </a:p>
+          <a:p>
+            <a:r>
+              <a:rPr lang="de-DE" sz="1400" dirty="0">
+                <a:hlinkClick r:id="rId3"/>
+              </a:rPr>
+              <a:t>https://www.supermarktblog.com/wp-content/uploads/2019/10/amazongo26a.jpg</a:t>
+            </a:r>
+            <a:endParaRPr lang="de-DE" sz="1400" dirty="0"/>
+          </a:p>
+          <a:p>
+            <a:r>
+              <a:rPr lang="de-DE" sz="1400" dirty="0">
+                <a:hlinkClick r:id="rId4"/>
+              </a:rPr>
+              <a:t>https://www.roedel.de/images/mrt_kopf/01.jpg</a:t>
+            </a:r>
+            <a:endParaRPr lang="de-DE" sz="1400" dirty="0"/>
+          </a:p>
+          <a:p>
+            <a:r>
+              <a:rPr lang="de-DE" sz="1400" dirty="0">
+                <a:hlinkClick r:id="rId5"/>
+              </a:rPr>
+              <a:t>https://imgs.chip.de/1UzVk4G67v4aP9ZB6R668P5uQOU=/618x0/filters:format(jpeg):fill(fff,true)/www.chip.de%2Fii%2F6%2F4%2F9%2F7%2F9%2F5%2F9%2F2%2F8f785e788c13c1a9.jpeg</a:t>
+            </a:r>
+            <a:endParaRPr lang="de-DE" sz="1400" dirty="0"/>
+          </a:p>
+          <a:p>
+            <a:r>
+              <a:rPr lang="de-DE" sz="1400" dirty="0"/>
+              <a:t>https://towardsdatascience.com/the-intuition-behind-facial-detection-the-viola-jones-algorithm-29d9106b6999</a:t>
+            </a:r>
+          </a:p>
+        </p:txBody>
+      </p:sp>
+      <p:sp>
+        <p:nvSpPr>
+          <p:cNvPr id="6" name="Datumsplatzhalter 5">
+            <a:extLst>
+              <a:ext uri="{FF2B5EF4-FFF2-40B4-BE49-F238E27FC236}">
+                <a16:creationId xmlns:a16="http://schemas.microsoft.com/office/drawing/2014/main" id="{543BA872-A9A3-468A-892B-1086BD034418}"/>
+              </a:ext>
+            </a:extLst>
+          </p:cNvPr>
+          <p:cNvSpPr>
+            <a:spLocks noGrp="1"/>
+          </p:cNvSpPr>
+          <p:nvPr>
+            <p:ph type="dt" sz="half" idx="10"/>
+          </p:nvPr>
+        </p:nvSpPr>
+        <p:spPr/>
+        <p:txBody>
+          <a:bodyPr/>
+          <a:lstStyle/>
+          <a:p>
+            <a:fld id="{0280BD05-374B-45A6-8F04-94237AE3833F}" type="datetime1">
+              <a:rPr lang="de-DE" smtClean="0"/>
+              <a:t>25.04.2020</a:t>
+            </a:fld>
+            <a:endParaRPr lang="en-DE"/>
+          </a:p>
+        </p:txBody>
+      </p:sp>
+      <p:sp>
+        <p:nvSpPr>
+          <p:cNvPr id="7" name="Foliennummernplatzhalter 6">
+            <a:extLst>
+              <a:ext uri="{FF2B5EF4-FFF2-40B4-BE49-F238E27FC236}">
+                <a16:creationId xmlns:a16="http://schemas.microsoft.com/office/drawing/2014/main" id="{6FAF5690-E1FD-411F-95AE-D293DD193CC2}"/>
+              </a:ext>
+            </a:extLst>
+          </p:cNvPr>
+          <p:cNvSpPr>
+            <a:spLocks noGrp="1"/>
+          </p:cNvSpPr>
+          <p:nvPr>
+            <p:ph type="sldNum" sz="quarter" idx="12"/>
+          </p:nvPr>
+        </p:nvSpPr>
+        <p:spPr/>
+        <p:txBody>
+          <a:bodyPr/>
+          <a:lstStyle/>
+          <a:p>
+            <a:fld id="{2919E40B-AC7D-4A7F-9508-598983C40C41}" type="slidenum">
+              <a:rPr lang="en-DE" smtClean="0"/>
+              <a:t>51</a:t>
+            </a:fld>
+            <a:endParaRPr lang="en-DE"/>
+          </a:p>
+        </p:txBody>
+      </p:sp>
+      <p:sp>
+        <p:nvSpPr>
+          <p:cNvPr id="8" name="Fußzeilenplatzhalter 7">
+            <a:extLst>
+              <a:ext uri="{FF2B5EF4-FFF2-40B4-BE49-F238E27FC236}">
+                <a16:creationId xmlns:a16="http://schemas.microsoft.com/office/drawing/2014/main" id="{A675CE37-1C9C-408C-A40F-40C23443F8CA}"/>
+              </a:ext>
+            </a:extLst>
+          </p:cNvPr>
+          <p:cNvSpPr>
+            <a:spLocks noGrp="1"/>
+          </p:cNvSpPr>
+          <p:nvPr>
+            <p:ph type="ftr" sz="quarter" idx="11"/>
+          </p:nvPr>
+        </p:nvSpPr>
+        <p:spPr/>
+        <p:txBody>
+          <a:bodyPr/>
+          <a:lstStyle/>
+          <a:p>
+            <a:r>
+              <a:rPr lang="de-DE"/>
+              <a:t>MSI - Bilderkennung mit OpenCV</a:t>
+            </a:r>
+            <a:endParaRPr lang="en-DE"/>
+          </a:p>
+        </p:txBody>
+      </p:sp>
+    </p:spTree>
+    <p:extLst>
+      <p:ext uri="{BB962C8B-B14F-4D97-AF65-F5344CB8AC3E}">
+        <p14:creationId xmlns:p14="http://schemas.microsoft.com/office/powerpoint/2010/main" val="3978471983"/>
       </p:ext>
     </p:extLst>
   </p:cSld>
@@ -13509,9 +15538,9 @@
           <a:bodyPr/>
           <a:lstStyle/>
           <a:p>
-            <a:fld id="{6719710C-B7F8-4B52-B15A-8D841B21357A}" type="datetime1">
-              <a:rPr lang="LID4096" smtClean="0"/>
-              <a:t>04/25/2020</a:t>
+            <a:fld id="{38FAC895-AB37-4F42-8365-B7E76335E480}" type="datetime1">
+              <a:rPr lang="de-DE" smtClean="0"/>
+              <a:t>25.04.2020</a:t>
             </a:fld>
             <a:endParaRPr lang="en-DE"/>
           </a:p>
@@ -13568,10 +15597,14 @@
           <a:lstStyle/>
           <a:p>
             <a:r>
-              <a:rPr lang="de-DE"/>
-              <a:t>MSI - Bilderkennung mit OpenCV</a:t>
-            </a:r>
-            <a:endParaRPr lang="en-DE"/>
+              <a:rPr lang="de-DE" dirty="0"/>
+              <a:t>MSI - Bilderkennung mit </a:t>
+            </a:r>
+            <a:r>
+              <a:rPr lang="de-DE" dirty="0" err="1"/>
+              <a:t>OpenCV</a:t>
+            </a:r>
+            <a:endParaRPr lang="en-DE" dirty="0"/>
           </a:p>
         </p:txBody>
       </p:sp>
@@ -13585,6 +15618,13 @@
   <p:clrMapOvr>
     <a:masterClrMapping/>
   </p:clrMapOvr>
+  <p:timing>
+    <p:tnLst>
+      <p:par>
+        <p:cTn id="1" dur="indefinite" restart="never" nodeType="tmRoot"/>
+      </p:par>
+    </p:tnLst>
+  </p:timing>
 </p:sld>
 </file>
 
@@ -13747,9 +15787,9 @@
           <a:bodyPr/>
           <a:lstStyle/>
           <a:p>
-            <a:fld id="{FDFE1347-494D-42E8-9A65-645B45E55224}" type="datetime1">
-              <a:rPr lang="LID4096" smtClean="0"/>
-              <a:t>04/25/2020</a:t>
+            <a:fld id="{F70D49B8-27A4-4098-AE86-94E68602AB44}" type="datetime1">
+              <a:rPr lang="de-DE" smtClean="0"/>
+              <a:t>25.04.2020</a:t>
             </a:fld>
             <a:endParaRPr lang="en-DE"/>
           </a:p>
@@ -13895,6 +15935,13 @@
   <p:clrMapOvr>
     <a:masterClrMapping/>
   </p:clrMapOvr>
+  <p:timing>
+    <p:tnLst>
+      <p:par>
+        <p:cTn id="1" dur="indefinite" restart="never" nodeType="tmRoot"/>
+      </p:par>
+    </p:tnLst>
+  </p:timing>
 </p:sld>
 </file>
 
@@ -13984,9 +16031,9 @@
           <a:bodyPr/>
           <a:lstStyle/>
           <a:p>
-            <a:fld id="{18C8AB18-199E-4DA5-9A7C-AC3F0DF1F84A}" type="datetime1">
-              <a:rPr lang="LID4096" smtClean="0"/>
-              <a:t>04/25/2020</a:t>
+            <a:fld id="{C08342F3-1903-4281-9F86-C133C38F8BF6}" type="datetime1">
+              <a:rPr lang="de-DE" smtClean="0"/>
+              <a:t>25.04.2020</a:t>
             </a:fld>
             <a:endParaRPr lang="en-DE"/>
           </a:p>
@@ -14177,9 +16224,9 @@
           <a:bodyPr/>
           <a:lstStyle/>
           <a:p>
-            <a:fld id="{18C8AB18-199E-4DA5-9A7C-AC3F0DF1F84A}" type="datetime1">
-              <a:rPr lang="LID4096" smtClean="0"/>
-              <a:t>04/25/2020</a:t>
+            <a:fld id="{F0D3371F-D8EE-4350-ADD9-58886A29D576}" type="datetime1">
+              <a:rPr lang="de-DE" smtClean="0"/>
+              <a:t>25.04.2020</a:t>
             </a:fld>
             <a:endParaRPr lang="en-DE"/>
           </a:p>
@@ -14844,4 +16891,265 @@
     </a:ext>
   </a:extLst>
 </a:theme>
+</file>
+
+<file path=ppt/theme/theme3.xml><?xml version="1.0" encoding="utf-8"?>
+<a:theme xmlns:a="http://schemas.openxmlformats.org/drawingml/2006/main" name="Office">
+  <a:themeElements>
+    <a:clrScheme name="Office">
+      <a:dk1>
+        <a:sysClr val="windowText" lastClr="000000"/>
+      </a:dk1>
+      <a:lt1>
+        <a:sysClr val="window" lastClr="FFFFFF"/>
+      </a:lt1>
+      <a:dk2>
+        <a:srgbClr val="44546A"/>
+      </a:dk2>
+      <a:lt2>
+        <a:srgbClr val="E7E6E6"/>
+      </a:lt2>
+      <a:accent1>
+        <a:srgbClr val="5B9BD5"/>
+      </a:accent1>
+      <a:accent2>
+        <a:srgbClr val="ED7D31"/>
+      </a:accent2>
+      <a:accent3>
+        <a:srgbClr val="A5A5A5"/>
+      </a:accent3>
+      <a:accent4>
+        <a:srgbClr val="FFC000"/>
+      </a:accent4>
+      <a:accent5>
+        <a:srgbClr val="4472C4"/>
+      </a:accent5>
+      <a:accent6>
+        <a:srgbClr val="70AD47"/>
+      </a:accent6>
+      <a:hlink>
+        <a:srgbClr val="0563C1"/>
+      </a:hlink>
+      <a:folHlink>
+        <a:srgbClr val="954F72"/>
+      </a:folHlink>
+    </a:clrScheme>
+    <a:fontScheme name="Office">
+      <a:majorFont>
+        <a:latin typeface="Calibri Light" panose="020F0302020204030204"/>
+        <a:ea typeface=""/>
+        <a:cs typeface=""/>
+        <a:font script="Jpan" typeface="游ゴシック Light"/>
+        <a:font script="Hang" typeface="맑은 고딕"/>
+        <a:font script="Hans" typeface="等线 Light"/>
+        <a:font script="Hant" typeface="新細明體"/>
+        <a:font script="Arab" typeface="Times New Roman"/>
+        <a:font script="Hebr" typeface="Times New Roman"/>
+        <a:font script="Thai" typeface="Angsana New"/>
+        <a:font script="Ethi" typeface="Nyala"/>
+        <a:font script="Beng" typeface="Vrinda"/>
+        <a:font script="Gujr" typeface="Shruti"/>
+        <a:font script="Khmr" typeface="MoolBoran"/>
+        <a:font script="Knda" typeface="Tunga"/>
+        <a:font script="Guru" typeface="Raavi"/>
+        <a:font script="Cans" typeface="Euphemia"/>
+        <a:font script="Cher" typeface="Plantagenet Cherokee"/>
+        <a:font script="Yiii" typeface="Microsoft Yi Baiti"/>
+        <a:font script="Tibt" typeface="Microsoft Himalaya"/>
+        <a:font script="Thaa" typeface="MV Boli"/>
+        <a:font script="Deva" typeface="Mangal"/>
+        <a:font script="Telu" typeface="Gautami"/>
+        <a:font script="Taml" typeface="Latha"/>
+        <a:font script="Syrc" typeface="Estrangelo Edessa"/>
+        <a:font script="Orya" typeface="Kalinga"/>
+        <a:font script="Mlym" typeface="Kartika"/>
+        <a:font script="Laoo" typeface="DokChampa"/>
+        <a:font script="Sinh" typeface="Iskoola Pota"/>
+        <a:font script="Mong" typeface="Mongolian Baiti"/>
+        <a:font script="Viet" typeface="Times New Roman"/>
+        <a:font script="Uigh" typeface="Microsoft Uighur"/>
+        <a:font script="Geor" typeface="Sylfaen"/>
+      </a:majorFont>
+      <a:minorFont>
+        <a:latin typeface="Calibri" panose="020F0502020204030204"/>
+        <a:ea typeface=""/>
+        <a:cs typeface=""/>
+        <a:font script="Jpan" typeface="游ゴシック"/>
+        <a:font script="Hang" typeface="맑은 고딕"/>
+        <a:font script="Hans" typeface="等线"/>
+        <a:font script="Hant" typeface="新細明體"/>
+        <a:font script="Arab" typeface="Arial"/>
+        <a:font script="Hebr" typeface="Arial"/>
+        <a:font script="Thai" typeface="Cordia New"/>
+        <a:font script="Ethi" typeface="Nyala"/>
+        <a:font script="Beng" typeface="Vrinda"/>
+        <a:font script="Gujr" typeface="Shruti"/>
+        <a:font script="Khmr" typeface="DaunPenh"/>
+        <a:font script="Knda" typeface="Tunga"/>
+        <a:font script="Guru" typeface="Raavi"/>
+        <a:font script="Cans" typeface="Euphemia"/>
+        <a:font script="Cher" typeface="Plantagenet Cherokee"/>
+        <a:font script="Yiii" typeface="Microsoft Yi Baiti"/>
+        <a:font script="Tibt" typeface="Microsoft Himalaya"/>
+        <a:font script="Thaa" typeface="MV Boli"/>
+        <a:font script="Deva" typeface="Mangal"/>
+        <a:font script="Telu" typeface="Gautami"/>
+        <a:font script="Taml" typeface="Latha"/>
+        <a:font script="Syrc" typeface="Estrangelo Edessa"/>
+        <a:font script="Orya" typeface="Kalinga"/>
+        <a:font script="Mlym" typeface="Kartika"/>
+        <a:font script="Laoo" typeface="DokChampa"/>
+        <a:font script="Sinh" typeface="Iskoola Pota"/>
+        <a:font script="Mong" typeface="Mongolian Baiti"/>
+        <a:font script="Viet" typeface="Arial"/>
+        <a:font script="Uigh" typeface="Microsoft Uighur"/>
+        <a:font script="Geor" typeface="Sylfaen"/>
+      </a:minorFont>
+    </a:fontScheme>
+    <a:fmtScheme name="Office">
+      <a:fillStyleLst>
+        <a:solidFill>
+          <a:schemeClr val="phClr"/>
+        </a:solidFill>
+        <a:gradFill rotWithShape="1">
+          <a:gsLst>
+            <a:gs pos="0">
+              <a:schemeClr val="phClr">
+                <a:lumMod val="110000"/>
+                <a:satMod val="105000"/>
+                <a:tint val="67000"/>
+              </a:schemeClr>
+            </a:gs>
+            <a:gs pos="50000">
+              <a:schemeClr val="phClr">
+                <a:lumMod val="105000"/>
+                <a:satMod val="103000"/>
+                <a:tint val="73000"/>
+              </a:schemeClr>
+            </a:gs>
+            <a:gs pos="100000">
+              <a:schemeClr val="phClr">
+                <a:lumMod val="105000"/>
+                <a:satMod val="109000"/>
+                <a:tint val="81000"/>
+              </a:schemeClr>
+            </a:gs>
+          </a:gsLst>
+          <a:lin ang="5400000" scaled="0"/>
+        </a:gradFill>
+        <a:gradFill rotWithShape="1">
+          <a:gsLst>
+            <a:gs pos="0">
+              <a:schemeClr val="phClr">
+                <a:satMod val="103000"/>
+                <a:lumMod val="102000"/>
+                <a:tint val="94000"/>
+              </a:schemeClr>
+            </a:gs>
+            <a:gs pos="50000">
+              <a:schemeClr val="phClr">
+                <a:satMod val="110000"/>
+                <a:lumMod val="100000"/>
+                <a:shade val="100000"/>
+              </a:schemeClr>
+            </a:gs>
+            <a:gs pos="100000">
+              <a:schemeClr val="phClr">
+                <a:lumMod val="99000"/>
+                <a:satMod val="120000"/>
+                <a:shade val="78000"/>
+              </a:schemeClr>
+            </a:gs>
+          </a:gsLst>
+          <a:lin ang="5400000" scaled="0"/>
+        </a:gradFill>
+      </a:fillStyleLst>
+      <a:lnStyleLst>
+        <a:ln w="6350" cap="flat" cmpd="sng" algn="ctr">
+          <a:solidFill>
+            <a:schemeClr val="phClr"/>
+          </a:solidFill>
+          <a:prstDash val="solid"/>
+          <a:miter lim="800000"/>
+        </a:ln>
+        <a:ln w="12700" cap="flat" cmpd="sng" algn="ctr">
+          <a:solidFill>
+            <a:schemeClr val="phClr"/>
+          </a:solidFill>
+          <a:prstDash val="solid"/>
+          <a:miter lim="800000"/>
+        </a:ln>
+        <a:ln w="19050" cap="flat" cmpd="sng" algn="ctr">
+          <a:solidFill>
+            <a:schemeClr val="phClr"/>
+          </a:solidFill>
+          <a:prstDash val="solid"/>
+          <a:miter lim="800000"/>
+        </a:ln>
+      </a:lnStyleLst>
+      <a:effectStyleLst>
+        <a:effectStyle>
+          <a:effectLst/>
+        </a:effectStyle>
+        <a:effectStyle>
+          <a:effectLst/>
+        </a:effectStyle>
+        <a:effectStyle>
+          <a:effectLst>
+            <a:outerShdw blurRad="57150" dist="19050" dir="5400000" algn="ctr" rotWithShape="0">
+              <a:srgbClr val="000000">
+                <a:alpha val="63000"/>
+              </a:srgbClr>
+            </a:outerShdw>
+          </a:effectLst>
+        </a:effectStyle>
+      </a:effectStyleLst>
+      <a:bgFillStyleLst>
+        <a:solidFill>
+          <a:schemeClr val="phClr"/>
+        </a:solidFill>
+        <a:solidFill>
+          <a:schemeClr val="phClr">
+            <a:tint val="95000"/>
+            <a:satMod val="170000"/>
+          </a:schemeClr>
+        </a:solidFill>
+        <a:gradFill rotWithShape="1">
+          <a:gsLst>
+            <a:gs pos="0">
+              <a:schemeClr val="phClr">
+                <a:tint val="93000"/>
+                <a:satMod val="150000"/>
+                <a:shade val="98000"/>
+                <a:lumMod val="102000"/>
+              </a:schemeClr>
+            </a:gs>
+            <a:gs pos="50000">
+              <a:schemeClr val="phClr">
+                <a:tint val="98000"/>
+                <a:satMod val="130000"/>
+                <a:shade val="90000"/>
+                <a:lumMod val="103000"/>
+              </a:schemeClr>
+            </a:gs>
+            <a:gs pos="100000">
+              <a:schemeClr val="phClr">
+                <a:shade val="63000"/>
+                <a:satMod val="120000"/>
+              </a:schemeClr>
+            </a:gs>
+          </a:gsLst>
+          <a:lin ang="5400000" scaled="0"/>
+        </a:gradFill>
+      </a:bgFillStyleLst>
+    </a:fmtScheme>
+  </a:themeElements>
+  <a:objectDefaults/>
+  <a:extraClrSchemeLst/>
+  <a:extLst>
+    <a:ext uri="{05A4C25C-085E-4340-85A3-A5531E510DB2}">
+      <thm15:themeFamily xmlns:thm15="http://schemas.microsoft.com/office/thememl/2012/main" name="Office Theme" id="{62F939B6-93AF-4DB8-9C6B-D6C7DFDC589F}" vid="{4A3C46E8-61CC-4603-A589-7422A47A8E4A}"/>
+    </a:ext>
+  </a:extLst>
+</a:theme>
 </file>
--- a/Bilderkennung mit OpenCV.pptx
+++ b/Bilderkennung mit OpenCV.pptx
@@ -5,10 +5,10 @@
     <p:sldMasterId id="2147483648" r:id="rId1"/>
   </p:sldMasterIdLst>
   <p:notesMasterIdLst>
-    <p:notesMasterId r:id="rId53"/>
+    <p:notesMasterId r:id="rId51"/>
   </p:notesMasterIdLst>
   <p:handoutMasterIdLst>
-    <p:handoutMasterId r:id="rId54"/>
+    <p:handoutMasterId r:id="rId52"/>
   </p:handoutMasterIdLst>
   <p:sldIdLst>
     <p:sldId id="256" r:id="rId2"/>
@@ -53,15 +53,13 @@
     <p:sldId id="308" r:id="rId41"/>
     <p:sldId id="309" r:id="rId42"/>
     <p:sldId id="322" r:id="rId43"/>
-    <p:sldId id="310" r:id="rId44"/>
-    <p:sldId id="323" r:id="rId45"/>
-    <p:sldId id="311" r:id="rId46"/>
-    <p:sldId id="312" r:id="rId47"/>
-    <p:sldId id="315" r:id="rId48"/>
-    <p:sldId id="313" r:id="rId49"/>
-    <p:sldId id="314" r:id="rId50"/>
-    <p:sldId id="262" r:id="rId51"/>
-    <p:sldId id="275" r:id="rId52"/>
+    <p:sldId id="323" r:id="rId44"/>
+    <p:sldId id="324" r:id="rId45"/>
+    <p:sldId id="313" r:id="rId46"/>
+    <p:sldId id="314" r:id="rId47"/>
+    <p:sldId id="262" r:id="rId48"/>
+    <p:sldId id="325" r:id="rId49"/>
+    <p:sldId id="275" r:id="rId50"/>
   </p:sldIdLst>
   <p:sldSz cx="12192000" cy="6858000"/>
   <p:notesSz cx="6858000" cy="9144000"/>
@@ -1127,9 +1125,103 @@
           <a:p>
             <a:r>
               <a:rPr lang="de-DE" dirty="0" smtClean="0"/>
-              <a:t>Ergebnis was zeigt, dass die Maske auch auf rechtem Bild vollständig angelegt wurde</a:t>
-            </a:r>
+              <a:t>Vahid </a:t>
+            </a:r>
+            <a:r>
+              <a:rPr lang="de-DE" dirty="0" err="1" smtClean="0"/>
+              <a:t>Kezami</a:t>
+            </a:r>
+            <a:r>
+              <a:rPr lang="de-DE" dirty="0" smtClean="0"/>
+              <a:t> und Josephine</a:t>
+            </a:r>
+            <a:r>
+              <a:rPr lang="de-DE" baseline="0" dirty="0" smtClean="0"/>
+              <a:t> Sullivan: Face Landmark </a:t>
+            </a:r>
+            <a:r>
+              <a:rPr lang="de-DE" baseline="0" dirty="0" err="1" smtClean="0"/>
+              <a:t>Estimation</a:t>
+            </a:r>
+            <a:r>
+              <a:rPr lang="de-DE" baseline="0" dirty="0" smtClean="0"/>
+              <a:t> Algorithmus</a:t>
+            </a:r>
+          </a:p>
+          <a:p>
+            <a:pPr marL="171450" indent="-171450">
+              <a:buFont typeface="Arial" panose="020B0604020202020204" pitchFamily="34" charset="0"/>
+              <a:buChar char="•"/>
+            </a:pPr>
+            <a:r>
+              <a:rPr lang="de-DE" baseline="0" dirty="0" smtClean="0"/>
+              <a:t>68 Landmarks definiert, welche die meisten Gesichter haben</a:t>
+            </a:r>
+          </a:p>
+          <a:p>
+            <a:pPr marL="628650" lvl="1" indent="-171450">
+              <a:buFont typeface="Arial" panose="020B0604020202020204" pitchFamily="34" charset="0"/>
+              <a:buChar char="•"/>
+            </a:pPr>
+            <a:r>
+              <a:rPr lang="de-DE" baseline="0" dirty="0" smtClean="0"/>
+              <a:t>Augen, Nase und Mund deutlich markiert</a:t>
+            </a:r>
+          </a:p>
+          <a:p>
+            <a:pPr marL="628650" lvl="1" indent="-171450">
+              <a:buFont typeface="Arial" panose="020B0604020202020204" pitchFamily="34" charset="0"/>
+              <a:buChar char="•"/>
+            </a:pPr>
+            <a:r>
+              <a:rPr lang="de-DE" baseline="0" dirty="0" smtClean="0"/>
+              <a:t>Kinn und Augenbrauen als Grenzen festgelegt</a:t>
+            </a:r>
+          </a:p>
+          <a:p>
+            <a:pPr marL="171450" indent="-171450">
+              <a:buFont typeface="Arial" panose="020B0604020202020204" pitchFamily="34" charset="0"/>
+              <a:buChar char="•"/>
+            </a:pPr>
+            <a:r>
+              <a:rPr lang="de-DE" baseline="0" dirty="0" smtClean="0"/>
+              <a:t>Die erstellte Maske wird auf das Eingabebild angewandt. </a:t>
+            </a:r>
+          </a:p>
+          <a:p>
+            <a:pPr marL="171450" indent="-171450">
+              <a:buFont typeface="Arial" panose="020B0604020202020204" pitchFamily="34" charset="0"/>
+              <a:buChar char="•"/>
+            </a:pPr>
+            <a:r>
+              <a:rPr lang="de-DE" baseline="0" dirty="0" smtClean="0"/>
+              <a:t>Frontal kein Problem, anderer Winkel wird das Bild mit simplen Transformationen angepasst (Rotation, Skalierung…)</a:t>
+            </a:r>
+          </a:p>
+          <a:p>
+            <a:pPr marL="171450" indent="-171450">
+              <a:buFont typeface="Arial" panose="020B0604020202020204" pitchFamily="34" charset="0"/>
+              <a:buChar char="•"/>
+            </a:pPr>
             <a:endParaRPr lang="de-DE" baseline="0" dirty="0" smtClean="0"/>
+          </a:p>
+          <a:p>
+            <a:pPr marL="171450" indent="-171450">
+              <a:buFont typeface="Arial" panose="020B0604020202020204" pitchFamily="34" charset="0"/>
+              <a:buChar char="•"/>
+            </a:pPr>
+            <a:r>
+              <a:rPr lang="de-DE" baseline="0" dirty="0" smtClean="0"/>
+              <a:t>Ziel ist es die relevanten Merkmale wie Augen </a:t>
+            </a:r>
+            <a:r>
+              <a:rPr lang="de-DE" baseline="0" dirty="0" err="1" smtClean="0"/>
+              <a:t>etc</a:t>
+            </a:r>
+            <a:r>
+              <a:rPr lang="de-DE" baseline="0" dirty="0" smtClean="0"/>
+              <a:t> zu zentrieren, damit der nächste Schritt einfacher wird</a:t>
+            </a:r>
           </a:p>
           <a:p>
             <a:endParaRPr lang="de-DE" dirty="0"/>
@@ -1153,7 +1245,7 @@
           <a:p>
             <a:fld id="{822DCA9E-6AC6-4AB6-ADE9-9D0DA32568A3}" type="slidenum">
               <a:rPr lang="de-DE" smtClean="0"/>
-              <a:t>39</a:t>
+              <a:t>38</a:t>
             </a:fld>
             <a:endParaRPr lang="de-DE"/>
           </a:p>
@@ -1162,7 +1254,7 @@
     </p:spTree>
     <p:extLst>
       <p:ext uri="{BB962C8B-B14F-4D97-AF65-F5344CB8AC3E}">
-        <p14:creationId xmlns:p14="http://schemas.microsoft.com/office/powerpoint/2010/main" val="2014290038"/>
+        <p14:creationId xmlns:p14="http://schemas.microsoft.com/office/powerpoint/2010/main" val="4275210931"/>
       </p:ext>
     </p:extLst>
   </p:cSld>
@@ -1216,158 +1308,13 @@
           <a:bodyPr/>
           <a:lstStyle/>
           <a:p>
-            <a:pPr marL="171450" indent="-171450">
-              <a:buFont typeface="Arial" panose="020B0604020202020204" pitchFamily="34" charset="0"/>
-              <a:buChar char="•"/>
-            </a:pPr>
             <a:r>
               <a:rPr lang="de-DE" dirty="0" smtClean="0"/>
-              <a:t>Man versucht Messungen zu erstellen von einem Gesicht</a:t>
-            </a:r>
-          </a:p>
-          <a:p>
-            <a:pPr marL="628650" lvl="1" indent="-171450">
-              <a:buFont typeface="Arial" panose="020B0604020202020204" pitchFamily="34" charset="0"/>
-              <a:buChar char="•"/>
-            </a:pPr>
-            <a:r>
-              <a:rPr lang="de-DE" dirty="0" smtClean="0"/>
-              <a:t>Ohrengröße, Abstand zwischen den Augen, Länge des Nasenrückens</a:t>
-            </a:r>
-            <a:r>
-              <a:rPr lang="de-DE" baseline="0" dirty="0" smtClean="0"/>
-              <a:t> </a:t>
-            </a:r>
-            <a:r>
-              <a:rPr lang="de-DE" baseline="0" dirty="0" err="1" smtClean="0"/>
-              <a:t>etc</a:t>
-            </a:r>
-            <a:endParaRPr lang="de-DE" dirty="0" smtClean="0"/>
-          </a:p>
-          <a:p>
-            <a:pPr marL="171450" indent="-171450">
-              <a:buFont typeface="Arial" panose="020B0604020202020204" pitchFamily="34" charset="0"/>
-              <a:buChar char="•"/>
-            </a:pPr>
-            <a:r>
-              <a:rPr lang="de-DE" dirty="0" smtClean="0"/>
-              <a:t>Computer</a:t>
-            </a:r>
-            <a:r>
-              <a:rPr lang="de-DE" baseline="0" dirty="0" smtClean="0"/>
-              <a:t> arbeitet Pixelbasiert, also sind für uns Menschen offensichtliche Merkmale für ihn oft ungeeignet (</a:t>
-            </a:r>
-            <a:r>
-              <a:rPr lang="de-DE" baseline="0" dirty="0" err="1" smtClean="0"/>
-              <a:t>bsp.</a:t>
-            </a:r>
-            <a:r>
-              <a:rPr lang="de-DE" baseline="0" dirty="0" smtClean="0"/>
-              <a:t> Augenfarbe)</a:t>
-            </a:r>
-          </a:p>
-          <a:p>
-            <a:pPr marL="171450" indent="-171450">
-              <a:buFont typeface="Arial" panose="020B0604020202020204" pitchFamily="34" charset="0"/>
-              <a:buChar char="•"/>
-            </a:pPr>
-            <a:r>
-              <a:rPr lang="de-DE" baseline="0" dirty="0" err="1" smtClean="0"/>
-              <a:t>Deep</a:t>
-            </a:r>
-            <a:r>
-              <a:rPr lang="de-DE" baseline="0" dirty="0" smtClean="0"/>
-              <a:t> Learning soll helfen, dass der Computer selbst entscheidet was gute Messungen sind (CNN)</a:t>
-            </a:r>
-          </a:p>
-          <a:p>
-            <a:pPr marL="628650" lvl="1" indent="-171450">
-              <a:buFont typeface="Arial" panose="020B0604020202020204" pitchFamily="34" charset="0"/>
-              <a:buChar char="•"/>
-            </a:pPr>
-            <a:r>
-              <a:rPr lang="de-DE" baseline="0" dirty="0" smtClean="0"/>
-              <a:t>Das Netz wird darauf trainiert 128 Messungen von jedem Gesicht zu erstellen</a:t>
-            </a:r>
-          </a:p>
-          <a:p>
-            <a:pPr marL="1085850" lvl="2" indent="-171450">
-              <a:buFont typeface="Arial" panose="020B0604020202020204" pitchFamily="34" charset="0"/>
-              <a:buChar char="•"/>
-            </a:pPr>
-            <a:r>
-              <a:rPr lang="de-DE" baseline="0" dirty="0" smtClean="0"/>
-              <a:t>Bestes Training: Bild1 von </a:t>
-            </a:r>
-            <a:r>
-              <a:rPr lang="de-DE" baseline="0" dirty="0" err="1" smtClean="0"/>
-              <a:t>PersonA</a:t>
-            </a:r>
-            <a:r>
-              <a:rPr lang="de-DE" baseline="0" dirty="0" smtClean="0"/>
-              <a:t>, Bild2 von </a:t>
-            </a:r>
-            <a:r>
-              <a:rPr lang="de-DE" baseline="0" dirty="0" err="1" smtClean="0"/>
-              <a:t>PersonA</a:t>
-            </a:r>
-            <a:r>
-              <a:rPr lang="de-DE" baseline="0" dirty="0" smtClean="0"/>
-              <a:t> und Bild3 von </a:t>
-            </a:r>
-            <a:r>
-              <a:rPr lang="de-DE" baseline="0" dirty="0" err="1" smtClean="0"/>
-              <a:t>PersonB</a:t>
-            </a:r>
-            <a:r>
-              <a:rPr lang="de-DE" baseline="0" dirty="0" smtClean="0"/>
-              <a:t> werden zur gleichen Zeit betrachtet</a:t>
-            </a:r>
-          </a:p>
-          <a:p>
-            <a:pPr marL="1085850" lvl="2" indent="-171450">
-              <a:buFont typeface="Arial" panose="020B0604020202020204" pitchFamily="34" charset="0"/>
-              <a:buChar char="•"/>
-            </a:pPr>
-            <a:r>
-              <a:rPr lang="de-DE" baseline="0" dirty="0" smtClean="0"/>
-              <a:t>Algorithmus betrachtet die jeweilige Messung für jedes Bild</a:t>
-            </a:r>
-          </a:p>
-          <a:p>
-            <a:pPr marL="1085850" lvl="2" indent="-171450">
-              <a:buFont typeface="Arial" panose="020B0604020202020204" pitchFamily="34" charset="0"/>
-              <a:buChar char="•"/>
-            </a:pPr>
-            <a:r>
-              <a:rPr lang="de-DE" baseline="0" dirty="0" smtClean="0"/>
-              <a:t>Das Netz wird so angepasst, dass die Messungen zu Bild1 und Bild2 sich annähern und Bild2 und Bild3 sich entfernen</a:t>
-            </a:r>
-          </a:p>
-          <a:p>
-            <a:pPr marL="628650" lvl="1" indent="-171450">
-              <a:buFont typeface="Arial" panose="020B0604020202020204" pitchFamily="34" charset="0"/>
-              <a:buChar char="•"/>
-            </a:pPr>
-            <a:r>
-              <a:rPr lang="de-DE" baseline="0" dirty="0" smtClean="0"/>
-              <a:t>Das wird mehrere Millionen Male wiederholt, bis das Netz für jedes Gesicht diese 128 Messungen erstellen kann (Es gibt glücklicherweise sehr gute trainierte Netze, welche zur Verfügung gestellt werden)</a:t>
-            </a:r>
-            <a:endParaRPr lang="de-DE" dirty="0" smtClean="0"/>
-          </a:p>
-          <a:p>
-            <a:pPr marL="171450" indent="-171450">
-              <a:buFont typeface="Arial" panose="020B0604020202020204" pitchFamily="34" charset="0"/>
-              <a:buChar char="•"/>
-            </a:pPr>
-            <a:r>
-              <a:rPr lang="de-DE" dirty="0" smtClean="0"/>
-              <a:t>Was</a:t>
-            </a:r>
-            <a:r>
-              <a:rPr lang="de-DE" baseline="0" dirty="0" smtClean="0"/>
-              <a:t> diese 128 Messungen exakt aussagen weiß nur das Netz selbst, wichtig ist es dass die Zahlen bei zwei Bildern einer Person nahezu identisch sein sollten</a:t>
-            </a:r>
+              <a:t>Ergebnis was zeigt, dass die Maske auch auf rechtem Bild vollständig angelegt wurde</a:t>
+            </a:r>
+            <a:endParaRPr lang="de-DE" baseline="0" dirty="0" smtClean="0"/>
+          </a:p>
+          <a:p>
             <a:endParaRPr lang="de-DE" dirty="0"/>
           </a:p>
         </p:txBody>
@@ -1389,7 +1336,7 @@
           <a:p>
             <a:fld id="{822DCA9E-6AC6-4AB6-ADE9-9D0DA32568A3}" type="slidenum">
               <a:rPr lang="de-DE" smtClean="0"/>
-              <a:t>42</a:t>
+              <a:t>39</a:t>
             </a:fld>
             <a:endParaRPr lang="de-DE"/>
           </a:p>
@@ -1398,7 +1345,7 @@
     </p:spTree>
     <p:extLst>
       <p:ext uri="{BB962C8B-B14F-4D97-AF65-F5344CB8AC3E}">
-        <p14:creationId xmlns:p14="http://schemas.microsoft.com/office/powerpoint/2010/main" val="3530587230"/>
+        <p14:creationId xmlns:p14="http://schemas.microsoft.com/office/powerpoint/2010/main" val="2014290038"/>
       </p:ext>
     </p:extLst>
   </p:cSld>
@@ -1452,50 +1399,29 @@
           <a:bodyPr/>
           <a:lstStyle/>
           <a:p>
-            <a:pPr marL="171450" indent="-171450">
-              <a:buFont typeface="Arial" panose="020B0604020202020204" pitchFamily="34" charset="0"/>
-              <a:buChar char="•"/>
-            </a:pPr>
+            <a:r>
+              <a:rPr lang="de-DE" dirty="0" err="1" smtClean="0"/>
+              <a:t>Dlib</a:t>
+            </a:r>
             <a:r>
               <a:rPr lang="de-DE" dirty="0" smtClean="0"/>
-              <a:t>Eine </a:t>
-            </a:r>
-            <a:r>
-              <a:rPr lang="de-DE" dirty="0" err="1" smtClean="0"/>
-              <a:t>Cascade</a:t>
-            </a:r>
-            <a:r>
-              <a:rPr lang="de-DE" dirty="0" smtClean="0"/>
-              <a:t> hat</a:t>
+              <a:t> stellt</a:t>
             </a:r>
             <a:r>
               <a:rPr lang="de-DE" baseline="0" dirty="0" smtClean="0"/>
-              <a:t> zuerst 1 Feature, dann 5, dann 10, dann 50 </a:t>
+              <a:t> trainierte </a:t>
             </a:r>
             <a:r>
               <a:rPr lang="de-DE" baseline="0" dirty="0" err="1" smtClean="0"/>
-              <a:t>usw</a:t>
-            </a:r>
-            <a:endParaRPr lang="de-DE" baseline="0" dirty="0" smtClean="0"/>
-          </a:p>
-          <a:p>
-            <a:pPr marL="171450" indent="-171450">
-              <a:buFont typeface="Arial" panose="020B0604020202020204" pitchFamily="34" charset="0"/>
-              <a:buChar char="•"/>
-            </a:pPr>
+              <a:t>Landmarksdatei</a:t>
+            </a:r>
             <a:r>
               <a:rPr lang="de-DE" baseline="0" dirty="0" smtClean="0"/>
-              <a:t>Wenn beim ersten Feature schon ein negatives Ergebnis zurückkommt muss man die weiteren nicht durchlaufen und kann weiter</a:t>
-            </a:r>
-          </a:p>
-          <a:p>
-            <a:pPr marL="171450" indent="-171450">
-              <a:buFont typeface="Arial" panose="020B0604020202020204" pitchFamily="34" charset="0"/>
-              <a:buChar char="•"/>
-            </a:pPr>
-            <a:r>
-              <a:rPr lang="de-DE" baseline="0" dirty="0" smtClean="0"/>
-              <a:t>Erstes Feature ist das wichtigste</a:t>
+              <a:t> bereit für Face </a:t>
+            </a:r>
+            <a:r>
+              <a:rPr lang="de-DE" baseline="0" dirty="0" err="1" smtClean="0"/>
+              <a:t>Detection</a:t>
             </a:r>
             <a:endParaRPr lang="de-DE" dirty="0"/>
           </a:p>
@@ -1518,7 +1444,7 @@
           <a:p>
             <a:fld id="{822DCA9E-6AC6-4AB6-ADE9-9D0DA32568A3}" type="slidenum">
               <a:rPr lang="de-DE" smtClean="0"/>
-              <a:t>43</a:t>
+              <a:t>40</a:t>
             </a:fld>
             <a:endParaRPr lang="de-DE"/>
           </a:p>
@@ -1527,7 +1453,7 @@
     </p:spTree>
     <p:extLst>
       <p:ext uri="{BB962C8B-B14F-4D97-AF65-F5344CB8AC3E}">
-        <p14:creationId xmlns:p14="http://schemas.microsoft.com/office/powerpoint/2010/main" val="448086733"/>
+        <p14:creationId xmlns:p14="http://schemas.microsoft.com/office/powerpoint/2010/main" val="2169142320"/>
       </p:ext>
     </p:extLst>
   </p:cSld>
@@ -1587,25 +1513,27 @@
             </a:pPr>
             <a:r>
               <a:rPr lang="de-DE" dirty="0" smtClean="0"/>
-              <a:t>Eine </a:t>
-            </a:r>
-            <a:r>
-              <a:rPr lang="de-DE" dirty="0" err="1" smtClean="0"/>
-              <a:t>Cascade</a:t>
-            </a:r>
+              <a:t>Man versucht Messungen zu erstellen von einem Gesicht</a:t>
+            </a:r>
+          </a:p>
+          <a:p>
+            <a:pPr marL="628650" lvl="1" indent="-171450">
+              <a:buFont typeface="Arial" panose="020B0604020202020204" pitchFamily="34" charset="0"/>
+              <a:buChar char="•"/>
+            </a:pPr>
             <a:r>
               <a:rPr lang="de-DE" dirty="0" smtClean="0"/>
-              <a:t> hat</a:t>
+              <a:t>Ohrengröße, Abstand zwischen den Augen, Länge des Nasenrückens</a:t>
             </a:r>
             <a:r>
               <a:rPr lang="de-DE" baseline="0" dirty="0" smtClean="0"/>
-              <a:t> zuerst 1 Feature, dann 5, dann 10, dann 50 </a:t>
+              <a:t> </a:t>
             </a:r>
             <a:r>
               <a:rPr lang="de-DE" baseline="0" dirty="0" err="1" smtClean="0"/>
-              <a:t>usw</a:t>
-            </a:r>
-            <a:endParaRPr lang="de-DE" baseline="0" dirty="0" smtClean="0"/>
+              <a:t>etc</a:t>
+            </a:r>
+            <a:endParaRPr lang="de-DE" dirty="0" smtClean="0"/>
           </a:p>
           <a:p>
             <a:pPr marL="171450" indent="-171450">
@@ -1613,8 +1541,20 @@
               <a:buChar char="•"/>
             </a:pPr>
             <a:r>
+              <a:rPr lang="de-DE" dirty="0" smtClean="0"/>
+              <a:t>Computer</a:t>
+            </a:r>
+            <a:r>
               <a:rPr lang="de-DE" baseline="0" dirty="0" smtClean="0"/>
-              <a:t>Wenn beim ersten Feature schon ein negatives Ergebnis zurückkommt muss man die weiteren nicht durchlaufen und kann weiter</a:t>
+              <a:t> arbeitet Pixelbasiert, also sind für uns Menschen offensichtliche Merkmale für ihn oft ungeeignet (</a:t>
+            </a:r>
+            <a:r>
+              <a:rPr lang="de-DE" baseline="0" dirty="0" err="1" smtClean="0"/>
+              <a:t>bsp.</a:t>
+            </a:r>
+            <a:r>
+              <a:rPr lang="de-DE" baseline="0" dirty="0" smtClean="0"/>
+              <a:t> Augenfarbe)</a:t>
             </a:r>
           </a:p>
           <a:p>
@@ -1623,8 +1563,101 @@
               <a:buChar char="•"/>
             </a:pPr>
             <a:r>
+              <a:rPr lang="de-DE" baseline="0" dirty="0" err="1" smtClean="0"/>
+              <a:t>Deep</a:t>
+            </a:r>
+            <a:r>
               <a:rPr lang="de-DE" baseline="0" dirty="0" smtClean="0"/>
-              <a:t>Erstes Feature ist das wichtigste</a:t>
+              <a:t> Learning soll helfen, dass der Computer selbst entscheidet was gute Messungen sind (CNN)</a:t>
+            </a:r>
+          </a:p>
+          <a:p>
+            <a:pPr marL="628650" lvl="1" indent="-171450">
+              <a:buFont typeface="Arial" panose="020B0604020202020204" pitchFamily="34" charset="0"/>
+              <a:buChar char="•"/>
+            </a:pPr>
+            <a:r>
+              <a:rPr lang="de-DE" baseline="0" dirty="0" smtClean="0"/>
+              <a:t>Das Netz wird darauf trainiert 128 Messungen von jedem Gesicht zu erstellen</a:t>
+            </a:r>
+          </a:p>
+          <a:p>
+            <a:pPr marL="1085850" lvl="2" indent="-171450">
+              <a:buFont typeface="Arial" panose="020B0604020202020204" pitchFamily="34" charset="0"/>
+              <a:buChar char="•"/>
+            </a:pPr>
+            <a:r>
+              <a:rPr lang="de-DE" baseline="0" dirty="0" smtClean="0"/>
+              <a:t>Bestes Training: Bild1 von </a:t>
+            </a:r>
+            <a:r>
+              <a:rPr lang="de-DE" baseline="0" dirty="0" err="1" smtClean="0"/>
+              <a:t>PersonA</a:t>
+            </a:r>
+            <a:r>
+              <a:rPr lang="de-DE" baseline="0" dirty="0" smtClean="0"/>
+              <a:t>, Bild2 von </a:t>
+            </a:r>
+            <a:r>
+              <a:rPr lang="de-DE" baseline="0" dirty="0" err="1" smtClean="0"/>
+              <a:t>PersonA</a:t>
+            </a:r>
+            <a:r>
+              <a:rPr lang="de-DE" baseline="0" dirty="0" smtClean="0"/>
+              <a:t> und Bild3 von </a:t>
+            </a:r>
+            <a:r>
+              <a:rPr lang="de-DE" baseline="0" dirty="0" err="1" smtClean="0"/>
+              <a:t>PersonB</a:t>
+            </a:r>
+            <a:r>
+              <a:rPr lang="de-DE" baseline="0" dirty="0" smtClean="0"/>
+              <a:t> werden zur gleichen Zeit betrachtet</a:t>
+            </a:r>
+          </a:p>
+          <a:p>
+            <a:pPr marL="1085850" lvl="2" indent="-171450">
+              <a:buFont typeface="Arial" panose="020B0604020202020204" pitchFamily="34" charset="0"/>
+              <a:buChar char="•"/>
+            </a:pPr>
+            <a:r>
+              <a:rPr lang="de-DE" baseline="0" dirty="0" smtClean="0"/>
+              <a:t>Algorithmus betrachtet die jeweilige Messung für jedes Bild</a:t>
+            </a:r>
+          </a:p>
+          <a:p>
+            <a:pPr marL="1085850" lvl="2" indent="-171450">
+              <a:buFont typeface="Arial" panose="020B0604020202020204" pitchFamily="34" charset="0"/>
+              <a:buChar char="•"/>
+            </a:pPr>
+            <a:r>
+              <a:rPr lang="de-DE" baseline="0" dirty="0" smtClean="0"/>
+              <a:t>Das Netz wird so angepasst, dass die Messungen zu Bild1 und Bild2 sich annähern und Bild2 und Bild3 sich entfernen</a:t>
+            </a:r>
+          </a:p>
+          <a:p>
+            <a:pPr marL="628650" lvl="1" indent="-171450">
+              <a:buFont typeface="Arial" panose="020B0604020202020204" pitchFamily="34" charset="0"/>
+              <a:buChar char="•"/>
+            </a:pPr>
+            <a:r>
+              <a:rPr lang="de-DE" baseline="0" dirty="0" smtClean="0"/>
+              <a:t>Das wird mehrere Millionen Male wiederholt, bis das Netz für jedes Gesicht diese 128 Messungen erstellen kann (Es gibt glücklicherweise sehr gute trainierte Netze, welche zur Verfügung gestellt werden)</a:t>
+            </a:r>
+            <a:endParaRPr lang="de-DE" dirty="0" smtClean="0"/>
+          </a:p>
+          <a:p>
+            <a:pPr marL="171450" indent="-171450">
+              <a:buFont typeface="Arial" panose="020B0604020202020204" pitchFamily="34" charset="0"/>
+              <a:buChar char="•"/>
+            </a:pPr>
+            <a:r>
+              <a:rPr lang="de-DE" dirty="0" smtClean="0"/>
+              <a:t>Was</a:t>
+            </a:r>
+            <a:r>
+              <a:rPr lang="de-DE" baseline="0" dirty="0" smtClean="0"/>
+              <a:t> diese 128 Messungen exakt aussagen weiß nur das Netz selbst, wichtig ist es dass die Zahlen bei zwei Bildern einer Person nahezu identisch sein sollten</a:t>
             </a:r>
             <a:endParaRPr lang="de-DE" dirty="0"/>
           </a:p>
@@ -1647,7 +1680,7 @@
           <a:p>
             <a:fld id="{822DCA9E-6AC6-4AB6-ADE9-9D0DA32568A3}" type="slidenum">
               <a:rPr lang="de-DE" smtClean="0"/>
-              <a:t>44</a:t>
+              <a:t>42</a:t>
             </a:fld>
             <a:endParaRPr lang="de-DE"/>
           </a:p>
@@ -1656,7 +1689,7 @@
     </p:spTree>
     <p:extLst>
       <p:ext uri="{BB962C8B-B14F-4D97-AF65-F5344CB8AC3E}">
-        <p14:creationId xmlns:p14="http://schemas.microsoft.com/office/powerpoint/2010/main" val="3104061401"/>
+        <p14:creationId xmlns:p14="http://schemas.microsoft.com/office/powerpoint/2010/main" val="3530587230"/>
       </p:ext>
     </p:extLst>
   </p:cSld>
@@ -1714,46 +1747,201 @@
               <a:buFont typeface="Arial" panose="020B0604020202020204" pitchFamily="34" charset="0"/>
               <a:buChar char="•"/>
             </a:pPr>
-            <a:r>
-              <a:rPr lang="de-DE" dirty="0" smtClean="0"/>
-              <a:t>Eine </a:t>
-            </a:r>
-            <a:r>
-              <a:rPr lang="de-DE" dirty="0" err="1" smtClean="0"/>
-              <a:t>Cascade</a:t>
-            </a:r>
-            <a:r>
-              <a:rPr lang="de-DE" dirty="0" smtClean="0"/>
-              <a:t> hat</a:t>
-            </a:r>
-            <a:r>
-              <a:rPr lang="de-DE" baseline="0" dirty="0" smtClean="0"/>
-              <a:t> zuerst 1 Feature, dann 5, dann 10, dann 50 </a:t>
-            </a:r>
-            <a:r>
-              <a:rPr lang="de-DE" baseline="0" dirty="0" err="1" smtClean="0"/>
-              <a:t>usw</a:t>
-            </a:r>
-            <a:endParaRPr lang="de-DE" baseline="0" dirty="0" smtClean="0"/>
-          </a:p>
+            <a:endParaRPr lang="de-DE" dirty="0"/>
+          </a:p>
+        </p:txBody>
+      </p:sp>
+      <p:sp>
+        <p:nvSpPr>
+          <p:cNvPr id="4" name="Foliennummernplatzhalter 3"/>
+          <p:cNvSpPr>
+            <a:spLocks noGrp="1"/>
+          </p:cNvSpPr>
+          <p:nvPr>
+            <p:ph type="sldNum" sz="quarter" idx="10"/>
+          </p:nvPr>
+        </p:nvSpPr>
+        <p:spPr/>
+        <p:txBody>
+          <a:bodyPr/>
+          <a:lstStyle/>
+          <a:p>
+            <a:fld id="{822DCA9E-6AC6-4AB6-ADE9-9D0DA32568A3}" type="slidenum">
+              <a:rPr lang="de-DE" smtClean="0"/>
+              <a:t>43</a:t>
+            </a:fld>
+            <a:endParaRPr lang="de-DE"/>
+          </a:p>
+        </p:txBody>
+      </p:sp>
+    </p:spTree>
+    <p:extLst>
+      <p:ext uri="{BB962C8B-B14F-4D97-AF65-F5344CB8AC3E}">
+        <p14:creationId xmlns:p14="http://schemas.microsoft.com/office/powerpoint/2010/main" val="3104061401"/>
+      </p:ext>
+    </p:extLst>
+  </p:cSld>
+  <p:clrMapOvr>
+    <a:masterClrMapping/>
+  </p:clrMapOvr>
+</p:notes>
+</file>
+
+<file path=ppt/notesSlides/notesSlide15.xml><?xml version="1.0" encoding="utf-8"?>
+<p:notes xmlns:a="http://schemas.openxmlformats.org/drawingml/2006/main" xmlns:r="http://schemas.openxmlformats.org/officeDocument/2006/relationships" xmlns:p="http://schemas.openxmlformats.org/presentationml/2006/main">
+  <p:cSld>
+    <p:spTree>
+      <p:nvGrpSpPr>
+        <p:cNvPr id="1" name=""/>
+        <p:cNvGrpSpPr/>
+        <p:nvPr/>
+      </p:nvGrpSpPr>
+      <p:grpSpPr>
+        <a:xfrm>
+          <a:off x="0" y="0"/>
+          <a:ext cx="0" cy="0"/>
+          <a:chOff x="0" y="0"/>
+          <a:chExt cx="0" cy="0"/>
+        </a:xfrm>
+      </p:grpSpPr>
+      <p:sp>
+        <p:nvSpPr>
+          <p:cNvPr id="2" name="Folienbildplatzhalter 1"/>
+          <p:cNvSpPr>
+            <a:spLocks noGrp="1" noRot="1" noChangeAspect="1"/>
+          </p:cNvSpPr>
+          <p:nvPr>
+            <p:ph type="sldImg"/>
+          </p:nvPr>
+        </p:nvSpPr>
+        <p:spPr/>
+      </p:sp>
+      <p:sp>
+        <p:nvSpPr>
+          <p:cNvPr id="3" name="Notizenplatzhalter 2"/>
+          <p:cNvSpPr>
+            <a:spLocks noGrp="1"/>
+          </p:cNvSpPr>
+          <p:nvPr>
+            <p:ph type="body" idx="1"/>
+          </p:nvPr>
+        </p:nvSpPr>
+        <p:spPr/>
+        <p:txBody>
+          <a:bodyPr/>
+          <a:lstStyle/>
           <a:p>
             <a:pPr marL="171450" indent="-171450">
               <a:buFont typeface="Arial" panose="020B0604020202020204" pitchFamily="34" charset="0"/>
               <a:buChar char="•"/>
             </a:pPr>
+            <a:endParaRPr lang="de-DE" dirty="0"/>
+          </a:p>
+        </p:txBody>
+      </p:sp>
+      <p:sp>
+        <p:nvSpPr>
+          <p:cNvPr id="4" name="Foliennummernplatzhalter 3"/>
+          <p:cNvSpPr>
+            <a:spLocks noGrp="1"/>
+          </p:cNvSpPr>
+          <p:nvPr>
+            <p:ph type="sldNum" sz="quarter" idx="10"/>
+          </p:nvPr>
+        </p:nvSpPr>
+        <p:spPr/>
+        <p:txBody>
+          <a:bodyPr/>
+          <a:lstStyle/>
+          <a:p>
+            <a:fld id="{822DCA9E-6AC6-4AB6-ADE9-9D0DA32568A3}" type="slidenum">
+              <a:rPr lang="de-DE" smtClean="0"/>
+              <a:t>44</a:t>
+            </a:fld>
+            <a:endParaRPr lang="de-DE"/>
+          </a:p>
+        </p:txBody>
+      </p:sp>
+    </p:spTree>
+    <p:extLst>
+      <p:ext uri="{BB962C8B-B14F-4D97-AF65-F5344CB8AC3E}">
+        <p14:creationId xmlns:p14="http://schemas.microsoft.com/office/powerpoint/2010/main" val="2209984820"/>
+      </p:ext>
+    </p:extLst>
+  </p:cSld>
+  <p:clrMapOvr>
+    <a:masterClrMapping/>
+  </p:clrMapOvr>
+</p:notes>
+</file>
+
+<file path=ppt/notesSlides/notesSlide16.xml><?xml version="1.0" encoding="utf-8"?>
+<p:notes xmlns:a="http://schemas.openxmlformats.org/drawingml/2006/main" xmlns:r="http://schemas.openxmlformats.org/officeDocument/2006/relationships" xmlns:p="http://schemas.openxmlformats.org/presentationml/2006/main">
+  <p:cSld>
+    <p:spTree>
+      <p:nvGrpSpPr>
+        <p:cNvPr id="1" name=""/>
+        <p:cNvGrpSpPr/>
+        <p:nvPr/>
+      </p:nvGrpSpPr>
+      <p:grpSpPr>
+        <a:xfrm>
+          <a:off x="0" y="0"/>
+          <a:ext cx="0" cy="0"/>
+          <a:chOff x="0" y="0"/>
+          <a:chExt cx="0" cy="0"/>
+        </a:xfrm>
+      </p:grpSpPr>
+      <p:sp>
+        <p:nvSpPr>
+          <p:cNvPr id="2" name="Folienbildplatzhalter 1"/>
+          <p:cNvSpPr>
+            <a:spLocks noGrp="1" noRot="1" noChangeAspect="1"/>
+          </p:cNvSpPr>
+          <p:nvPr>
+            <p:ph type="sldImg"/>
+          </p:nvPr>
+        </p:nvSpPr>
+        <p:spPr/>
+      </p:sp>
+      <p:sp>
+        <p:nvSpPr>
+          <p:cNvPr id="3" name="Notizenplatzhalter 2"/>
+          <p:cNvSpPr>
+            <a:spLocks noGrp="1"/>
+          </p:cNvSpPr>
+          <p:nvPr>
+            <p:ph type="body" idx="1"/>
+          </p:nvPr>
+        </p:nvSpPr>
+        <p:spPr/>
+        <p:txBody>
+          <a:bodyPr/>
+          <a:lstStyle/>
+          <a:p>
+            <a:r>
+              <a:rPr lang="de-DE" dirty="0" err="1" smtClean="0"/>
+              <a:t>Evtl</a:t>
+            </a:r>
+            <a:r>
+              <a:rPr lang="de-DE" dirty="0" smtClean="0"/>
+              <a:t> </a:t>
+            </a:r>
+            <a:r>
+              <a:rPr lang="de-DE" smtClean="0"/>
+              <a:t>hier Alterseinschätzung</a:t>
+            </a:r>
+            <a:r>
+              <a:rPr lang="de-DE" baseline="0" smtClean="0"/>
+              <a:t> </a:t>
+            </a:r>
+            <a:r>
+              <a:rPr lang="de-DE" baseline="0" dirty="0" err="1" smtClean="0"/>
+              <a:t>etc</a:t>
+            </a:r>
             <a:r>
               <a:rPr lang="de-DE" baseline="0" dirty="0" smtClean="0"/>
-              <a:t>Wenn beim ersten Feature schon ein negatives Ergebnis zurückkommt muss man die weiteren nicht durchlaufen und kann weiter</a:t>
-            </a:r>
-          </a:p>
-          <a:p>
-            <a:pPr marL="171450" indent="-171450">
-              <a:buFont typeface="Arial" panose="020B0604020202020204" pitchFamily="34" charset="0"/>
-              <a:buChar char="•"/>
-            </a:pPr>
-            <a:r>
-              <a:rPr lang="de-DE" baseline="0" dirty="0" smtClean="0"/>
-              <a:t>Erstes Feature ist das wichtigste</a:t>
+              <a:t> einbauen</a:t>
             </a:r>
             <a:endParaRPr lang="de-DE" dirty="0"/>
           </a:p>
@@ -1785,7 +1973,7 @@
     </p:spTree>
     <p:extLst>
       <p:ext uri="{BB962C8B-B14F-4D97-AF65-F5344CB8AC3E}">
-        <p14:creationId xmlns:p14="http://schemas.microsoft.com/office/powerpoint/2010/main" val="1482631530"/>
+        <p14:creationId xmlns:p14="http://schemas.microsoft.com/office/powerpoint/2010/main" val="570694735"/>
       </p:ext>
     </p:extLst>
   </p:cSld>
@@ -3004,34 +3192,13 @@
           <a:p>
             <a:r>
               <a:rPr lang="de-DE" dirty="0" smtClean="0"/>
-              <a:t>Erweiterung der Face </a:t>
-            </a:r>
-            <a:r>
-              <a:rPr lang="de-DE" dirty="0" err="1" smtClean="0"/>
-              <a:t>Detection</a:t>
-            </a:r>
-            <a:endParaRPr lang="de-DE" dirty="0" smtClean="0"/>
-          </a:p>
-          <a:p>
-            <a:r>
-              <a:rPr lang="de-DE" dirty="0" smtClean="0"/>
-              <a:t>Aus Basis von </a:t>
-            </a:r>
-            <a:r>
-              <a:rPr lang="de-DE" dirty="0" err="1" smtClean="0"/>
-              <a:t>Deep</a:t>
-            </a:r>
-            <a:r>
-              <a:rPr lang="de-DE" dirty="0" smtClean="0"/>
-              <a:t> Learning Algorithmen</a:t>
+              <a:t>In der Demo wurde nur Gesichtserkennung</a:t>
             </a:r>
             <a:r>
               <a:rPr lang="de-DE" baseline="0" dirty="0" smtClean="0"/>
-              <a:t> werden detektierte Gesichter gelernten Namen zugeordnet</a:t>
-            </a:r>
-          </a:p>
-          <a:p>
-            <a:endParaRPr lang="de-DE" baseline="0" dirty="0" smtClean="0"/>
+              <a:t> und Augenerkennung genutzt</a:t>
+            </a:r>
+            <a:endParaRPr lang="de-DE" dirty="0"/>
           </a:p>
         </p:txBody>
       </p:sp>
@@ -3052,7 +3219,7 @@
           <a:p>
             <a:fld id="{822DCA9E-6AC6-4AB6-ADE9-9D0DA32568A3}" type="slidenum">
               <a:rPr lang="de-DE" smtClean="0"/>
-              <a:t>36</a:t>
+              <a:t>31</a:t>
             </a:fld>
             <a:endParaRPr lang="de-DE"/>
           </a:p>
@@ -3061,7 +3228,7 @@
     </p:spTree>
     <p:extLst>
       <p:ext uri="{BB962C8B-B14F-4D97-AF65-F5344CB8AC3E}">
-        <p14:creationId xmlns:p14="http://schemas.microsoft.com/office/powerpoint/2010/main" val="564991413"/>
+        <p14:creationId xmlns:p14="http://schemas.microsoft.com/office/powerpoint/2010/main" val="4230191722"/>
       </p:ext>
     </p:extLst>
   </p:cSld>
@@ -3116,89 +3283,35 @@
           <a:lstStyle/>
           <a:p>
             <a:r>
+              <a:rPr lang="de-DE" dirty="0" smtClean="0"/>
+              <a:t>Erweiterung der Face </a:t>
+            </a:r>
+            <a:r>
+              <a:rPr lang="de-DE" dirty="0" err="1" smtClean="0"/>
+              <a:t>Detection</a:t>
+            </a:r>
+            <a:endParaRPr lang="de-DE" dirty="0" smtClean="0"/>
+          </a:p>
+          <a:p>
+            <a:r>
+              <a:rPr lang="de-DE" dirty="0" smtClean="0"/>
+              <a:t>Aus Basis von </a:t>
+            </a:r>
+            <a:r>
+              <a:rPr lang="de-DE" dirty="0" err="1" smtClean="0"/>
+              <a:t>Deep</a:t>
+            </a:r>
+            <a:r>
+              <a:rPr lang="de-DE" dirty="0" smtClean="0"/>
+              <a:t> Learning Algorithmen</a:t>
+            </a:r>
+            <a:r>
               <a:rPr lang="de-DE" baseline="0" dirty="0" smtClean="0"/>
-              <a:t>Problem: Wie lernt man das Gesicht?</a:t>
-            </a:r>
-          </a:p>
-          <a:p>
-            <a:pPr marL="171450" indent="-171450">
-              <a:buFont typeface="Arial" panose="020B0604020202020204" pitchFamily="34" charset="0"/>
-              <a:buChar char="•"/>
-            </a:pPr>
-            <a:r>
-              <a:rPr lang="de-DE" baseline="0" dirty="0" smtClean="0"/>
-              <a:t>Person schaut frontal in die Kamera =&gt; Computer kann das Gesicht nahezu problemlos erkennen</a:t>
-            </a:r>
-          </a:p>
-          <a:p>
-            <a:pPr marL="171450" indent="-171450">
-              <a:buFont typeface="Arial" panose="020B0604020202020204" pitchFamily="34" charset="0"/>
-              <a:buChar char="•"/>
-            </a:pPr>
-            <a:r>
-              <a:rPr lang="de-DE" baseline="0" dirty="0" smtClean="0"/>
-              <a:t>Person schaut leicht zur Seite oder ungünstiger Winkel =&gt; Computer kann das Gesicht oft nicht mehr erkennen</a:t>
-            </a:r>
-          </a:p>
-          <a:p>
-            <a:pPr marL="171450" indent="-171450">
-              <a:buFont typeface="Arial" panose="020B0604020202020204" pitchFamily="34" charset="0"/>
-              <a:buChar char="•"/>
-            </a:pPr>
+              <a:t> werden detektierte Gesichter gelernten Namen zugeordnet</a:t>
+            </a:r>
+          </a:p>
+          <a:p>
             <a:endParaRPr lang="de-DE" baseline="0" dirty="0" smtClean="0"/>
-          </a:p>
-          <a:p>
-            <a:pPr marL="0" indent="0">
-              <a:buFont typeface="Arial" panose="020B0604020202020204" pitchFamily="34" charset="0"/>
-              <a:buNone/>
-            </a:pPr>
-            <a:r>
-              <a:rPr lang="de-DE" baseline="0" dirty="0" smtClean="0"/>
-              <a:t>Zu sehen: </a:t>
-            </a:r>
-            <a:r>
-              <a:rPr lang="de-DE" sz="1200" b="0" i="0" u="none" strike="noStrike" kern="1200" dirty="0" smtClean="0">
-                <a:solidFill>
-                  <a:schemeClr val="tx1"/>
-                </a:solidFill>
-                <a:effectLst/>
-                <a:latin typeface="+mn-lt"/>
-                <a:ea typeface="+mn-ea"/>
-                <a:cs typeface="+mn-cs"/>
-              </a:rPr>
-              <a:t>Chris Pratt in </a:t>
-            </a:r>
-            <a:r>
-              <a:rPr lang="de-DE" sz="1200" b="0" i="0" u="none" strike="noStrike" kern="1200" dirty="0" err="1" smtClean="0">
-                <a:solidFill>
-                  <a:schemeClr val="tx1"/>
-                </a:solidFill>
-                <a:effectLst/>
-                <a:latin typeface="+mn-lt"/>
-                <a:ea typeface="+mn-ea"/>
-                <a:cs typeface="+mn-cs"/>
-              </a:rPr>
-              <a:t>Jurassic</a:t>
-            </a:r>
-            <a:r>
-              <a:rPr lang="de-DE" sz="1200" b="0" i="0" u="none" strike="noStrike" kern="1200" baseline="0" dirty="0" smtClean="0">
-                <a:solidFill>
-                  <a:schemeClr val="tx1"/>
-                </a:solidFill>
-                <a:effectLst/>
-                <a:latin typeface="+mn-lt"/>
-                <a:ea typeface="+mn-ea"/>
-                <a:cs typeface="+mn-cs"/>
-              </a:rPr>
-              <a:t> World</a:t>
-            </a:r>
-            <a:endParaRPr lang="de-DE" dirty="0" smtClean="0"/>
-          </a:p>
-          <a:p>
-            <a:endParaRPr lang="de-DE" baseline="0" dirty="0" smtClean="0"/>
-          </a:p>
-          <a:p>
-            <a:endParaRPr lang="de-DE" dirty="0"/>
           </a:p>
         </p:txBody>
       </p:sp>
@@ -3219,7 +3332,7 @@
           <a:p>
             <a:fld id="{822DCA9E-6AC6-4AB6-ADE9-9D0DA32568A3}" type="slidenum">
               <a:rPr lang="de-DE" smtClean="0"/>
-              <a:t>37</a:t>
+              <a:t>36</a:t>
             </a:fld>
             <a:endParaRPr lang="de-DE"/>
           </a:p>
@@ -3228,7 +3341,7 @@
     </p:spTree>
     <p:extLst>
       <p:ext uri="{BB962C8B-B14F-4D97-AF65-F5344CB8AC3E}">
-        <p14:creationId xmlns:p14="http://schemas.microsoft.com/office/powerpoint/2010/main" val="4184497455"/>
+        <p14:creationId xmlns:p14="http://schemas.microsoft.com/office/powerpoint/2010/main" val="564991413"/>
       </p:ext>
     </p:extLst>
   </p:cSld>
@@ -3283,28 +3396,8 @@
           <a:lstStyle/>
           <a:p>
             <a:r>
-              <a:rPr lang="de-DE" dirty="0" smtClean="0"/>
-              <a:t>Vahid </a:t>
-            </a:r>
-            <a:r>
-              <a:rPr lang="de-DE" dirty="0" err="1" smtClean="0"/>
-              <a:t>Kezami</a:t>
-            </a:r>
-            <a:r>
-              <a:rPr lang="de-DE" dirty="0" smtClean="0"/>
-              <a:t> und Josephine</a:t>
-            </a:r>
-            <a:r>
               <a:rPr lang="de-DE" baseline="0" dirty="0" smtClean="0"/>
-              <a:t> Sullivan: Face Landmark </a:t>
-            </a:r>
-            <a:r>
-              <a:rPr lang="de-DE" baseline="0" dirty="0" err="1" smtClean="0"/>
-              <a:t>Estimation</a:t>
-            </a:r>
-            <a:r>
-              <a:rPr lang="de-DE" baseline="0" dirty="0" smtClean="0"/>
-              <a:t> Algorithmus</a:t>
+              <a:t>Problem: Wie lernt man das Gesicht?</a:t>
             </a:r>
           </a:p>
           <a:p>
@@ -3314,27 +3407,7 @@
             </a:pPr>
             <a:r>
               <a:rPr lang="de-DE" baseline="0" dirty="0" smtClean="0"/>
-              <a:t>68 Landmarks definiert, welche die meisten Gesichter haben</a:t>
-            </a:r>
-          </a:p>
-          <a:p>
-            <a:pPr marL="628650" lvl="1" indent="-171450">
-              <a:buFont typeface="Arial" panose="020B0604020202020204" pitchFamily="34" charset="0"/>
-              <a:buChar char="•"/>
-            </a:pPr>
-            <a:r>
-              <a:rPr lang="de-DE" baseline="0" dirty="0" smtClean="0"/>
-              <a:t>Augen, Nase und Mund deutlich markiert</a:t>
-            </a:r>
-          </a:p>
-          <a:p>
-            <a:pPr marL="628650" lvl="1" indent="-171450">
-              <a:buFont typeface="Arial" panose="020B0604020202020204" pitchFamily="34" charset="0"/>
-              <a:buChar char="•"/>
-            </a:pPr>
-            <a:r>
-              <a:rPr lang="de-DE" baseline="0" dirty="0" smtClean="0"/>
-              <a:t>Kinn und Augenbrauen als Grenzen festgelegt</a:t>
+              <a:t>Person schaut frontal in die Kamera =&gt; Computer kann das Gesicht nahezu problemlos erkennen</a:t>
             </a:r>
           </a:p>
           <a:p>
@@ -3344,17 +3417,7 @@
             </a:pPr>
             <a:r>
               <a:rPr lang="de-DE" baseline="0" dirty="0" smtClean="0"/>
-              <a:t>Die erstellte Maske wird auf das Eingabebild angewandt. </a:t>
-            </a:r>
-          </a:p>
-          <a:p>
-            <a:pPr marL="171450" indent="-171450">
-              <a:buFont typeface="Arial" panose="020B0604020202020204" pitchFamily="34" charset="0"/>
-              <a:buChar char="•"/>
-            </a:pPr>
-            <a:r>
-              <a:rPr lang="de-DE" baseline="0" dirty="0" smtClean="0"/>
-              <a:t>Frontal kein Problem, anderer Winkel wird das Bild mit simplen Transformationen angepasst (Rotation, Skalierung…)</a:t>
+              <a:t>Person schaut leicht zur Seite oder ungünstiger Winkel =&gt; Computer kann das Gesicht oft nicht mehr erkennen</a:t>
             </a:r>
           </a:p>
           <a:p>
@@ -3365,22 +3428,54 @@
             <a:endParaRPr lang="de-DE" baseline="0" dirty="0" smtClean="0"/>
           </a:p>
           <a:p>
-            <a:pPr marL="171450" indent="-171450">
+            <a:pPr marL="0" indent="0">
               <a:buFont typeface="Arial" panose="020B0604020202020204" pitchFamily="34" charset="0"/>
-              <a:buChar char="•"/>
+              <a:buNone/>
             </a:pPr>
             <a:r>
               <a:rPr lang="de-DE" baseline="0" dirty="0" smtClean="0"/>
-              <a:t>Ziel ist es die relevanten Merkmale wie Augen </a:t>
-            </a:r>
-            <a:r>
-              <a:rPr lang="de-DE" baseline="0" dirty="0" err="1" smtClean="0"/>
-              <a:t>etc</a:t>
-            </a:r>
-            <a:r>
-              <a:rPr lang="de-DE" baseline="0" dirty="0" smtClean="0"/>
-              <a:t> zu zentrieren, damit der nächste Schritt einfacher wird</a:t>
-            </a:r>
+              <a:t>Zu sehen: </a:t>
+            </a:r>
+            <a:r>
+              <a:rPr lang="de-DE" sz="1200" b="0" i="0" u="none" strike="noStrike" kern="1200" dirty="0" smtClean="0">
+                <a:solidFill>
+                  <a:schemeClr val="tx1"/>
+                </a:solidFill>
+                <a:effectLst/>
+                <a:latin typeface="+mn-lt"/>
+                <a:ea typeface="+mn-ea"/>
+                <a:cs typeface="+mn-cs"/>
+              </a:rPr>
+              <a:t>Chris Pratt in </a:t>
+            </a:r>
+            <a:r>
+              <a:rPr lang="de-DE" sz="1200" b="0" i="0" u="none" strike="noStrike" kern="1200" dirty="0" err="1" smtClean="0">
+                <a:solidFill>
+                  <a:schemeClr val="tx1"/>
+                </a:solidFill>
+                <a:effectLst/>
+                <a:latin typeface="+mn-lt"/>
+                <a:ea typeface="+mn-ea"/>
+                <a:cs typeface="+mn-cs"/>
+              </a:rPr>
+              <a:t>Jurassic</a:t>
+            </a:r>
+            <a:r>
+              <a:rPr lang="de-DE" sz="1200" b="0" i="0" u="none" strike="noStrike" kern="1200" baseline="0" dirty="0" smtClean="0">
+                <a:solidFill>
+                  <a:schemeClr val="tx1"/>
+                </a:solidFill>
+                <a:effectLst/>
+                <a:latin typeface="+mn-lt"/>
+                <a:ea typeface="+mn-ea"/>
+                <a:cs typeface="+mn-cs"/>
+              </a:rPr>
+              <a:t> World</a:t>
+            </a:r>
+            <a:endParaRPr lang="de-DE" dirty="0" smtClean="0"/>
+          </a:p>
+          <a:p>
+            <a:endParaRPr lang="de-DE" baseline="0" dirty="0" smtClean="0"/>
           </a:p>
           <a:p>
             <a:endParaRPr lang="de-DE" dirty="0"/>
@@ -3404,7 +3499,7 @@
           <a:p>
             <a:fld id="{822DCA9E-6AC6-4AB6-ADE9-9D0DA32568A3}" type="slidenum">
               <a:rPr lang="de-DE" smtClean="0"/>
-              <a:t>38</a:t>
+              <a:t>37</a:t>
             </a:fld>
             <a:endParaRPr lang="de-DE"/>
           </a:p>
@@ -3413,7 +3508,7 @@
     </p:spTree>
     <p:extLst>
       <p:ext uri="{BB962C8B-B14F-4D97-AF65-F5344CB8AC3E}">
-        <p14:creationId xmlns:p14="http://schemas.microsoft.com/office/powerpoint/2010/main" val="4275210931"/>
+        <p14:creationId xmlns:p14="http://schemas.microsoft.com/office/powerpoint/2010/main" val="4184497455"/>
       </p:ext>
     </p:extLst>
   </p:cSld>
@@ -7837,7 +7932,7 @@
                 <a14:useLocalDpi xmlns:a14="http://schemas.microsoft.com/office/drawing/2010/main" val="0"/>
               </a:ext>
               <a:ext uri="{96DAC541-7B7A-43D3-8B79-37D633B846F1}">
-                <asvg:svgBlip xmlns="" xmlns:asvg="http://schemas.microsoft.com/office/drawing/2016/SVG/main" r:embed="rId3"/>
+                <asvg:svgBlip xmlns:asvg="http://schemas.microsoft.com/office/drawing/2016/SVG/main" xmlns="" r:embed="rId3"/>
               </a:ext>
             </a:extLst>
           </a:blip>
@@ -8197,7 +8292,7 @@
                 <a14:useLocalDpi xmlns:a14="http://schemas.microsoft.com/office/drawing/2010/main" val="0"/>
               </a:ext>
               <a:ext uri="{96DAC541-7B7A-43D3-8B79-37D633B846F1}">
-                <asvg:svgBlip xmlns="" xmlns:asvg="http://schemas.microsoft.com/office/drawing/2016/SVG/main" r:embed="rId3"/>
+                <asvg:svgBlip xmlns:asvg="http://schemas.microsoft.com/office/drawing/2016/SVG/main" xmlns="" r:embed="rId3"/>
               </a:ext>
             </a:extLst>
           </a:blip>
@@ -8380,7 +8475,7 @@
                 <a14:useLocalDpi xmlns:a14="http://schemas.microsoft.com/office/drawing/2010/main" val="0"/>
               </a:ext>
               <a:ext uri="{96DAC541-7B7A-43D3-8B79-37D633B846F1}">
-                <asvg:svgBlip xmlns="" xmlns:asvg="http://schemas.microsoft.com/office/drawing/2016/SVG/main" r:embed="rId3"/>
+                <asvg:svgBlip xmlns:asvg="http://schemas.microsoft.com/office/drawing/2016/SVG/main" xmlns="" r:embed="rId3"/>
               </a:ext>
             </a:extLst>
           </a:blip>
@@ -11437,8 +11532,69 @@
           <a:lstStyle/>
           <a:p>
             <a:r>
+              <a:rPr lang="de-DE" dirty="0" err="1" smtClean="0"/>
+              <a:t>OpenCV</a:t>
+            </a:r>
+            <a:r>
               <a:rPr lang="de-DE" dirty="0" smtClean="0"/>
-              <a:t>Beschreiben was verwendet wurde</a:t>
+              <a:t> stellt vortrainierte </a:t>
+            </a:r>
+            <a:r>
+              <a:rPr lang="de-DE" dirty="0" err="1" smtClean="0"/>
+              <a:t>Haarcascades</a:t>
+            </a:r>
+            <a:r>
+              <a:rPr lang="de-DE" dirty="0" smtClean="0"/>
+              <a:t> bereit</a:t>
+            </a:r>
+          </a:p>
+          <a:p>
+            <a:pPr lvl="1"/>
+            <a:r>
+              <a:rPr lang="de-DE" b="1" dirty="0" smtClean="0"/>
+              <a:t>Einfache Gesichtserkennung</a:t>
+            </a:r>
+          </a:p>
+          <a:p>
+            <a:pPr lvl="1"/>
+            <a:r>
+              <a:rPr lang="de-DE" b="1" dirty="0" smtClean="0"/>
+              <a:t>Augenerkennung</a:t>
+            </a:r>
+          </a:p>
+          <a:p>
+            <a:pPr lvl="1"/>
+            <a:r>
+              <a:rPr lang="de-DE" dirty="0" smtClean="0"/>
+              <a:t>Ganzkörpererkennung</a:t>
+            </a:r>
+          </a:p>
+          <a:p>
+            <a:pPr lvl="1"/>
+            <a:r>
+              <a:rPr lang="de-DE" dirty="0" smtClean="0"/>
+              <a:t>Oberkörpererkennung</a:t>
+            </a:r>
+          </a:p>
+          <a:p>
+            <a:pPr lvl="1"/>
+            <a:r>
+              <a:rPr lang="de-DE" dirty="0" smtClean="0"/>
+              <a:t>Unterkörpererkennung</a:t>
+            </a:r>
+          </a:p>
+          <a:p>
+            <a:pPr lvl="1"/>
+            <a:r>
+              <a:rPr lang="de-DE" dirty="0" smtClean="0"/>
+              <a:t>Katzenerkennung</a:t>
+            </a:r>
+          </a:p>
+          <a:p>
+            <a:pPr lvl="1"/>
+            <a:r>
+              <a:rPr lang="de-DE" dirty="0" smtClean="0"/>
+              <a:t>Etc.</a:t>
             </a:r>
             <a:endParaRPr lang="de-DE" dirty="0"/>
           </a:p>
@@ -11655,7 +11811,7 @@
 </file>
 
 <file path=ppt/slides/slide33.xml><?xml version="1.0" encoding="utf-8"?>
-<p:sld xmlns:a="http://schemas.openxmlformats.org/drawingml/2006/main" xmlns:r="http://schemas.openxmlformats.org/officeDocument/2006/relationships" xmlns:p="http://schemas.openxmlformats.org/presentationml/2006/main">
+<p:sld xmlns:a="http://schemas.openxmlformats.org/drawingml/2006/main" xmlns:r="http://schemas.openxmlformats.org/officeDocument/2006/relationships" xmlns:p="http://schemas.openxmlformats.org/presentationml/2006/main" show="0">
   <p:cSld>
     <p:spTree>
       <p:nvGrpSpPr>
@@ -11719,7 +11875,7 @@
           <a:p>
             <a:r>
               <a:rPr lang="de-DE" dirty="0" smtClean="0"/>
-              <a:t>Beschreiben was verwendet wurde</a:t>
+              <a:t>Fliegt wahrscheinlich raus</a:t>
             </a:r>
             <a:endParaRPr lang="de-DE" dirty="0"/>
           </a:p>
@@ -11804,11 +11960,19 @@
   <p:clrMapOvr>
     <a:masterClrMapping/>
   </p:clrMapOvr>
+  <mc:AlternateContent xmlns:mc="http://schemas.openxmlformats.org/markup-compatibility/2006">
+    <mc:Choice xmlns:p14="http://schemas.microsoft.com/office/powerpoint/2010/main" Requires="p14">
+      <p:transition spd="slow" p14:dur="2000"/>
+    </mc:Choice>
+    <mc:Fallback>
+      <p:transition spd="slow"/>
+    </mc:Fallback>
+  </mc:AlternateContent>
 </p:sld>
 </file>
 
 <file path=ppt/slides/slide34.xml><?xml version="1.0" encoding="utf-8"?>
-<p:sld xmlns:a="http://schemas.openxmlformats.org/drawingml/2006/main" xmlns:r="http://schemas.openxmlformats.org/officeDocument/2006/relationships" xmlns:p="http://schemas.openxmlformats.org/presentationml/2006/main">
+<p:sld xmlns:a="http://schemas.openxmlformats.org/drawingml/2006/main" xmlns:r="http://schemas.openxmlformats.org/officeDocument/2006/relationships" xmlns:p="http://schemas.openxmlformats.org/presentationml/2006/main" show="0">
   <p:cSld>
     <p:spTree>
       <p:nvGrpSpPr>
@@ -11932,6 +12096,14 @@
   <p:clrMapOvr>
     <a:masterClrMapping/>
   </p:clrMapOvr>
+  <mc:AlternateContent xmlns:mc="http://schemas.openxmlformats.org/markup-compatibility/2006">
+    <mc:Choice xmlns:p14="http://schemas.microsoft.com/office/powerpoint/2010/main" Requires="p14">
+      <p:transition spd="slow" p14:dur="2000"/>
+    </mc:Choice>
+    <mc:Fallback>
+      <p:transition spd="slow"/>
+    </mc:Fallback>
+  </mc:AlternateContent>
 </p:sld>
 </file>
 
@@ -11975,11 +12147,7 @@
           <a:p>
             <a:r>
               <a:rPr lang="de-DE" dirty="0" smtClean="0"/>
-              <a:t>Face </a:t>
-            </a:r>
-            <a:r>
-              <a:rPr lang="de-DE" dirty="0" smtClean="0"/>
-              <a:t>Recognition</a:t>
+              <a:t>Face Recognition</a:t>
             </a:r>
             <a:endParaRPr lang="en-DE" dirty="0"/>
           </a:p>
@@ -12625,11 +12793,7 @@
             </a:r>
             <a:r>
               <a:rPr lang="de-DE" dirty="0" smtClean="0"/>
-              <a:t> </a:t>
-            </a:r>
-            <a:r>
-              <a:rPr lang="de-DE" dirty="0" smtClean="0"/>
-              <a:t>Landmarks</a:t>
+              <a:t> Landmarks</a:t>
             </a:r>
             <a:endParaRPr lang="en-DE" dirty="0"/>
           </a:p>
@@ -12829,11 +12993,7 @@
             </a:r>
             <a:r>
               <a:rPr lang="de-DE" dirty="0" smtClean="0"/>
-              <a:t> </a:t>
-            </a:r>
-            <a:r>
-              <a:rPr lang="de-DE" dirty="0" smtClean="0"/>
-              <a:t>Landmarks</a:t>
+              <a:t> Landmarks</a:t>
             </a:r>
             <a:endParaRPr lang="en-DE" dirty="0"/>
           </a:p>
@@ -13244,9 +13404,42 @@
           <a:lstStyle/>
           <a:p>
             <a:r>
+              <a:rPr lang="de-DE" dirty="0" err="1" smtClean="0"/>
+              <a:t>Dlib</a:t>
+            </a:r>
+            <a:endParaRPr lang="de-DE" dirty="0" smtClean="0"/>
+          </a:p>
+          <a:p>
+            <a:pPr lvl="1"/>
+            <a:r>
               <a:rPr lang="de-DE" dirty="0" smtClean="0"/>
-              <a:t>Beschreiben was verwendet wurde</a:t>
-            </a:r>
+              <a:t>Stellt Algorithmen für Bildverarbeitung und </a:t>
+            </a:r>
+            <a:r>
+              <a:rPr lang="de-DE" dirty="0" err="1" smtClean="0"/>
+              <a:t>Machine</a:t>
+            </a:r>
+            <a:r>
+              <a:rPr lang="de-DE" dirty="0" smtClean="0"/>
+              <a:t> Learning bereit</a:t>
+            </a:r>
+          </a:p>
+          <a:p>
+            <a:pPr lvl="1"/>
+            <a:r>
+              <a:rPr lang="de-DE" dirty="0" smtClean="0"/>
+              <a:t>Implementiert in C++</a:t>
+            </a:r>
+          </a:p>
+          <a:p>
+            <a:pPr lvl="1"/>
+            <a:r>
+              <a:rPr lang="de-DE" dirty="0" smtClean="0"/>
+              <a:t>Stellt Schnittstelle für Python bereit</a:t>
+            </a:r>
+            <a:endParaRPr lang="de-DE" dirty="0" smtClean="0"/>
+          </a:p>
+          <a:p>
             <a:endParaRPr lang="de-DE" dirty="0"/>
           </a:p>
         </p:txBody>
@@ -13711,12 +13904,8 @@
           <a:lstStyle/>
           <a:p>
             <a:r>
-              <a:rPr lang="de-DE" dirty="0" err="1" smtClean="0"/>
-              <a:t>Facial</a:t>
-            </a:r>
-            <a:r>
               <a:rPr lang="de-DE" dirty="0" smtClean="0"/>
-              <a:t> Recognition - Datensatzerstellung</a:t>
+              <a:t>Datensatzerstellung – Bing Search API</a:t>
             </a:r>
             <a:endParaRPr lang="en-DE" dirty="0"/>
           </a:p>
@@ -13743,16 +13932,6 @@
           <a:bodyPr/>
           <a:lstStyle/>
           <a:p>
-            <a:r>
-              <a:rPr lang="de-DE" dirty="0" smtClean="0"/>
-              <a:t>Manuell</a:t>
-            </a:r>
-          </a:p>
-          <a:p>
-            <a:r>
-              <a:rPr lang="de-DE" dirty="0" smtClean="0"/>
-              <a:t>Bing Search API</a:t>
-            </a:r>
             <a:endParaRPr lang="de-DE" dirty="0"/>
           </a:p>
         </p:txBody>
@@ -13847,7 +14026,7 @@
     </p:spTree>
     <p:extLst>
       <p:ext uri="{BB962C8B-B14F-4D97-AF65-F5344CB8AC3E}">
-        <p14:creationId xmlns:p14="http://schemas.microsoft.com/office/powerpoint/2010/main" val="3105933271"/>
+        <p14:creationId xmlns:p14="http://schemas.microsoft.com/office/powerpoint/2010/main" val="4063828224"/>
       </p:ext>
     </p:extLst>
   </p:cSld>
@@ -13904,7 +14083,11 @@
           <a:p>
             <a:r>
               <a:rPr lang="de-DE" dirty="0" smtClean="0"/>
-              <a:t>Datensatzerstellung – Bing Search API</a:t>
+              <a:t>Datensatzerstellung – </a:t>
+            </a:r>
+            <a:r>
+              <a:rPr lang="de-DE" dirty="0" smtClean="0"/>
+              <a:t>Manuell</a:t>
             </a:r>
             <a:endParaRPr lang="en-DE" dirty="0"/>
           </a:p>
@@ -14025,7 +14208,7 @@
     </p:spTree>
     <p:extLst>
       <p:ext uri="{BB962C8B-B14F-4D97-AF65-F5344CB8AC3E}">
-        <p14:creationId xmlns:p14="http://schemas.microsoft.com/office/powerpoint/2010/main" val="4063828224"/>
+        <p14:creationId xmlns:p14="http://schemas.microsoft.com/office/powerpoint/2010/main" val="4225877316"/>
       </p:ext>
     </p:extLst>
   </p:cSld>
@@ -14075,12 +14258,8 @@
           <a:lstStyle/>
           <a:p>
             <a:r>
-              <a:rPr lang="de-DE" dirty="0"/>
-              <a:t>Bing Search </a:t>
-            </a:r>
-            <a:r>
               <a:rPr lang="de-DE" dirty="0" smtClean="0"/>
-              <a:t>API – Demo</a:t>
+              <a:t>Face Recognition - Demo</a:t>
             </a:r>
             <a:endParaRPr lang="de-DE" dirty="0"/>
           </a:p>
@@ -14103,21 +14282,22 @@
           <a:p>
             <a:r>
               <a:rPr lang="de-DE" dirty="0" smtClean="0"/>
-              <a:t>Beschreiben was verwendet </a:t>
-            </a:r>
+              <a:t>Einmal pur mit </a:t>
+            </a:r>
+            <a:r>
+              <a:rPr lang="de-DE" dirty="0" err="1" smtClean="0"/>
+              <a:t>OpenCV</a:t>
+            </a:r>
+            <a:endParaRPr lang="de-DE" dirty="0" smtClean="0"/>
+          </a:p>
+          <a:p>
             <a:r>
               <a:rPr lang="de-DE" dirty="0" smtClean="0"/>
-              <a:t>wurde</a:t>
-            </a:r>
-          </a:p>
-          <a:p>
-            <a:r>
-              <a:rPr lang="de-DE" dirty="0" smtClean="0"/>
-              <a:t>Nur Ergebnis zeigen, keine </a:t>
-            </a:r>
-            <a:r>
-              <a:rPr lang="de-DE" smtClean="0"/>
-              <a:t>LiveDemo</a:t>
+              <a:t>Einmal mit </a:t>
+            </a:r>
+            <a:r>
+              <a:rPr lang="de-DE" dirty="0" err="1" smtClean="0"/>
+              <a:t>Dlib</a:t>
             </a:r>
             <a:endParaRPr lang="de-DE" dirty="0"/>
           </a:p>
@@ -14138,7 +14318,7 @@
           <a:bodyPr/>
           <a:lstStyle/>
           <a:p>
-            <a:fld id="{CB714FEE-9243-4641-85EF-06B0C65BC59C}" type="datetime1">
+            <a:fld id="{2E350043-14B0-4507-987D-25AF5D3413E8}" type="datetime1">
               <a:rPr lang="de-DE" smtClean="0"/>
               <a:t>25.04.2020</a:t>
             </a:fld>
@@ -14195,20 +14375,13 @@
     </p:spTree>
     <p:extLst>
       <p:ext uri="{BB962C8B-B14F-4D97-AF65-F5344CB8AC3E}">
-        <p14:creationId xmlns:p14="http://schemas.microsoft.com/office/powerpoint/2010/main" val="709077638"/>
+        <p14:creationId xmlns:p14="http://schemas.microsoft.com/office/powerpoint/2010/main" val="3261023746"/>
       </p:ext>
     </p:extLst>
   </p:cSld>
   <p:clrMapOvr>
     <a:masterClrMapping/>
   </p:clrMapOvr>
-  <p:timing>
-    <p:tnLst>
-      <p:par>
-        <p:cTn id="1" dur="indefinite" restart="never" nodeType="tmRoot"/>
-      </p:par>
-    </p:tnLst>
-  </p:timing>
 </p:sld>
 </file>
 
@@ -14273,7 +14446,7 @@
           <a:bodyPr/>
           <a:lstStyle/>
           <a:p>
-            <a:fld id="{64F36089-173D-4886-B365-1E92F87BDF8C}" type="datetime1">
+            <a:fld id="{CF12750A-0466-4769-8B24-DB4715358FA4}" type="datetime1">
               <a:rPr lang="de-DE" smtClean="0"/>
               <a:t>25.04.2020</a:t>
             </a:fld>
@@ -14330,7 +14503,7 @@
     </p:spTree>
     <p:extLst>
       <p:ext uri="{BB962C8B-B14F-4D97-AF65-F5344CB8AC3E}">
-        <p14:creationId xmlns:p14="http://schemas.microsoft.com/office/powerpoint/2010/main" val="2377672487"/>
+        <p14:creationId xmlns:p14="http://schemas.microsoft.com/office/powerpoint/2010/main" val="1062093266"/>
       </p:ext>
     </p:extLst>
   </p:cSld>
@@ -14359,10 +14532,10 @@
       </p:grpSpPr>
       <p:sp>
         <p:nvSpPr>
-          <p:cNvPr id="7" name="Titel 6">
-            <a:extLst>
-              <a:ext uri="{FF2B5EF4-FFF2-40B4-BE49-F238E27FC236}">
-                <a16:creationId xmlns:a16="http://schemas.microsoft.com/office/drawing/2014/main" id="{FCBF07AF-63C0-486A-A777-5AF786F03BD3}"/>
+          <p:cNvPr id="4" name="Titel 3">
+            <a:extLst>
+              <a:ext uri="{FF2B5EF4-FFF2-40B4-BE49-F238E27FC236}">
+                <a16:creationId xmlns:a16="http://schemas.microsoft.com/office/drawing/2014/main" id="{BAFEB9B6-68B7-493C-8627-50397D1A6789}"/>
               </a:ext>
             </a:extLst>
           </p:cNvPr>
@@ -14380,7 +14553,7 @@
           <a:p>
             <a:r>
               <a:rPr lang="de-DE" dirty="0" smtClean="0"/>
-              <a:t>Merkmalsextraktion</a:t>
+              <a:t>Weiterführendes</a:t>
             </a:r>
             <a:endParaRPr lang="en-DE" dirty="0"/>
           </a:p>
@@ -14388,35 +14561,35 @@
       </p:sp>
       <p:sp>
         <p:nvSpPr>
-          <p:cNvPr id="5" name="Inhaltsplatzhalter 4">
-            <a:extLst>
-              <a:ext uri="{FF2B5EF4-FFF2-40B4-BE49-F238E27FC236}">
-                <a16:creationId xmlns:a16="http://schemas.microsoft.com/office/drawing/2014/main" id="{D96C7B3B-8027-4287-996E-4AA0FFC422C8}"/>
-              </a:ext>
-            </a:extLst>
-          </p:cNvPr>
-          <p:cNvSpPr>
-            <a:spLocks noGrp="1"/>
-          </p:cNvSpPr>
-          <p:nvPr>
-            <p:ph idx="1"/>
-          </p:nvPr>
-        </p:nvSpPr>
-        <p:spPr/>
-        <p:txBody>
-          <a:bodyPr/>
-          <a:lstStyle/>
-          <a:p>
-            <a:endParaRPr lang="de-DE" dirty="0"/>
-          </a:p>
-        </p:txBody>
-      </p:sp>
-      <p:sp>
-        <p:nvSpPr>
-          <p:cNvPr id="18" name="Datumsplatzhalter 17">
-            <a:extLst>
-              <a:ext uri="{FF2B5EF4-FFF2-40B4-BE49-F238E27FC236}">
-                <a16:creationId xmlns:a16="http://schemas.microsoft.com/office/drawing/2014/main" id="{C1A900D8-45B5-4FDC-989E-048A9CEF3F00}"/>
+          <p:cNvPr id="5" name="Textplatzhalter 4">
+            <a:extLst>
+              <a:ext uri="{FF2B5EF4-FFF2-40B4-BE49-F238E27FC236}">
+                <a16:creationId xmlns:a16="http://schemas.microsoft.com/office/drawing/2014/main" id="{731A542A-75E4-4029-991E-B47BD4E89059}"/>
+              </a:ext>
+            </a:extLst>
+          </p:cNvPr>
+          <p:cNvSpPr>
+            <a:spLocks noGrp="1"/>
+          </p:cNvSpPr>
+          <p:nvPr>
+            <p:ph type="body" idx="1"/>
+          </p:nvPr>
+        </p:nvSpPr>
+        <p:spPr/>
+        <p:txBody>
+          <a:bodyPr/>
+          <a:lstStyle/>
+          <a:p>
+            <a:endParaRPr lang="en-DE"/>
+          </a:p>
+        </p:txBody>
+      </p:sp>
+      <p:sp>
+        <p:nvSpPr>
+          <p:cNvPr id="2" name="Datumsplatzhalter 1">
+            <a:extLst>
+              <a:ext uri="{FF2B5EF4-FFF2-40B4-BE49-F238E27FC236}">
+                <a16:creationId xmlns:a16="http://schemas.microsoft.com/office/drawing/2014/main" id="{49457F69-AE03-4D16-9C06-26057A418395}"/>
               </a:ext>
             </a:extLst>
           </p:cNvPr>
@@ -14432,7 +14605,7 @@
           <a:bodyPr/>
           <a:lstStyle/>
           <a:p>
-            <a:fld id="{6757C2C2-DD55-43BA-ADD1-B49738D004A2}" type="datetime1">
+            <a:fld id="{3D80DAC3-28B3-4721-94E6-1FA865219583}" type="datetime1">
               <a:rPr lang="de-DE" smtClean="0"/>
               <a:t>25.04.2020</a:t>
             </a:fld>
@@ -14442,10 +14615,10 @@
       </p:sp>
       <p:sp>
         <p:nvSpPr>
-          <p:cNvPr id="19" name="Foliennummernplatzhalter 18">
-            <a:extLst>
-              <a:ext uri="{FF2B5EF4-FFF2-40B4-BE49-F238E27FC236}">
-                <a16:creationId xmlns:a16="http://schemas.microsoft.com/office/drawing/2014/main" id="{27BBAEC3-E26E-4ED9-B055-82E141C887B8}"/>
+          <p:cNvPr id="3" name="Foliennummernplatzhalter 2">
+            <a:extLst>
+              <a:ext uri="{FF2B5EF4-FFF2-40B4-BE49-F238E27FC236}">
+                <a16:creationId xmlns:a16="http://schemas.microsoft.com/office/drawing/2014/main" id="{9057D8EE-0F50-4ABF-B7D3-1D2A5F3784BB}"/>
               </a:ext>
             </a:extLst>
           </p:cNvPr>
@@ -14471,10 +14644,10 @@
       </p:sp>
       <p:sp>
         <p:nvSpPr>
-          <p:cNvPr id="20" name="Fußzeilenplatzhalter 19">
-            <a:extLst>
-              <a:ext uri="{FF2B5EF4-FFF2-40B4-BE49-F238E27FC236}">
-                <a16:creationId xmlns:a16="http://schemas.microsoft.com/office/drawing/2014/main" id="{22686015-84BD-43E6-BD44-EA88D2A4449D}"/>
+          <p:cNvPr id="6" name="Fußzeilenplatzhalter 5">
+            <a:extLst>
+              <a:ext uri="{FF2B5EF4-FFF2-40B4-BE49-F238E27FC236}">
+                <a16:creationId xmlns:a16="http://schemas.microsoft.com/office/drawing/2014/main" id="{5F37D782-8EC2-4B31-A4FB-79C2FD0FD8B2}"/>
               </a:ext>
             </a:extLst>
           </p:cNvPr>
@@ -14501,7 +14674,7 @@
     </p:spTree>
     <p:extLst>
       <p:ext uri="{BB962C8B-B14F-4D97-AF65-F5344CB8AC3E}">
-        <p14:creationId xmlns:p14="http://schemas.microsoft.com/office/powerpoint/2010/main" val="193991521"/>
+        <p14:creationId xmlns:p14="http://schemas.microsoft.com/office/powerpoint/2010/main" val="2488292896"/>
       </p:ext>
     </p:extLst>
   </p:cSld>
@@ -14530,7 +14703,13 @@
       </p:grpSpPr>
       <p:sp>
         <p:nvSpPr>
-          <p:cNvPr id="2" name="Titel 1"/>
+          <p:cNvPr id="4" name="Titel 3">
+            <a:extLst>
+              <a:ext uri="{FF2B5EF4-FFF2-40B4-BE49-F238E27FC236}">
+                <a16:creationId xmlns:a16="http://schemas.microsoft.com/office/drawing/2014/main" id="{BAFEB9B6-68B7-493C-8627-50397D1A6789}"/>
+              </a:ext>
+            </a:extLst>
+          </p:cNvPr>
           <p:cNvSpPr>
             <a:spLocks noGrp="1"/>
           </p:cNvSpPr>
@@ -14544,39 +14723,47 @@
           <a:lstStyle/>
           <a:p>
             <a:r>
-              <a:rPr lang="de-DE" dirty="0" smtClean="0"/>
-              <a:t>Face Recognition - Demo</a:t>
-            </a:r>
-            <a:endParaRPr lang="de-DE" dirty="0"/>
-          </a:p>
-        </p:txBody>
-      </p:sp>
-      <p:sp>
-        <p:nvSpPr>
-          <p:cNvPr id="3" name="Inhaltsplatzhalter 2"/>
-          <p:cNvSpPr>
-            <a:spLocks noGrp="1"/>
-          </p:cNvSpPr>
-          <p:nvPr>
-            <p:ph idx="1"/>
-          </p:nvPr>
-        </p:nvSpPr>
-        <p:spPr/>
-        <p:txBody>
-          <a:bodyPr/>
-          <a:lstStyle/>
-          <a:p>
-            <a:r>
-              <a:rPr lang="de-DE" dirty="0" smtClean="0"/>
-              <a:t>Beschreiben was verwendet wurde</a:t>
-            </a:r>
-            <a:endParaRPr lang="de-DE" dirty="0"/>
-          </a:p>
-        </p:txBody>
-      </p:sp>
-      <p:sp>
-        <p:nvSpPr>
-          <p:cNvPr id="4" name="Datumsplatzhalter 3"/>
+              <a:rPr lang="de-DE" dirty="0"/>
+              <a:t>Fazit</a:t>
+            </a:r>
+            <a:endParaRPr lang="en-DE" dirty="0"/>
+          </a:p>
+        </p:txBody>
+      </p:sp>
+      <p:sp>
+        <p:nvSpPr>
+          <p:cNvPr id="5" name="Textplatzhalter 4">
+            <a:extLst>
+              <a:ext uri="{FF2B5EF4-FFF2-40B4-BE49-F238E27FC236}">
+                <a16:creationId xmlns:a16="http://schemas.microsoft.com/office/drawing/2014/main" id="{731A542A-75E4-4029-991E-B47BD4E89059}"/>
+              </a:ext>
+            </a:extLst>
+          </p:cNvPr>
+          <p:cNvSpPr>
+            <a:spLocks noGrp="1"/>
+          </p:cNvSpPr>
+          <p:nvPr>
+            <p:ph type="body" idx="1"/>
+          </p:nvPr>
+        </p:nvSpPr>
+        <p:spPr/>
+        <p:txBody>
+          <a:bodyPr/>
+          <a:lstStyle/>
+          <a:p>
+            <a:endParaRPr lang="en-DE"/>
+          </a:p>
+        </p:txBody>
+      </p:sp>
+      <p:sp>
+        <p:nvSpPr>
+          <p:cNvPr id="2" name="Datumsplatzhalter 1">
+            <a:extLst>
+              <a:ext uri="{FF2B5EF4-FFF2-40B4-BE49-F238E27FC236}">
+                <a16:creationId xmlns:a16="http://schemas.microsoft.com/office/drawing/2014/main" id="{49457F69-AE03-4D16-9C06-26057A418395}"/>
+              </a:ext>
+            </a:extLst>
+          </p:cNvPr>
           <p:cNvSpPr>
             <a:spLocks noGrp="1"/>
           </p:cNvSpPr>
@@ -14589,7 +14776,7 @@
           <a:bodyPr/>
           <a:lstStyle/>
           <a:p>
-            <a:fld id="{2E350043-14B0-4507-987D-25AF5D3413E8}" type="datetime1">
+            <a:fld id="{3D80DAC3-28B3-4721-94E6-1FA865219583}" type="datetime1">
               <a:rPr lang="de-DE" smtClean="0"/>
               <a:t>25.04.2020</a:t>
             </a:fld>
@@ -14599,30 +14786,13 @@
       </p:sp>
       <p:sp>
         <p:nvSpPr>
-          <p:cNvPr id="5" name="Fußzeilenplatzhalter 4"/>
-          <p:cNvSpPr>
-            <a:spLocks noGrp="1"/>
-          </p:cNvSpPr>
-          <p:nvPr>
-            <p:ph type="ftr" sz="quarter" idx="11"/>
-          </p:nvPr>
-        </p:nvSpPr>
-        <p:spPr/>
-        <p:txBody>
-          <a:bodyPr/>
-          <a:lstStyle/>
-          <a:p>
-            <a:r>
-              <a:rPr lang="de-DE" smtClean="0"/>
-              <a:t>MSI - Bilderkennung mit OpenCV</a:t>
-            </a:r>
-            <a:endParaRPr lang="en-DE"/>
-          </a:p>
-        </p:txBody>
-      </p:sp>
-      <p:sp>
-        <p:nvSpPr>
-          <p:cNvPr id="6" name="Foliennummernplatzhalter 5"/>
+          <p:cNvPr id="3" name="Foliennummernplatzhalter 2">
+            <a:extLst>
+              <a:ext uri="{FF2B5EF4-FFF2-40B4-BE49-F238E27FC236}">
+                <a16:creationId xmlns:a16="http://schemas.microsoft.com/office/drawing/2014/main" id="{9057D8EE-0F50-4ABF-B7D3-1D2A5F3784BB}"/>
+              </a:ext>
+            </a:extLst>
+          </p:cNvPr>
           <p:cNvSpPr>
             <a:spLocks noGrp="1"/>
           </p:cNvSpPr>
@@ -14643,10 +14813,39 @@
           </a:p>
         </p:txBody>
       </p:sp>
+      <p:sp>
+        <p:nvSpPr>
+          <p:cNvPr id="6" name="Fußzeilenplatzhalter 5">
+            <a:extLst>
+              <a:ext uri="{FF2B5EF4-FFF2-40B4-BE49-F238E27FC236}">
+                <a16:creationId xmlns:a16="http://schemas.microsoft.com/office/drawing/2014/main" id="{5F37D782-8EC2-4B31-A4FB-79C2FD0FD8B2}"/>
+              </a:ext>
+            </a:extLst>
+          </p:cNvPr>
+          <p:cNvSpPr>
+            <a:spLocks noGrp="1"/>
+          </p:cNvSpPr>
+          <p:nvPr>
+            <p:ph type="ftr" sz="quarter" idx="11"/>
+          </p:nvPr>
+        </p:nvSpPr>
+        <p:spPr/>
+        <p:txBody>
+          <a:bodyPr/>
+          <a:lstStyle/>
+          <a:p>
+            <a:r>
+              <a:rPr lang="de-DE"/>
+              <a:t>MSI - Bilderkennung mit OpenCV</a:t>
+            </a:r>
+            <a:endParaRPr lang="en-DE"/>
+          </a:p>
+        </p:txBody>
+      </p:sp>
     </p:spTree>
     <p:extLst>
       <p:ext uri="{BB962C8B-B14F-4D97-AF65-F5344CB8AC3E}">
-        <p14:creationId xmlns:p14="http://schemas.microsoft.com/office/powerpoint/2010/main" val="3261023746"/>
+        <p14:creationId xmlns:p14="http://schemas.microsoft.com/office/powerpoint/2010/main" val="494002490"/>
       </p:ext>
     </p:extLst>
   </p:cSld>
@@ -14675,7 +14874,13 @@
       </p:grpSpPr>
       <p:sp>
         <p:nvSpPr>
-          <p:cNvPr id="2" name="Titel 1"/>
+          <p:cNvPr id="4" name="Titel 3">
+            <a:extLst>
+              <a:ext uri="{FF2B5EF4-FFF2-40B4-BE49-F238E27FC236}">
+                <a16:creationId xmlns:a16="http://schemas.microsoft.com/office/drawing/2014/main" id="{A8A55A97-58D3-453E-B442-CCA410A1463A}"/>
+              </a:ext>
+            </a:extLst>
+          </p:cNvPr>
           <p:cNvSpPr>
             <a:spLocks noGrp="1"/>
           </p:cNvSpPr>
@@ -14683,28 +14888,93 @@
             <p:ph type="title"/>
           </p:nvPr>
         </p:nvSpPr>
-        <p:spPr>
-          <a:xfrm>
-            <a:off x="838200" y="2343827"/>
-            <a:ext cx="10515600" cy="1325563"/>
-          </a:xfrm>
-        </p:spPr>
-        <p:txBody>
-          <a:bodyPr/>
-          <a:lstStyle/>
-          <a:p>
-            <a:pPr algn="ctr"/>
-            <a:r>
-              <a:rPr lang="de-DE" dirty="0" smtClean="0"/>
-              <a:t>DEMO</a:t>
-            </a:r>
-            <a:endParaRPr lang="de-DE" dirty="0"/>
-          </a:p>
-        </p:txBody>
-      </p:sp>
-      <p:sp>
-        <p:nvSpPr>
-          <p:cNvPr id="4" name="Datumsplatzhalter 3"/>
+        <p:spPr/>
+        <p:txBody>
+          <a:bodyPr/>
+          <a:lstStyle/>
+          <a:p>
+            <a:r>
+              <a:rPr lang="de-DE" dirty="0"/>
+              <a:t>Quellen</a:t>
+            </a:r>
+          </a:p>
+        </p:txBody>
+      </p:sp>
+      <p:sp>
+        <p:nvSpPr>
+          <p:cNvPr id="5" name="Inhaltsplatzhalter 4">
+            <a:extLst>
+              <a:ext uri="{FF2B5EF4-FFF2-40B4-BE49-F238E27FC236}">
+                <a16:creationId xmlns:a16="http://schemas.microsoft.com/office/drawing/2014/main" id="{F89ED268-107B-43A7-8EA1-67C60BB5B1D2}"/>
+              </a:ext>
+            </a:extLst>
+          </p:cNvPr>
+          <p:cNvSpPr>
+            <a:spLocks noGrp="1"/>
+          </p:cNvSpPr>
+          <p:nvPr>
+            <p:ph idx="1"/>
+          </p:nvPr>
+        </p:nvSpPr>
+        <p:spPr/>
+        <p:txBody>
+          <a:bodyPr>
+            <a:normAutofit/>
+          </a:bodyPr>
+          <a:lstStyle/>
+          <a:p>
+            <a:r>
+              <a:rPr lang="de-DE" sz="1400" dirty="0">
+                <a:hlinkClick r:id="rId2"/>
+              </a:rPr>
+              <a:t>https://blog.notebooksbilliger.de/wp-content/uploads/2017/09/galaxy-note-8-face-unlock-unsicher-title.jpg</a:t>
+            </a:r>
+            <a:endParaRPr lang="de-DE" sz="1400" dirty="0"/>
+          </a:p>
+          <a:p>
+            <a:r>
+              <a:rPr lang="de-DE" sz="1400" dirty="0">
+                <a:hlinkClick r:id="rId3"/>
+              </a:rPr>
+              <a:t>https://www.supermarktblog.com/wp-content/uploads/2019/10/amazongo26a.jpg</a:t>
+            </a:r>
+            <a:endParaRPr lang="de-DE" sz="1400" dirty="0"/>
+          </a:p>
+          <a:p>
+            <a:r>
+              <a:rPr lang="de-DE" sz="1400" dirty="0">
+                <a:hlinkClick r:id="rId4"/>
+              </a:rPr>
+              <a:t>https://www.roedel.de/images/mrt_kopf/01.jpg</a:t>
+            </a:r>
+            <a:endParaRPr lang="de-DE" sz="1400" dirty="0"/>
+          </a:p>
+          <a:p>
+            <a:r>
+              <a:rPr lang="de-DE" sz="1400" dirty="0">
+                <a:hlinkClick r:id="rId5"/>
+              </a:rPr>
+              <a:t>https://imgs.chip.de/1UzVk4G67v4aP9ZB6R668P5uQOU=/618x0/filters:format(jpeg):fill(fff,true)/www.chip.de%2Fii%2F6%2F4%2F9%2F7%2F9%2F5%2F9%2F2%2F8f785e788c13c1a9.jpeg</a:t>
+            </a:r>
+            <a:endParaRPr lang="de-DE" sz="1400" dirty="0"/>
+          </a:p>
+          <a:p>
+            <a:r>
+              <a:rPr lang="de-DE" sz="1400" dirty="0"/>
+              <a:t>https://towardsdatascience.com/the-intuition-behind-facial-detection-the-viola-jones-algorithm-29d9106b6999</a:t>
+            </a:r>
+          </a:p>
+        </p:txBody>
+      </p:sp>
+      <p:sp>
+        <p:nvSpPr>
+          <p:cNvPr id="6" name="Datumsplatzhalter 5">
+            <a:extLst>
+              <a:ext uri="{FF2B5EF4-FFF2-40B4-BE49-F238E27FC236}">
+                <a16:creationId xmlns:a16="http://schemas.microsoft.com/office/drawing/2014/main" id="{543BA872-A9A3-468A-892B-1086BD034418}"/>
+              </a:ext>
+            </a:extLst>
+          </p:cNvPr>
           <p:cNvSpPr>
             <a:spLocks noGrp="1"/>
           </p:cNvSpPr>
@@ -14717,7 +14987,7 @@
           <a:bodyPr/>
           <a:lstStyle/>
           <a:p>
-            <a:fld id="{CF12750A-0466-4769-8B24-DB4715358FA4}" type="datetime1">
+            <a:fld id="{0280BD05-374B-45A6-8F04-94237AE3833F}" type="datetime1">
               <a:rPr lang="de-DE" smtClean="0"/>
               <a:t>25.04.2020</a:t>
             </a:fld>
@@ -14727,30 +14997,13 @@
       </p:sp>
       <p:sp>
         <p:nvSpPr>
-          <p:cNvPr id="5" name="Fußzeilenplatzhalter 4"/>
-          <p:cNvSpPr>
-            <a:spLocks noGrp="1"/>
-          </p:cNvSpPr>
-          <p:nvPr>
-            <p:ph type="ftr" sz="quarter" idx="11"/>
-          </p:nvPr>
-        </p:nvSpPr>
-        <p:spPr/>
-        <p:txBody>
-          <a:bodyPr/>
-          <a:lstStyle/>
-          <a:p>
-            <a:r>
-              <a:rPr lang="de-DE" smtClean="0"/>
-              <a:t>MSI - Bilderkennung mit OpenCV</a:t>
-            </a:r>
-            <a:endParaRPr lang="en-DE"/>
-          </a:p>
-        </p:txBody>
-      </p:sp>
-      <p:sp>
-        <p:nvSpPr>
-          <p:cNvPr id="6" name="Foliennummernplatzhalter 5"/>
+          <p:cNvPr id="7" name="Foliennummernplatzhalter 6">
+            <a:extLst>
+              <a:ext uri="{FF2B5EF4-FFF2-40B4-BE49-F238E27FC236}">
+                <a16:creationId xmlns:a16="http://schemas.microsoft.com/office/drawing/2014/main" id="{6FAF5690-E1FD-411F-95AE-D293DD193CC2}"/>
+              </a:ext>
+            </a:extLst>
+          </p:cNvPr>
           <p:cNvSpPr>
             <a:spLocks noGrp="1"/>
           </p:cNvSpPr>
@@ -14771,10 +15024,39 @@
           </a:p>
         </p:txBody>
       </p:sp>
+      <p:sp>
+        <p:nvSpPr>
+          <p:cNvPr id="8" name="Fußzeilenplatzhalter 7">
+            <a:extLst>
+              <a:ext uri="{FF2B5EF4-FFF2-40B4-BE49-F238E27FC236}">
+                <a16:creationId xmlns:a16="http://schemas.microsoft.com/office/drawing/2014/main" id="{A675CE37-1C9C-408C-A40F-40C23443F8CA}"/>
+              </a:ext>
+            </a:extLst>
+          </p:cNvPr>
+          <p:cNvSpPr>
+            <a:spLocks noGrp="1"/>
+          </p:cNvSpPr>
+          <p:nvPr>
+            <p:ph type="ftr" sz="quarter" idx="11"/>
+          </p:nvPr>
+        </p:nvSpPr>
+        <p:spPr/>
+        <p:txBody>
+          <a:bodyPr/>
+          <a:lstStyle/>
+          <a:p>
+            <a:r>
+              <a:rPr lang="de-DE"/>
+              <a:t>MSI - Bilderkennung mit OpenCV</a:t>
+            </a:r>
+            <a:endParaRPr lang="en-DE"/>
+          </a:p>
+        </p:txBody>
+      </p:sp>
     </p:spTree>
     <p:extLst>
       <p:ext uri="{BB962C8B-B14F-4D97-AF65-F5344CB8AC3E}">
-        <p14:creationId xmlns:p14="http://schemas.microsoft.com/office/powerpoint/2010/main" val="1062093266"/>
+        <p14:creationId xmlns:p14="http://schemas.microsoft.com/office/powerpoint/2010/main" val="3978471983"/>
       </p:ext>
     </p:extLst>
   </p:cSld>
@@ -15061,388 +15343,6 @@
       </p:par>
     </p:tnLst>
   </p:timing>
-</p:sld>
-</file>
-
-<file path=ppt/slides/slide50.xml><?xml version="1.0" encoding="utf-8"?>
-<p:sld xmlns:a="http://schemas.openxmlformats.org/drawingml/2006/main" xmlns:r="http://schemas.openxmlformats.org/officeDocument/2006/relationships" xmlns:p="http://schemas.openxmlformats.org/presentationml/2006/main">
-  <p:cSld>
-    <p:spTree>
-      <p:nvGrpSpPr>
-        <p:cNvPr id="1" name=""/>
-        <p:cNvGrpSpPr/>
-        <p:nvPr/>
-      </p:nvGrpSpPr>
-      <p:grpSpPr>
-        <a:xfrm>
-          <a:off x="0" y="0"/>
-          <a:ext cx="0" cy="0"/>
-          <a:chOff x="0" y="0"/>
-          <a:chExt cx="0" cy="0"/>
-        </a:xfrm>
-      </p:grpSpPr>
-      <p:sp>
-        <p:nvSpPr>
-          <p:cNvPr id="4" name="Titel 3">
-            <a:extLst>
-              <a:ext uri="{FF2B5EF4-FFF2-40B4-BE49-F238E27FC236}">
-                <a16:creationId xmlns:a16="http://schemas.microsoft.com/office/drawing/2014/main" id="{BAFEB9B6-68B7-493C-8627-50397D1A6789}"/>
-              </a:ext>
-            </a:extLst>
-          </p:cNvPr>
-          <p:cNvSpPr>
-            <a:spLocks noGrp="1"/>
-          </p:cNvSpPr>
-          <p:nvPr>
-            <p:ph type="title"/>
-          </p:nvPr>
-        </p:nvSpPr>
-        <p:spPr/>
-        <p:txBody>
-          <a:bodyPr/>
-          <a:lstStyle/>
-          <a:p>
-            <a:r>
-              <a:rPr lang="de-DE" dirty="0"/>
-              <a:t>Fazit</a:t>
-            </a:r>
-            <a:endParaRPr lang="en-DE" dirty="0"/>
-          </a:p>
-        </p:txBody>
-      </p:sp>
-      <p:sp>
-        <p:nvSpPr>
-          <p:cNvPr id="5" name="Textplatzhalter 4">
-            <a:extLst>
-              <a:ext uri="{FF2B5EF4-FFF2-40B4-BE49-F238E27FC236}">
-                <a16:creationId xmlns:a16="http://schemas.microsoft.com/office/drawing/2014/main" id="{731A542A-75E4-4029-991E-B47BD4E89059}"/>
-              </a:ext>
-            </a:extLst>
-          </p:cNvPr>
-          <p:cNvSpPr>
-            <a:spLocks noGrp="1"/>
-          </p:cNvSpPr>
-          <p:nvPr>
-            <p:ph type="body" idx="1"/>
-          </p:nvPr>
-        </p:nvSpPr>
-        <p:spPr/>
-        <p:txBody>
-          <a:bodyPr/>
-          <a:lstStyle/>
-          <a:p>
-            <a:endParaRPr lang="en-DE"/>
-          </a:p>
-        </p:txBody>
-      </p:sp>
-      <p:sp>
-        <p:nvSpPr>
-          <p:cNvPr id="2" name="Datumsplatzhalter 1">
-            <a:extLst>
-              <a:ext uri="{FF2B5EF4-FFF2-40B4-BE49-F238E27FC236}">
-                <a16:creationId xmlns:a16="http://schemas.microsoft.com/office/drawing/2014/main" id="{49457F69-AE03-4D16-9C06-26057A418395}"/>
-              </a:ext>
-            </a:extLst>
-          </p:cNvPr>
-          <p:cNvSpPr>
-            <a:spLocks noGrp="1"/>
-          </p:cNvSpPr>
-          <p:nvPr>
-            <p:ph type="dt" sz="half" idx="10"/>
-          </p:nvPr>
-        </p:nvSpPr>
-        <p:spPr/>
-        <p:txBody>
-          <a:bodyPr/>
-          <a:lstStyle/>
-          <a:p>
-            <a:fld id="{3D80DAC3-28B3-4721-94E6-1FA865219583}" type="datetime1">
-              <a:rPr lang="de-DE" smtClean="0"/>
-              <a:t>25.04.2020</a:t>
-            </a:fld>
-            <a:endParaRPr lang="en-DE"/>
-          </a:p>
-        </p:txBody>
-      </p:sp>
-      <p:sp>
-        <p:nvSpPr>
-          <p:cNvPr id="3" name="Foliennummernplatzhalter 2">
-            <a:extLst>
-              <a:ext uri="{FF2B5EF4-FFF2-40B4-BE49-F238E27FC236}">
-                <a16:creationId xmlns:a16="http://schemas.microsoft.com/office/drawing/2014/main" id="{9057D8EE-0F50-4ABF-B7D3-1D2A5F3784BB}"/>
-              </a:ext>
-            </a:extLst>
-          </p:cNvPr>
-          <p:cNvSpPr>
-            <a:spLocks noGrp="1"/>
-          </p:cNvSpPr>
-          <p:nvPr>
-            <p:ph type="sldNum" sz="quarter" idx="12"/>
-          </p:nvPr>
-        </p:nvSpPr>
-        <p:spPr/>
-        <p:txBody>
-          <a:bodyPr/>
-          <a:lstStyle/>
-          <a:p>
-            <a:fld id="{2919E40B-AC7D-4A7F-9508-598983C40C41}" type="slidenum">
-              <a:rPr lang="en-DE" smtClean="0"/>
-              <a:t>50</a:t>
-            </a:fld>
-            <a:endParaRPr lang="en-DE"/>
-          </a:p>
-        </p:txBody>
-      </p:sp>
-      <p:sp>
-        <p:nvSpPr>
-          <p:cNvPr id="6" name="Fußzeilenplatzhalter 5">
-            <a:extLst>
-              <a:ext uri="{FF2B5EF4-FFF2-40B4-BE49-F238E27FC236}">
-                <a16:creationId xmlns:a16="http://schemas.microsoft.com/office/drawing/2014/main" id="{5F37D782-8EC2-4B31-A4FB-79C2FD0FD8B2}"/>
-              </a:ext>
-            </a:extLst>
-          </p:cNvPr>
-          <p:cNvSpPr>
-            <a:spLocks noGrp="1"/>
-          </p:cNvSpPr>
-          <p:nvPr>
-            <p:ph type="ftr" sz="quarter" idx="11"/>
-          </p:nvPr>
-        </p:nvSpPr>
-        <p:spPr/>
-        <p:txBody>
-          <a:bodyPr/>
-          <a:lstStyle/>
-          <a:p>
-            <a:r>
-              <a:rPr lang="de-DE"/>
-              <a:t>MSI - Bilderkennung mit OpenCV</a:t>
-            </a:r>
-            <a:endParaRPr lang="en-DE"/>
-          </a:p>
-        </p:txBody>
-      </p:sp>
-    </p:spTree>
-    <p:extLst>
-      <p:ext uri="{BB962C8B-B14F-4D97-AF65-F5344CB8AC3E}">
-        <p14:creationId xmlns:p14="http://schemas.microsoft.com/office/powerpoint/2010/main" val="2488292896"/>
-      </p:ext>
-    </p:extLst>
-  </p:cSld>
-  <p:clrMapOvr>
-    <a:masterClrMapping/>
-  </p:clrMapOvr>
-</p:sld>
-</file>
-
-<file path=ppt/slides/slide51.xml><?xml version="1.0" encoding="utf-8"?>
-<p:sld xmlns:a="http://schemas.openxmlformats.org/drawingml/2006/main" xmlns:r="http://schemas.openxmlformats.org/officeDocument/2006/relationships" xmlns:p="http://schemas.openxmlformats.org/presentationml/2006/main">
-  <p:cSld>
-    <p:spTree>
-      <p:nvGrpSpPr>
-        <p:cNvPr id="1" name=""/>
-        <p:cNvGrpSpPr/>
-        <p:nvPr/>
-      </p:nvGrpSpPr>
-      <p:grpSpPr>
-        <a:xfrm>
-          <a:off x="0" y="0"/>
-          <a:ext cx="0" cy="0"/>
-          <a:chOff x="0" y="0"/>
-          <a:chExt cx="0" cy="0"/>
-        </a:xfrm>
-      </p:grpSpPr>
-      <p:sp>
-        <p:nvSpPr>
-          <p:cNvPr id="4" name="Titel 3">
-            <a:extLst>
-              <a:ext uri="{FF2B5EF4-FFF2-40B4-BE49-F238E27FC236}">
-                <a16:creationId xmlns:a16="http://schemas.microsoft.com/office/drawing/2014/main" id="{A8A55A97-58D3-453E-B442-CCA410A1463A}"/>
-              </a:ext>
-            </a:extLst>
-          </p:cNvPr>
-          <p:cNvSpPr>
-            <a:spLocks noGrp="1"/>
-          </p:cNvSpPr>
-          <p:nvPr>
-            <p:ph type="title"/>
-          </p:nvPr>
-        </p:nvSpPr>
-        <p:spPr/>
-        <p:txBody>
-          <a:bodyPr/>
-          <a:lstStyle/>
-          <a:p>
-            <a:r>
-              <a:rPr lang="de-DE" dirty="0"/>
-              <a:t>Quellen</a:t>
-            </a:r>
-          </a:p>
-        </p:txBody>
-      </p:sp>
-      <p:sp>
-        <p:nvSpPr>
-          <p:cNvPr id="5" name="Inhaltsplatzhalter 4">
-            <a:extLst>
-              <a:ext uri="{FF2B5EF4-FFF2-40B4-BE49-F238E27FC236}">
-                <a16:creationId xmlns:a16="http://schemas.microsoft.com/office/drawing/2014/main" id="{F89ED268-107B-43A7-8EA1-67C60BB5B1D2}"/>
-              </a:ext>
-            </a:extLst>
-          </p:cNvPr>
-          <p:cNvSpPr>
-            <a:spLocks noGrp="1"/>
-          </p:cNvSpPr>
-          <p:nvPr>
-            <p:ph idx="1"/>
-          </p:nvPr>
-        </p:nvSpPr>
-        <p:spPr/>
-        <p:txBody>
-          <a:bodyPr>
-            <a:normAutofit/>
-          </a:bodyPr>
-          <a:lstStyle/>
-          <a:p>
-            <a:r>
-              <a:rPr lang="de-DE" sz="1400" dirty="0">
-                <a:hlinkClick r:id="rId2"/>
-              </a:rPr>
-              <a:t>https://blog.notebooksbilliger.de/wp-content/uploads/2017/09/galaxy-note-8-face-unlock-unsicher-title.jpg</a:t>
-            </a:r>
-            <a:endParaRPr lang="de-DE" sz="1400" dirty="0"/>
-          </a:p>
-          <a:p>
-            <a:r>
-              <a:rPr lang="de-DE" sz="1400" dirty="0">
-                <a:hlinkClick r:id="rId3"/>
-              </a:rPr>
-              <a:t>https://www.supermarktblog.com/wp-content/uploads/2019/10/amazongo26a.jpg</a:t>
-            </a:r>
-            <a:endParaRPr lang="de-DE" sz="1400" dirty="0"/>
-          </a:p>
-          <a:p>
-            <a:r>
-              <a:rPr lang="de-DE" sz="1400" dirty="0">
-                <a:hlinkClick r:id="rId4"/>
-              </a:rPr>
-              <a:t>https://www.roedel.de/images/mrt_kopf/01.jpg</a:t>
-            </a:r>
-            <a:endParaRPr lang="de-DE" sz="1400" dirty="0"/>
-          </a:p>
-          <a:p>
-            <a:r>
-              <a:rPr lang="de-DE" sz="1400" dirty="0">
-                <a:hlinkClick r:id="rId5"/>
-              </a:rPr>
-              <a:t>https://imgs.chip.de/1UzVk4G67v4aP9ZB6R668P5uQOU=/618x0/filters:format(jpeg):fill(fff,true)/www.chip.de%2Fii%2F6%2F4%2F9%2F7%2F9%2F5%2F9%2F2%2F8f785e788c13c1a9.jpeg</a:t>
-            </a:r>
-            <a:endParaRPr lang="de-DE" sz="1400" dirty="0"/>
-          </a:p>
-          <a:p>
-            <a:r>
-              <a:rPr lang="de-DE" sz="1400" dirty="0"/>
-              <a:t>https://towardsdatascience.com/the-intuition-behind-facial-detection-the-viola-jones-algorithm-29d9106b6999</a:t>
-            </a:r>
-          </a:p>
-        </p:txBody>
-      </p:sp>
-      <p:sp>
-        <p:nvSpPr>
-          <p:cNvPr id="6" name="Datumsplatzhalter 5">
-            <a:extLst>
-              <a:ext uri="{FF2B5EF4-FFF2-40B4-BE49-F238E27FC236}">
-                <a16:creationId xmlns:a16="http://schemas.microsoft.com/office/drawing/2014/main" id="{543BA872-A9A3-468A-892B-1086BD034418}"/>
-              </a:ext>
-            </a:extLst>
-          </p:cNvPr>
-          <p:cNvSpPr>
-            <a:spLocks noGrp="1"/>
-          </p:cNvSpPr>
-          <p:nvPr>
-            <p:ph type="dt" sz="half" idx="10"/>
-          </p:nvPr>
-        </p:nvSpPr>
-        <p:spPr/>
-        <p:txBody>
-          <a:bodyPr/>
-          <a:lstStyle/>
-          <a:p>
-            <a:fld id="{0280BD05-374B-45A6-8F04-94237AE3833F}" type="datetime1">
-              <a:rPr lang="de-DE" smtClean="0"/>
-              <a:t>25.04.2020</a:t>
-            </a:fld>
-            <a:endParaRPr lang="en-DE"/>
-          </a:p>
-        </p:txBody>
-      </p:sp>
-      <p:sp>
-        <p:nvSpPr>
-          <p:cNvPr id="7" name="Foliennummernplatzhalter 6">
-            <a:extLst>
-              <a:ext uri="{FF2B5EF4-FFF2-40B4-BE49-F238E27FC236}">
-                <a16:creationId xmlns:a16="http://schemas.microsoft.com/office/drawing/2014/main" id="{6FAF5690-E1FD-411F-95AE-D293DD193CC2}"/>
-              </a:ext>
-            </a:extLst>
-          </p:cNvPr>
-          <p:cNvSpPr>
-            <a:spLocks noGrp="1"/>
-          </p:cNvSpPr>
-          <p:nvPr>
-            <p:ph type="sldNum" sz="quarter" idx="12"/>
-          </p:nvPr>
-        </p:nvSpPr>
-        <p:spPr/>
-        <p:txBody>
-          <a:bodyPr/>
-          <a:lstStyle/>
-          <a:p>
-            <a:fld id="{2919E40B-AC7D-4A7F-9508-598983C40C41}" type="slidenum">
-              <a:rPr lang="en-DE" smtClean="0"/>
-              <a:t>51</a:t>
-            </a:fld>
-            <a:endParaRPr lang="en-DE"/>
-          </a:p>
-        </p:txBody>
-      </p:sp>
-      <p:sp>
-        <p:nvSpPr>
-          <p:cNvPr id="8" name="Fußzeilenplatzhalter 7">
-            <a:extLst>
-              <a:ext uri="{FF2B5EF4-FFF2-40B4-BE49-F238E27FC236}">
-                <a16:creationId xmlns:a16="http://schemas.microsoft.com/office/drawing/2014/main" id="{A675CE37-1C9C-408C-A40F-40C23443F8CA}"/>
-              </a:ext>
-            </a:extLst>
-          </p:cNvPr>
-          <p:cNvSpPr>
-            <a:spLocks noGrp="1"/>
-          </p:cNvSpPr>
-          <p:nvPr>
-            <p:ph type="ftr" sz="quarter" idx="11"/>
-          </p:nvPr>
-        </p:nvSpPr>
-        <p:spPr/>
-        <p:txBody>
-          <a:bodyPr/>
-          <a:lstStyle/>
-          <a:p>
-            <a:r>
-              <a:rPr lang="de-DE"/>
-              <a:t>MSI - Bilderkennung mit OpenCV</a:t>
-            </a:r>
-            <a:endParaRPr lang="en-DE"/>
-          </a:p>
-        </p:txBody>
-      </p:sp>
-    </p:spTree>
-    <p:extLst>
-      <p:ext uri="{BB962C8B-B14F-4D97-AF65-F5344CB8AC3E}">
-        <p14:creationId xmlns:p14="http://schemas.microsoft.com/office/powerpoint/2010/main" val="3978471983"/>
-      </p:ext>
-    </p:extLst>
-  </p:cSld>
-  <p:clrMapOvr>
-    <a:masterClrMapping/>
-  </p:clrMapOvr>
 </p:sld>
 </file>
 
